--- a/docs/Image classification using CNN for Bags.pptx
+++ b/docs/Image classification using CNN for Bags.pptx
@@ -10,6 +10,15 @@
     <p:sldId id="259" r:id="rId4"/>
     <p:sldId id="261" r:id="rId5"/>
     <p:sldId id="260" r:id="rId6"/>
+    <p:sldId id="262" r:id="rId7"/>
+    <p:sldId id="263" r:id="rId8"/>
+    <p:sldId id="266" r:id="rId9"/>
+    <p:sldId id="267" r:id="rId10"/>
+    <p:sldId id="264" r:id="rId11"/>
+    <p:sldId id="265" r:id="rId12"/>
+    <p:sldId id="268" r:id="rId13"/>
+    <p:sldId id="269" r:id="rId14"/>
+    <p:sldId id="270" r:id="rId15"/>
   </p:sldIdLst>
   <p:sldSz cx="12192000" cy="6858000"/>
   <p:notesSz cx="6858000" cy="9144000"/>
@@ -108,6 +117,11 @@
       </a:defRPr>
     </a:lvl9pPr>
   </p:defaultTextStyle>
+  <p:extLst>
+    <p:ext uri="{EFAFB233-063F-42B5-8137-9DF3F51BA10A}">
+      <p15:sldGuideLst xmlns:p15="http://schemas.microsoft.com/office/powerpoint/2012/main"/>
+    </p:ext>
+  </p:extLst>
 </p:presentation>
 </file>
 
@@ -370,6 +384,13 @@
                 </c:ext>
               </c:extLst>
             </c:dLbl>
+            <c:spPr>
+              <a:noFill/>
+              <a:ln>
+                <a:noFill/>
+              </a:ln>
+              <a:effectLst/>
+            </c:spPr>
             <c:dLblPos val="outEnd"/>
             <c:showLegendKey val="0"/>
             <c:showVal val="0"/>
@@ -1051,6 +1072,8115 @@
 </cs:chartStyle>
 </file>
 
+<file path=ppt/diagrams/colors1.xml><?xml version="1.0" encoding="utf-8"?>
+<dgm:colorsDef xmlns:dgm="http://schemas.openxmlformats.org/drawingml/2006/diagram" xmlns:a="http://schemas.openxmlformats.org/drawingml/2006/main" uniqueId="urn:microsoft.com/office/officeart/2005/8/colors/colorful3">
+  <dgm:title val=""/>
+  <dgm:desc val=""/>
+  <dgm:catLst>
+    <dgm:cat type="colorful" pri="10300"/>
+  </dgm:catLst>
+  <dgm:styleLbl name="node0">
+    <dgm:fillClrLst meth="repeat">
+      <a:schemeClr val="accent2"/>
+    </dgm:fillClrLst>
+    <dgm:linClrLst meth="repeat">
+      <a:schemeClr val="lt1"/>
+    </dgm:linClrLst>
+    <dgm:effectClrLst/>
+    <dgm:txLinClrLst/>
+    <dgm:txFillClrLst/>
+    <dgm:txEffectClrLst/>
+  </dgm:styleLbl>
+  <dgm:styleLbl name="node1">
+    <dgm:fillClrLst>
+      <a:schemeClr val="accent3"/>
+      <a:schemeClr val="accent4"/>
+    </dgm:fillClrLst>
+    <dgm:linClrLst meth="repeat">
+      <a:schemeClr val="lt1"/>
+    </dgm:linClrLst>
+    <dgm:effectClrLst/>
+    <dgm:txLinClrLst/>
+    <dgm:txFillClrLst/>
+    <dgm:txEffectClrLst/>
+  </dgm:styleLbl>
+  <dgm:styleLbl name="alignNode1">
+    <dgm:fillClrLst>
+      <a:schemeClr val="accent3"/>
+      <a:schemeClr val="accent4"/>
+    </dgm:fillClrLst>
+    <dgm:linClrLst>
+      <a:schemeClr val="accent3"/>
+      <a:schemeClr val="accent4"/>
+    </dgm:linClrLst>
+    <dgm:effectClrLst/>
+    <dgm:txLinClrLst/>
+    <dgm:txFillClrLst/>
+    <dgm:txEffectClrLst/>
+  </dgm:styleLbl>
+  <dgm:styleLbl name="lnNode1">
+    <dgm:fillClrLst>
+      <a:schemeClr val="accent3"/>
+      <a:schemeClr val="accent4"/>
+    </dgm:fillClrLst>
+    <dgm:linClrLst meth="repeat">
+      <a:schemeClr val="lt1"/>
+    </dgm:linClrLst>
+    <dgm:effectClrLst/>
+    <dgm:txLinClrLst/>
+    <dgm:txFillClrLst/>
+    <dgm:txEffectClrLst/>
+  </dgm:styleLbl>
+  <dgm:styleLbl name="vennNode1">
+    <dgm:fillClrLst>
+      <a:schemeClr val="accent3">
+        <a:alpha val="50000"/>
+      </a:schemeClr>
+      <a:schemeClr val="accent4">
+        <a:alpha val="50000"/>
+      </a:schemeClr>
+    </dgm:fillClrLst>
+    <dgm:linClrLst meth="repeat">
+      <a:schemeClr val="lt1"/>
+    </dgm:linClrLst>
+    <dgm:effectClrLst/>
+    <dgm:txLinClrLst/>
+    <dgm:txFillClrLst/>
+    <dgm:txEffectClrLst/>
+  </dgm:styleLbl>
+  <dgm:styleLbl name="node2">
+    <dgm:fillClrLst>
+      <a:schemeClr val="accent4"/>
+    </dgm:fillClrLst>
+    <dgm:linClrLst meth="repeat">
+      <a:schemeClr val="lt1"/>
+    </dgm:linClrLst>
+    <dgm:effectClrLst/>
+    <dgm:txLinClrLst/>
+    <dgm:txFillClrLst/>
+    <dgm:txEffectClrLst/>
+  </dgm:styleLbl>
+  <dgm:styleLbl name="node3">
+    <dgm:fillClrLst>
+      <a:schemeClr val="accent5"/>
+    </dgm:fillClrLst>
+    <dgm:linClrLst meth="repeat">
+      <a:schemeClr val="lt1"/>
+    </dgm:linClrLst>
+    <dgm:effectClrLst/>
+    <dgm:txLinClrLst/>
+    <dgm:txFillClrLst/>
+    <dgm:txEffectClrLst/>
+  </dgm:styleLbl>
+  <dgm:styleLbl name="node4">
+    <dgm:fillClrLst>
+      <a:schemeClr val="accent6"/>
+    </dgm:fillClrLst>
+    <dgm:linClrLst meth="repeat">
+      <a:schemeClr val="lt1"/>
+    </dgm:linClrLst>
+    <dgm:effectClrLst/>
+    <dgm:txLinClrLst/>
+    <dgm:txFillClrLst/>
+    <dgm:txEffectClrLst/>
+  </dgm:styleLbl>
+  <dgm:styleLbl name="fgImgPlace1">
+    <dgm:fillClrLst>
+      <a:schemeClr val="accent3">
+        <a:tint val="50000"/>
+      </a:schemeClr>
+      <a:schemeClr val="accent4">
+        <a:tint val="50000"/>
+      </a:schemeClr>
+    </dgm:fillClrLst>
+    <dgm:linClrLst meth="repeat">
+      <a:schemeClr val="lt1"/>
+    </dgm:linClrLst>
+    <dgm:effectClrLst/>
+    <dgm:txLinClrLst/>
+    <dgm:txFillClrLst meth="repeat">
+      <a:schemeClr val="lt1"/>
+    </dgm:txFillClrLst>
+    <dgm:txEffectClrLst/>
+  </dgm:styleLbl>
+  <dgm:styleLbl name="alignImgPlace1">
+    <dgm:fillClrLst>
+      <a:schemeClr val="accent3">
+        <a:tint val="50000"/>
+      </a:schemeClr>
+      <a:schemeClr val="accent4">
+        <a:tint val="20000"/>
+      </a:schemeClr>
+    </dgm:fillClrLst>
+    <dgm:linClrLst meth="repeat">
+      <a:schemeClr val="lt1"/>
+    </dgm:linClrLst>
+    <dgm:effectClrLst/>
+    <dgm:txLinClrLst/>
+    <dgm:txFillClrLst meth="repeat">
+      <a:schemeClr val="lt1"/>
+    </dgm:txFillClrLst>
+    <dgm:txEffectClrLst/>
+  </dgm:styleLbl>
+  <dgm:styleLbl name="bgImgPlace1">
+    <dgm:fillClrLst>
+      <a:schemeClr val="accent3">
+        <a:tint val="50000"/>
+      </a:schemeClr>
+      <a:schemeClr val="accent4">
+        <a:tint val="20000"/>
+      </a:schemeClr>
+    </dgm:fillClrLst>
+    <dgm:linClrLst meth="repeat">
+      <a:schemeClr val="lt1"/>
+    </dgm:linClrLst>
+    <dgm:effectClrLst/>
+    <dgm:txLinClrLst/>
+    <dgm:txFillClrLst meth="repeat">
+      <a:schemeClr val="lt1"/>
+    </dgm:txFillClrLst>
+    <dgm:txEffectClrLst/>
+  </dgm:styleLbl>
+  <dgm:styleLbl name="sibTrans2D1">
+    <dgm:fillClrLst>
+      <a:schemeClr val="accent3"/>
+      <a:schemeClr val="accent4"/>
+    </dgm:fillClrLst>
+    <dgm:linClrLst meth="repeat">
+      <a:schemeClr val="lt1"/>
+    </dgm:linClrLst>
+    <dgm:effectClrLst/>
+    <dgm:txLinClrLst/>
+    <dgm:txFillClrLst/>
+    <dgm:txEffectClrLst/>
+  </dgm:styleLbl>
+  <dgm:styleLbl name="fgSibTrans2D1">
+    <dgm:fillClrLst>
+      <a:schemeClr val="accent3"/>
+      <a:schemeClr val="accent4"/>
+    </dgm:fillClrLst>
+    <dgm:linClrLst meth="repeat">
+      <a:schemeClr val="lt1"/>
+    </dgm:linClrLst>
+    <dgm:effectClrLst/>
+    <dgm:txLinClrLst/>
+    <dgm:txFillClrLst meth="repeat">
+      <a:schemeClr val="lt1"/>
+    </dgm:txFillClrLst>
+    <dgm:txEffectClrLst/>
+  </dgm:styleLbl>
+  <dgm:styleLbl name="bgSibTrans2D1">
+    <dgm:fillClrLst>
+      <a:schemeClr val="accent3"/>
+      <a:schemeClr val="accent4"/>
+    </dgm:fillClrLst>
+    <dgm:linClrLst meth="repeat">
+      <a:schemeClr val="lt1"/>
+    </dgm:linClrLst>
+    <dgm:effectClrLst/>
+    <dgm:txLinClrLst/>
+    <dgm:txFillClrLst meth="repeat">
+      <a:schemeClr val="lt1"/>
+    </dgm:txFillClrLst>
+    <dgm:txEffectClrLst/>
+  </dgm:styleLbl>
+  <dgm:styleLbl name="sibTrans1D1">
+    <dgm:fillClrLst/>
+    <dgm:linClrLst>
+      <a:schemeClr val="accent3"/>
+      <a:schemeClr val="accent4"/>
+    </dgm:linClrLst>
+    <dgm:effectClrLst/>
+    <dgm:txLinClrLst/>
+    <dgm:txFillClrLst meth="repeat">
+      <a:schemeClr val="tx1"/>
+    </dgm:txFillClrLst>
+    <dgm:txEffectClrLst/>
+  </dgm:styleLbl>
+  <dgm:styleLbl name="callout">
+    <dgm:fillClrLst meth="repeat">
+      <a:schemeClr val="accent3"/>
+    </dgm:fillClrLst>
+    <dgm:linClrLst meth="repeat">
+      <a:schemeClr val="accent3">
+        <a:tint val="50000"/>
+      </a:schemeClr>
+    </dgm:linClrLst>
+    <dgm:effectClrLst/>
+    <dgm:txLinClrLst/>
+    <dgm:txFillClrLst meth="repeat">
+      <a:schemeClr val="tx1"/>
+    </dgm:txFillClrLst>
+    <dgm:txEffectClrLst/>
+  </dgm:styleLbl>
+  <dgm:styleLbl name="asst0">
+    <dgm:fillClrLst meth="repeat">
+      <a:schemeClr val="accent3"/>
+    </dgm:fillClrLst>
+    <dgm:linClrLst meth="repeat">
+      <a:schemeClr val="lt1">
+        <a:shade val="80000"/>
+      </a:schemeClr>
+    </dgm:linClrLst>
+    <dgm:effectClrLst/>
+    <dgm:txLinClrLst/>
+    <dgm:txFillClrLst/>
+    <dgm:txEffectClrLst/>
+  </dgm:styleLbl>
+  <dgm:styleLbl name="asst1">
+    <dgm:fillClrLst meth="repeat">
+      <a:schemeClr val="accent4"/>
+    </dgm:fillClrLst>
+    <dgm:linClrLst meth="repeat">
+      <a:schemeClr val="lt1">
+        <a:shade val="80000"/>
+      </a:schemeClr>
+    </dgm:linClrLst>
+    <dgm:effectClrLst/>
+    <dgm:txLinClrLst/>
+    <dgm:txFillClrLst/>
+    <dgm:txEffectClrLst/>
+  </dgm:styleLbl>
+  <dgm:styleLbl name="asst2">
+    <dgm:fillClrLst>
+      <a:schemeClr val="accent5"/>
+    </dgm:fillClrLst>
+    <dgm:linClrLst meth="repeat">
+      <a:schemeClr val="lt1"/>
+    </dgm:linClrLst>
+    <dgm:effectClrLst/>
+    <dgm:txLinClrLst/>
+    <dgm:txFillClrLst/>
+    <dgm:txEffectClrLst/>
+  </dgm:styleLbl>
+  <dgm:styleLbl name="asst3">
+    <dgm:fillClrLst>
+      <a:schemeClr val="accent6"/>
+    </dgm:fillClrLst>
+    <dgm:linClrLst meth="repeat">
+      <a:schemeClr val="lt1"/>
+    </dgm:linClrLst>
+    <dgm:effectClrLst/>
+    <dgm:txLinClrLst/>
+    <dgm:txFillClrLst/>
+    <dgm:txEffectClrLst/>
+  </dgm:styleLbl>
+  <dgm:styleLbl name="asst4">
+    <dgm:fillClrLst>
+      <a:schemeClr val="accent1"/>
+    </dgm:fillClrLst>
+    <dgm:linClrLst meth="repeat">
+      <a:schemeClr val="lt1"/>
+    </dgm:linClrLst>
+    <dgm:effectClrLst/>
+    <dgm:txLinClrLst/>
+    <dgm:txFillClrLst/>
+    <dgm:txEffectClrLst/>
+  </dgm:styleLbl>
+  <dgm:styleLbl name="parChTrans2D1">
+    <dgm:fillClrLst meth="repeat">
+      <a:schemeClr val="accent2"/>
+    </dgm:fillClrLst>
+    <dgm:linClrLst meth="repeat">
+      <a:schemeClr val="lt1"/>
+    </dgm:linClrLst>
+    <dgm:effectClrLst/>
+    <dgm:txLinClrLst/>
+    <dgm:txFillClrLst meth="repeat">
+      <a:schemeClr val="lt1"/>
+    </dgm:txFillClrLst>
+    <dgm:txEffectClrLst/>
+  </dgm:styleLbl>
+  <dgm:styleLbl name="parChTrans2D2">
+    <dgm:fillClrLst meth="repeat">
+      <a:schemeClr val="accent3"/>
+    </dgm:fillClrLst>
+    <dgm:linClrLst meth="repeat">
+      <a:schemeClr val="lt1"/>
+    </dgm:linClrLst>
+    <dgm:effectClrLst/>
+    <dgm:txLinClrLst/>
+    <dgm:txFillClrLst/>
+    <dgm:txEffectClrLst/>
+  </dgm:styleLbl>
+  <dgm:styleLbl name="parChTrans2D3">
+    <dgm:fillClrLst meth="repeat">
+      <a:schemeClr val="accent4"/>
+    </dgm:fillClrLst>
+    <dgm:linClrLst meth="repeat">
+      <a:schemeClr val="lt1"/>
+    </dgm:linClrLst>
+    <dgm:effectClrLst/>
+    <dgm:txLinClrLst/>
+    <dgm:txFillClrLst/>
+    <dgm:txEffectClrLst/>
+  </dgm:styleLbl>
+  <dgm:styleLbl name="parChTrans2D4">
+    <dgm:fillClrLst meth="repeat">
+      <a:schemeClr val="accent5"/>
+    </dgm:fillClrLst>
+    <dgm:linClrLst meth="repeat">
+      <a:schemeClr val="lt1"/>
+    </dgm:linClrLst>
+    <dgm:effectClrLst/>
+    <dgm:txLinClrLst/>
+    <dgm:txFillClrLst meth="repeat">
+      <a:schemeClr val="lt1"/>
+    </dgm:txFillClrLst>
+    <dgm:txEffectClrLst/>
+  </dgm:styleLbl>
+  <dgm:styleLbl name="parChTrans1D1">
+    <dgm:fillClrLst meth="repeat">
+      <a:schemeClr val="accent3"/>
+    </dgm:fillClrLst>
+    <dgm:linClrLst meth="repeat">
+      <a:schemeClr val="accent3"/>
+    </dgm:linClrLst>
+    <dgm:effectClrLst/>
+    <dgm:txLinClrLst/>
+    <dgm:txFillClrLst meth="repeat">
+      <a:schemeClr val="tx1"/>
+    </dgm:txFillClrLst>
+    <dgm:txEffectClrLst/>
+  </dgm:styleLbl>
+  <dgm:styleLbl name="parChTrans1D2">
+    <dgm:fillClrLst meth="repeat">
+      <a:schemeClr val="accent2">
+        <a:tint val="90000"/>
+      </a:schemeClr>
+    </dgm:fillClrLst>
+    <dgm:linClrLst meth="repeat">
+      <a:schemeClr val="accent4"/>
+    </dgm:linClrLst>
+    <dgm:effectClrLst/>
+    <dgm:txLinClrLst/>
+    <dgm:txFillClrLst meth="repeat">
+      <a:schemeClr val="tx1"/>
+    </dgm:txFillClrLst>
+    <dgm:txEffectClrLst/>
+  </dgm:styleLbl>
+  <dgm:styleLbl name="parChTrans1D3">
+    <dgm:fillClrLst meth="repeat">
+      <a:schemeClr val="accent2">
+        <a:tint val="70000"/>
+      </a:schemeClr>
+    </dgm:fillClrLst>
+    <dgm:linClrLst meth="repeat">
+      <a:schemeClr val="accent5"/>
+    </dgm:linClrLst>
+    <dgm:effectClrLst/>
+    <dgm:txLinClrLst/>
+    <dgm:txFillClrLst meth="repeat">
+      <a:schemeClr val="tx1"/>
+    </dgm:txFillClrLst>
+    <dgm:txEffectClrLst/>
+  </dgm:styleLbl>
+  <dgm:styleLbl name="parChTrans1D4">
+    <dgm:fillClrLst meth="repeat">
+      <a:schemeClr val="accent6">
+        <a:tint val="50000"/>
+      </a:schemeClr>
+    </dgm:fillClrLst>
+    <dgm:linClrLst meth="repeat">
+      <a:schemeClr val="accent6"/>
+    </dgm:linClrLst>
+    <dgm:effectClrLst/>
+    <dgm:txLinClrLst/>
+    <dgm:txFillClrLst meth="repeat">
+      <a:schemeClr val="tx1"/>
+    </dgm:txFillClrLst>
+    <dgm:txEffectClrLst/>
+  </dgm:styleLbl>
+  <dgm:styleLbl name="fgAcc1">
+    <dgm:fillClrLst meth="repeat">
+      <a:schemeClr val="lt1">
+        <a:alpha val="90000"/>
+      </a:schemeClr>
+    </dgm:fillClrLst>
+    <dgm:linClrLst>
+      <a:schemeClr val="accent3"/>
+      <a:schemeClr val="accent4"/>
+    </dgm:linClrLst>
+    <dgm:effectClrLst/>
+    <dgm:txLinClrLst/>
+    <dgm:txFillClrLst meth="repeat">
+      <a:schemeClr val="dk1"/>
+    </dgm:txFillClrLst>
+    <dgm:txEffectClrLst/>
+  </dgm:styleLbl>
+  <dgm:styleLbl name="conFgAcc1">
+    <dgm:fillClrLst meth="repeat">
+      <a:schemeClr val="lt1">
+        <a:alpha val="90000"/>
+      </a:schemeClr>
+    </dgm:fillClrLst>
+    <dgm:linClrLst>
+      <a:schemeClr val="accent3"/>
+      <a:schemeClr val="accent4"/>
+    </dgm:linClrLst>
+    <dgm:effectClrLst/>
+    <dgm:txLinClrLst/>
+    <dgm:txFillClrLst meth="repeat">
+      <a:schemeClr val="dk1"/>
+    </dgm:txFillClrLst>
+    <dgm:txEffectClrLst/>
+  </dgm:styleLbl>
+  <dgm:styleLbl name="alignAcc1">
+    <dgm:fillClrLst meth="repeat">
+      <a:schemeClr val="lt1">
+        <a:alpha val="90000"/>
+      </a:schemeClr>
+    </dgm:fillClrLst>
+    <dgm:linClrLst>
+      <a:schemeClr val="accent3"/>
+      <a:schemeClr val="accent4"/>
+    </dgm:linClrLst>
+    <dgm:effectClrLst/>
+    <dgm:txLinClrLst/>
+    <dgm:txFillClrLst meth="repeat">
+      <a:schemeClr val="dk1"/>
+    </dgm:txFillClrLst>
+    <dgm:txEffectClrLst/>
+  </dgm:styleLbl>
+  <dgm:styleLbl name="trAlignAcc1">
+    <dgm:fillClrLst meth="repeat">
+      <a:schemeClr val="lt1">
+        <a:alpha val="40000"/>
+      </a:schemeClr>
+    </dgm:fillClrLst>
+    <dgm:linClrLst meth="repeat">
+      <a:schemeClr val="accent2"/>
+    </dgm:linClrLst>
+    <dgm:effectClrLst/>
+    <dgm:txLinClrLst/>
+    <dgm:txFillClrLst meth="repeat">
+      <a:schemeClr val="dk1"/>
+    </dgm:txFillClrLst>
+    <dgm:txEffectClrLst/>
+  </dgm:styleLbl>
+  <dgm:styleLbl name="bgAcc1">
+    <dgm:fillClrLst meth="repeat">
+      <a:schemeClr val="lt1">
+        <a:alpha val="90000"/>
+      </a:schemeClr>
+    </dgm:fillClrLst>
+    <dgm:linClrLst>
+      <a:schemeClr val="accent3"/>
+      <a:schemeClr val="accent4"/>
+    </dgm:linClrLst>
+    <dgm:effectClrLst/>
+    <dgm:txLinClrLst/>
+    <dgm:txFillClrLst meth="repeat">
+      <a:schemeClr val="dk1"/>
+    </dgm:txFillClrLst>
+    <dgm:txEffectClrLst/>
+  </dgm:styleLbl>
+  <dgm:styleLbl name="solidFgAcc1">
+    <dgm:fillClrLst meth="repeat">
+      <a:schemeClr val="lt1"/>
+    </dgm:fillClrLst>
+    <dgm:linClrLst>
+      <a:schemeClr val="accent3"/>
+      <a:schemeClr val="accent4"/>
+    </dgm:linClrLst>
+    <dgm:effectClrLst/>
+    <dgm:txLinClrLst/>
+    <dgm:txFillClrLst meth="repeat">
+      <a:schemeClr val="dk1"/>
+    </dgm:txFillClrLst>
+    <dgm:txEffectClrLst/>
+  </dgm:styleLbl>
+  <dgm:styleLbl name="solidAlignAcc1">
+    <dgm:fillClrLst meth="repeat">
+      <a:schemeClr val="lt1"/>
+    </dgm:fillClrLst>
+    <dgm:linClrLst>
+      <a:schemeClr val="accent3"/>
+      <a:schemeClr val="accent4"/>
+    </dgm:linClrLst>
+    <dgm:effectClrLst/>
+    <dgm:txLinClrLst/>
+    <dgm:txFillClrLst meth="repeat">
+      <a:schemeClr val="dk1"/>
+    </dgm:txFillClrLst>
+    <dgm:txEffectClrLst/>
+  </dgm:styleLbl>
+  <dgm:styleLbl name="solidBgAcc1">
+    <dgm:fillClrLst meth="repeat">
+      <a:schemeClr val="lt1"/>
+    </dgm:fillClrLst>
+    <dgm:linClrLst>
+      <a:schemeClr val="accent3"/>
+      <a:schemeClr val="accent4"/>
+    </dgm:linClrLst>
+    <dgm:effectClrLst/>
+    <dgm:txLinClrLst/>
+    <dgm:txFillClrLst meth="repeat">
+      <a:schemeClr val="dk1"/>
+    </dgm:txFillClrLst>
+    <dgm:txEffectClrLst/>
+  </dgm:styleLbl>
+  <dgm:styleLbl name="fgAccFollowNode1">
+    <dgm:fillClrLst>
+      <a:schemeClr val="accent3">
+        <a:tint val="40000"/>
+        <a:alpha val="90000"/>
+      </a:schemeClr>
+      <a:schemeClr val="accent4">
+        <a:tint val="40000"/>
+        <a:alpha val="90000"/>
+      </a:schemeClr>
+    </dgm:fillClrLst>
+    <dgm:linClrLst>
+      <a:schemeClr val="accent3">
+        <a:tint val="40000"/>
+        <a:alpha val="90000"/>
+      </a:schemeClr>
+      <a:schemeClr val="accent4">
+        <a:tint val="40000"/>
+        <a:alpha val="90000"/>
+      </a:schemeClr>
+    </dgm:linClrLst>
+    <dgm:effectClrLst/>
+    <dgm:txLinClrLst/>
+    <dgm:txFillClrLst meth="repeat">
+      <a:schemeClr val="dk1"/>
+    </dgm:txFillClrLst>
+    <dgm:txEffectClrLst/>
+  </dgm:styleLbl>
+  <dgm:styleLbl name="alignAccFollowNode1">
+    <dgm:fillClrLst>
+      <a:schemeClr val="accent3">
+        <a:tint val="40000"/>
+        <a:alpha val="90000"/>
+      </a:schemeClr>
+      <a:schemeClr val="accent4">
+        <a:tint val="40000"/>
+        <a:alpha val="90000"/>
+      </a:schemeClr>
+    </dgm:fillClrLst>
+    <dgm:linClrLst>
+      <a:schemeClr val="accent3">
+        <a:tint val="40000"/>
+        <a:alpha val="90000"/>
+      </a:schemeClr>
+      <a:schemeClr val="accent4">
+        <a:tint val="40000"/>
+        <a:alpha val="90000"/>
+      </a:schemeClr>
+    </dgm:linClrLst>
+    <dgm:effectClrLst/>
+    <dgm:txLinClrLst/>
+    <dgm:txFillClrLst meth="repeat">
+      <a:schemeClr val="dk1"/>
+    </dgm:txFillClrLst>
+    <dgm:txEffectClrLst/>
+  </dgm:styleLbl>
+  <dgm:styleLbl name="bgAccFollowNode1">
+    <dgm:fillClrLst>
+      <a:schemeClr val="accent3">
+        <a:tint val="40000"/>
+        <a:alpha val="90000"/>
+      </a:schemeClr>
+      <a:schemeClr val="accent4">
+        <a:tint val="40000"/>
+        <a:alpha val="90000"/>
+      </a:schemeClr>
+    </dgm:fillClrLst>
+    <dgm:linClrLst>
+      <a:schemeClr val="accent3">
+        <a:tint val="40000"/>
+        <a:alpha val="90000"/>
+      </a:schemeClr>
+      <a:schemeClr val="accent4">
+        <a:tint val="40000"/>
+        <a:alpha val="90000"/>
+      </a:schemeClr>
+    </dgm:linClrLst>
+    <dgm:effectClrLst/>
+    <dgm:txLinClrLst/>
+    <dgm:txFillClrLst meth="repeat">
+      <a:schemeClr val="dk1"/>
+    </dgm:txFillClrLst>
+    <dgm:txEffectClrLst/>
+  </dgm:styleLbl>
+  <dgm:styleLbl name="fgAcc0">
+    <dgm:fillClrLst meth="repeat">
+      <a:schemeClr val="lt1">
+        <a:alpha val="90000"/>
+      </a:schemeClr>
+    </dgm:fillClrLst>
+    <dgm:linClrLst>
+      <a:schemeClr val="accent2"/>
+    </dgm:linClrLst>
+    <dgm:effectClrLst/>
+    <dgm:txLinClrLst/>
+    <dgm:txFillClrLst meth="repeat">
+      <a:schemeClr val="dk1"/>
+    </dgm:txFillClrLst>
+    <dgm:txEffectClrLst/>
+  </dgm:styleLbl>
+  <dgm:styleLbl name="fgAcc2">
+    <dgm:fillClrLst meth="repeat">
+      <a:schemeClr val="lt1">
+        <a:alpha val="90000"/>
+      </a:schemeClr>
+    </dgm:fillClrLst>
+    <dgm:linClrLst>
+      <a:schemeClr val="accent4"/>
+    </dgm:linClrLst>
+    <dgm:effectClrLst/>
+    <dgm:txLinClrLst/>
+    <dgm:txFillClrLst meth="repeat">
+      <a:schemeClr val="dk1"/>
+    </dgm:txFillClrLst>
+    <dgm:txEffectClrLst/>
+  </dgm:styleLbl>
+  <dgm:styleLbl name="fgAcc3">
+    <dgm:fillClrLst meth="repeat">
+      <a:schemeClr val="lt1">
+        <a:alpha val="90000"/>
+      </a:schemeClr>
+    </dgm:fillClrLst>
+    <dgm:linClrLst>
+      <a:schemeClr val="accent5"/>
+    </dgm:linClrLst>
+    <dgm:effectClrLst/>
+    <dgm:txLinClrLst/>
+    <dgm:txFillClrLst meth="repeat">
+      <a:schemeClr val="dk1"/>
+    </dgm:txFillClrLst>
+    <dgm:txEffectClrLst/>
+  </dgm:styleLbl>
+  <dgm:styleLbl name="fgAcc4">
+    <dgm:fillClrLst meth="repeat">
+      <a:schemeClr val="lt1">
+        <a:alpha val="90000"/>
+      </a:schemeClr>
+    </dgm:fillClrLst>
+    <dgm:linClrLst>
+      <a:schemeClr val="accent6"/>
+    </dgm:linClrLst>
+    <dgm:effectClrLst/>
+    <dgm:txLinClrLst/>
+    <dgm:txFillClrLst meth="repeat">
+      <a:schemeClr val="dk1"/>
+    </dgm:txFillClrLst>
+    <dgm:txEffectClrLst/>
+  </dgm:styleLbl>
+  <dgm:styleLbl name="bgShp">
+    <dgm:fillClrLst meth="repeat">
+      <a:schemeClr val="accent3">
+        <a:tint val="40000"/>
+      </a:schemeClr>
+    </dgm:fillClrLst>
+    <dgm:linClrLst meth="repeat">
+      <a:schemeClr val="dk1"/>
+    </dgm:linClrLst>
+    <dgm:effectClrLst/>
+    <dgm:txLinClrLst/>
+    <dgm:txFillClrLst meth="repeat">
+      <a:schemeClr val="dk1"/>
+    </dgm:txFillClrLst>
+    <dgm:txEffectClrLst/>
+  </dgm:styleLbl>
+  <dgm:styleLbl name="dkBgShp">
+    <dgm:fillClrLst meth="repeat">
+      <a:schemeClr val="accent3">
+        <a:shade val="90000"/>
+      </a:schemeClr>
+    </dgm:fillClrLst>
+    <dgm:linClrLst meth="repeat">
+      <a:schemeClr val="dk1"/>
+    </dgm:linClrLst>
+    <dgm:effectClrLst/>
+    <dgm:txLinClrLst/>
+    <dgm:txFillClrLst meth="repeat">
+      <a:schemeClr val="lt1"/>
+    </dgm:txFillClrLst>
+    <dgm:txEffectClrLst/>
+  </dgm:styleLbl>
+  <dgm:styleLbl name="trBgShp">
+    <dgm:fillClrLst meth="repeat">
+      <a:schemeClr val="accent2">
+        <a:tint val="50000"/>
+        <a:alpha val="40000"/>
+      </a:schemeClr>
+    </dgm:fillClrLst>
+    <dgm:linClrLst meth="repeat">
+      <a:schemeClr val="accent3"/>
+    </dgm:linClrLst>
+    <dgm:effectClrLst/>
+    <dgm:txLinClrLst/>
+    <dgm:txFillClrLst meth="repeat">
+      <a:schemeClr val="lt1"/>
+    </dgm:txFillClrLst>
+    <dgm:txEffectClrLst/>
+  </dgm:styleLbl>
+  <dgm:styleLbl name="fgShp">
+    <dgm:fillClrLst meth="repeat">
+      <a:schemeClr val="accent3">
+        <a:tint val="40000"/>
+      </a:schemeClr>
+    </dgm:fillClrLst>
+    <dgm:linClrLst meth="repeat">
+      <a:schemeClr val="lt1"/>
+    </dgm:linClrLst>
+    <dgm:effectClrLst/>
+    <dgm:txLinClrLst/>
+    <dgm:txFillClrLst meth="repeat">
+      <a:schemeClr val="dk1"/>
+    </dgm:txFillClrLst>
+    <dgm:txEffectClrLst/>
+  </dgm:styleLbl>
+  <dgm:styleLbl name="revTx">
+    <dgm:fillClrLst meth="repeat">
+      <a:schemeClr val="lt1">
+        <a:alpha val="0"/>
+      </a:schemeClr>
+    </dgm:fillClrLst>
+    <dgm:linClrLst meth="repeat">
+      <a:schemeClr val="dk1">
+        <a:alpha val="0"/>
+      </a:schemeClr>
+    </dgm:linClrLst>
+    <dgm:effectClrLst/>
+    <dgm:txLinClrLst/>
+    <dgm:txFillClrLst meth="repeat">
+      <a:schemeClr val="tx1"/>
+    </dgm:txFillClrLst>
+    <dgm:txEffectClrLst/>
+  </dgm:styleLbl>
+</dgm:colorsDef>
+</file>
+
+<file path=ppt/diagrams/colors2.xml><?xml version="1.0" encoding="utf-8"?>
+<dgm:colorsDef xmlns:dgm="http://schemas.openxmlformats.org/drawingml/2006/diagram" xmlns:a="http://schemas.openxmlformats.org/drawingml/2006/main" uniqueId="urn:microsoft.com/office/officeart/2005/8/colors/accent0_3">
+  <dgm:title val=""/>
+  <dgm:desc val=""/>
+  <dgm:catLst>
+    <dgm:cat type="mainScheme" pri="10300"/>
+  </dgm:catLst>
+  <dgm:styleLbl name="node0">
+    <dgm:fillClrLst meth="repeat">
+      <a:schemeClr val="dk2"/>
+    </dgm:fillClrLst>
+    <dgm:linClrLst meth="repeat">
+      <a:schemeClr val="lt2"/>
+    </dgm:linClrLst>
+    <dgm:effectClrLst/>
+    <dgm:txLinClrLst/>
+    <dgm:txFillClrLst/>
+    <dgm:txEffectClrLst/>
+  </dgm:styleLbl>
+  <dgm:styleLbl name="alignNode1">
+    <dgm:fillClrLst meth="repeat">
+      <a:schemeClr val="dk2"/>
+    </dgm:fillClrLst>
+    <dgm:linClrLst meth="repeat">
+      <a:schemeClr val="dk2"/>
+    </dgm:linClrLst>
+    <dgm:effectClrLst/>
+    <dgm:txLinClrLst/>
+    <dgm:txFillClrLst/>
+    <dgm:txEffectClrLst/>
+  </dgm:styleLbl>
+  <dgm:styleLbl name="node1">
+    <dgm:fillClrLst meth="repeat">
+      <a:schemeClr val="dk2"/>
+    </dgm:fillClrLst>
+    <dgm:linClrLst meth="repeat">
+      <a:schemeClr val="lt2"/>
+    </dgm:linClrLst>
+    <dgm:effectClrLst/>
+    <dgm:txLinClrLst/>
+    <dgm:txFillClrLst/>
+    <dgm:txEffectClrLst/>
+  </dgm:styleLbl>
+  <dgm:styleLbl name="lnNode1">
+    <dgm:fillClrLst meth="repeat">
+      <a:schemeClr val="dk2"/>
+    </dgm:fillClrLst>
+    <dgm:linClrLst meth="repeat">
+      <a:schemeClr val="lt2"/>
+    </dgm:linClrLst>
+    <dgm:effectClrLst/>
+    <dgm:txLinClrLst/>
+    <dgm:txFillClrLst/>
+    <dgm:txEffectClrLst/>
+  </dgm:styleLbl>
+  <dgm:styleLbl name="vennNode1">
+    <dgm:fillClrLst meth="repeat">
+      <a:schemeClr val="dk2">
+        <a:alpha val="50000"/>
+      </a:schemeClr>
+    </dgm:fillClrLst>
+    <dgm:linClrLst meth="repeat">
+      <a:schemeClr val="lt2"/>
+    </dgm:linClrLst>
+    <dgm:effectClrLst/>
+    <dgm:txLinClrLst/>
+    <dgm:txFillClrLst/>
+    <dgm:txEffectClrLst/>
+  </dgm:styleLbl>
+  <dgm:styleLbl name="node2">
+    <dgm:fillClrLst meth="repeat">
+      <a:schemeClr val="dk2"/>
+    </dgm:fillClrLst>
+    <dgm:linClrLst meth="repeat">
+      <a:schemeClr val="lt2"/>
+    </dgm:linClrLst>
+    <dgm:effectClrLst/>
+    <dgm:txLinClrLst/>
+    <dgm:txFillClrLst/>
+    <dgm:txEffectClrLst/>
+  </dgm:styleLbl>
+  <dgm:styleLbl name="node3">
+    <dgm:fillClrLst meth="repeat">
+      <a:schemeClr val="dk2"/>
+    </dgm:fillClrLst>
+    <dgm:linClrLst meth="repeat">
+      <a:schemeClr val="lt2"/>
+    </dgm:linClrLst>
+    <dgm:effectClrLst/>
+    <dgm:txLinClrLst/>
+    <dgm:txFillClrLst/>
+    <dgm:txEffectClrLst/>
+  </dgm:styleLbl>
+  <dgm:styleLbl name="node4">
+    <dgm:fillClrLst meth="repeat">
+      <a:schemeClr val="dk2"/>
+    </dgm:fillClrLst>
+    <dgm:linClrLst meth="repeat">
+      <a:schemeClr val="lt2"/>
+    </dgm:linClrLst>
+    <dgm:effectClrLst/>
+    <dgm:txLinClrLst/>
+    <dgm:txFillClrLst/>
+    <dgm:txEffectClrLst/>
+  </dgm:styleLbl>
+  <dgm:styleLbl name="fgImgPlace1">
+    <dgm:fillClrLst meth="repeat">
+      <a:schemeClr val="dk2">
+        <a:tint val="50000"/>
+      </a:schemeClr>
+    </dgm:fillClrLst>
+    <dgm:linClrLst meth="repeat">
+      <a:schemeClr val="lt2"/>
+    </dgm:linClrLst>
+    <dgm:effectClrLst/>
+    <dgm:txLinClrLst/>
+    <dgm:txFillClrLst meth="repeat">
+      <a:schemeClr val="lt2"/>
+    </dgm:txFillClrLst>
+    <dgm:txEffectClrLst/>
+  </dgm:styleLbl>
+  <dgm:styleLbl name="alignImgPlace1">
+    <dgm:fillClrLst meth="repeat">
+      <a:schemeClr val="dk2">
+        <a:tint val="50000"/>
+      </a:schemeClr>
+    </dgm:fillClrLst>
+    <dgm:linClrLst meth="repeat">
+      <a:schemeClr val="dk2">
+        <a:shade val="80000"/>
+      </a:schemeClr>
+    </dgm:linClrLst>
+    <dgm:effectClrLst/>
+    <dgm:txLinClrLst/>
+    <dgm:txFillClrLst meth="repeat">
+      <a:schemeClr val="lt2"/>
+    </dgm:txFillClrLst>
+    <dgm:txEffectClrLst/>
+  </dgm:styleLbl>
+  <dgm:styleLbl name="bgImgPlace1">
+    <dgm:fillClrLst meth="repeat">
+      <a:schemeClr val="dk2">
+        <a:tint val="50000"/>
+      </a:schemeClr>
+    </dgm:fillClrLst>
+    <dgm:linClrLst meth="repeat">
+      <a:schemeClr val="dk2">
+        <a:shade val="80000"/>
+      </a:schemeClr>
+    </dgm:linClrLst>
+    <dgm:effectClrLst/>
+    <dgm:txLinClrLst/>
+    <dgm:txFillClrLst meth="repeat">
+      <a:schemeClr val="lt2"/>
+    </dgm:txFillClrLst>
+    <dgm:txEffectClrLst/>
+  </dgm:styleLbl>
+  <dgm:styleLbl name="sibTrans2D1">
+    <dgm:fillClrLst meth="repeat">
+      <a:schemeClr val="dk2">
+        <a:tint val="60000"/>
+      </a:schemeClr>
+    </dgm:fillClrLst>
+    <dgm:linClrLst meth="repeat">
+      <a:schemeClr val="dk2">
+        <a:tint val="60000"/>
+      </a:schemeClr>
+    </dgm:linClrLst>
+    <dgm:effectClrLst/>
+    <dgm:txLinClrLst/>
+    <dgm:txFillClrLst/>
+    <dgm:txEffectClrLst/>
+  </dgm:styleLbl>
+  <dgm:styleLbl name="fgSibTrans2D1">
+    <dgm:fillClrLst meth="repeat">
+      <a:schemeClr val="dk2">
+        <a:tint val="60000"/>
+      </a:schemeClr>
+    </dgm:fillClrLst>
+    <dgm:linClrLst meth="repeat">
+      <a:schemeClr val="dk2">
+        <a:tint val="60000"/>
+      </a:schemeClr>
+    </dgm:linClrLst>
+    <dgm:effectClrLst/>
+    <dgm:txLinClrLst/>
+    <dgm:txFillClrLst/>
+    <dgm:txEffectClrLst/>
+  </dgm:styleLbl>
+  <dgm:styleLbl name="bgSibTrans2D1">
+    <dgm:fillClrLst meth="repeat">
+      <a:schemeClr val="dk2">
+        <a:tint val="60000"/>
+      </a:schemeClr>
+    </dgm:fillClrLst>
+    <dgm:linClrLst meth="repeat">
+      <a:schemeClr val="dk2">
+        <a:tint val="60000"/>
+      </a:schemeClr>
+    </dgm:linClrLst>
+    <dgm:effectClrLst/>
+    <dgm:txLinClrLst/>
+    <dgm:txFillClrLst/>
+    <dgm:txEffectClrLst/>
+  </dgm:styleLbl>
+  <dgm:styleLbl name="sibTrans1D1">
+    <dgm:fillClrLst meth="repeat">
+      <a:schemeClr val="dk2"/>
+    </dgm:fillClrLst>
+    <dgm:linClrLst meth="repeat">
+      <a:schemeClr val="dk2"/>
+    </dgm:linClrLst>
+    <dgm:effectClrLst/>
+    <dgm:txLinClrLst/>
+    <dgm:txFillClrLst meth="repeat">
+      <a:schemeClr val="lt2"/>
+    </dgm:txFillClrLst>
+    <dgm:txEffectClrLst/>
+  </dgm:styleLbl>
+  <dgm:styleLbl name="callout">
+    <dgm:fillClrLst meth="repeat">
+      <a:schemeClr val="dk2"/>
+    </dgm:fillClrLst>
+    <dgm:linClrLst meth="repeat">
+      <a:schemeClr val="dk2">
+        <a:tint val="50000"/>
+      </a:schemeClr>
+    </dgm:linClrLst>
+    <dgm:effectClrLst/>
+    <dgm:txLinClrLst/>
+    <dgm:txFillClrLst meth="repeat">
+      <a:schemeClr val="lt2"/>
+    </dgm:txFillClrLst>
+    <dgm:txEffectClrLst/>
+  </dgm:styleLbl>
+  <dgm:styleLbl name="asst0">
+    <dgm:fillClrLst meth="repeat">
+      <a:schemeClr val="dk2"/>
+    </dgm:fillClrLst>
+    <dgm:linClrLst meth="repeat">
+      <a:schemeClr val="lt2"/>
+    </dgm:linClrLst>
+    <dgm:effectClrLst/>
+    <dgm:txLinClrLst/>
+    <dgm:txFillClrLst/>
+    <dgm:txEffectClrLst/>
+  </dgm:styleLbl>
+  <dgm:styleLbl name="asst1">
+    <dgm:fillClrLst meth="repeat">
+      <a:schemeClr val="dk2"/>
+    </dgm:fillClrLst>
+    <dgm:linClrLst meth="repeat">
+      <a:schemeClr val="lt2"/>
+    </dgm:linClrLst>
+    <dgm:effectClrLst/>
+    <dgm:txLinClrLst/>
+    <dgm:txFillClrLst/>
+    <dgm:txEffectClrLst/>
+  </dgm:styleLbl>
+  <dgm:styleLbl name="asst2">
+    <dgm:fillClrLst meth="repeat">
+      <a:schemeClr val="dk2"/>
+    </dgm:fillClrLst>
+    <dgm:linClrLst meth="repeat">
+      <a:schemeClr val="lt2"/>
+    </dgm:linClrLst>
+    <dgm:effectClrLst/>
+    <dgm:txLinClrLst/>
+    <dgm:txFillClrLst/>
+    <dgm:txEffectClrLst/>
+  </dgm:styleLbl>
+  <dgm:styleLbl name="asst3">
+    <dgm:fillClrLst meth="repeat">
+      <a:schemeClr val="dk2"/>
+    </dgm:fillClrLst>
+    <dgm:linClrLst meth="repeat">
+      <a:schemeClr val="lt2"/>
+    </dgm:linClrLst>
+    <dgm:effectClrLst/>
+    <dgm:txLinClrLst/>
+    <dgm:txFillClrLst/>
+    <dgm:txEffectClrLst/>
+  </dgm:styleLbl>
+  <dgm:styleLbl name="asst4">
+    <dgm:fillClrLst meth="repeat">
+      <a:schemeClr val="dk2"/>
+    </dgm:fillClrLst>
+    <dgm:linClrLst meth="repeat">
+      <a:schemeClr val="lt2"/>
+    </dgm:linClrLst>
+    <dgm:effectClrLst/>
+    <dgm:txLinClrLst/>
+    <dgm:txFillClrLst/>
+    <dgm:txEffectClrLst/>
+  </dgm:styleLbl>
+  <dgm:styleLbl name="parChTrans2D1">
+    <dgm:fillClrLst meth="repeat">
+      <a:schemeClr val="dk2">
+        <a:tint val="60000"/>
+      </a:schemeClr>
+    </dgm:fillClrLst>
+    <dgm:linClrLst meth="repeat">
+      <a:schemeClr val="dk2">
+        <a:tint val="60000"/>
+      </a:schemeClr>
+    </dgm:linClrLst>
+    <dgm:effectClrLst/>
+    <dgm:txLinClrLst/>
+    <dgm:txFillClrLst meth="repeat">
+      <a:schemeClr val="lt2"/>
+    </dgm:txFillClrLst>
+    <dgm:txEffectClrLst/>
+  </dgm:styleLbl>
+  <dgm:styleLbl name="parChTrans2D2">
+    <dgm:fillClrLst meth="repeat">
+      <a:schemeClr val="dk2"/>
+    </dgm:fillClrLst>
+    <dgm:linClrLst meth="repeat">
+      <a:schemeClr val="dk2"/>
+    </dgm:linClrLst>
+    <dgm:effectClrLst/>
+    <dgm:txLinClrLst/>
+    <dgm:txFillClrLst meth="repeat">
+      <a:schemeClr val="lt2"/>
+    </dgm:txFillClrLst>
+    <dgm:txEffectClrLst/>
+  </dgm:styleLbl>
+  <dgm:styleLbl name="parChTrans2D3">
+    <dgm:fillClrLst meth="repeat">
+      <a:schemeClr val="dk2"/>
+    </dgm:fillClrLst>
+    <dgm:linClrLst meth="repeat">
+      <a:schemeClr val="dk2"/>
+    </dgm:linClrLst>
+    <dgm:effectClrLst/>
+    <dgm:txLinClrLst/>
+    <dgm:txFillClrLst meth="repeat">
+      <a:schemeClr val="lt2"/>
+    </dgm:txFillClrLst>
+    <dgm:txEffectClrLst/>
+  </dgm:styleLbl>
+  <dgm:styleLbl name="parChTrans2D4">
+    <dgm:fillClrLst meth="repeat">
+      <a:schemeClr val="dk2"/>
+    </dgm:fillClrLst>
+    <dgm:linClrLst meth="repeat">
+      <a:schemeClr val="dk2"/>
+    </dgm:linClrLst>
+    <dgm:effectClrLst/>
+    <dgm:txLinClrLst/>
+    <dgm:txFillClrLst meth="repeat">
+      <a:schemeClr val="lt2"/>
+    </dgm:txFillClrLst>
+    <dgm:txEffectClrLst/>
+  </dgm:styleLbl>
+  <dgm:styleLbl name="parChTrans1D1">
+    <dgm:fillClrLst meth="repeat">
+      <a:schemeClr val="dk2"/>
+    </dgm:fillClrLst>
+    <dgm:linClrLst meth="repeat">
+      <a:schemeClr val="dk2">
+        <a:shade val="60000"/>
+      </a:schemeClr>
+    </dgm:linClrLst>
+    <dgm:effectClrLst/>
+    <dgm:txLinClrLst/>
+    <dgm:txFillClrLst meth="repeat">
+      <a:schemeClr val="tx1"/>
+    </dgm:txFillClrLst>
+    <dgm:txEffectClrLst/>
+  </dgm:styleLbl>
+  <dgm:styleLbl name="parChTrans1D2">
+    <dgm:fillClrLst meth="repeat">
+      <a:schemeClr val="dk2"/>
+    </dgm:fillClrLst>
+    <dgm:linClrLst meth="repeat">
+      <a:schemeClr val="dk2">
+        <a:shade val="60000"/>
+      </a:schemeClr>
+    </dgm:linClrLst>
+    <dgm:effectClrLst/>
+    <dgm:txLinClrLst/>
+    <dgm:txFillClrLst meth="repeat">
+      <a:schemeClr val="tx1"/>
+    </dgm:txFillClrLst>
+    <dgm:txEffectClrLst/>
+  </dgm:styleLbl>
+  <dgm:styleLbl name="parChTrans1D3">
+    <dgm:fillClrLst meth="repeat">
+      <a:schemeClr val="dk2"/>
+    </dgm:fillClrLst>
+    <dgm:linClrLst meth="repeat">
+      <a:schemeClr val="dk2">
+        <a:shade val="80000"/>
+      </a:schemeClr>
+    </dgm:linClrLst>
+    <dgm:effectClrLst/>
+    <dgm:txLinClrLst/>
+    <dgm:txFillClrLst meth="repeat">
+      <a:schemeClr val="tx1"/>
+    </dgm:txFillClrLst>
+    <dgm:txEffectClrLst/>
+  </dgm:styleLbl>
+  <dgm:styleLbl name="parChTrans1D4">
+    <dgm:fillClrLst meth="repeat">
+      <a:schemeClr val="dk2"/>
+    </dgm:fillClrLst>
+    <dgm:linClrLst meth="repeat">
+      <a:schemeClr val="dk2">
+        <a:shade val="80000"/>
+      </a:schemeClr>
+    </dgm:linClrLst>
+    <dgm:effectClrLst/>
+    <dgm:txLinClrLst/>
+    <dgm:txFillClrLst meth="repeat">
+      <a:schemeClr val="tx1"/>
+    </dgm:txFillClrLst>
+    <dgm:txEffectClrLst/>
+  </dgm:styleLbl>
+  <dgm:styleLbl name="fgAcc1">
+    <dgm:fillClrLst meth="repeat">
+      <a:schemeClr val="lt2">
+        <a:alpha val="90000"/>
+      </a:schemeClr>
+    </dgm:fillClrLst>
+    <dgm:linClrLst meth="repeat">
+      <a:schemeClr val="dk2"/>
+    </dgm:linClrLst>
+    <dgm:effectClrLst/>
+    <dgm:txLinClrLst/>
+    <dgm:txFillClrLst meth="repeat">
+      <a:schemeClr val="dk1"/>
+    </dgm:txFillClrLst>
+    <dgm:txEffectClrLst/>
+  </dgm:styleLbl>
+  <dgm:styleLbl name="conFgAcc1">
+    <dgm:fillClrLst meth="repeat">
+      <a:schemeClr val="lt2">
+        <a:alpha val="90000"/>
+      </a:schemeClr>
+    </dgm:fillClrLst>
+    <dgm:linClrLst meth="repeat">
+      <a:schemeClr val="dk2"/>
+    </dgm:linClrLst>
+    <dgm:effectClrLst/>
+    <dgm:txLinClrLst/>
+    <dgm:txFillClrLst meth="repeat">
+      <a:schemeClr val="dk1"/>
+    </dgm:txFillClrLst>
+    <dgm:txEffectClrLst/>
+  </dgm:styleLbl>
+  <dgm:styleLbl name="alignAcc1">
+    <dgm:fillClrLst meth="repeat">
+      <a:schemeClr val="lt2">
+        <a:alpha val="90000"/>
+      </a:schemeClr>
+    </dgm:fillClrLst>
+    <dgm:linClrLst meth="repeat">
+      <a:schemeClr val="dk2"/>
+    </dgm:linClrLst>
+    <dgm:effectClrLst/>
+    <dgm:txLinClrLst/>
+    <dgm:txFillClrLst meth="repeat">
+      <a:schemeClr val="dk1"/>
+    </dgm:txFillClrLst>
+    <dgm:txEffectClrLst/>
+  </dgm:styleLbl>
+  <dgm:styleLbl name="trAlignAcc1">
+    <dgm:fillClrLst meth="repeat">
+      <a:schemeClr val="lt2">
+        <a:alpha val="40000"/>
+      </a:schemeClr>
+    </dgm:fillClrLst>
+    <dgm:linClrLst meth="repeat">
+      <a:schemeClr val="dk2"/>
+    </dgm:linClrLst>
+    <dgm:effectClrLst/>
+    <dgm:txLinClrLst/>
+    <dgm:txFillClrLst meth="repeat">
+      <a:schemeClr val="dk1"/>
+    </dgm:txFillClrLst>
+    <dgm:txEffectClrLst/>
+  </dgm:styleLbl>
+  <dgm:styleLbl name="bgAcc1">
+    <dgm:fillClrLst meth="repeat">
+      <a:schemeClr val="lt2">
+        <a:alpha val="90000"/>
+      </a:schemeClr>
+    </dgm:fillClrLst>
+    <dgm:linClrLst meth="repeat">
+      <a:schemeClr val="dk2"/>
+    </dgm:linClrLst>
+    <dgm:effectClrLst/>
+    <dgm:txLinClrLst/>
+    <dgm:txFillClrLst meth="repeat">
+      <a:schemeClr val="dk1"/>
+    </dgm:txFillClrLst>
+    <dgm:txEffectClrLst/>
+  </dgm:styleLbl>
+  <dgm:styleLbl name="solidFgAcc1">
+    <dgm:fillClrLst meth="repeat">
+      <a:schemeClr val="lt2"/>
+    </dgm:fillClrLst>
+    <dgm:linClrLst meth="repeat">
+      <a:schemeClr val="dk2"/>
+    </dgm:linClrLst>
+    <dgm:effectClrLst/>
+    <dgm:txLinClrLst/>
+    <dgm:txFillClrLst meth="repeat">
+      <a:schemeClr val="dk1"/>
+    </dgm:txFillClrLst>
+    <dgm:txEffectClrLst/>
+  </dgm:styleLbl>
+  <dgm:styleLbl name="solidAlignAcc1">
+    <dgm:fillClrLst meth="repeat">
+      <a:schemeClr val="lt2"/>
+    </dgm:fillClrLst>
+    <dgm:linClrLst meth="repeat">
+      <a:schemeClr val="dk2"/>
+    </dgm:linClrLst>
+    <dgm:effectClrLst/>
+    <dgm:txLinClrLst/>
+    <dgm:txFillClrLst meth="repeat">
+      <a:schemeClr val="dk1"/>
+    </dgm:txFillClrLst>
+    <dgm:txEffectClrLst/>
+  </dgm:styleLbl>
+  <dgm:styleLbl name="solidBgAcc1">
+    <dgm:fillClrLst meth="repeat">
+      <a:schemeClr val="lt2"/>
+    </dgm:fillClrLst>
+    <dgm:linClrLst meth="repeat">
+      <a:schemeClr val="dk2"/>
+    </dgm:linClrLst>
+    <dgm:effectClrLst/>
+    <dgm:txLinClrLst/>
+    <dgm:txFillClrLst meth="repeat">
+      <a:schemeClr val="dk1"/>
+    </dgm:txFillClrLst>
+    <dgm:txEffectClrLst/>
+  </dgm:styleLbl>
+  <dgm:styleLbl name="fgAccFollowNode1">
+    <dgm:fillClrLst meth="repeat">
+      <a:schemeClr val="dk2">
+        <a:alpha val="90000"/>
+        <a:tint val="40000"/>
+      </a:schemeClr>
+    </dgm:fillClrLst>
+    <dgm:linClrLst meth="repeat">
+      <a:schemeClr val="dk2">
+        <a:alpha val="90000"/>
+        <a:tint val="40000"/>
+      </a:schemeClr>
+    </dgm:linClrLst>
+    <dgm:effectClrLst/>
+    <dgm:txLinClrLst/>
+    <dgm:txFillClrLst meth="repeat">
+      <a:schemeClr val="dk1"/>
+    </dgm:txFillClrLst>
+    <dgm:txEffectClrLst/>
+  </dgm:styleLbl>
+  <dgm:styleLbl name="alignAccFollowNode1">
+    <dgm:fillClrLst meth="repeat">
+      <a:schemeClr val="dk2">
+        <a:alpha val="90000"/>
+        <a:tint val="40000"/>
+      </a:schemeClr>
+    </dgm:fillClrLst>
+    <dgm:linClrLst meth="repeat">
+      <a:schemeClr val="dk2">
+        <a:alpha val="90000"/>
+        <a:tint val="40000"/>
+      </a:schemeClr>
+    </dgm:linClrLst>
+    <dgm:effectClrLst/>
+    <dgm:txLinClrLst/>
+    <dgm:txFillClrLst meth="repeat">
+      <a:schemeClr val="dk1"/>
+    </dgm:txFillClrLst>
+    <dgm:txEffectClrLst/>
+  </dgm:styleLbl>
+  <dgm:styleLbl name="bgAccFollowNode1">
+    <dgm:fillClrLst meth="repeat">
+      <a:schemeClr val="dk2">
+        <a:alpha val="90000"/>
+        <a:tint val="40000"/>
+      </a:schemeClr>
+    </dgm:fillClrLst>
+    <dgm:linClrLst meth="repeat">
+      <a:schemeClr val="dk2">
+        <a:alpha val="90000"/>
+        <a:tint val="40000"/>
+      </a:schemeClr>
+    </dgm:linClrLst>
+    <dgm:effectClrLst/>
+    <dgm:txLinClrLst/>
+    <dgm:txFillClrLst meth="repeat">
+      <a:schemeClr val="dk1"/>
+    </dgm:txFillClrLst>
+    <dgm:txEffectClrLst/>
+  </dgm:styleLbl>
+  <dgm:styleLbl name="fgAcc0">
+    <dgm:fillClrLst meth="repeat">
+      <a:schemeClr val="lt2">
+        <a:alpha val="90000"/>
+      </a:schemeClr>
+    </dgm:fillClrLst>
+    <dgm:linClrLst meth="repeat">
+      <a:schemeClr val="dk2"/>
+    </dgm:linClrLst>
+    <dgm:effectClrLst/>
+    <dgm:txLinClrLst/>
+    <dgm:txFillClrLst meth="repeat">
+      <a:schemeClr val="dk1"/>
+    </dgm:txFillClrLst>
+    <dgm:txEffectClrLst/>
+  </dgm:styleLbl>
+  <dgm:styleLbl name="fgAcc2">
+    <dgm:fillClrLst meth="repeat">
+      <a:schemeClr val="lt2">
+        <a:alpha val="90000"/>
+      </a:schemeClr>
+    </dgm:fillClrLst>
+    <dgm:linClrLst meth="repeat">
+      <a:schemeClr val="dk2"/>
+    </dgm:linClrLst>
+    <dgm:effectClrLst/>
+    <dgm:txLinClrLst/>
+    <dgm:txFillClrLst meth="repeat">
+      <a:schemeClr val="dk1"/>
+    </dgm:txFillClrLst>
+    <dgm:txEffectClrLst/>
+  </dgm:styleLbl>
+  <dgm:styleLbl name="fgAcc3">
+    <dgm:fillClrLst meth="repeat">
+      <a:schemeClr val="lt2">
+        <a:alpha val="90000"/>
+      </a:schemeClr>
+    </dgm:fillClrLst>
+    <dgm:linClrLst meth="repeat">
+      <a:schemeClr val="dk2"/>
+    </dgm:linClrLst>
+    <dgm:effectClrLst/>
+    <dgm:txLinClrLst/>
+    <dgm:txFillClrLst meth="repeat">
+      <a:schemeClr val="dk1"/>
+    </dgm:txFillClrLst>
+    <dgm:txEffectClrLst/>
+  </dgm:styleLbl>
+  <dgm:styleLbl name="fgAcc4">
+    <dgm:fillClrLst meth="repeat">
+      <a:schemeClr val="lt2">
+        <a:alpha val="90000"/>
+      </a:schemeClr>
+    </dgm:fillClrLst>
+    <dgm:linClrLst meth="repeat">
+      <a:schemeClr val="dk2"/>
+    </dgm:linClrLst>
+    <dgm:effectClrLst/>
+    <dgm:txLinClrLst/>
+    <dgm:txFillClrLst meth="repeat">
+      <a:schemeClr val="dk1"/>
+    </dgm:txFillClrLst>
+    <dgm:txEffectClrLst/>
+  </dgm:styleLbl>
+  <dgm:styleLbl name="bgShp">
+    <dgm:fillClrLst meth="repeat">
+      <a:schemeClr val="dk2">
+        <a:tint val="40000"/>
+      </a:schemeClr>
+    </dgm:fillClrLst>
+    <dgm:linClrLst meth="repeat">
+      <a:schemeClr val="dk2"/>
+    </dgm:linClrLst>
+    <dgm:effectClrLst/>
+    <dgm:txLinClrLst/>
+    <dgm:txFillClrLst meth="repeat">
+      <a:schemeClr val="dk1"/>
+    </dgm:txFillClrLst>
+    <dgm:txEffectClrLst/>
+  </dgm:styleLbl>
+  <dgm:styleLbl name="dkBgShp">
+    <dgm:fillClrLst meth="repeat">
+      <a:schemeClr val="dk2">
+        <a:shade val="80000"/>
+      </a:schemeClr>
+    </dgm:fillClrLst>
+    <dgm:linClrLst meth="repeat">
+      <a:schemeClr val="dk2"/>
+    </dgm:linClrLst>
+    <dgm:effectClrLst/>
+    <dgm:txLinClrLst/>
+    <dgm:txFillClrLst meth="repeat">
+      <a:schemeClr val="lt1"/>
+    </dgm:txFillClrLst>
+    <dgm:txEffectClrLst/>
+  </dgm:styleLbl>
+  <dgm:styleLbl name="trBgShp">
+    <dgm:fillClrLst meth="repeat">
+      <a:schemeClr val="dk2">
+        <a:tint val="50000"/>
+        <a:alpha val="40000"/>
+      </a:schemeClr>
+    </dgm:fillClrLst>
+    <dgm:linClrLst meth="repeat">
+      <a:schemeClr val="dk2"/>
+    </dgm:linClrLst>
+    <dgm:effectClrLst/>
+    <dgm:txLinClrLst/>
+    <dgm:txFillClrLst meth="repeat">
+      <a:schemeClr val="lt1"/>
+    </dgm:txFillClrLst>
+    <dgm:txEffectClrLst/>
+  </dgm:styleLbl>
+  <dgm:styleLbl name="fgShp">
+    <dgm:fillClrLst meth="repeat">
+      <a:schemeClr val="dk2">
+        <a:tint val="60000"/>
+      </a:schemeClr>
+    </dgm:fillClrLst>
+    <dgm:linClrLst meth="repeat">
+      <a:schemeClr val="lt2"/>
+    </dgm:linClrLst>
+    <dgm:effectClrLst/>
+    <dgm:txLinClrLst/>
+    <dgm:txFillClrLst meth="repeat">
+      <a:schemeClr val="dk1"/>
+    </dgm:txFillClrLst>
+    <dgm:txEffectClrLst/>
+  </dgm:styleLbl>
+  <dgm:styleLbl name="revTx">
+    <dgm:fillClrLst meth="repeat">
+      <a:schemeClr val="lt2">
+        <a:alpha val="0"/>
+      </a:schemeClr>
+    </dgm:fillClrLst>
+    <dgm:linClrLst meth="repeat">
+      <a:schemeClr val="dk1">
+        <a:alpha val="0"/>
+      </a:schemeClr>
+    </dgm:linClrLst>
+    <dgm:effectClrLst/>
+    <dgm:txLinClrLst/>
+    <dgm:txFillClrLst meth="repeat">
+      <a:schemeClr val="tx1"/>
+    </dgm:txFillClrLst>
+    <dgm:txEffectClrLst/>
+  </dgm:styleLbl>
+</dgm:colorsDef>
+</file>
+
+<file path=ppt/diagrams/data1.xml><?xml version="1.0" encoding="utf-8"?>
+<dgm:dataModel xmlns:dgm="http://schemas.openxmlformats.org/drawingml/2006/diagram" xmlns:a="http://schemas.openxmlformats.org/drawingml/2006/main">
+  <dgm:ptLst>
+    <dgm:pt modelId="{1BE95FDA-C687-4656-9599-1AC46ECC15F3}" type="doc">
+      <dgm:prSet loTypeId="urn:microsoft.com/office/officeart/2008/layout/VerticalCurvedList" loCatId="list" qsTypeId="urn:microsoft.com/office/officeart/2005/8/quickstyle/simple2" qsCatId="simple" csTypeId="urn:microsoft.com/office/officeart/2005/8/colors/colorful3" csCatId="colorful" phldr="1"/>
+      <dgm:spPr/>
+      <dgm:t>
+        <a:bodyPr/>
+        <a:lstStyle/>
+        <a:p>
+          <a:endParaRPr lang="en-IN"/>
+        </a:p>
+      </dgm:t>
+    </dgm:pt>
+    <dgm:pt modelId="{3745347A-3459-498E-B823-6A4D5519776A}">
+      <dgm:prSet phldrT="[Text]" custT="1"/>
+      <dgm:spPr/>
+      <dgm:t>
+        <a:bodyPr/>
+        <a:lstStyle/>
+        <a:p>
+          <a:r>
+            <a:rPr lang="en-IN" sz="1400" dirty="0"/>
+            <a:t>Activation : </a:t>
+          </a:r>
+          <a:br>
+            <a:rPr lang="en-IN" sz="1400" dirty="0"/>
+          </a:br>
+          <a:r>
+            <a:rPr lang="en-IN" sz="1400" b="1" dirty="0" err="1"/>
+            <a:t>softmax</a:t>
+          </a:r>
+          <a:endParaRPr lang="en-IN" sz="1400" b="1" dirty="0"/>
+        </a:p>
+      </dgm:t>
+    </dgm:pt>
+    <dgm:pt modelId="{132EAAE2-1031-4FB3-8A09-F9510D1B6498}" type="parTrans" cxnId="{3AA04AC5-2BCB-4B6B-9224-0E72B9708ADE}">
+      <dgm:prSet/>
+      <dgm:spPr/>
+      <dgm:t>
+        <a:bodyPr/>
+        <a:lstStyle/>
+        <a:p>
+          <a:endParaRPr lang="en-IN"/>
+        </a:p>
+      </dgm:t>
+    </dgm:pt>
+    <dgm:pt modelId="{ED74FA80-878A-4FA8-89E9-2349A3189554}" type="sibTrans" cxnId="{3AA04AC5-2BCB-4B6B-9224-0E72B9708ADE}">
+      <dgm:prSet/>
+      <dgm:spPr/>
+      <dgm:t>
+        <a:bodyPr/>
+        <a:lstStyle/>
+        <a:p>
+          <a:endParaRPr lang="en-IN"/>
+        </a:p>
+      </dgm:t>
+    </dgm:pt>
+    <dgm:pt modelId="{B1D27C29-647E-4564-B6DD-A99D9B9FA354}">
+      <dgm:prSet phldrT="[Text]" custT="1"/>
+      <dgm:spPr/>
+      <dgm:t>
+        <a:bodyPr/>
+        <a:lstStyle/>
+        <a:p>
+          <a:r>
+            <a:rPr lang="en-IN" sz="1400" dirty="0"/>
+            <a:t>Optimizer : </a:t>
+          </a:r>
+          <a:br>
+            <a:rPr lang="en-IN" sz="1400" dirty="0"/>
+          </a:br>
+          <a:r>
+            <a:rPr lang="en-IN" sz="1400" b="1" dirty="0" err="1"/>
+            <a:t>adam</a:t>
+          </a:r>
+          <a:endParaRPr lang="en-IN" sz="1400" b="1" dirty="0"/>
+        </a:p>
+      </dgm:t>
+    </dgm:pt>
+    <dgm:pt modelId="{61433589-0B11-4807-B75A-FDB16DE48F26}" type="parTrans" cxnId="{DBE93CEB-1747-44AF-A3FB-0E24D87442FE}">
+      <dgm:prSet/>
+      <dgm:spPr/>
+      <dgm:t>
+        <a:bodyPr/>
+        <a:lstStyle/>
+        <a:p>
+          <a:endParaRPr lang="en-IN"/>
+        </a:p>
+      </dgm:t>
+    </dgm:pt>
+    <dgm:pt modelId="{2F08A92D-E619-4339-9728-E7137497011B}" type="sibTrans" cxnId="{DBE93CEB-1747-44AF-A3FB-0E24D87442FE}">
+      <dgm:prSet/>
+      <dgm:spPr/>
+      <dgm:t>
+        <a:bodyPr/>
+        <a:lstStyle/>
+        <a:p>
+          <a:endParaRPr lang="en-IN"/>
+        </a:p>
+      </dgm:t>
+    </dgm:pt>
+    <dgm:pt modelId="{93D6E473-AC85-4B51-8E0E-D1108321487E}">
+      <dgm:prSet phldrT="[Text]" custT="1"/>
+      <dgm:spPr/>
+      <dgm:t>
+        <a:bodyPr/>
+        <a:lstStyle/>
+        <a:p>
+          <a:r>
+            <a:rPr lang="en-IN" sz="1400" dirty="0"/>
+            <a:t>Loss Function : </a:t>
+          </a:r>
+          <a:br>
+            <a:rPr lang="en-IN" sz="1400" dirty="0"/>
+          </a:br>
+          <a:r>
+            <a:rPr lang="en-IN" sz="1400" b="1" dirty="0" err="1"/>
+            <a:t>sparse_categorical_corssentropy</a:t>
+          </a:r>
+          <a:endParaRPr lang="en-IN" sz="1400" b="1" dirty="0"/>
+        </a:p>
+      </dgm:t>
+    </dgm:pt>
+    <dgm:pt modelId="{3A084642-676D-4E01-87A0-3D7A8BD7BFBA}" type="parTrans" cxnId="{EC8F5F4D-0F6E-459F-BAF1-9ED24A24977B}">
+      <dgm:prSet/>
+      <dgm:spPr/>
+      <dgm:t>
+        <a:bodyPr/>
+        <a:lstStyle/>
+        <a:p>
+          <a:endParaRPr lang="en-IN"/>
+        </a:p>
+      </dgm:t>
+    </dgm:pt>
+    <dgm:pt modelId="{5C3B8D1A-BC7A-4B2C-A8BD-AD91C4B77BAD}" type="sibTrans" cxnId="{EC8F5F4D-0F6E-459F-BAF1-9ED24A24977B}">
+      <dgm:prSet/>
+      <dgm:spPr/>
+      <dgm:t>
+        <a:bodyPr/>
+        <a:lstStyle/>
+        <a:p>
+          <a:endParaRPr lang="en-IN"/>
+        </a:p>
+      </dgm:t>
+    </dgm:pt>
+    <dgm:pt modelId="{F8A59E62-8F97-440B-B11D-3FAA4CA6448E}">
+      <dgm:prSet phldrT="[Text]" custT="1"/>
+      <dgm:spPr/>
+      <dgm:t>
+        <a:bodyPr/>
+        <a:lstStyle/>
+        <a:p>
+          <a:r>
+            <a:rPr lang="en-IN" sz="1400" dirty="0"/>
+            <a:t>Total Param : </a:t>
+          </a:r>
+          <a:br>
+            <a:rPr lang="en-IN" sz="1400" dirty="0"/>
+          </a:br>
+          <a:r>
+            <a:rPr lang="en-IN" sz="1400" b="1" dirty="0"/>
+            <a:t>1,130,947</a:t>
+          </a:r>
+        </a:p>
+      </dgm:t>
+    </dgm:pt>
+    <dgm:pt modelId="{A53B7B4F-AE3E-427D-973B-3A7DC91EE752}" type="parTrans" cxnId="{53C71587-4DB0-44BD-AB74-A632EA2227E0}">
+      <dgm:prSet/>
+      <dgm:spPr/>
+      <dgm:t>
+        <a:bodyPr/>
+        <a:lstStyle/>
+        <a:p>
+          <a:endParaRPr lang="en-IN"/>
+        </a:p>
+      </dgm:t>
+    </dgm:pt>
+    <dgm:pt modelId="{2E8CF61A-0BEA-458E-A610-E380BE3A3950}" type="sibTrans" cxnId="{53C71587-4DB0-44BD-AB74-A632EA2227E0}">
+      <dgm:prSet/>
+      <dgm:spPr/>
+      <dgm:t>
+        <a:bodyPr/>
+        <a:lstStyle/>
+        <a:p>
+          <a:endParaRPr lang="en-IN"/>
+        </a:p>
+      </dgm:t>
+    </dgm:pt>
+    <dgm:pt modelId="{1F52B36A-FE4E-4E56-859E-5BDE5F3F1340}" type="pres">
+      <dgm:prSet presAssocID="{1BE95FDA-C687-4656-9599-1AC46ECC15F3}" presName="Name0" presStyleCnt="0">
+        <dgm:presLayoutVars>
+          <dgm:chMax val="7"/>
+          <dgm:chPref val="7"/>
+          <dgm:dir/>
+        </dgm:presLayoutVars>
+      </dgm:prSet>
+      <dgm:spPr/>
+    </dgm:pt>
+    <dgm:pt modelId="{DA6315C1-146C-4A20-A010-19AA58534A89}" type="pres">
+      <dgm:prSet presAssocID="{1BE95FDA-C687-4656-9599-1AC46ECC15F3}" presName="Name1" presStyleCnt="0"/>
+      <dgm:spPr/>
+    </dgm:pt>
+    <dgm:pt modelId="{DC789D13-2D60-434D-82CF-2103CBA0ADA9}" type="pres">
+      <dgm:prSet presAssocID="{1BE95FDA-C687-4656-9599-1AC46ECC15F3}" presName="cycle" presStyleCnt="0"/>
+      <dgm:spPr/>
+    </dgm:pt>
+    <dgm:pt modelId="{BA56F5A9-D22D-4638-8D8C-9F2ED871AF8A}" type="pres">
+      <dgm:prSet presAssocID="{1BE95FDA-C687-4656-9599-1AC46ECC15F3}" presName="srcNode" presStyleLbl="node1" presStyleIdx="0" presStyleCnt="4"/>
+      <dgm:spPr/>
+    </dgm:pt>
+    <dgm:pt modelId="{541E6B31-EDA9-485E-8398-EC056E40CDF6}" type="pres">
+      <dgm:prSet presAssocID="{1BE95FDA-C687-4656-9599-1AC46ECC15F3}" presName="conn" presStyleLbl="parChTrans1D2" presStyleIdx="0" presStyleCnt="1"/>
+      <dgm:spPr/>
+    </dgm:pt>
+    <dgm:pt modelId="{AF612C13-3D3A-4D50-85C6-FD62DD72D4C4}" type="pres">
+      <dgm:prSet presAssocID="{1BE95FDA-C687-4656-9599-1AC46ECC15F3}" presName="extraNode" presStyleLbl="node1" presStyleIdx="0" presStyleCnt="4"/>
+      <dgm:spPr/>
+    </dgm:pt>
+    <dgm:pt modelId="{AC96BD58-E0F2-4185-8BC5-6D0B3362F6C2}" type="pres">
+      <dgm:prSet presAssocID="{1BE95FDA-C687-4656-9599-1AC46ECC15F3}" presName="dstNode" presStyleLbl="node1" presStyleIdx="0" presStyleCnt="4"/>
+      <dgm:spPr/>
+    </dgm:pt>
+    <dgm:pt modelId="{3B2C28B9-4E40-4598-90F8-B136FFCFEE64}" type="pres">
+      <dgm:prSet presAssocID="{3745347A-3459-498E-B823-6A4D5519776A}" presName="text_1" presStyleLbl="node1" presStyleIdx="0" presStyleCnt="4">
+        <dgm:presLayoutVars>
+          <dgm:bulletEnabled val="1"/>
+        </dgm:presLayoutVars>
+      </dgm:prSet>
+      <dgm:spPr/>
+    </dgm:pt>
+    <dgm:pt modelId="{6D1C2683-963B-4905-AD10-8DC37617B3D1}" type="pres">
+      <dgm:prSet presAssocID="{3745347A-3459-498E-B823-6A4D5519776A}" presName="accent_1" presStyleCnt="0"/>
+      <dgm:spPr/>
+    </dgm:pt>
+    <dgm:pt modelId="{8679F006-475F-4B46-BDCA-A16E8C2E57E5}" type="pres">
+      <dgm:prSet presAssocID="{3745347A-3459-498E-B823-6A4D5519776A}" presName="accentRepeatNode" presStyleLbl="solidFgAcc1" presStyleIdx="0" presStyleCnt="4" custScaleX="23661" custScaleY="22954"/>
+      <dgm:spPr/>
+    </dgm:pt>
+    <dgm:pt modelId="{FE1E3F9C-15F6-48F6-A39F-D8D9FD20DAEC}" type="pres">
+      <dgm:prSet presAssocID="{B1D27C29-647E-4564-B6DD-A99D9B9FA354}" presName="text_2" presStyleLbl="node1" presStyleIdx="1" presStyleCnt="4">
+        <dgm:presLayoutVars>
+          <dgm:bulletEnabled val="1"/>
+        </dgm:presLayoutVars>
+      </dgm:prSet>
+      <dgm:spPr/>
+    </dgm:pt>
+    <dgm:pt modelId="{1221A035-C666-43A9-BD13-DD49EF12F8FC}" type="pres">
+      <dgm:prSet presAssocID="{B1D27C29-647E-4564-B6DD-A99D9B9FA354}" presName="accent_2" presStyleCnt="0"/>
+      <dgm:spPr/>
+    </dgm:pt>
+    <dgm:pt modelId="{C5F375D0-6965-49F7-A4B5-41DEDFAADEAA}" type="pres">
+      <dgm:prSet presAssocID="{B1D27C29-647E-4564-B6DD-A99D9B9FA354}" presName="accentRepeatNode" presStyleLbl="solidFgAcc1" presStyleIdx="1" presStyleCnt="4" custScaleX="24750" custScaleY="28763"/>
+      <dgm:spPr/>
+    </dgm:pt>
+    <dgm:pt modelId="{66BF7AB7-E05E-4903-9E61-3D0CAF9A3A7E}" type="pres">
+      <dgm:prSet presAssocID="{93D6E473-AC85-4B51-8E0E-D1108321487E}" presName="text_3" presStyleLbl="node1" presStyleIdx="2" presStyleCnt="4">
+        <dgm:presLayoutVars>
+          <dgm:bulletEnabled val="1"/>
+        </dgm:presLayoutVars>
+      </dgm:prSet>
+      <dgm:spPr/>
+    </dgm:pt>
+    <dgm:pt modelId="{107CE878-6650-416B-86F5-DA4D3982EE1B}" type="pres">
+      <dgm:prSet presAssocID="{93D6E473-AC85-4B51-8E0E-D1108321487E}" presName="accent_3" presStyleCnt="0"/>
+      <dgm:spPr/>
+    </dgm:pt>
+    <dgm:pt modelId="{4244376F-152D-4636-A76E-B81333076953}" type="pres">
+      <dgm:prSet presAssocID="{93D6E473-AC85-4B51-8E0E-D1108321487E}" presName="accentRepeatNode" presStyleLbl="solidFgAcc1" presStyleIdx="2" presStyleCnt="4" custScaleX="29767" custScaleY="32062"/>
+      <dgm:spPr/>
+    </dgm:pt>
+    <dgm:pt modelId="{72E8E17E-C985-405A-A067-DD75F55750A9}" type="pres">
+      <dgm:prSet presAssocID="{F8A59E62-8F97-440B-B11D-3FAA4CA6448E}" presName="text_4" presStyleLbl="node1" presStyleIdx="3" presStyleCnt="4">
+        <dgm:presLayoutVars>
+          <dgm:bulletEnabled val="1"/>
+        </dgm:presLayoutVars>
+      </dgm:prSet>
+      <dgm:spPr/>
+    </dgm:pt>
+    <dgm:pt modelId="{52C438CD-F08E-48A2-8441-A9ADA2EE1043}" type="pres">
+      <dgm:prSet presAssocID="{F8A59E62-8F97-440B-B11D-3FAA4CA6448E}" presName="accent_4" presStyleCnt="0"/>
+      <dgm:spPr/>
+    </dgm:pt>
+    <dgm:pt modelId="{8A08DEFB-71E2-418F-A3AA-81E54D3E79D3}" type="pres">
+      <dgm:prSet presAssocID="{F8A59E62-8F97-440B-B11D-3FAA4CA6448E}" presName="accentRepeatNode" presStyleLbl="solidFgAcc1" presStyleIdx="3" presStyleCnt="4" custScaleX="37899" custScaleY="30526" custLinFactNeighborX="407" custLinFactNeighborY="-3854"/>
+      <dgm:spPr/>
+    </dgm:pt>
+  </dgm:ptLst>
+  <dgm:cxnLst>
+    <dgm:cxn modelId="{F29D9F1C-1B45-4DAF-9692-DA403C715045}" type="presOf" srcId="{F8A59E62-8F97-440B-B11D-3FAA4CA6448E}" destId="{72E8E17E-C985-405A-A067-DD75F55750A9}" srcOrd="0" destOrd="0" presId="urn:microsoft.com/office/officeart/2008/layout/VerticalCurvedList"/>
+    <dgm:cxn modelId="{6CC27C20-9934-462C-98B1-4965AC2D8CE7}" type="presOf" srcId="{3745347A-3459-498E-B823-6A4D5519776A}" destId="{3B2C28B9-4E40-4598-90F8-B136FFCFEE64}" srcOrd="0" destOrd="0" presId="urn:microsoft.com/office/officeart/2008/layout/VerticalCurvedList"/>
+    <dgm:cxn modelId="{EC8F5F4D-0F6E-459F-BAF1-9ED24A24977B}" srcId="{1BE95FDA-C687-4656-9599-1AC46ECC15F3}" destId="{93D6E473-AC85-4B51-8E0E-D1108321487E}" srcOrd="2" destOrd="0" parTransId="{3A084642-676D-4E01-87A0-3D7A8BD7BFBA}" sibTransId="{5C3B8D1A-BC7A-4B2C-A8BD-AD91C4B77BAD}"/>
+    <dgm:cxn modelId="{F7C35F54-6796-42DA-BFCC-245587C7CE85}" type="presOf" srcId="{1BE95FDA-C687-4656-9599-1AC46ECC15F3}" destId="{1F52B36A-FE4E-4E56-859E-5BDE5F3F1340}" srcOrd="0" destOrd="0" presId="urn:microsoft.com/office/officeart/2008/layout/VerticalCurvedList"/>
+    <dgm:cxn modelId="{53C71587-4DB0-44BD-AB74-A632EA2227E0}" srcId="{1BE95FDA-C687-4656-9599-1AC46ECC15F3}" destId="{F8A59E62-8F97-440B-B11D-3FAA4CA6448E}" srcOrd="3" destOrd="0" parTransId="{A53B7B4F-AE3E-427D-973B-3A7DC91EE752}" sibTransId="{2E8CF61A-0BEA-458E-A610-E380BE3A3950}"/>
+    <dgm:cxn modelId="{6A80A496-6C6F-4A32-B662-6EDA1245B902}" type="presOf" srcId="{93D6E473-AC85-4B51-8E0E-D1108321487E}" destId="{66BF7AB7-E05E-4903-9E61-3D0CAF9A3A7E}" srcOrd="0" destOrd="0" presId="urn:microsoft.com/office/officeart/2008/layout/VerticalCurvedList"/>
+    <dgm:cxn modelId="{3AA04AC5-2BCB-4B6B-9224-0E72B9708ADE}" srcId="{1BE95FDA-C687-4656-9599-1AC46ECC15F3}" destId="{3745347A-3459-498E-B823-6A4D5519776A}" srcOrd="0" destOrd="0" parTransId="{132EAAE2-1031-4FB3-8A09-F9510D1B6498}" sibTransId="{ED74FA80-878A-4FA8-89E9-2349A3189554}"/>
+    <dgm:cxn modelId="{4F629AD5-D0E7-47F0-BEC6-98C66816DE37}" type="presOf" srcId="{B1D27C29-647E-4564-B6DD-A99D9B9FA354}" destId="{FE1E3F9C-15F6-48F6-A39F-D8D9FD20DAEC}" srcOrd="0" destOrd="0" presId="urn:microsoft.com/office/officeart/2008/layout/VerticalCurvedList"/>
+    <dgm:cxn modelId="{EA03D2E8-20CE-4298-8BFC-3BDB69BBC550}" type="presOf" srcId="{ED74FA80-878A-4FA8-89E9-2349A3189554}" destId="{541E6B31-EDA9-485E-8398-EC056E40CDF6}" srcOrd="0" destOrd="0" presId="urn:microsoft.com/office/officeart/2008/layout/VerticalCurvedList"/>
+    <dgm:cxn modelId="{DBE93CEB-1747-44AF-A3FB-0E24D87442FE}" srcId="{1BE95FDA-C687-4656-9599-1AC46ECC15F3}" destId="{B1D27C29-647E-4564-B6DD-A99D9B9FA354}" srcOrd="1" destOrd="0" parTransId="{61433589-0B11-4807-B75A-FDB16DE48F26}" sibTransId="{2F08A92D-E619-4339-9728-E7137497011B}"/>
+    <dgm:cxn modelId="{24049251-C25C-4095-87EF-1B061B5884BC}" type="presParOf" srcId="{1F52B36A-FE4E-4E56-859E-5BDE5F3F1340}" destId="{DA6315C1-146C-4A20-A010-19AA58534A89}" srcOrd="0" destOrd="0" presId="urn:microsoft.com/office/officeart/2008/layout/VerticalCurvedList"/>
+    <dgm:cxn modelId="{2F21C414-2789-4EA7-8B13-31CEED2CCFD3}" type="presParOf" srcId="{DA6315C1-146C-4A20-A010-19AA58534A89}" destId="{DC789D13-2D60-434D-82CF-2103CBA0ADA9}" srcOrd="0" destOrd="0" presId="urn:microsoft.com/office/officeart/2008/layout/VerticalCurvedList"/>
+    <dgm:cxn modelId="{B2436EE8-A0B2-4FE3-BBB1-00282FF4DF02}" type="presParOf" srcId="{DC789D13-2D60-434D-82CF-2103CBA0ADA9}" destId="{BA56F5A9-D22D-4638-8D8C-9F2ED871AF8A}" srcOrd="0" destOrd="0" presId="urn:microsoft.com/office/officeart/2008/layout/VerticalCurvedList"/>
+    <dgm:cxn modelId="{82BCA91C-265E-4994-A89D-E57CCC75AF3F}" type="presParOf" srcId="{DC789D13-2D60-434D-82CF-2103CBA0ADA9}" destId="{541E6B31-EDA9-485E-8398-EC056E40CDF6}" srcOrd="1" destOrd="0" presId="urn:microsoft.com/office/officeart/2008/layout/VerticalCurvedList"/>
+    <dgm:cxn modelId="{DFFC16B2-6F83-4635-9F50-74078C4D305C}" type="presParOf" srcId="{DC789D13-2D60-434D-82CF-2103CBA0ADA9}" destId="{AF612C13-3D3A-4D50-85C6-FD62DD72D4C4}" srcOrd="2" destOrd="0" presId="urn:microsoft.com/office/officeart/2008/layout/VerticalCurvedList"/>
+    <dgm:cxn modelId="{F83D3484-3867-499D-B743-3EA6CB1C4838}" type="presParOf" srcId="{DC789D13-2D60-434D-82CF-2103CBA0ADA9}" destId="{AC96BD58-E0F2-4185-8BC5-6D0B3362F6C2}" srcOrd="3" destOrd="0" presId="urn:microsoft.com/office/officeart/2008/layout/VerticalCurvedList"/>
+    <dgm:cxn modelId="{5E7669AA-9768-4EC5-BA27-D9954DDE3A7D}" type="presParOf" srcId="{DA6315C1-146C-4A20-A010-19AA58534A89}" destId="{3B2C28B9-4E40-4598-90F8-B136FFCFEE64}" srcOrd="1" destOrd="0" presId="urn:microsoft.com/office/officeart/2008/layout/VerticalCurvedList"/>
+    <dgm:cxn modelId="{8E93D8ED-01F9-4E3D-8D20-12A751758652}" type="presParOf" srcId="{DA6315C1-146C-4A20-A010-19AA58534A89}" destId="{6D1C2683-963B-4905-AD10-8DC37617B3D1}" srcOrd="2" destOrd="0" presId="urn:microsoft.com/office/officeart/2008/layout/VerticalCurvedList"/>
+    <dgm:cxn modelId="{49B7C66A-D3EE-429E-8332-FBCF252F6E04}" type="presParOf" srcId="{6D1C2683-963B-4905-AD10-8DC37617B3D1}" destId="{8679F006-475F-4B46-BDCA-A16E8C2E57E5}" srcOrd="0" destOrd="0" presId="urn:microsoft.com/office/officeart/2008/layout/VerticalCurvedList"/>
+    <dgm:cxn modelId="{D65CF713-052B-429D-B123-B7C87340055A}" type="presParOf" srcId="{DA6315C1-146C-4A20-A010-19AA58534A89}" destId="{FE1E3F9C-15F6-48F6-A39F-D8D9FD20DAEC}" srcOrd="3" destOrd="0" presId="urn:microsoft.com/office/officeart/2008/layout/VerticalCurvedList"/>
+    <dgm:cxn modelId="{FA94E9D7-0E70-4FF5-B7F8-FCCC5C6AE07B}" type="presParOf" srcId="{DA6315C1-146C-4A20-A010-19AA58534A89}" destId="{1221A035-C666-43A9-BD13-DD49EF12F8FC}" srcOrd="4" destOrd="0" presId="urn:microsoft.com/office/officeart/2008/layout/VerticalCurvedList"/>
+    <dgm:cxn modelId="{E7069274-051F-4AA7-8EA3-9476B3C97B21}" type="presParOf" srcId="{1221A035-C666-43A9-BD13-DD49EF12F8FC}" destId="{C5F375D0-6965-49F7-A4B5-41DEDFAADEAA}" srcOrd="0" destOrd="0" presId="urn:microsoft.com/office/officeart/2008/layout/VerticalCurvedList"/>
+    <dgm:cxn modelId="{83FC823E-63CE-4920-A211-BBC3D800BC48}" type="presParOf" srcId="{DA6315C1-146C-4A20-A010-19AA58534A89}" destId="{66BF7AB7-E05E-4903-9E61-3D0CAF9A3A7E}" srcOrd="5" destOrd="0" presId="urn:microsoft.com/office/officeart/2008/layout/VerticalCurvedList"/>
+    <dgm:cxn modelId="{AF43AD79-E433-4E60-AAC3-F703D2978D6F}" type="presParOf" srcId="{DA6315C1-146C-4A20-A010-19AA58534A89}" destId="{107CE878-6650-416B-86F5-DA4D3982EE1B}" srcOrd="6" destOrd="0" presId="urn:microsoft.com/office/officeart/2008/layout/VerticalCurvedList"/>
+    <dgm:cxn modelId="{63B78AD2-9CA4-4885-A315-E81159C9B4BE}" type="presParOf" srcId="{107CE878-6650-416B-86F5-DA4D3982EE1B}" destId="{4244376F-152D-4636-A76E-B81333076953}" srcOrd="0" destOrd="0" presId="urn:microsoft.com/office/officeart/2008/layout/VerticalCurvedList"/>
+    <dgm:cxn modelId="{9C998403-713C-488A-AC99-3EF4CB9BFB62}" type="presParOf" srcId="{DA6315C1-146C-4A20-A010-19AA58534A89}" destId="{72E8E17E-C985-405A-A067-DD75F55750A9}" srcOrd="7" destOrd="0" presId="urn:microsoft.com/office/officeart/2008/layout/VerticalCurvedList"/>
+    <dgm:cxn modelId="{B1F599FC-F273-42CF-80B6-213DC68B6FBB}" type="presParOf" srcId="{DA6315C1-146C-4A20-A010-19AA58534A89}" destId="{52C438CD-F08E-48A2-8441-A9ADA2EE1043}" srcOrd="8" destOrd="0" presId="urn:microsoft.com/office/officeart/2008/layout/VerticalCurvedList"/>
+    <dgm:cxn modelId="{752CAEF6-865C-4170-AFE6-F67D31C79CF4}" type="presParOf" srcId="{52C438CD-F08E-48A2-8441-A9ADA2EE1043}" destId="{8A08DEFB-71E2-418F-A3AA-81E54D3E79D3}" srcOrd="0" destOrd="0" presId="urn:microsoft.com/office/officeart/2008/layout/VerticalCurvedList"/>
+  </dgm:cxnLst>
+  <dgm:bg/>
+  <dgm:whole/>
+  <dgm:extLst>
+    <a:ext uri="http://schemas.microsoft.com/office/drawing/2008/diagram">
+      <dsp:dataModelExt xmlns:dsp="http://schemas.microsoft.com/office/drawing/2008/diagram" relId="rId6" minVer="http://schemas.openxmlformats.org/drawingml/2006/diagram"/>
+    </a:ext>
+  </dgm:extLst>
+</dgm:dataModel>
+</file>
+
+<file path=ppt/diagrams/data2.xml><?xml version="1.0" encoding="utf-8"?>
+<dgm:dataModel xmlns:dgm="http://schemas.openxmlformats.org/drawingml/2006/diagram" xmlns:a="http://schemas.openxmlformats.org/drawingml/2006/main">
+  <dgm:ptLst>
+    <dgm:pt modelId="{BF55CDCE-F1A5-4744-ABC3-ED9A5712122E}" type="doc">
+      <dgm:prSet loTypeId="urn:microsoft.com/office/officeart/2005/8/layout/vProcess5" loCatId="process" qsTypeId="urn:microsoft.com/office/officeart/2005/8/quickstyle/simple1" qsCatId="simple" csTypeId="urn:microsoft.com/office/officeart/2005/8/colors/accent0_3" csCatId="mainScheme" phldr="1"/>
+      <dgm:spPr/>
+      <dgm:t>
+        <a:bodyPr/>
+        <a:lstStyle/>
+        <a:p>
+          <a:endParaRPr lang="en-IN"/>
+        </a:p>
+      </dgm:t>
+    </dgm:pt>
+    <dgm:pt modelId="{CFAC74F4-2122-4A70-91AA-821DB7A5990E}">
+      <dgm:prSet phldrT="[Text]" custT="1"/>
+      <dgm:spPr/>
+      <dgm:t>
+        <a:bodyPr/>
+        <a:lstStyle/>
+        <a:p>
+          <a:r>
+            <a:rPr lang="en-IN" sz="1200" b="1" dirty="0"/>
+            <a:t>1 input layer with  Rescaling layer</a:t>
+          </a:r>
+        </a:p>
+      </dgm:t>
+    </dgm:pt>
+    <dgm:pt modelId="{AF6F4BB7-42C8-4F3B-A8D7-E698F3AB4F9B}" type="parTrans" cxnId="{5135F805-328B-4220-ABD6-67251FE3DD8C}">
+      <dgm:prSet/>
+      <dgm:spPr/>
+      <dgm:t>
+        <a:bodyPr/>
+        <a:lstStyle/>
+        <a:p>
+          <a:endParaRPr lang="en-IN"/>
+        </a:p>
+      </dgm:t>
+    </dgm:pt>
+    <dgm:pt modelId="{28957E86-C399-413F-970F-7D02486C8322}" type="sibTrans" cxnId="{5135F805-328B-4220-ABD6-67251FE3DD8C}">
+      <dgm:prSet custT="1"/>
+      <dgm:spPr/>
+      <dgm:t>
+        <a:bodyPr/>
+        <a:lstStyle/>
+        <a:p>
+          <a:endParaRPr lang="en-IN" sz="1400" b="1"/>
+        </a:p>
+      </dgm:t>
+    </dgm:pt>
+    <dgm:pt modelId="{E7CAB9BC-E38E-4970-A68D-098FCDFBDF69}">
+      <dgm:prSet phldrT="[Text]" custT="1"/>
+      <dgm:spPr/>
+      <dgm:t>
+        <a:bodyPr/>
+        <a:lstStyle/>
+        <a:p>
+          <a:r>
+            <a:rPr lang="en-IN" sz="1200" b="1" dirty="0"/>
+            <a:t>5 Convolutional Layers</a:t>
+          </a:r>
+        </a:p>
+      </dgm:t>
+    </dgm:pt>
+    <dgm:pt modelId="{5744E690-1B89-4CD2-866B-5D428590EACF}" type="parTrans" cxnId="{CAE9A4D6-462B-4415-B9BF-AC4BA9038C9F}">
+      <dgm:prSet/>
+      <dgm:spPr/>
+      <dgm:t>
+        <a:bodyPr/>
+        <a:lstStyle/>
+        <a:p>
+          <a:endParaRPr lang="en-IN"/>
+        </a:p>
+      </dgm:t>
+    </dgm:pt>
+    <dgm:pt modelId="{3C384E12-B643-47FC-B80C-6990AAF51969}" type="sibTrans" cxnId="{CAE9A4D6-462B-4415-B9BF-AC4BA9038C9F}">
+      <dgm:prSet custT="1"/>
+      <dgm:spPr/>
+      <dgm:t>
+        <a:bodyPr/>
+        <a:lstStyle/>
+        <a:p>
+          <a:endParaRPr lang="en-IN" sz="1400" b="1"/>
+        </a:p>
+      </dgm:t>
+    </dgm:pt>
+    <dgm:pt modelId="{F1D1F254-4585-4BA1-9AF3-FAC092A3C414}">
+      <dgm:prSet phldrT="[Text]" custT="1"/>
+      <dgm:spPr/>
+      <dgm:t>
+        <a:bodyPr/>
+        <a:lstStyle/>
+        <a:p>
+          <a:r>
+            <a:rPr lang="en-IN" sz="1200" b="1" dirty="0"/>
+            <a:t>4 Max Pooling Layers &amp;  Batch Normalization Layers</a:t>
+          </a:r>
+        </a:p>
+      </dgm:t>
+    </dgm:pt>
+    <dgm:pt modelId="{6D9973C4-56CA-4C5F-AE99-4E47D8001C5D}" type="parTrans" cxnId="{E19F343E-CEE9-4BDF-AD3F-7AB10C14869A}">
+      <dgm:prSet/>
+      <dgm:spPr/>
+      <dgm:t>
+        <a:bodyPr/>
+        <a:lstStyle/>
+        <a:p>
+          <a:endParaRPr lang="en-IN"/>
+        </a:p>
+      </dgm:t>
+    </dgm:pt>
+    <dgm:pt modelId="{195DD5A4-30AD-4773-BABE-4EBD8FAF89AE}" type="sibTrans" cxnId="{E19F343E-CEE9-4BDF-AD3F-7AB10C14869A}">
+      <dgm:prSet custT="1"/>
+      <dgm:spPr/>
+      <dgm:t>
+        <a:bodyPr/>
+        <a:lstStyle/>
+        <a:p>
+          <a:endParaRPr lang="en-IN" sz="1400" b="1"/>
+        </a:p>
+      </dgm:t>
+    </dgm:pt>
+    <dgm:pt modelId="{88F33757-5039-4A37-B62D-E57864A69258}">
+      <dgm:prSet phldrT="[Text]" custT="1"/>
+      <dgm:spPr/>
+      <dgm:t>
+        <a:bodyPr/>
+        <a:lstStyle/>
+        <a:p>
+          <a:r>
+            <a:rPr lang="en-IN" sz="1200" b="1" dirty="0"/>
+            <a:t>1 Flatten Layer</a:t>
+          </a:r>
+        </a:p>
+      </dgm:t>
+    </dgm:pt>
+    <dgm:pt modelId="{FF15FA2F-8B7B-4044-8946-33B6D6DA93D1}" type="parTrans" cxnId="{6D98CAB5-DA98-47DB-B678-B8FBF72F502E}">
+      <dgm:prSet/>
+      <dgm:spPr/>
+      <dgm:t>
+        <a:bodyPr/>
+        <a:lstStyle/>
+        <a:p>
+          <a:endParaRPr lang="en-IN"/>
+        </a:p>
+      </dgm:t>
+    </dgm:pt>
+    <dgm:pt modelId="{95A12186-BC80-400F-B49B-D6849979ACC7}" type="sibTrans" cxnId="{6D98CAB5-DA98-47DB-B678-B8FBF72F502E}">
+      <dgm:prSet custT="1"/>
+      <dgm:spPr/>
+      <dgm:t>
+        <a:bodyPr/>
+        <a:lstStyle/>
+        <a:p>
+          <a:endParaRPr lang="en-IN" sz="1400" b="1"/>
+        </a:p>
+      </dgm:t>
+    </dgm:pt>
+    <dgm:pt modelId="{0EA3427A-33C7-4661-9D99-31DF2477130C}">
+      <dgm:prSet phldrT="[Text]" custT="1"/>
+      <dgm:spPr/>
+      <dgm:t>
+        <a:bodyPr/>
+        <a:lstStyle/>
+        <a:p>
+          <a:r>
+            <a:rPr lang="en-IN" sz="1200" b="1" dirty="0"/>
+            <a:t>1 Dropout Layer</a:t>
+          </a:r>
+        </a:p>
+      </dgm:t>
+    </dgm:pt>
+    <dgm:pt modelId="{229C6702-CE82-4964-A1A1-8EB303DEE0DB}" type="parTrans" cxnId="{80AF561E-9462-41BC-AD66-CF13645A1C04}">
+      <dgm:prSet/>
+      <dgm:spPr/>
+      <dgm:t>
+        <a:bodyPr/>
+        <a:lstStyle/>
+        <a:p>
+          <a:endParaRPr lang="en-IN"/>
+        </a:p>
+      </dgm:t>
+    </dgm:pt>
+    <dgm:pt modelId="{9CE21971-CF7C-4879-B627-0C5144ACA36C}" type="sibTrans" cxnId="{80AF561E-9462-41BC-AD66-CF13645A1C04}">
+      <dgm:prSet/>
+      <dgm:spPr/>
+      <dgm:t>
+        <a:bodyPr/>
+        <a:lstStyle/>
+        <a:p>
+          <a:endParaRPr lang="en-IN"/>
+        </a:p>
+      </dgm:t>
+    </dgm:pt>
+    <dgm:pt modelId="{E8BB5B8C-6E86-48BD-AFE0-50254EA6F9C4}" type="pres">
+      <dgm:prSet presAssocID="{BF55CDCE-F1A5-4744-ABC3-ED9A5712122E}" presName="outerComposite" presStyleCnt="0">
+        <dgm:presLayoutVars>
+          <dgm:chMax val="5"/>
+          <dgm:dir/>
+          <dgm:resizeHandles val="exact"/>
+        </dgm:presLayoutVars>
+      </dgm:prSet>
+      <dgm:spPr/>
+    </dgm:pt>
+    <dgm:pt modelId="{56862422-B190-4E96-B488-4D5B0D7482F1}" type="pres">
+      <dgm:prSet presAssocID="{BF55CDCE-F1A5-4744-ABC3-ED9A5712122E}" presName="dummyMaxCanvas" presStyleCnt="0">
+        <dgm:presLayoutVars/>
+      </dgm:prSet>
+      <dgm:spPr/>
+    </dgm:pt>
+    <dgm:pt modelId="{F5600122-12B6-4948-A93C-901493B6B360}" type="pres">
+      <dgm:prSet presAssocID="{BF55CDCE-F1A5-4744-ABC3-ED9A5712122E}" presName="FiveNodes_1" presStyleLbl="node1" presStyleIdx="0" presStyleCnt="5">
+        <dgm:presLayoutVars>
+          <dgm:bulletEnabled val="1"/>
+        </dgm:presLayoutVars>
+      </dgm:prSet>
+      <dgm:spPr/>
+    </dgm:pt>
+    <dgm:pt modelId="{88CF9D87-931E-4545-AF49-8574B46CAC1F}" type="pres">
+      <dgm:prSet presAssocID="{BF55CDCE-F1A5-4744-ABC3-ED9A5712122E}" presName="FiveNodes_2" presStyleLbl="node1" presStyleIdx="1" presStyleCnt="5">
+        <dgm:presLayoutVars>
+          <dgm:bulletEnabled val="1"/>
+        </dgm:presLayoutVars>
+      </dgm:prSet>
+      <dgm:spPr/>
+    </dgm:pt>
+    <dgm:pt modelId="{7D66FF76-4D53-4714-B9DA-2D259DCF3805}" type="pres">
+      <dgm:prSet presAssocID="{BF55CDCE-F1A5-4744-ABC3-ED9A5712122E}" presName="FiveNodes_3" presStyleLbl="node1" presStyleIdx="2" presStyleCnt="5">
+        <dgm:presLayoutVars>
+          <dgm:bulletEnabled val="1"/>
+        </dgm:presLayoutVars>
+      </dgm:prSet>
+      <dgm:spPr/>
+    </dgm:pt>
+    <dgm:pt modelId="{9BC0B74E-37C3-4A8F-9D08-F5AFB864C7C0}" type="pres">
+      <dgm:prSet presAssocID="{BF55CDCE-F1A5-4744-ABC3-ED9A5712122E}" presName="FiveNodes_4" presStyleLbl="node1" presStyleIdx="3" presStyleCnt="5">
+        <dgm:presLayoutVars>
+          <dgm:bulletEnabled val="1"/>
+        </dgm:presLayoutVars>
+      </dgm:prSet>
+      <dgm:spPr/>
+    </dgm:pt>
+    <dgm:pt modelId="{49F85B5A-A16F-4579-B90F-1D175FB891AC}" type="pres">
+      <dgm:prSet presAssocID="{BF55CDCE-F1A5-4744-ABC3-ED9A5712122E}" presName="FiveNodes_5" presStyleLbl="node1" presStyleIdx="4" presStyleCnt="5">
+        <dgm:presLayoutVars>
+          <dgm:bulletEnabled val="1"/>
+        </dgm:presLayoutVars>
+      </dgm:prSet>
+      <dgm:spPr/>
+    </dgm:pt>
+    <dgm:pt modelId="{F98F73C4-A4AC-47C1-B807-0C0342A5974F}" type="pres">
+      <dgm:prSet presAssocID="{BF55CDCE-F1A5-4744-ABC3-ED9A5712122E}" presName="FiveConn_1-2" presStyleLbl="fgAccFollowNode1" presStyleIdx="0" presStyleCnt="4">
+        <dgm:presLayoutVars>
+          <dgm:bulletEnabled val="1"/>
+        </dgm:presLayoutVars>
+      </dgm:prSet>
+      <dgm:spPr/>
+    </dgm:pt>
+    <dgm:pt modelId="{D1BAA11F-33F9-4180-8764-BED14E44018C}" type="pres">
+      <dgm:prSet presAssocID="{BF55CDCE-F1A5-4744-ABC3-ED9A5712122E}" presName="FiveConn_2-3" presStyleLbl="fgAccFollowNode1" presStyleIdx="1" presStyleCnt="4">
+        <dgm:presLayoutVars>
+          <dgm:bulletEnabled val="1"/>
+        </dgm:presLayoutVars>
+      </dgm:prSet>
+      <dgm:spPr/>
+    </dgm:pt>
+    <dgm:pt modelId="{1D989436-4702-472E-B569-8EDD9C0A8520}" type="pres">
+      <dgm:prSet presAssocID="{BF55CDCE-F1A5-4744-ABC3-ED9A5712122E}" presName="FiveConn_3-4" presStyleLbl="fgAccFollowNode1" presStyleIdx="2" presStyleCnt="4">
+        <dgm:presLayoutVars>
+          <dgm:bulletEnabled val="1"/>
+        </dgm:presLayoutVars>
+      </dgm:prSet>
+      <dgm:spPr/>
+    </dgm:pt>
+    <dgm:pt modelId="{7CF30C46-1149-486C-AECE-BABEFA94F181}" type="pres">
+      <dgm:prSet presAssocID="{BF55CDCE-F1A5-4744-ABC3-ED9A5712122E}" presName="FiveConn_4-5" presStyleLbl="fgAccFollowNode1" presStyleIdx="3" presStyleCnt="4">
+        <dgm:presLayoutVars>
+          <dgm:bulletEnabled val="1"/>
+        </dgm:presLayoutVars>
+      </dgm:prSet>
+      <dgm:spPr/>
+    </dgm:pt>
+    <dgm:pt modelId="{FBEA5DBD-EC28-48F3-944E-E36DAEAAF100}" type="pres">
+      <dgm:prSet presAssocID="{BF55CDCE-F1A5-4744-ABC3-ED9A5712122E}" presName="FiveNodes_1_text" presStyleLbl="node1" presStyleIdx="4" presStyleCnt="5">
+        <dgm:presLayoutVars>
+          <dgm:bulletEnabled val="1"/>
+        </dgm:presLayoutVars>
+      </dgm:prSet>
+      <dgm:spPr/>
+    </dgm:pt>
+    <dgm:pt modelId="{F08B0F61-D345-4F08-A644-29DA41C4FCAF}" type="pres">
+      <dgm:prSet presAssocID="{BF55CDCE-F1A5-4744-ABC3-ED9A5712122E}" presName="FiveNodes_2_text" presStyleLbl="node1" presStyleIdx="4" presStyleCnt="5">
+        <dgm:presLayoutVars>
+          <dgm:bulletEnabled val="1"/>
+        </dgm:presLayoutVars>
+      </dgm:prSet>
+      <dgm:spPr/>
+    </dgm:pt>
+    <dgm:pt modelId="{2733F57F-AF08-400C-B8E1-0661F88D155A}" type="pres">
+      <dgm:prSet presAssocID="{BF55CDCE-F1A5-4744-ABC3-ED9A5712122E}" presName="FiveNodes_3_text" presStyleLbl="node1" presStyleIdx="4" presStyleCnt="5">
+        <dgm:presLayoutVars>
+          <dgm:bulletEnabled val="1"/>
+        </dgm:presLayoutVars>
+      </dgm:prSet>
+      <dgm:spPr/>
+    </dgm:pt>
+    <dgm:pt modelId="{BC5AD06D-C21E-4839-8B47-A5B9B54A3D21}" type="pres">
+      <dgm:prSet presAssocID="{BF55CDCE-F1A5-4744-ABC3-ED9A5712122E}" presName="FiveNodes_4_text" presStyleLbl="node1" presStyleIdx="4" presStyleCnt="5">
+        <dgm:presLayoutVars>
+          <dgm:bulletEnabled val="1"/>
+        </dgm:presLayoutVars>
+      </dgm:prSet>
+      <dgm:spPr/>
+    </dgm:pt>
+    <dgm:pt modelId="{41DFE500-0661-4C0E-8A2F-7DF467A34E94}" type="pres">
+      <dgm:prSet presAssocID="{BF55CDCE-F1A5-4744-ABC3-ED9A5712122E}" presName="FiveNodes_5_text" presStyleLbl="node1" presStyleIdx="4" presStyleCnt="5">
+        <dgm:presLayoutVars>
+          <dgm:bulletEnabled val="1"/>
+        </dgm:presLayoutVars>
+      </dgm:prSet>
+      <dgm:spPr/>
+    </dgm:pt>
+  </dgm:ptLst>
+  <dgm:cxnLst>
+    <dgm:cxn modelId="{FE666D01-9DEB-498A-8633-F2A9CE59F75A}" type="presOf" srcId="{195DD5A4-30AD-4773-BABE-4EBD8FAF89AE}" destId="{1D989436-4702-472E-B569-8EDD9C0A8520}" srcOrd="0" destOrd="0" presId="urn:microsoft.com/office/officeart/2005/8/layout/vProcess5"/>
+    <dgm:cxn modelId="{3E6D5201-7186-4670-BE40-069F26D6AE06}" type="presOf" srcId="{E7CAB9BC-E38E-4970-A68D-098FCDFBDF69}" destId="{88CF9D87-931E-4545-AF49-8574B46CAC1F}" srcOrd="0" destOrd="0" presId="urn:microsoft.com/office/officeart/2005/8/layout/vProcess5"/>
+    <dgm:cxn modelId="{5135F805-328B-4220-ABD6-67251FE3DD8C}" srcId="{BF55CDCE-F1A5-4744-ABC3-ED9A5712122E}" destId="{CFAC74F4-2122-4A70-91AA-821DB7A5990E}" srcOrd="0" destOrd="0" parTransId="{AF6F4BB7-42C8-4F3B-A8D7-E698F3AB4F9B}" sibTransId="{28957E86-C399-413F-970F-7D02486C8322}"/>
+    <dgm:cxn modelId="{80AF561E-9462-41BC-AD66-CF13645A1C04}" srcId="{BF55CDCE-F1A5-4744-ABC3-ED9A5712122E}" destId="{0EA3427A-33C7-4661-9D99-31DF2477130C}" srcOrd="4" destOrd="0" parTransId="{229C6702-CE82-4964-A1A1-8EB303DEE0DB}" sibTransId="{9CE21971-CF7C-4879-B627-0C5144ACA36C}"/>
+    <dgm:cxn modelId="{0BB53423-1405-4449-996B-538374E33983}" type="presOf" srcId="{BF55CDCE-F1A5-4744-ABC3-ED9A5712122E}" destId="{E8BB5B8C-6E86-48BD-AFE0-50254EA6F9C4}" srcOrd="0" destOrd="0" presId="urn:microsoft.com/office/officeart/2005/8/layout/vProcess5"/>
+    <dgm:cxn modelId="{CC610129-556F-4C82-ABE0-64DD9E9E21B2}" type="presOf" srcId="{CFAC74F4-2122-4A70-91AA-821DB7A5990E}" destId="{F5600122-12B6-4948-A93C-901493B6B360}" srcOrd="0" destOrd="0" presId="urn:microsoft.com/office/officeart/2005/8/layout/vProcess5"/>
+    <dgm:cxn modelId="{4D403A33-390E-4063-BC1A-112690FE2667}" type="presOf" srcId="{CFAC74F4-2122-4A70-91AA-821DB7A5990E}" destId="{FBEA5DBD-EC28-48F3-944E-E36DAEAAF100}" srcOrd="1" destOrd="0" presId="urn:microsoft.com/office/officeart/2005/8/layout/vProcess5"/>
+    <dgm:cxn modelId="{E19F343E-CEE9-4BDF-AD3F-7AB10C14869A}" srcId="{BF55CDCE-F1A5-4744-ABC3-ED9A5712122E}" destId="{F1D1F254-4585-4BA1-9AF3-FAC092A3C414}" srcOrd="2" destOrd="0" parTransId="{6D9973C4-56CA-4C5F-AE99-4E47D8001C5D}" sibTransId="{195DD5A4-30AD-4773-BABE-4EBD8FAF89AE}"/>
+    <dgm:cxn modelId="{A0FE1742-399C-4093-8F4A-452AC16E3EC8}" type="presOf" srcId="{88F33757-5039-4A37-B62D-E57864A69258}" destId="{BC5AD06D-C21E-4839-8B47-A5B9B54A3D21}" srcOrd="1" destOrd="0" presId="urn:microsoft.com/office/officeart/2005/8/layout/vProcess5"/>
+    <dgm:cxn modelId="{7AFA9C48-7DE9-4063-B22F-F7A6AA8CD430}" type="presOf" srcId="{F1D1F254-4585-4BA1-9AF3-FAC092A3C414}" destId="{2733F57F-AF08-400C-B8E1-0661F88D155A}" srcOrd="1" destOrd="0" presId="urn:microsoft.com/office/officeart/2005/8/layout/vProcess5"/>
+    <dgm:cxn modelId="{D619AA68-A68D-4757-B307-3DF13C9636DF}" type="presOf" srcId="{E7CAB9BC-E38E-4970-A68D-098FCDFBDF69}" destId="{F08B0F61-D345-4F08-A644-29DA41C4FCAF}" srcOrd="1" destOrd="0" presId="urn:microsoft.com/office/officeart/2005/8/layout/vProcess5"/>
+    <dgm:cxn modelId="{A3077A57-8E44-472E-BD2B-E0E93B32FA9A}" type="presOf" srcId="{F1D1F254-4585-4BA1-9AF3-FAC092A3C414}" destId="{7D66FF76-4D53-4714-B9DA-2D259DCF3805}" srcOrd="0" destOrd="0" presId="urn:microsoft.com/office/officeart/2005/8/layout/vProcess5"/>
+    <dgm:cxn modelId="{6FE1F459-B387-46E7-B82F-BFB2AF0F154A}" type="presOf" srcId="{0EA3427A-33C7-4661-9D99-31DF2477130C}" destId="{49F85B5A-A16F-4579-B90F-1D175FB891AC}" srcOrd="0" destOrd="0" presId="urn:microsoft.com/office/officeart/2005/8/layout/vProcess5"/>
+    <dgm:cxn modelId="{B8FD6CAD-C5C4-468A-A078-42491124E9E2}" type="presOf" srcId="{28957E86-C399-413F-970F-7D02486C8322}" destId="{F98F73C4-A4AC-47C1-B807-0C0342A5974F}" srcOrd="0" destOrd="0" presId="urn:microsoft.com/office/officeart/2005/8/layout/vProcess5"/>
+    <dgm:cxn modelId="{47CC62AE-75BA-461D-B045-BCB8B1197826}" type="presOf" srcId="{0EA3427A-33C7-4661-9D99-31DF2477130C}" destId="{41DFE500-0661-4C0E-8A2F-7DF467A34E94}" srcOrd="1" destOrd="0" presId="urn:microsoft.com/office/officeart/2005/8/layout/vProcess5"/>
+    <dgm:cxn modelId="{603AD4AF-56B8-4214-9EF9-BFB0554F8CA8}" type="presOf" srcId="{3C384E12-B643-47FC-B80C-6990AAF51969}" destId="{D1BAA11F-33F9-4180-8764-BED14E44018C}" srcOrd="0" destOrd="0" presId="urn:microsoft.com/office/officeart/2005/8/layout/vProcess5"/>
+    <dgm:cxn modelId="{1CC699B4-08BB-47B1-AA6E-280A5BB4D444}" type="presOf" srcId="{88F33757-5039-4A37-B62D-E57864A69258}" destId="{9BC0B74E-37C3-4A8F-9D08-F5AFB864C7C0}" srcOrd="0" destOrd="0" presId="urn:microsoft.com/office/officeart/2005/8/layout/vProcess5"/>
+    <dgm:cxn modelId="{6D98CAB5-DA98-47DB-B678-B8FBF72F502E}" srcId="{BF55CDCE-F1A5-4744-ABC3-ED9A5712122E}" destId="{88F33757-5039-4A37-B62D-E57864A69258}" srcOrd="3" destOrd="0" parTransId="{FF15FA2F-8B7B-4044-8946-33B6D6DA93D1}" sibTransId="{95A12186-BC80-400F-B49B-D6849979ACC7}"/>
+    <dgm:cxn modelId="{CAE9A4D6-462B-4415-B9BF-AC4BA9038C9F}" srcId="{BF55CDCE-F1A5-4744-ABC3-ED9A5712122E}" destId="{E7CAB9BC-E38E-4970-A68D-098FCDFBDF69}" srcOrd="1" destOrd="0" parTransId="{5744E690-1B89-4CD2-866B-5D428590EACF}" sibTransId="{3C384E12-B643-47FC-B80C-6990AAF51969}"/>
+    <dgm:cxn modelId="{37694EE7-AA69-4CD2-8EFE-51AEF8B09AC3}" type="presOf" srcId="{95A12186-BC80-400F-B49B-D6849979ACC7}" destId="{7CF30C46-1149-486C-AECE-BABEFA94F181}" srcOrd="0" destOrd="0" presId="urn:microsoft.com/office/officeart/2005/8/layout/vProcess5"/>
+    <dgm:cxn modelId="{F2373FE2-3C0F-4DBB-8F6F-3EC4B24DB7FB}" type="presParOf" srcId="{E8BB5B8C-6E86-48BD-AFE0-50254EA6F9C4}" destId="{56862422-B190-4E96-B488-4D5B0D7482F1}" srcOrd="0" destOrd="0" presId="urn:microsoft.com/office/officeart/2005/8/layout/vProcess5"/>
+    <dgm:cxn modelId="{FB896326-B664-4095-B0F3-34B14E8FE03B}" type="presParOf" srcId="{E8BB5B8C-6E86-48BD-AFE0-50254EA6F9C4}" destId="{F5600122-12B6-4948-A93C-901493B6B360}" srcOrd="1" destOrd="0" presId="urn:microsoft.com/office/officeart/2005/8/layout/vProcess5"/>
+    <dgm:cxn modelId="{DD1E62A5-111E-4CED-83F4-D5EA2A033C4E}" type="presParOf" srcId="{E8BB5B8C-6E86-48BD-AFE0-50254EA6F9C4}" destId="{88CF9D87-931E-4545-AF49-8574B46CAC1F}" srcOrd="2" destOrd="0" presId="urn:microsoft.com/office/officeart/2005/8/layout/vProcess5"/>
+    <dgm:cxn modelId="{90355DD8-C595-433A-9CC7-99BAB7E94103}" type="presParOf" srcId="{E8BB5B8C-6E86-48BD-AFE0-50254EA6F9C4}" destId="{7D66FF76-4D53-4714-B9DA-2D259DCF3805}" srcOrd="3" destOrd="0" presId="urn:microsoft.com/office/officeart/2005/8/layout/vProcess5"/>
+    <dgm:cxn modelId="{ED0DB120-ED0A-451A-9419-3B6B90871483}" type="presParOf" srcId="{E8BB5B8C-6E86-48BD-AFE0-50254EA6F9C4}" destId="{9BC0B74E-37C3-4A8F-9D08-F5AFB864C7C0}" srcOrd="4" destOrd="0" presId="urn:microsoft.com/office/officeart/2005/8/layout/vProcess5"/>
+    <dgm:cxn modelId="{122D69BA-AD3C-42CC-BB7F-29DE802A0A19}" type="presParOf" srcId="{E8BB5B8C-6E86-48BD-AFE0-50254EA6F9C4}" destId="{49F85B5A-A16F-4579-B90F-1D175FB891AC}" srcOrd="5" destOrd="0" presId="urn:microsoft.com/office/officeart/2005/8/layout/vProcess5"/>
+    <dgm:cxn modelId="{29AD8E0C-2E1A-4321-AB9D-07DD9C59D257}" type="presParOf" srcId="{E8BB5B8C-6E86-48BD-AFE0-50254EA6F9C4}" destId="{F98F73C4-A4AC-47C1-B807-0C0342A5974F}" srcOrd="6" destOrd="0" presId="urn:microsoft.com/office/officeart/2005/8/layout/vProcess5"/>
+    <dgm:cxn modelId="{2532DD74-D063-4CB1-9C5C-18970842C84F}" type="presParOf" srcId="{E8BB5B8C-6E86-48BD-AFE0-50254EA6F9C4}" destId="{D1BAA11F-33F9-4180-8764-BED14E44018C}" srcOrd="7" destOrd="0" presId="urn:microsoft.com/office/officeart/2005/8/layout/vProcess5"/>
+    <dgm:cxn modelId="{0E11D7BF-5948-4116-8A94-0FFAB4933F07}" type="presParOf" srcId="{E8BB5B8C-6E86-48BD-AFE0-50254EA6F9C4}" destId="{1D989436-4702-472E-B569-8EDD9C0A8520}" srcOrd="8" destOrd="0" presId="urn:microsoft.com/office/officeart/2005/8/layout/vProcess5"/>
+    <dgm:cxn modelId="{36CBC444-8CE2-4323-BEFC-922FC93AB5F9}" type="presParOf" srcId="{E8BB5B8C-6E86-48BD-AFE0-50254EA6F9C4}" destId="{7CF30C46-1149-486C-AECE-BABEFA94F181}" srcOrd="9" destOrd="0" presId="urn:microsoft.com/office/officeart/2005/8/layout/vProcess5"/>
+    <dgm:cxn modelId="{18D2C240-5EE1-492D-9698-0DEE2017EAD7}" type="presParOf" srcId="{E8BB5B8C-6E86-48BD-AFE0-50254EA6F9C4}" destId="{FBEA5DBD-EC28-48F3-944E-E36DAEAAF100}" srcOrd="10" destOrd="0" presId="urn:microsoft.com/office/officeart/2005/8/layout/vProcess5"/>
+    <dgm:cxn modelId="{9378946D-A452-42B7-A69E-70265FA2AC3B}" type="presParOf" srcId="{E8BB5B8C-6E86-48BD-AFE0-50254EA6F9C4}" destId="{F08B0F61-D345-4F08-A644-29DA41C4FCAF}" srcOrd="11" destOrd="0" presId="urn:microsoft.com/office/officeart/2005/8/layout/vProcess5"/>
+    <dgm:cxn modelId="{11790C96-1181-4665-A32A-DF6801B6AA91}" type="presParOf" srcId="{E8BB5B8C-6E86-48BD-AFE0-50254EA6F9C4}" destId="{2733F57F-AF08-400C-B8E1-0661F88D155A}" srcOrd="12" destOrd="0" presId="urn:microsoft.com/office/officeart/2005/8/layout/vProcess5"/>
+    <dgm:cxn modelId="{1BC19F10-B07E-4ACC-9CEA-3373FA3872EE}" type="presParOf" srcId="{E8BB5B8C-6E86-48BD-AFE0-50254EA6F9C4}" destId="{BC5AD06D-C21E-4839-8B47-A5B9B54A3D21}" srcOrd="13" destOrd="0" presId="urn:microsoft.com/office/officeart/2005/8/layout/vProcess5"/>
+    <dgm:cxn modelId="{1B1DF7CF-CE23-4307-AF12-13121547F878}" type="presParOf" srcId="{E8BB5B8C-6E86-48BD-AFE0-50254EA6F9C4}" destId="{41DFE500-0661-4C0E-8A2F-7DF467A34E94}" srcOrd="14" destOrd="0" presId="urn:microsoft.com/office/officeart/2005/8/layout/vProcess5"/>
+  </dgm:cxnLst>
+  <dgm:bg/>
+  <dgm:whole/>
+  <dgm:extLst>
+    <a:ext uri="http://schemas.microsoft.com/office/drawing/2008/diagram">
+      <dsp:dataModelExt xmlns:dsp="http://schemas.microsoft.com/office/drawing/2008/diagram" relId="rId11" minVer="http://schemas.openxmlformats.org/drawingml/2006/diagram"/>
+    </a:ext>
+  </dgm:extLst>
+</dgm:dataModel>
+</file>
+
+<file path=ppt/diagrams/drawing1.xml><?xml version="1.0" encoding="utf-8"?>
+<dsp:drawing xmlns:dgm="http://schemas.openxmlformats.org/drawingml/2006/diagram" xmlns:dsp="http://schemas.microsoft.com/office/drawing/2008/diagram" xmlns:a="http://schemas.openxmlformats.org/drawingml/2006/main">
+  <dsp:spTree>
+    <dsp:nvGrpSpPr>
+      <dsp:cNvPr id="0" name=""/>
+      <dsp:cNvGrpSpPr/>
+    </dsp:nvGrpSpPr>
+    <dsp:grpSpPr/>
+    <dsp:sp modelId="{541E6B31-EDA9-485E-8398-EC056E40CDF6}">
+      <dsp:nvSpPr>
+        <dsp:cNvPr id="0" name=""/>
+        <dsp:cNvSpPr/>
+      </dsp:nvSpPr>
+      <dsp:spPr>
+        <a:xfrm>
+          <a:off x="-4779806" y="-732604"/>
+          <a:ext cx="5693141" cy="5693141"/>
+        </a:xfrm>
+        <a:prstGeom prst="blockArc">
+          <a:avLst>
+            <a:gd name="adj1" fmla="val 18900000"/>
+            <a:gd name="adj2" fmla="val 2700000"/>
+            <a:gd name="adj3" fmla="val 379"/>
+          </a:avLst>
+        </a:prstGeom>
+        <a:noFill/>
+        <a:ln w="12700" cap="flat" cmpd="sng" algn="ctr">
+          <a:solidFill>
+            <a:schemeClr val="accent4">
+              <a:hueOff val="0"/>
+              <a:satOff val="0"/>
+              <a:lumOff val="0"/>
+              <a:alphaOff val="0"/>
+            </a:schemeClr>
+          </a:solidFill>
+          <a:prstDash val="solid"/>
+        </a:ln>
+        <a:effectLst/>
+      </dsp:spPr>
+      <dsp:style>
+        <a:lnRef idx="2">
+          <a:scrgbClr r="0" g="0" b="0"/>
+        </a:lnRef>
+        <a:fillRef idx="0">
+          <a:scrgbClr r="0" g="0" b="0"/>
+        </a:fillRef>
+        <a:effectRef idx="0">
+          <a:scrgbClr r="0" g="0" b="0"/>
+        </a:effectRef>
+        <a:fontRef idx="minor"/>
+      </dsp:style>
+    </dsp:sp>
+    <dsp:sp modelId="{3B2C28B9-4E40-4598-90F8-B136FFCFEE64}">
+      <dsp:nvSpPr>
+        <dsp:cNvPr id="0" name=""/>
+        <dsp:cNvSpPr/>
+      </dsp:nvSpPr>
+      <dsp:spPr>
+        <a:xfrm>
+          <a:off x="478326" y="325043"/>
+          <a:ext cx="4190563" cy="650425"/>
+        </a:xfrm>
+        <a:prstGeom prst="rect">
+          <a:avLst/>
+        </a:prstGeom>
+        <a:solidFill>
+          <a:schemeClr val="accent3">
+            <a:hueOff val="0"/>
+            <a:satOff val="0"/>
+            <a:lumOff val="0"/>
+            <a:alphaOff val="0"/>
+          </a:schemeClr>
+        </a:solidFill>
+        <a:ln w="19050" cap="flat" cmpd="sng" algn="ctr">
+          <a:solidFill>
+            <a:schemeClr val="lt1">
+              <a:hueOff val="0"/>
+              <a:satOff val="0"/>
+              <a:lumOff val="0"/>
+              <a:alphaOff val="0"/>
+            </a:schemeClr>
+          </a:solidFill>
+          <a:prstDash val="solid"/>
+        </a:ln>
+        <a:effectLst/>
+      </dsp:spPr>
+      <dsp:style>
+        <a:lnRef idx="3">
+          <a:scrgbClr r="0" g="0" b="0"/>
+        </a:lnRef>
+        <a:fillRef idx="1">
+          <a:scrgbClr r="0" g="0" b="0"/>
+        </a:fillRef>
+        <a:effectRef idx="1">
+          <a:scrgbClr r="0" g="0" b="0"/>
+        </a:effectRef>
+        <a:fontRef idx="minor">
+          <a:schemeClr val="lt1"/>
+        </a:fontRef>
+      </dsp:style>
+      <dsp:txBody>
+        <a:bodyPr spcFirstLastPara="0" vert="horz" wrap="square" lIns="516275" tIns="35560" rIns="35560" bIns="35560" numCol="1" spcCol="1270" anchor="ctr" anchorCtr="0">
+          <a:noAutofit/>
+        </a:bodyPr>
+        <a:lstStyle/>
+        <a:p>
+          <a:pPr marL="0" lvl="0" indent="0" algn="l" defTabSz="622300">
+            <a:lnSpc>
+              <a:spcPct val="90000"/>
+            </a:lnSpc>
+            <a:spcBef>
+              <a:spcPct val="0"/>
+            </a:spcBef>
+            <a:spcAft>
+              <a:spcPct val="35000"/>
+            </a:spcAft>
+            <a:buNone/>
+          </a:pPr>
+          <a:r>
+            <a:rPr lang="en-IN" sz="1400" kern="1200" dirty="0"/>
+            <a:t>Activation : </a:t>
+          </a:r>
+          <a:br>
+            <a:rPr lang="en-IN" sz="1400" kern="1200" dirty="0"/>
+          </a:br>
+          <a:r>
+            <a:rPr lang="en-IN" sz="1400" b="1" kern="1200" dirty="0" err="1"/>
+            <a:t>softmax</a:t>
+          </a:r>
+          <a:endParaRPr lang="en-IN" sz="1400" b="1" kern="1200" dirty="0"/>
+        </a:p>
+      </dsp:txBody>
+      <dsp:txXfrm>
+        <a:off x="478326" y="325043"/>
+        <a:ext cx="4190563" cy="650425"/>
+      </dsp:txXfrm>
+    </dsp:sp>
+    <dsp:sp modelId="{8679F006-475F-4B46-BDCA-A16E8C2E57E5}">
+      <dsp:nvSpPr>
+        <dsp:cNvPr id="0" name=""/>
+        <dsp:cNvSpPr/>
+      </dsp:nvSpPr>
+      <dsp:spPr>
+        <a:xfrm>
+          <a:off x="382140" y="556944"/>
+          <a:ext cx="192371" cy="186623"/>
+        </a:xfrm>
+        <a:prstGeom prst="ellipse">
+          <a:avLst/>
+        </a:prstGeom>
+        <a:solidFill>
+          <a:schemeClr val="lt1">
+            <a:hueOff val="0"/>
+            <a:satOff val="0"/>
+            <a:lumOff val="0"/>
+            <a:alphaOff val="0"/>
+          </a:schemeClr>
+        </a:solidFill>
+        <a:ln w="12700" cap="flat" cmpd="sng" algn="ctr">
+          <a:solidFill>
+            <a:schemeClr val="accent3">
+              <a:hueOff val="0"/>
+              <a:satOff val="0"/>
+              <a:lumOff val="0"/>
+              <a:alphaOff val="0"/>
+            </a:schemeClr>
+          </a:solidFill>
+          <a:prstDash val="solid"/>
+        </a:ln>
+        <a:effectLst/>
+      </dsp:spPr>
+      <dsp:style>
+        <a:lnRef idx="2">
+          <a:scrgbClr r="0" g="0" b="0"/>
+        </a:lnRef>
+        <a:fillRef idx="1">
+          <a:scrgbClr r="0" g="0" b="0"/>
+        </a:fillRef>
+        <a:effectRef idx="0">
+          <a:scrgbClr r="0" g="0" b="0"/>
+        </a:effectRef>
+        <a:fontRef idx="minor"/>
+      </dsp:style>
+    </dsp:sp>
+    <dsp:sp modelId="{FE1E3F9C-15F6-48F6-A39F-D8D9FD20DAEC}">
+      <dsp:nvSpPr>
+        <dsp:cNvPr id="0" name=""/>
+        <dsp:cNvSpPr/>
+      </dsp:nvSpPr>
+      <dsp:spPr>
+        <a:xfrm>
+          <a:off x="851229" y="1300850"/>
+          <a:ext cx="3817659" cy="650425"/>
+        </a:xfrm>
+        <a:prstGeom prst="rect">
+          <a:avLst/>
+        </a:prstGeom>
+        <a:solidFill>
+          <a:schemeClr val="accent3">
+            <a:hueOff val="318205"/>
+            <a:satOff val="7751"/>
+            <a:lumOff val="3072"/>
+            <a:alphaOff val="0"/>
+          </a:schemeClr>
+        </a:solidFill>
+        <a:ln w="19050" cap="flat" cmpd="sng" algn="ctr">
+          <a:solidFill>
+            <a:schemeClr val="lt1">
+              <a:hueOff val="0"/>
+              <a:satOff val="0"/>
+              <a:lumOff val="0"/>
+              <a:alphaOff val="0"/>
+            </a:schemeClr>
+          </a:solidFill>
+          <a:prstDash val="solid"/>
+        </a:ln>
+        <a:effectLst/>
+      </dsp:spPr>
+      <dsp:style>
+        <a:lnRef idx="3">
+          <a:scrgbClr r="0" g="0" b="0"/>
+        </a:lnRef>
+        <a:fillRef idx="1">
+          <a:scrgbClr r="0" g="0" b="0"/>
+        </a:fillRef>
+        <a:effectRef idx="1">
+          <a:scrgbClr r="0" g="0" b="0"/>
+        </a:effectRef>
+        <a:fontRef idx="minor">
+          <a:schemeClr val="lt1"/>
+        </a:fontRef>
+      </dsp:style>
+      <dsp:txBody>
+        <a:bodyPr spcFirstLastPara="0" vert="horz" wrap="square" lIns="516275" tIns="35560" rIns="35560" bIns="35560" numCol="1" spcCol="1270" anchor="ctr" anchorCtr="0">
+          <a:noAutofit/>
+        </a:bodyPr>
+        <a:lstStyle/>
+        <a:p>
+          <a:pPr marL="0" lvl="0" indent="0" algn="l" defTabSz="622300">
+            <a:lnSpc>
+              <a:spcPct val="90000"/>
+            </a:lnSpc>
+            <a:spcBef>
+              <a:spcPct val="0"/>
+            </a:spcBef>
+            <a:spcAft>
+              <a:spcPct val="35000"/>
+            </a:spcAft>
+            <a:buNone/>
+          </a:pPr>
+          <a:r>
+            <a:rPr lang="en-IN" sz="1400" kern="1200" dirty="0"/>
+            <a:t>Optimizer : </a:t>
+          </a:r>
+          <a:br>
+            <a:rPr lang="en-IN" sz="1400" kern="1200" dirty="0"/>
+          </a:br>
+          <a:r>
+            <a:rPr lang="en-IN" sz="1400" b="1" kern="1200" dirty="0" err="1"/>
+            <a:t>adam</a:t>
+          </a:r>
+          <a:endParaRPr lang="en-IN" sz="1400" b="1" kern="1200" dirty="0"/>
+        </a:p>
+      </dsp:txBody>
+      <dsp:txXfrm>
+        <a:off x="851229" y="1300850"/>
+        <a:ext cx="3817659" cy="650425"/>
+      </dsp:txXfrm>
+    </dsp:sp>
+    <dsp:sp modelId="{C5F375D0-6965-49F7-A4B5-41DEDFAADEAA}">
+      <dsp:nvSpPr>
+        <dsp:cNvPr id="0" name=""/>
+        <dsp:cNvSpPr/>
+      </dsp:nvSpPr>
+      <dsp:spPr>
+        <a:xfrm>
+          <a:off x="750617" y="1509136"/>
+          <a:ext cx="201225" cy="233852"/>
+        </a:xfrm>
+        <a:prstGeom prst="ellipse">
+          <a:avLst/>
+        </a:prstGeom>
+        <a:solidFill>
+          <a:schemeClr val="lt1">
+            <a:hueOff val="0"/>
+            <a:satOff val="0"/>
+            <a:lumOff val="0"/>
+            <a:alphaOff val="0"/>
+          </a:schemeClr>
+        </a:solidFill>
+        <a:ln w="12700" cap="flat" cmpd="sng" algn="ctr">
+          <a:solidFill>
+            <a:schemeClr val="accent3">
+              <a:hueOff val="318205"/>
+              <a:satOff val="7751"/>
+              <a:lumOff val="3072"/>
+              <a:alphaOff val="0"/>
+            </a:schemeClr>
+          </a:solidFill>
+          <a:prstDash val="solid"/>
+        </a:ln>
+        <a:effectLst/>
+      </dsp:spPr>
+      <dsp:style>
+        <a:lnRef idx="2">
+          <a:scrgbClr r="0" g="0" b="0"/>
+        </a:lnRef>
+        <a:fillRef idx="1">
+          <a:scrgbClr r="0" g="0" b="0"/>
+        </a:fillRef>
+        <a:effectRef idx="0">
+          <a:scrgbClr r="0" g="0" b="0"/>
+        </a:effectRef>
+        <a:fontRef idx="minor"/>
+      </dsp:style>
+    </dsp:sp>
+    <dsp:sp modelId="{66BF7AB7-E05E-4903-9E61-3D0CAF9A3A7E}">
+      <dsp:nvSpPr>
+        <dsp:cNvPr id="0" name=""/>
+        <dsp:cNvSpPr/>
+      </dsp:nvSpPr>
+      <dsp:spPr>
+        <a:xfrm>
+          <a:off x="851229" y="2276657"/>
+          <a:ext cx="3817659" cy="650425"/>
+        </a:xfrm>
+        <a:prstGeom prst="rect">
+          <a:avLst/>
+        </a:prstGeom>
+        <a:solidFill>
+          <a:schemeClr val="accent3">
+            <a:hueOff val="636411"/>
+            <a:satOff val="15501"/>
+            <a:lumOff val="6143"/>
+            <a:alphaOff val="0"/>
+          </a:schemeClr>
+        </a:solidFill>
+        <a:ln w="19050" cap="flat" cmpd="sng" algn="ctr">
+          <a:solidFill>
+            <a:schemeClr val="lt1">
+              <a:hueOff val="0"/>
+              <a:satOff val="0"/>
+              <a:lumOff val="0"/>
+              <a:alphaOff val="0"/>
+            </a:schemeClr>
+          </a:solidFill>
+          <a:prstDash val="solid"/>
+        </a:ln>
+        <a:effectLst/>
+      </dsp:spPr>
+      <dsp:style>
+        <a:lnRef idx="3">
+          <a:scrgbClr r="0" g="0" b="0"/>
+        </a:lnRef>
+        <a:fillRef idx="1">
+          <a:scrgbClr r="0" g="0" b="0"/>
+        </a:fillRef>
+        <a:effectRef idx="1">
+          <a:scrgbClr r="0" g="0" b="0"/>
+        </a:effectRef>
+        <a:fontRef idx="minor">
+          <a:schemeClr val="lt1"/>
+        </a:fontRef>
+      </dsp:style>
+      <dsp:txBody>
+        <a:bodyPr spcFirstLastPara="0" vert="horz" wrap="square" lIns="516275" tIns="35560" rIns="35560" bIns="35560" numCol="1" spcCol="1270" anchor="ctr" anchorCtr="0">
+          <a:noAutofit/>
+        </a:bodyPr>
+        <a:lstStyle/>
+        <a:p>
+          <a:pPr marL="0" lvl="0" indent="0" algn="l" defTabSz="622300">
+            <a:lnSpc>
+              <a:spcPct val="90000"/>
+            </a:lnSpc>
+            <a:spcBef>
+              <a:spcPct val="0"/>
+            </a:spcBef>
+            <a:spcAft>
+              <a:spcPct val="35000"/>
+            </a:spcAft>
+            <a:buNone/>
+          </a:pPr>
+          <a:r>
+            <a:rPr lang="en-IN" sz="1400" kern="1200" dirty="0"/>
+            <a:t>Loss Function : </a:t>
+          </a:r>
+          <a:br>
+            <a:rPr lang="en-IN" sz="1400" kern="1200" dirty="0"/>
+          </a:br>
+          <a:r>
+            <a:rPr lang="en-IN" sz="1400" b="1" kern="1200" dirty="0" err="1"/>
+            <a:t>sparse_categorical_corssentropy</a:t>
+          </a:r>
+          <a:endParaRPr lang="en-IN" sz="1400" b="1" kern="1200" dirty="0"/>
+        </a:p>
+      </dsp:txBody>
+      <dsp:txXfrm>
+        <a:off x="851229" y="2276657"/>
+        <a:ext cx="3817659" cy="650425"/>
+      </dsp:txXfrm>
+    </dsp:sp>
+    <dsp:sp modelId="{4244376F-152D-4636-A76E-B81333076953}">
+      <dsp:nvSpPr>
+        <dsp:cNvPr id="0" name=""/>
+        <dsp:cNvSpPr/>
+      </dsp:nvSpPr>
+      <dsp:spPr>
+        <a:xfrm>
+          <a:off x="730222" y="2471532"/>
+          <a:ext cx="242015" cy="260674"/>
+        </a:xfrm>
+        <a:prstGeom prst="ellipse">
+          <a:avLst/>
+        </a:prstGeom>
+        <a:solidFill>
+          <a:schemeClr val="lt1">
+            <a:hueOff val="0"/>
+            <a:satOff val="0"/>
+            <a:lumOff val="0"/>
+            <a:alphaOff val="0"/>
+          </a:schemeClr>
+        </a:solidFill>
+        <a:ln w="12700" cap="flat" cmpd="sng" algn="ctr">
+          <a:solidFill>
+            <a:schemeClr val="accent3">
+              <a:hueOff val="636411"/>
+              <a:satOff val="15501"/>
+              <a:lumOff val="6143"/>
+              <a:alphaOff val="0"/>
+            </a:schemeClr>
+          </a:solidFill>
+          <a:prstDash val="solid"/>
+        </a:ln>
+        <a:effectLst/>
+      </dsp:spPr>
+      <dsp:style>
+        <a:lnRef idx="2">
+          <a:scrgbClr r="0" g="0" b="0"/>
+        </a:lnRef>
+        <a:fillRef idx="1">
+          <a:scrgbClr r="0" g="0" b="0"/>
+        </a:fillRef>
+        <a:effectRef idx="0">
+          <a:scrgbClr r="0" g="0" b="0"/>
+        </a:effectRef>
+        <a:fontRef idx="minor"/>
+      </dsp:style>
+    </dsp:sp>
+    <dsp:sp modelId="{72E8E17E-C985-405A-A067-DD75F55750A9}">
+      <dsp:nvSpPr>
+        <dsp:cNvPr id="0" name=""/>
+        <dsp:cNvSpPr/>
+      </dsp:nvSpPr>
+      <dsp:spPr>
+        <a:xfrm>
+          <a:off x="478326" y="3252464"/>
+          <a:ext cx="4190563" cy="650425"/>
+        </a:xfrm>
+        <a:prstGeom prst="rect">
+          <a:avLst/>
+        </a:prstGeom>
+        <a:solidFill>
+          <a:schemeClr val="accent3">
+            <a:hueOff val="954616"/>
+            <a:satOff val="23252"/>
+            <a:lumOff val="9215"/>
+            <a:alphaOff val="0"/>
+          </a:schemeClr>
+        </a:solidFill>
+        <a:ln w="19050" cap="flat" cmpd="sng" algn="ctr">
+          <a:solidFill>
+            <a:schemeClr val="lt1">
+              <a:hueOff val="0"/>
+              <a:satOff val="0"/>
+              <a:lumOff val="0"/>
+              <a:alphaOff val="0"/>
+            </a:schemeClr>
+          </a:solidFill>
+          <a:prstDash val="solid"/>
+        </a:ln>
+        <a:effectLst/>
+      </dsp:spPr>
+      <dsp:style>
+        <a:lnRef idx="3">
+          <a:scrgbClr r="0" g="0" b="0"/>
+        </a:lnRef>
+        <a:fillRef idx="1">
+          <a:scrgbClr r="0" g="0" b="0"/>
+        </a:fillRef>
+        <a:effectRef idx="1">
+          <a:scrgbClr r="0" g="0" b="0"/>
+        </a:effectRef>
+        <a:fontRef idx="minor">
+          <a:schemeClr val="lt1"/>
+        </a:fontRef>
+      </dsp:style>
+      <dsp:txBody>
+        <a:bodyPr spcFirstLastPara="0" vert="horz" wrap="square" lIns="516275" tIns="35560" rIns="35560" bIns="35560" numCol="1" spcCol="1270" anchor="ctr" anchorCtr="0">
+          <a:noAutofit/>
+        </a:bodyPr>
+        <a:lstStyle/>
+        <a:p>
+          <a:pPr marL="0" lvl="0" indent="0" algn="l" defTabSz="622300">
+            <a:lnSpc>
+              <a:spcPct val="90000"/>
+            </a:lnSpc>
+            <a:spcBef>
+              <a:spcPct val="0"/>
+            </a:spcBef>
+            <a:spcAft>
+              <a:spcPct val="35000"/>
+            </a:spcAft>
+            <a:buNone/>
+          </a:pPr>
+          <a:r>
+            <a:rPr lang="en-IN" sz="1400" kern="1200" dirty="0"/>
+            <a:t>Total Param : </a:t>
+          </a:r>
+          <a:br>
+            <a:rPr lang="en-IN" sz="1400" kern="1200" dirty="0"/>
+          </a:br>
+          <a:r>
+            <a:rPr lang="en-IN" sz="1400" b="1" kern="1200" dirty="0"/>
+            <a:t>1,130,947</a:t>
+          </a:r>
+        </a:p>
+      </dsp:txBody>
+      <dsp:txXfrm>
+        <a:off x="478326" y="3252464"/>
+        <a:ext cx="4190563" cy="650425"/>
+      </dsp:txXfrm>
+    </dsp:sp>
+    <dsp:sp modelId="{8A08DEFB-71E2-418F-A3AA-81E54D3E79D3}">
+      <dsp:nvSpPr>
+        <dsp:cNvPr id="0" name=""/>
+        <dsp:cNvSpPr/>
+      </dsp:nvSpPr>
+      <dsp:spPr>
+        <a:xfrm>
+          <a:off x="327569" y="3422249"/>
+          <a:ext cx="308130" cy="248186"/>
+        </a:xfrm>
+        <a:prstGeom prst="ellipse">
+          <a:avLst/>
+        </a:prstGeom>
+        <a:solidFill>
+          <a:schemeClr val="lt1">
+            <a:hueOff val="0"/>
+            <a:satOff val="0"/>
+            <a:lumOff val="0"/>
+            <a:alphaOff val="0"/>
+          </a:schemeClr>
+        </a:solidFill>
+        <a:ln w="12700" cap="flat" cmpd="sng" algn="ctr">
+          <a:solidFill>
+            <a:schemeClr val="accent3">
+              <a:hueOff val="954616"/>
+              <a:satOff val="23252"/>
+              <a:lumOff val="9215"/>
+              <a:alphaOff val="0"/>
+            </a:schemeClr>
+          </a:solidFill>
+          <a:prstDash val="solid"/>
+        </a:ln>
+        <a:effectLst/>
+      </dsp:spPr>
+      <dsp:style>
+        <a:lnRef idx="2">
+          <a:scrgbClr r="0" g="0" b="0"/>
+        </a:lnRef>
+        <a:fillRef idx="1">
+          <a:scrgbClr r="0" g="0" b="0"/>
+        </a:fillRef>
+        <a:effectRef idx="0">
+          <a:scrgbClr r="0" g="0" b="0"/>
+        </a:effectRef>
+        <a:fontRef idx="minor"/>
+      </dsp:style>
+    </dsp:sp>
+  </dsp:spTree>
+</dsp:drawing>
+</file>
+
+<file path=ppt/diagrams/drawing2.xml><?xml version="1.0" encoding="utf-8"?>
+<dsp:drawing xmlns:dgm="http://schemas.openxmlformats.org/drawingml/2006/diagram" xmlns:dsp="http://schemas.microsoft.com/office/drawing/2008/diagram" xmlns:a="http://schemas.openxmlformats.org/drawingml/2006/main">
+  <dsp:spTree>
+    <dsp:nvGrpSpPr>
+      <dsp:cNvPr id="0" name=""/>
+      <dsp:cNvGrpSpPr/>
+    </dsp:nvGrpSpPr>
+    <dsp:grpSpPr/>
+    <dsp:sp modelId="{F5600122-12B6-4948-A93C-901493B6B360}">
+      <dsp:nvSpPr>
+        <dsp:cNvPr id="0" name=""/>
+        <dsp:cNvSpPr/>
+      </dsp:nvSpPr>
+      <dsp:spPr>
+        <a:xfrm>
+          <a:off x="0" y="0"/>
+          <a:ext cx="3118793" cy="670096"/>
+        </a:xfrm>
+        <a:prstGeom prst="roundRect">
+          <a:avLst>
+            <a:gd name="adj" fmla="val 10000"/>
+          </a:avLst>
+        </a:prstGeom>
+        <a:solidFill>
+          <a:schemeClr val="dk2">
+            <a:hueOff val="0"/>
+            <a:satOff val="0"/>
+            <a:lumOff val="0"/>
+            <a:alphaOff val="0"/>
+          </a:schemeClr>
+        </a:solidFill>
+        <a:ln w="12700" cap="flat" cmpd="sng" algn="ctr">
+          <a:solidFill>
+            <a:schemeClr val="lt2">
+              <a:hueOff val="0"/>
+              <a:satOff val="0"/>
+              <a:lumOff val="0"/>
+              <a:alphaOff val="0"/>
+            </a:schemeClr>
+          </a:solidFill>
+          <a:prstDash val="solid"/>
+        </a:ln>
+        <a:effectLst/>
+      </dsp:spPr>
+      <dsp:style>
+        <a:lnRef idx="2">
+          <a:scrgbClr r="0" g="0" b="0"/>
+        </a:lnRef>
+        <a:fillRef idx="1">
+          <a:scrgbClr r="0" g="0" b="0"/>
+        </a:fillRef>
+        <a:effectRef idx="0">
+          <a:scrgbClr r="0" g="0" b="0"/>
+        </a:effectRef>
+        <a:fontRef idx="minor">
+          <a:schemeClr val="lt1"/>
+        </a:fontRef>
+      </dsp:style>
+      <dsp:txBody>
+        <a:bodyPr spcFirstLastPara="0" vert="horz" wrap="square" lIns="45720" tIns="45720" rIns="45720" bIns="45720" numCol="1" spcCol="1270" anchor="ctr" anchorCtr="0">
+          <a:noAutofit/>
+        </a:bodyPr>
+        <a:lstStyle/>
+        <a:p>
+          <a:pPr marL="0" lvl="0" indent="0" algn="l" defTabSz="533400">
+            <a:lnSpc>
+              <a:spcPct val="90000"/>
+            </a:lnSpc>
+            <a:spcBef>
+              <a:spcPct val="0"/>
+            </a:spcBef>
+            <a:spcAft>
+              <a:spcPct val="35000"/>
+            </a:spcAft>
+            <a:buNone/>
+          </a:pPr>
+          <a:r>
+            <a:rPr lang="en-IN" sz="1200" b="1" kern="1200" dirty="0"/>
+            <a:t>1 input layer with  Rescaling layer</a:t>
+          </a:r>
+        </a:p>
+      </dsp:txBody>
+      <dsp:txXfrm>
+        <a:off x="19626" y="19626"/>
+        <a:ext cx="2317306" cy="630844"/>
+      </dsp:txXfrm>
+    </dsp:sp>
+    <dsp:sp modelId="{88CF9D87-931E-4545-AF49-8574B46CAC1F}">
+      <dsp:nvSpPr>
+        <dsp:cNvPr id="0" name=""/>
+        <dsp:cNvSpPr/>
+      </dsp:nvSpPr>
+      <dsp:spPr>
+        <a:xfrm>
+          <a:off x="232896" y="763165"/>
+          <a:ext cx="3118793" cy="670096"/>
+        </a:xfrm>
+        <a:prstGeom prst="roundRect">
+          <a:avLst>
+            <a:gd name="adj" fmla="val 10000"/>
+          </a:avLst>
+        </a:prstGeom>
+        <a:solidFill>
+          <a:schemeClr val="dk2">
+            <a:hueOff val="0"/>
+            <a:satOff val="0"/>
+            <a:lumOff val="0"/>
+            <a:alphaOff val="0"/>
+          </a:schemeClr>
+        </a:solidFill>
+        <a:ln w="12700" cap="flat" cmpd="sng" algn="ctr">
+          <a:solidFill>
+            <a:schemeClr val="lt2">
+              <a:hueOff val="0"/>
+              <a:satOff val="0"/>
+              <a:lumOff val="0"/>
+              <a:alphaOff val="0"/>
+            </a:schemeClr>
+          </a:solidFill>
+          <a:prstDash val="solid"/>
+        </a:ln>
+        <a:effectLst/>
+      </dsp:spPr>
+      <dsp:style>
+        <a:lnRef idx="2">
+          <a:scrgbClr r="0" g="0" b="0"/>
+        </a:lnRef>
+        <a:fillRef idx="1">
+          <a:scrgbClr r="0" g="0" b="0"/>
+        </a:fillRef>
+        <a:effectRef idx="0">
+          <a:scrgbClr r="0" g="0" b="0"/>
+        </a:effectRef>
+        <a:fontRef idx="minor">
+          <a:schemeClr val="lt1"/>
+        </a:fontRef>
+      </dsp:style>
+      <dsp:txBody>
+        <a:bodyPr spcFirstLastPara="0" vert="horz" wrap="square" lIns="45720" tIns="45720" rIns="45720" bIns="45720" numCol="1" spcCol="1270" anchor="ctr" anchorCtr="0">
+          <a:noAutofit/>
+        </a:bodyPr>
+        <a:lstStyle/>
+        <a:p>
+          <a:pPr marL="0" lvl="0" indent="0" algn="l" defTabSz="533400">
+            <a:lnSpc>
+              <a:spcPct val="90000"/>
+            </a:lnSpc>
+            <a:spcBef>
+              <a:spcPct val="0"/>
+            </a:spcBef>
+            <a:spcAft>
+              <a:spcPct val="35000"/>
+            </a:spcAft>
+            <a:buNone/>
+          </a:pPr>
+          <a:r>
+            <a:rPr lang="en-IN" sz="1200" b="1" kern="1200" dirty="0"/>
+            <a:t>5 Convolutional Layers</a:t>
+          </a:r>
+        </a:p>
+      </dsp:txBody>
+      <dsp:txXfrm>
+        <a:off x="252522" y="782791"/>
+        <a:ext cx="2411081" cy="630844"/>
+      </dsp:txXfrm>
+    </dsp:sp>
+    <dsp:sp modelId="{7D66FF76-4D53-4714-B9DA-2D259DCF3805}">
+      <dsp:nvSpPr>
+        <dsp:cNvPr id="0" name=""/>
+        <dsp:cNvSpPr/>
+      </dsp:nvSpPr>
+      <dsp:spPr>
+        <a:xfrm>
+          <a:off x="465793" y="1526331"/>
+          <a:ext cx="3118793" cy="670096"/>
+        </a:xfrm>
+        <a:prstGeom prst="roundRect">
+          <a:avLst>
+            <a:gd name="adj" fmla="val 10000"/>
+          </a:avLst>
+        </a:prstGeom>
+        <a:solidFill>
+          <a:schemeClr val="dk2">
+            <a:hueOff val="0"/>
+            <a:satOff val="0"/>
+            <a:lumOff val="0"/>
+            <a:alphaOff val="0"/>
+          </a:schemeClr>
+        </a:solidFill>
+        <a:ln w="12700" cap="flat" cmpd="sng" algn="ctr">
+          <a:solidFill>
+            <a:schemeClr val="lt2">
+              <a:hueOff val="0"/>
+              <a:satOff val="0"/>
+              <a:lumOff val="0"/>
+              <a:alphaOff val="0"/>
+            </a:schemeClr>
+          </a:solidFill>
+          <a:prstDash val="solid"/>
+        </a:ln>
+        <a:effectLst/>
+      </dsp:spPr>
+      <dsp:style>
+        <a:lnRef idx="2">
+          <a:scrgbClr r="0" g="0" b="0"/>
+        </a:lnRef>
+        <a:fillRef idx="1">
+          <a:scrgbClr r="0" g="0" b="0"/>
+        </a:fillRef>
+        <a:effectRef idx="0">
+          <a:scrgbClr r="0" g="0" b="0"/>
+        </a:effectRef>
+        <a:fontRef idx="minor">
+          <a:schemeClr val="lt1"/>
+        </a:fontRef>
+      </dsp:style>
+      <dsp:txBody>
+        <a:bodyPr spcFirstLastPara="0" vert="horz" wrap="square" lIns="45720" tIns="45720" rIns="45720" bIns="45720" numCol="1" spcCol="1270" anchor="ctr" anchorCtr="0">
+          <a:noAutofit/>
+        </a:bodyPr>
+        <a:lstStyle/>
+        <a:p>
+          <a:pPr marL="0" lvl="0" indent="0" algn="l" defTabSz="533400">
+            <a:lnSpc>
+              <a:spcPct val="90000"/>
+            </a:lnSpc>
+            <a:spcBef>
+              <a:spcPct val="0"/>
+            </a:spcBef>
+            <a:spcAft>
+              <a:spcPct val="35000"/>
+            </a:spcAft>
+            <a:buNone/>
+          </a:pPr>
+          <a:r>
+            <a:rPr lang="en-IN" sz="1200" b="1" kern="1200" dirty="0"/>
+            <a:t>4 Max Pooling Layers &amp;  Batch Normalization Layers</a:t>
+          </a:r>
+        </a:p>
+      </dsp:txBody>
+      <dsp:txXfrm>
+        <a:off x="485419" y="1545957"/>
+        <a:ext cx="2411081" cy="630844"/>
+      </dsp:txXfrm>
+    </dsp:sp>
+    <dsp:sp modelId="{9BC0B74E-37C3-4A8F-9D08-F5AFB864C7C0}">
+      <dsp:nvSpPr>
+        <dsp:cNvPr id="0" name=""/>
+        <dsp:cNvSpPr/>
+      </dsp:nvSpPr>
+      <dsp:spPr>
+        <a:xfrm>
+          <a:off x="698690" y="2289496"/>
+          <a:ext cx="3118793" cy="670096"/>
+        </a:xfrm>
+        <a:prstGeom prst="roundRect">
+          <a:avLst>
+            <a:gd name="adj" fmla="val 10000"/>
+          </a:avLst>
+        </a:prstGeom>
+        <a:solidFill>
+          <a:schemeClr val="dk2">
+            <a:hueOff val="0"/>
+            <a:satOff val="0"/>
+            <a:lumOff val="0"/>
+            <a:alphaOff val="0"/>
+          </a:schemeClr>
+        </a:solidFill>
+        <a:ln w="12700" cap="flat" cmpd="sng" algn="ctr">
+          <a:solidFill>
+            <a:schemeClr val="lt2">
+              <a:hueOff val="0"/>
+              <a:satOff val="0"/>
+              <a:lumOff val="0"/>
+              <a:alphaOff val="0"/>
+            </a:schemeClr>
+          </a:solidFill>
+          <a:prstDash val="solid"/>
+        </a:ln>
+        <a:effectLst/>
+      </dsp:spPr>
+      <dsp:style>
+        <a:lnRef idx="2">
+          <a:scrgbClr r="0" g="0" b="0"/>
+        </a:lnRef>
+        <a:fillRef idx="1">
+          <a:scrgbClr r="0" g="0" b="0"/>
+        </a:fillRef>
+        <a:effectRef idx="0">
+          <a:scrgbClr r="0" g="0" b="0"/>
+        </a:effectRef>
+        <a:fontRef idx="minor">
+          <a:schemeClr val="lt1"/>
+        </a:fontRef>
+      </dsp:style>
+      <dsp:txBody>
+        <a:bodyPr spcFirstLastPara="0" vert="horz" wrap="square" lIns="45720" tIns="45720" rIns="45720" bIns="45720" numCol="1" spcCol="1270" anchor="ctr" anchorCtr="0">
+          <a:noAutofit/>
+        </a:bodyPr>
+        <a:lstStyle/>
+        <a:p>
+          <a:pPr marL="0" lvl="0" indent="0" algn="l" defTabSz="533400">
+            <a:lnSpc>
+              <a:spcPct val="90000"/>
+            </a:lnSpc>
+            <a:spcBef>
+              <a:spcPct val="0"/>
+            </a:spcBef>
+            <a:spcAft>
+              <a:spcPct val="35000"/>
+            </a:spcAft>
+            <a:buNone/>
+          </a:pPr>
+          <a:r>
+            <a:rPr lang="en-IN" sz="1200" b="1" kern="1200" dirty="0"/>
+            <a:t>1 Flatten Layer</a:t>
+          </a:r>
+        </a:p>
+      </dsp:txBody>
+      <dsp:txXfrm>
+        <a:off x="718316" y="2309122"/>
+        <a:ext cx="2411081" cy="630844"/>
+      </dsp:txXfrm>
+    </dsp:sp>
+    <dsp:sp modelId="{49F85B5A-A16F-4579-B90F-1D175FB891AC}">
+      <dsp:nvSpPr>
+        <dsp:cNvPr id="0" name=""/>
+        <dsp:cNvSpPr/>
+      </dsp:nvSpPr>
+      <dsp:spPr>
+        <a:xfrm>
+          <a:off x="931587" y="3052662"/>
+          <a:ext cx="3118793" cy="670096"/>
+        </a:xfrm>
+        <a:prstGeom prst="roundRect">
+          <a:avLst>
+            <a:gd name="adj" fmla="val 10000"/>
+          </a:avLst>
+        </a:prstGeom>
+        <a:solidFill>
+          <a:schemeClr val="dk2">
+            <a:hueOff val="0"/>
+            <a:satOff val="0"/>
+            <a:lumOff val="0"/>
+            <a:alphaOff val="0"/>
+          </a:schemeClr>
+        </a:solidFill>
+        <a:ln w="12700" cap="flat" cmpd="sng" algn="ctr">
+          <a:solidFill>
+            <a:schemeClr val="lt2">
+              <a:hueOff val="0"/>
+              <a:satOff val="0"/>
+              <a:lumOff val="0"/>
+              <a:alphaOff val="0"/>
+            </a:schemeClr>
+          </a:solidFill>
+          <a:prstDash val="solid"/>
+        </a:ln>
+        <a:effectLst/>
+      </dsp:spPr>
+      <dsp:style>
+        <a:lnRef idx="2">
+          <a:scrgbClr r="0" g="0" b="0"/>
+        </a:lnRef>
+        <a:fillRef idx="1">
+          <a:scrgbClr r="0" g="0" b="0"/>
+        </a:fillRef>
+        <a:effectRef idx="0">
+          <a:scrgbClr r="0" g="0" b="0"/>
+        </a:effectRef>
+        <a:fontRef idx="minor">
+          <a:schemeClr val="lt1"/>
+        </a:fontRef>
+      </dsp:style>
+      <dsp:txBody>
+        <a:bodyPr spcFirstLastPara="0" vert="horz" wrap="square" lIns="45720" tIns="45720" rIns="45720" bIns="45720" numCol="1" spcCol="1270" anchor="ctr" anchorCtr="0">
+          <a:noAutofit/>
+        </a:bodyPr>
+        <a:lstStyle/>
+        <a:p>
+          <a:pPr marL="0" lvl="0" indent="0" algn="l" defTabSz="533400">
+            <a:lnSpc>
+              <a:spcPct val="90000"/>
+            </a:lnSpc>
+            <a:spcBef>
+              <a:spcPct val="0"/>
+            </a:spcBef>
+            <a:spcAft>
+              <a:spcPct val="35000"/>
+            </a:spcAft>
+            <a:buNone/>
+          </a:pPr>
+          <a:r>
+            <a:rPr lang="en-IN" sz="1200" b="1" kern="1200" dirty="0"/>
+            <a:t>1 Dropout Layer</a:t>
+          </a:r>
+        </a:p>
+      </dsp:txBody>
+      <dsp:txXfrm>
+        <a:off x="951213" y="3072288"/>
+        <a:ext cx="2411081" cy="630844"/>
+      </dsp:txXfrm>
+    </dsp:sp>
+    <dsp:sp modelId="{F98F73C4-A4AC-47C1-B807-0C0342A5974F}">
+      <dsp:nvSpPr>
+        <dsp:cNvPr id="0" name=""/>
+        <dsp:cNvSpPr/>
+      </dsp:nvSpPr>
+      <dsp:spPr>
+        <a:xfrm>
+          <a:off x="2683230" y="489542"/>
+          <a:ext cx="435562" cy="435562"/>
+        </a:xfrm>
+        <a:prstGeom prst="downArrow">
+          <a:avLst>
+            <a:gd name="adj1" fmla="val 55000"/>
+            <a:gd name="adj2" fmla="val 45000"/>
+          </a:avLst>
+        </a:prstGeom>
+        <a:solidFill>
+          <a:schemeClr val="dk2">
+            <a:alpha val="90000"/>
+            <a:tint val="40000"/>
+            <a:hueOff val="0"/>
+            <a:satOff val="0"/>
+            <a:lumOff val="0"/>
+            <a:alphaOff val="0"/>
+          </a:schemeClr>
+        </a:solidFill>
+        <a:ln w="12700" cap="flat" cmpd="sng" algn="ctr">
+          <a:solidFill>
+            <a:schemeClr val="dk2">
+              <a:alpha val="90000"/>
+              <a:tint val="40000"/>
+              <a:hueOff val="0"/>
+              <a:satOff val="0"/>
+              <a:lumOff val="0"/>
+              <a:alphaOff val="0"/>
+            </a:schemeClr>
+          </a:solidFill>
+          <a:prstDash val="solid"/>
+        </a:ln>
+        <a:effectLst/>
+      </dsp:spPr>
+      <dsp:style>
+        <a:lnRef idx="2">
+          <a:scrgbClr r="0" g="0" b="0"/>
+        </a:lnRef>
+        <a:fillRef idx="1">
+          <a:scrgbClr r="0" g="0" b="0"/>
+        </a:fillRef>
+        <a:effectRef idx="0">
+          <a:scrgbClr r="0" g="0" b="0"/>
+        </a:effectRef>
+        <a:fontRef idx="minor"/>
+      </dsp:style>
+      <dsp:txBody>
+        <a:bodyPr spcFirstLastPara="0" vert="horz" wrap="square" lIns="17780" tIns="17780" rIns="17780" bIns="17780" numCol="1" spcCol="1270" anchor="ctr" anchorCtr="0">
+          <a:noAutofit/>
+        </a:bodyPr>
+        <a:lstStyle/>
+        <a:p>
+          <a:pPr marL="0" lvl="0" indent="0" algn="ctr" defTabSz="622300">
+            <a:lnSpc>
+              <a:spcPct val="90000"/>
+            </a:lnSpc>
+            <a:spcBef>
+              <a:spcPct val="0"/>
+            </a:spcBef>
+            <a:spcAft>
+              <a:spcPct val="35000"/>
+            </a:spcAft>
+            <a:buNone/>
+          </a:pPr>
+          <a:endParaRPr lang="en-IN" sz="1400" b="1" kern="1200"/>
+        </a:p>
+      </dsp:txBody>
+      <dsp:txXfrm>
+        <a:off x="2781231" y="489542"/>
+        <a:ext cx="239560" cy="327760"/>
+      </dsp:txXfrm>
+    </dsp:sp>
+    <dsp:sp modelId="{D1BAA11F-33F9-4180-8764-BED14E44018C}">
+      <dsp:nvSpPr>
+        <dsp:cNvPr id="0" name=""/>
+        <dsp:cNvSpPr/>
+      </dsp:nvSpPr>
+      <dsp:spPr>
+        <a:xfrm>
+          <a:off x="2916127" y="1252708"/>
+          <a:ext cx="435562" cy="435562"/>
+        </a:xfrm>
+        <a:prstGeom prst="downArrow">
+          <a:avLst>
+            <a:gd name="adj1" fmla="val 55000"/>
+            <a:gd name="adj2" fmla="val 45000"/>
+          </a:avLst>
+        </a:prstGeom>
+        <a:solidFill>
+          <a:schemeClr val="dk2">
+            <a:alpha val="90000"/>
+            <a:tint val="40000"/>
+            <a:hueOff val="0"/>
+            <a:satOff val="0"/>
+            <a:lumOff val="0"/>
+            <a:alphaOff val="0"/>
+          </a:schemeClr>
+        </a:solidFill>
+        <a:ln w="12700" cap="flat" cmpd="sng" algn="ctr">
+          <a:solidFill>
+            <a:schemeClr val="dk2">
+              <a:alpha val="90000"/>
+              <a:tint val="40000"/>
+              <a:hueOff val="0"/>
+              <a:satOff val="0"/>
+              <a:lumOff val="0"/>
+              <a:alphaOff val="0"/>
+            </a:schemeClr>
+          </a:solidFill>
+          <a:prstDash val="solid"/>
+        </a:ln>
+        <a:effectLst/>
+      </dsp:spPr>
+      <dsp:style>
+        <a:lnRef idx="2">
+          <a:scrgbClr r="0" g="0" b="0"/>
+        </a:lnRef>
+        <a:fillRef idx="1">
+          <a:scrgbClr r="0" g="0" b="0"/>
+        </a:fillRef>
+        <a:effectRef idx="0">
+          <a:scrgbClr r="0" g="0" b="0"/>
+        </a:effectRef>
+        <a:fontRef idx="minor"/>
+      </dsp:style>
+      <dsp:txBody>
+        <a:bodyPr spcFirstLastPara="0" vert="horz" wrap="square" lIns="17780" tIns="17780" rIns="17780" bIns="17780" numCol="1" spcCol="1270" anchor="ctr" anchorCtr="0">
+          <a:noAutofit/>
+        </a:bodyPr>
+        <a:lstStyle/>
+        <a:p>
+          <a:pPr marL="0" lvl="0" indent="0" algn="ctr" defTabSz="622300">
+            <a:lnSpc>
+              <a:spcPct val="90000"/>
+            </a:lnSpc>
+            <a:spcBef>
+              <a:spcPct val="0"/>
+            </a:spcBef>
+            <a:spcAft>
+              <a:spcPct val="35000"/>
+            </a:spcAft>
+            <a:buNone/>
+          </a:pPr>
+          <a:endParaRPr lang="en-IN" sz="1400" b="1" kern="1200"/>
+        </a:p>
+      </dsp:txBody>
+      <dsp:txXfrm>
+        <a:off x="3014128" y="1252708"/>
+        <a:ext cx="239560" cy="327760"/>
+      </dsp:txXfrm>
+    </dsp:sp>
+    <dsp:sp modelId="{1D989436-4702-472E-B569-8EDD9C0A8520}">
+      <dsp:nvSpPr>
+        <dsp:cNvPr id="0" name=""/>
+        <dsp:cNvSpPr/>
+      </dsp:nvSpPr>
+      <dsp:spPr>
+        <a:xfrm>
+          <a:off x="3149024" y="2004705"/>
+          <a:ext cx="435562" cy="435562"/>
+        </a:xfrm>
+        <a:prstGeom prst="downArrow">
+          <a:avLst>
+            <a:gd name="adj1" fmla="val 55000"/>
+            <a:gd name="adj2" fmla="val 45000"/>
+          </a:avLst>
+        </a:prstGeom>
+        <a:solidFill>
+          <a:schemeClr val="dk2">
+            <a:alpha val="90000"/>
+            <a:tint val="40000"/>
+            <a:hueOff val="0"/>
+            <a:satOff val="0"/>
+            <a:lumOff val="0"/>
+            <a:alphaOff val="0"/>
+          </a:schemeClr>
+        </a:solidFill>
+        <a:ln w="12700" cap="flat" cmpd="sng" algn="ctr">
+          <a:solidFill>
+            <a:schemeClr val="dk2">
+              <a:alpha val="90000"/>
+              <a:tint val="40000"/>
+              <a:hueOff val="0"/>
+              <a:satOff val="0"/>
+              <a:lumOff val="0"/>
+              <a:alphaOff val="0"/>
+            </a:schemeClr>
+          </a:solidFill>
+          <a:prstDash val="solid"/>
+        </a:ln>
+        <a:effectLst/>
+      </dsp:spPr>
+      <dsp:style>
+        <a:lnRef idx="2">
+          <a:scrgbClr r="0" g="0" b="0"/>
+        </a:lnRef>
+        <a:fillRef idx="1">
+          <a:scrgbClr r="0" g="0" b="0"/>
+        </a:fillRef>
+        <a:effectRef idx="0">
+          <a:scrgbClr r="0" g="0" b="0"/>
+        </a:effectRef>
+        <a:fontRef idx="minor"/>
+      </dsp:style>
+      <dsp:txBody>
+        <a:bodyPr spcFirstLastPara="0" vert="horz" wrap="square" lIns="17780" tIns="17780" rIns="17780" bIns="17780" numCol="1" spcCol="1270" anchor="ctr" anchorCtr="0">
+          <a:noAutofit/>
+        </a:bodyPr>
+        <a:lstStyle/>
+        <a:p>
+          <a:pPr marL="0" lvl="0" indent="0" algn="ctr" defTabSz="622300">
+            <a:lnSpc>
+              <a:spcPct val="90000"/>
+            </a:lnSpc>
+            <a:spcBef>
+              <a:spcPct val="0"/>
+            </a:spcBef>
+            <a:spcAft>
+              <a:spcPct val="35000"/>
+            </a:spcAft>
+            <a:buNone/>
+          </a:pPr>
+          <a:endParaRPr lang="en-IN" sz="1400" b="1" kern="1200"/>
+        </a:p>
+      </dsp:txBody>
+      <dsp:txXfrm>
+        <a:off x="3247025" y="2004705"/>
+        <a:ext cx="239560" cy="327760"/>
+      </dsp:txXfrm>
+    </dsp:sp>
+    <dsp:sp modelId="{7CF30C46-1149-486C-AECE-BABEFA94F181}">
+      <dsp:nvSpPr>
+        <dsp:cNvPr id="0" name=""/>
+        <dsp:cNvSpPr/>
+      </dsp:nvSpPr>
+      <dsp:spPr>
+        <a:xfrm>
+          <a:off x="3381921" y="2775316"/>
+          <a:ext cx="435562" cy="435562"/>
+        </a:xfrm>
+        <a:prstGeom prst="downArrow">
+          <a:avLst>
+            <a:gd name="adj1" fmla="val 55000"/>
+            <a:gd name="adj2" fmla="val 45000"/>
+          </a:avLst>
+        </a:prstGeom>
+        <a:solidFill>
+          <a:schemeClr val="dk2">
+            <a:alpha val="90000"/>
+            <a:tint val="40000"/>
+            <a:hueOff val="0"/>
+            <a:satOff val="0"/>
+            <a:lumOff val="0"/>
+            <a:alphaOff val="0"/>
+          </a:schemeClr>
+        </a:solidFill>
+        <a:ln w="12700" cap="flat" cmpd="sng" algn="ctr">
+          <a:solidFill>
+            <a:schemeClr val="dk2">
+              <a:alpha val="90000"/>
+              <a:tint val="40000"/>
+              <a:hueOff val="0"/>
+              <a:satOff val="0"/>
+              <a:lumOff val="0"/>
+              <a:alphaOff val="0"/>
+            </a:schemeClr>
+          </a:solidFill>
+          <a:prstDash val="solid"/>
+        </a:ln>
+        <a:effectLst/>
+      </dsp:spPr>
+      <dsp:style>
+        <a:lnRef idx="2">
+          <a:scrgbClr r="0" g="0" b="0"/>
+        </a:lnRef>
+        <a:fillRef idx="1">
+          <a:scrgbClr r="0" g="0" b="0"/>
+        </a:fillRef>
+        <a:effectRef idx="0">
+          <a:scrgbClr r="0" g="0" b="0"/>
+        </a:effectRef>
+        <a:fontRef idx="minor"/>
+      </dsp:style>
+      <dsp:txBody>
+        <a:bodyPr spcFirstLastPara="0" vert="horz" wrap="square" lIns="17780" tIns="17780" rIns="17780" bIns="17780" numCol="1" spcCol="1270" anchor="ctr" anchorCtr="0">
+          <a:noAutofit/>
+        </a:bodyPr>
+        <a:lstStyle/>
+        <a:p>
+          <a:pPr marL="0" lvl="0" indent="0" algn="ctr" defTabSz="622300">
+            <a:lnSpc>
+              <a:spcPct val="90000"/>
+            </a:lnSpc>
+            <a:spcBef>
+              <a:spcPct val="0"/>
+            </a:spcBef>
+            <a:spcAft>
+              <a:spcPct val="35000"/>
+            </a:spcAft>
+            <a:buNone/>
+          </a:pPr>
+          <a:endParaRPr lang="en-IN" sz="1400" b="1" kern="1200"/>
+        </a:p>
+      </dsp:txBody>
+      <dsp:txXfrm>
+        <a:off x="3479922" y="2775316"/>
+        <a:ext cx="239560" cy="327760"/>
+      </dsp:txXfrm>
+    </dsp:sp>
+  </dsp:spTree>
+</dsp:drawing>
+</file>
+
+<file path=ppt/diagrams/layout1.xml><?xml version="1.0" encoding="utf-8"?>
+<dgm:layoutDef xmlns:dgm="http://schemas.openxmlformats.org/drawingml/2006/diagram" xmlns:a="http://schemas.openxmlformats.org/drawingml/2006/main" uniqueId="urn:microsoft.com/office/officeart/2008/layout/VerticalCurvedList">
+  <dgm:title val=""/>
+  <dgm:desc val=""/>
+  <dgm:catLst>
+    <dgm:cat type="list" pri="20000"/>
+  </dgm:catLst>
+  <dgm:sampData>
+    <dgm:dataModel>
+      <dgm:ptLst>
+        <dgm:pt modelId="0" type="doc"/>
+        <dgm:pt modelId="1">
+          <dgm:prSet phldr="1"/>
+        </dgm:pt>
+        <dgm:pt modelId="2">
+          <dgm:prSet phldr="1"/>
+        </dgm:pt>
+        <dgm:pt modelId="3">
+          <dgm:prSet phldr="1"/>
+        </dgm:pt>
+      </dgm:ptLst>
+      <dgm:cxnLst>
+        <dgm:cxn modelId="4" srcId="0" destId="1" srcOrd="0" destOrd="0"/>
+        <dgm:cxn modelId="5" srcId="0" destId="2" srcOrd="1" destOrd="0"/>
+        <dgm:cxn modelId="6" srcId="0" destId="3" srcOrd="2" destOrd="0"/>
+      </dgm:cxnLst>
+      <dgm:bg/>
+      <dgm:whole/>
+    </dgm:dataModel>
+  </dgm:sampData>
+  <dgm:styleData>
+    <dgm:dataModel>
+      <dgm:ptLst>
+        <dgm:pt modelId="0" type="doc"/>
+        <dgm:pt modelId="1">
+          <dgm:prSet phldr="1"/>
+        </dgm:pt>
+        <dgm:pt modelId="2">
+          <dgm:prSet phldr="1"/>
+        </dgm:pt>
+      </dgm:ptLst>
+      <dgm:cxnLst>
+        <dgm:cxn modelId="3" srcId="0" destId="1" srcOrd="0" destOrd="0"/>
+        <dgm:cxn modelId="4" srcId="0" destId="2" srcOrd="1" destOrd="0"/>
+      </dgm:cxnLst>
+      <dgm:bg/>
+      <dgm:whole/>
+    </dgm:dataModel>
+  </dgm:styleData>
+  <dgm:clrData>
+    <dgm:dataModel>
+      <dgm:ptLst>
+        <dgm:pt modelId="0" type="doc"/>
+        <dgm:pt modelId="1">
+          <dgm:prSet phldr="1"/>
+        </dgm:pt>
+        <dgm:pt modelId="2">
+          <dgm:prSet phldr="1"/>
+        </dgm:pt>
+        <dgm:pt modelId="3">
+          <dgm:prSet phldr="1"/>
+        </dgm:pt>
+        <dgm:pt modelId="4">
+          <dgm:prSet phldr="1"/>
+        </dgm:pt>
+      </dgm:ptLst>
+      <dgm:cxnLst>
+        <dgm:cxn modelId="5" srcId="0" destId="1" srcOrd="0" destOrd="0"/>
+        <dgm:cxn modelId="6" srcId="0" destId="2" srcOrd="1" destOrd="0"/>
+        <dgm:cxn modelId="7" srcId="0" destId="3" srcOrd="2" destOrd="0"/>
+        <dgm:cxn modelId="8" srcId="0" destId="4" srcOrd="3" destOrd="0"/>
+      </dgm:cxnLst>
+      <dgm:bg/>
+      <dgm:whole/>
+    </dgm:dataModel>
+  </dgm:clrData>
+  <dgm:layoutNode name="Name0">
+    <dgm:varLst>
+      <dgm:chMax val="7"/>
+      <dgm:chPref val="7"/>
+      <dgm:dir/>
+    </dgm:varLst>
+    <dgm:alg type="composite"/>
+    <dgm:shape xmlns:r="http://schemas.openxmlformats.org/officeDocument/2006/relationships" r:blip="">
+      <dgm:adjLst/>
+    </dgm:shape>
+    <dgm:constrLst>
+      <dgm:constr type="w" for="ch" refType="h" refFor="ch" op="gte" fact="0.8"/>
+    </dgm:constrLst>
+    <dgm:layoutNode name="Name1">
+      <dgm:alg type="composite"/>
+      <dgm:shape xmlns:r="http://schemas.openxmlformats.org/officeDocument/2006/relationships" r:blip="">
+        <dgm:adjLst/>
+      </dgm:shape>
+      <dgm:choose name="Name2">
+        <dgm:if name="Name3" func="var" arg="dir" op="equ" val="norm">
+          <dgm:choose name="Name4">
+            <dgm:if name="Name5" axis="ch" ptType="node" func="cnt" op="equ" val="1">
+              <dgm:constrLst>
+                <dgm:constr type="h" for="ch" forName="cycle" refType="h"/>
+                <dgm:constr type="w" for="ch" forName="cycle" refType="h" refFor="ch" refForName="cycle" fact="0.26"/>
+                <dgm:constr type="l" for="ch" forName="cycle"/>
+                <dgm:constr type="ctrY" for="ch" forName="cycle" refType="h" fact="0.5"/>
+                <dgm:constr type="diam" for="ch" forName="cycle" refType="h" fact="1.344"/>
+                <dgm:constr type="h" for="ch" forName="accent_1" refType="h" fact="0.625"/>
+                <dgm:constr type="w" for="ch" forName="accent_1" refType="h" refFor="ch" refForName="accent_1" op="equ"/>
+                <dgm:constr type="ctrY" for="ch" forName="accent_1" refType="h" fact="0.5"/>
+                <dgm:constr type="ctrX" for="ch" forName="accent_1" refType="h" fact="0.2253"/>
+                <dgm:constr type="l" for="ch" forName="text_1" refType="ctrX" refFor="ch" refForName="accent_1"/>
+                <dgm:constr type="r" for="ch" forName="text_1" refType="w"/>
+                <dgm:constr type="w" for="ch" forName="text_1" refType="h" refFor="ch" refForName="text_1" op="gte"/>
+                <dgm:constr type="h" for="ch" forName="text_1" refType="h" refFor="ch" refForName="accent_1" fact="0.8"/>
+                <dgm:constr type="ctrY" for="ch" forName="text_1" refType="ctrY" refFor="ch" refForName="accent_1"/>
+                <dgm:constr type="lMarg" for="ch" forName="text_1" refType="w" refFor="ch" refForName="accent_1" fact="1.8"/>
+                <dgm:constr type="primFontSz" for="ch" ptType="node" op="equ" val="65"/>
+              </dgm:constrLst>
+            </dgm:if>
+            <dgm:if name="Name6" axis="ch" ptType="node" func="cnt" op="equ" val="2">
+              <dgm:constrLst>
+                <dgm:constr type="h" for="ch" forName="cycle" refType="h"/>
+                <dgm:constr type="w" for="ch" forName="cycle" refType="h" refFor="ch" refForName="cycle" fact="0.26"/>
+                <dgm:constr type="l" for="ch" forName="cycle"/>
+                <dgm:constr type="ctrY" for="ch" forName="cycle" refType="h" fact="0.5"/>
+                <dgm:constr type="diam" for="ch" forName="cycle" refType="h" fact="1.344"/>
+                <dgm:constr type="h" for="ch" forName="accent_1" refType="h" fact="0.3571"/>
+                <dgm:constr type="w" for="ch" forName="accent_1" refType="h" refFor="ch" refForName="accent_1" op="equ"/>
+                <dgm:constr type="ctrY" for="ch" forName="accent_1" refType="h" fact="0.2857"/>
+                <dgm:constr type="ctrX" for="ch" forName="accent_1" refType="h" fact="0.1891"/>
+                <dgm:constr type="l" for="ch" forName="text_1" refType="ctrX" refFor="ch" refForName="accent_1"/>
+                <dgm:constr type="r" for="ch" forName="text_1" refType="w"/>
+                <dgm:constr type="w" for="ch" forName="text_1" refType="h" refFor="ch" refForName="text_1" op="gte"/>
+                <dgm:constr type="h" for="ch" forName="text_1" refType="h" refFor="ch" refForName="accent_1" fact="0.8"/>
+                <dgm:constr type="ctrY" for="ch" forName="text_1" refType="ctrY" refFor="ch" refForName="accent_1"/>
+                <dgm:constr type="lMarg" for="ch" forName="text_1" refType="w" refFor="ch" refForName="accent_1" fact="1.8"/>
+                <dgm:constr type="h" for="ch" forName="accent_2" refType="h" fact="0.3571"/>
+                <dgm:constr type="w" for="ch" forName="accent_2" refType="h" refFor="ch" refForName="accent_2" op="equ"/>
+                <dgm:constr type="ctrY" for="ch" forName="accent_2" refType="h" fact="0.7143"/>
+                <dgm:constr type="ctrX" for="ch" forName="accent_2" refType="h" fact="0.1891"/>
+                <dgm:constr type="l" for="ch" forName="text_2" refType="ctrX" refFor="ch" refForName="accent_2"/>
+                <dgm:constr type="r" for="ch" forName="text_2" refType="w"/>
+                <dgm:constr type="w" for="ch" forName="text_2" refType="h" refFor="ch" refForName="text_2" op="gte"/>
+                <dgm:constr type="h" for="ch" forName="text_2" refType="h" refFor="ch" refForName="accent_2" fact="0.8"/>
+                <dgm:constr type="ctrY" for="ch" forName="text_2" refType="ctrY" refFor="ch" refForName="accent_2"/>
+                <dgm:constr type="lMarg" for="ch" forName="text_2" refType="w" refFor="ch" refForName="accent_2" fact="1.8"/>
+                <dgm:constr type="primFontSz" for="ch" ptType="node" op="equ" val="65"/>
+              </dgm:constrLst>
+            </dgm:if>
+            <dgm:if name="Name7" axis="ch" ptType="node" func="cnt" op="equ" val="3">
+              <dgm:constrLst>
+                <dgm:constr type="h" for="ch" forName="cycle" refType="h"/>
+                <dgm:constr type="w" for="ch" forName="cycle" refType="h" refFor="ch" refForName="cycle" fact="0.26"/>
+                <dgm:constr type="l" for="ch" forName="cycle"/>
+                <dgm:constr type="ctrY" for="ch" forName="cycle" refType="h" fact="0.5"/>
+                <dgm:constr type="diam" for="ch" forName="cycle" refType="h" fact="1.344"/>
+                <dgm:constr type="h" for="ch" forName="accent_1" refType="h" fact="0.25"/>
+                <dgm:constr type="w" for="ch" forName="accent_1" refType="h" refFor="ch" refForName="accent_1" op="equ"/>
+                <dgm:constr type="ctrY" for="ch" forName="accent_1" refType="h" fact="0.2"/>
+                <dgm:constr type="ctrX" for="ch" forName="accent_1" refType="h" fact="0.1526"/>
+                <dgm:constr type="l" for="ch" forName="text_1" refType="ctrX" refFor="ch" refForName="accent_1"/>
+                <dgm:constr type="r" for="ch" forName="text_1" refType="w"/>
+                <dgm:constr type="w" for="ch" forName="text_1" refType="h" refFor="ch" refForName="text_1" op="gte"/>
+                <dgm:constr type="h" for="ch" forName="text_1" refType="h" refFor="ch" refForName="accent_1" fact="0.8"/>
+                <dgm:constr type="ctrY" for="ch" forName="text_1" refType="ctrY" refFor="ch" refForName="accent_1"/>
+                <dgm:constr type="lMarg" for="ch" forName="text_1" refType="w" refFor="ch" refForName="accent_1" fact="1.8"/>
+                <dgm:constr type="h" for="ch" forName="accent_2" refType="h" fact="0.25"/>
+                <dgm:constr type="w" for="ch" forName="accent_2" refType="h" refFor="ch" refForName="accent_2" op="equ"/>
+                <dgm:constr type="ctrY" for="ch" forName="accent_2" refType="h" fact="0.5"/>
+                <dgm:constr type="ctrX" for="ch" forName="accent_2" refType="h" fact="0.2253"/>
+                <dgm:constr type="l" for="ch" forName="text_2" refType="ctrX" refFor="ch" refForName="accent_2"/>
+                <dgm:constr type="r" for="ch" forName="text_2" refType="w"/>
+                <dgm:constr type="w" for="ch" forName="text_2" refType="h" refFor="ch" refForName="text_2" op="gte"/>
+                <dgm:constr type="h" for="ch" forName="text_2" refType="h" refFor="ch" refForName="accent_2" fact="0.8"/>
+                <dgm:constr type="ctrY" for="ch" forName="text_2" refType="ctrY" refFor="ch" refForName="accent_2"/>
+                <dgm:constr type="lMarg" for="ch" forName="text_2" refType="w" refFor="ch" refForName="accent_2" fact="1.8"/>
+                <dgm:constr type="h" for="ch" forName="accent_3" refType="h" fact="0.25"/>
+                <dgm:constr type="w" for="ch" forName="accent_3" refType="h" refFor="ch" refForName="accent_3" op="equ"/>
+                <dgm:constr type="ctrY" for="ch" forName="accent_3" refType="h" fact="0.8"/>
+                <dgm:constr type="ctrX" for="ch" forName="accent_3" refType="h" fact="0.1526"/>
+                <dgm:constr type="l" for="ch" forName="text_3" refType="ctrX" refFor="ch" refForName="accent_3"/>
+                <dgm:constr type="r" for="ch" forName="text_3" refType="w"/>
+                <dgm:constr type="w" for="ch" forName="text_3" refType="h" refFor="ch" refForName="text_3" op="gte"/>
+                <dgm:constr type="h" for="ch" forName="text_3" refType="h" refFor="ch" refForName="accent_3" fact="0.8"/>
+                <dgm:constr type="ctrY" for="ch" forName="text_3" refType="ctrY" refFor="ch" refForName="accent_3"/>
+                <dgm:constr type="lMarg" for="ch" forName="text_3" refType="w" refFor="ch" refForName="accent_3" fact="1.8"/>
+                <dgm:constr type="primFontSz" for="ch" ptType="node" op="equ" val="65"/>
+              </dgm:constrLst>
+            </dgm:if>
+            <dgm:if name="Name8" axis="ch" ptType="node" func="cnt" op="equ" val="4">
+              <dgm:constrLst>
+                <dgm:constr type="h" for="ch" forName="cycle" refType="h"/>
+                <dgm:constr type="w" for="ch" forName="cycle" refType="h" refFor="ch" refForName="cycle" fact="0.26"/>
+                <dgm:constr type="l" for="ch" forName="cycle"/>
+                <dgm:constr type="ctrY" for="ch" forName="cycle" refType="h" fact="0.5"/>
+                <dgm:constr type="diam" for="ch" forName="cycle" refType="h" fact="1.344"/>
+                <dgm:constr type="h" for="ch" forName="accent_1" refType="h" fact="0.1923"/>
+                <dgm:constr type="w" for="ch" forName="accent_1" refType="h" refFor="ch" refForName="accent_1" op="equ"/>
+                <dgm:constr type="ctrY" for="ch" forName="accent_1" refType="h" fact="0.1538"/>
+                <dgm:constr type="ctrX" for="ch" forName="accent_1" refType="h" fact="0.1268"/>
+                <dgm:constr type="l" for="ch" forName="text_1" refType="ctrX" refFor="ch" refForName="accent_1"/>
+                <dgm:constr type="r" for="ch" forName="text_1" refType="w"/>
+                <dgm:constr type="w" for="ch" forName="text_1" refType="h" refFor="ch" refForName="text_1" op="gte"/>
+                <dgm:constr type="h" for="ch" forName="text_1" refType="h" refFor="ch" refForName="accent_1" fact="0.8"/>
+                <dgm:constr type="ctrY" for="ch" forName="text_1" refType="ctrY" refFor="ch" refForName="accent_1"/>
+                <dgm:constr type="lMarg" for="ch" forName="text_1" refType="w" refFor="ch" refForName="accent_1" fact="1.8"/>
+                <dgm:constr type="h" for="ch" forName="accent_2" refType="h" fact="0.1923"/>
+                <dgm:constr type="w" for="ch" forName="accent_2" refType="h" refFor="ch" refForName="accent_2" op="equ"/>
+                <dgm:constr type="ctrY" for="ch" forName="accent_2" refType="h" fact="0.3846"/>
+                <dgm:constr type="ctrX" for="ch" forName="accent_2" refType="h" fact="0.215"/>
+                <dgm:constr type="l" for="ch" forName="text_2" refType="ctrX" refFor="ch" refForName="accent_2"/>
+                <dgm:constr type="r" for="ch" forName="text_2" refType="w"/>
+                <dgm:constr type="w" for="ch" forName="text_2" refType="h" refFor="ch" refForName="text_2" op="gte"/>
+                <dgm:constr type="h" for="ch" forName="text_2" refType="h" refFor="ch" refForName="accent_2" fact="0.8"/>
+                <dgm:constr type="ctrY" for="ch" forName="text_2" refType="ctrY" refFor="ch" refForName="accent_2"/>
+                <dgm:constr type="lMarg" for="ch" forName="text_2" refType="w" refFor="ch" refForName="accent_2" fact="1.8"/>
+                <dgm:constr type="h" for="ch" forName="accent_3" refType="h" fact="0.1923"/>
+                <dgm:constr type="w" for="ch" forName="accent_3" refType="h" refFor="ch" refForName="accent_3" op="equ"/>
+                <dgm:constr type="ctrY" for="ch" forName="accent_3" refType="h" fact="0.6154"/>
+                <dgm:constr type="ctrX" for="ch" forName="accent_3" refType="h" fact="0.215"/>
+                <dgm:constr type="l" for="ch" forName="text_3" refType="ctrX" refFor="ch" refForName="accent_3"/>
+                <dgm:constr type="r" for="ch" forName="text_3" refType="w"/>
+                <dgm:constr type="w" for="ch" forName="text_3" refType="h" refFor="ch" refForName="text_3" op="gte"/>
+                <dgm:constr type="h" for="ch" forName="text_3" refType="h" refFor="ch" refForName="accent_3" fact="0.8"/>
+                <dgm:constr type="ctrY" for="ch" forName="text_3" refType="ctrY" refFor="ch" refForName="accent_3"/>
+                <dgm:constr type="lMarg" for="ch" forName="text_3" refType="w" refFor="ch" refForName="accent_3" fact="1.8"/>
+                <dgm:constr type="h" for="ch" forName="accent_4" refType="h" fact="0.1923"/>
+                <dgm:constr type="w" for="ch" forName="accent_4" refType="h" refFor="ch" refForName="accent_4" op="equ"/>
+                <dgm:constr type="ctrY" for="ch" forName="accent_4" refType="h" fact="0.8462"/>
+                <dgm:constr type="ctrX" for="ch" forName="accent_4" refType="h" fact="0.1268"/>
+                <dgm:constr type="l" for="ch" forName="text_4" refType="ctrX" refFor="ch" refForName="accent_4"/>
+                <dgm:constr type="r" for="ch" forName="text_4" refType="w"/>
+                <dgm:constr type="w" for="ch" forName="text_4" refType="h" refFor="ch" refForName="text_4" op="gte"/>
+                <dgm:constr type="h" for="ch" forName="text_4" refType="h" refFor="ch" refForName="accent_4" fact="0.8"/>
+                <dgm:constr type="ctrY" for="ch" forName="text_4" refType="ctrY" refFor="ch" refForName="accent_4"/>
+                <dgm:constr type="lMarg" for="ch" forName="text_4" refType="w" refFor="ch" refForName="accent_4" fact="1.8"/>
+                <dgm:constr type="primFontSz" for="ch" ptType="node" op="equ" val="65"/>
+              </dgm:constrLst>
+            </dgm:if>
+            <dgm:if name="Name9" axis="ch" ptType="node" func="cnt" op="equ" val="5">
+              <dgm:constrLst>
+                <dgm:constr type="h" for="ch" forName="cycle" refType="h"/>
+                <dgm:constr type="w" for="ch" forName="cycle" refType="h" refFor="ch" refForName="cycle" fact="0.26"/>
+                <dgm:constr type="l" for="ch" forName="cycle"/>
+                <dgm:constr type="ctrY" for="ch" forName="cycle" refType="h" fact="0.5"/>
+                <dgm:constr type="diam" for="ch" forName="cycle" refType="h" fact="1.344"/>
+                <dgm:constr type="h" for="ch" forName="accent_1" refType="h" fact="0.1563"/>
+                <dgm:constr type="w" for="ch" forName="accent_1" refType="h" refFor="ch" refForName="accent_1" op="equ"/>
+                <dgm:constr type="ctrY" for="ch" forName="accent_1" refType="h" fact="0.125"/>
+                <dgm:constr type="ctrX" for="ch" forName="accent_1" refType="h" fact="0.1082"/>
+                <dgm:constr type="l" for="ch" forName="text_1" refType="ctrX" refFor="ch" refForName="accent_1"/>
+                <dgm:constr type="r" for="ch" forName="text_1" refType="w"/>
+                <dgm:constr type="w" for="ch" forName="text_1" refType="h" refFor="ch" refForName="text_1" op="gte"/>
+                <dgm:constr type="h" for="ch" forName="text_1" refType="h" refFor="ch" refForName="accent_1" fact="0.8"/>
+                <dgm:constr type="ctrY" for="ch" forName="text_1" refType="ctrY" refFor="ch" refForName="accent_1"/>
+                <dgm:constr type="lMarg" for="ch" forName="text_1" refType="w" refFor="ch" refForName="accent_1" fact="1.8"/>
+                <dgm:constr type="h" for="ch" forName="accent_2" refType="h" fact="0.1563"/>
+                <dgm:constr type="w" for="ch" forName="accent_2" refType="h" refFor="ch" refForName="accent_2" op="equ"/>
+                <dgm:constr type="ctrY" for="ch" forName="accent_2" refType="h" fact="0.3125"/>
+                <dgm:constr type="ctrX" for="ch" forName="accent_2" refType="h" fact="0.1978"/>
+                <dgm:constr type="l" for="ch" forName="text_2" refType="ctrX" refFor="ch" refForName="accent_2"/>
+                <dgm:constr type="r" for="ch" forName="text_2" refType="w"/>
+                <dgm:constr type="w" for="ch" forName="text_2" refType="h" refFor="ch" refForName="text_2" op="gte"/>
+                <dgm:constr type="h" for="ch" forName="text_2" refType="h" refFor="ch" refForName="accent_2" fact="0.8"/>
+                <dgm:constr type="ctrY" for="ch" forName="text_2" refType="ctrY" refFor="ch" refForName="accent_2"/>
+                <dgm:constr type="lMarg" for="ch" forName="text_2" refType="w" refFor="ch" refForName="accent_2" fact="1.8"/>
+                <dgm:constr type="h" for="ch" forName="accent_3" refType="h" fact="0.1563"/>
+                <dgm:constr type="w" for="ch" forName="accent_3" refType="h" refFor="ch" refForName="accent_3" op="equ"/>
+                <dgm:constr type="ctrY" for="ch" forName="accent_3" refType="h" fact="0.5"/>
+                <dgm:constr type="ctrX" for="ch" forName="accent_3" refType="h" fact="0.2253"/>
+                <dgm:constr type="l" for="ch" forName="text_3" refType="ctrX" refFor="ch" refForName="accent_3"/>
+                <dgm:constr type="r" for="ch" forName="text_3" refType="w"/>
+                <dgm:constr type="w" for="ch" forName="text_3" refType="h" refFor="ch" refForName="text_3" op="gte"/>
+                <dgm:constr type="h" for="ch" forName="text_3" refType="h" refFor="ch" refForName="accent_3" fact="0.8"/>
+                <dgm:constr type="ctrY" for="ch" forName="text_3" refType="ctrY" refFor="ch" refForName="accent_3"/>
+                <dgm:constr type="lMarg" for="ch" forName="text_3" refType="w" refFor="ch" refForName="accent_3" fact="1.8"/>
+                <dgm:constr type="h" for="ch" forName="accent_4" refType="h" fact="0.1563"/>
+                <dgm:constr type="w" for="ch" forName="accent_4" refType="h" refFor="ch" refForName="accent_4" op="equ"/>
+                <dgm:constr type="ctrY" for="ch" forName="accent_4" refType="h" fact="0.6875"/>
+                <dgm:constr type="ctrX" for="ch" forName="accent_4" refType="h" fact="0.1978"/>
+                <dgm:constr type="l" for="ch" forName="text_4" refType="ctrX" refFor="ch" refForName="accent_4"/>
+                <dgm:constr type="r" for="ch" forName="text_4" refType="w"/>
+                <dgm:constr type="w" for="ch" forName="text_4" refType="h" refFor="ch" refForName="text_4" op="gte"/>
+                <dgm:constr type="h" for="ch" forName="text_4" refType="h" refFor="ch" refForName="accent_4" fact="0.8"/>
+                <dgm:constr type="ctrY" for="ch" forName="text_4" refType="ctrY" refFor="ch" refForName="accent_4"/>
+                <dgm:constr type="lMarg" for="ch" forName="text_4" refType="w" refFor="ch" refForName="accent_4" fact="1.8"/>
+                <dgm:constr type="h" for="ch" forName="accent_5" refType="h" fact="0.1563"/>
+                <dgm:constr type="w" for="ch" forName="accent_5" refType="h" refFor="ch" refForName="accent_5" op="equ"/>
+                <dgm:constr type="ctrY" for="ch" forName="accent_5" refType="h" fact="0.875"/>
+                <dgm:constr type="ctrX" for="ch" forName="accent_5" refType="h" fact="0.1082"/>
+                <dgm:constr type="l" for="ch" forName="text_5" refType="ctrX" refFor="ch" refForName="accent_5"/>
+                <dgm:constr type="r" for="ch" forName="text_5" refType="w"/>
+                <dgm:constr type="w" for="ch" forName="text_5" refType="h" refFor="ch" refForName="text_5" op="gte"/>
+                <dgm:constr type="h" for="ch" forName="text_5" refType="h" refFor="ch" refForName="accent_5" fact="0.8"/>
+                <dgm:constr type="ctrY" for="ch" forName="text_5" refType="ctrY" refFor="ch" refForName="accent_5"/>
+                <dgm:constr type="lMarg" for="ch" forName="text_5" refType="w" refFor="ch" refForName="accent_5" fact="1.8"/>
+                <dgm:constr type="primFontSz" for="ch" ptType="node" op="equ" val="65"/>
+              </dgm:constrLst>
+            </dgm:if>
+            <dgm:if name="Name10" axis="ch" ptType="node" func="cnt" op="equ" val="6">
+              <dgm:constrLst>
+                <dgm:constr type="h" for="ch" forName="cycle" refType="h"/>
+                <dgm:constr type="w" for="ch" forName="cycle" refType="h" refFor="ch" refForName="cycle" fact="0.26"/>
+                <dgm:constr type="l" for="ch" forName="cycle"/>
+                <dgm:constr type="ctrY" for="ch" forName="cycle" refType="h" fact="0.5"/>
+                <dgm:constr type="diam" for="ch" forName="cycle" refType="h" fact="1.344"/>
+                <dgm:constr type="h" for="ch" forName="accent_1" refType="h" fact="0.1316"/>
+                <dgm:constr type="w" for="ch" forName="accent_1" refType="h" refFor="ch" refForName="accent_1" op="equ"/>
+                <dgm:constr type="ctrY" for="ch" forName="accent_1" refType="h" fact="0.1053"/>
+                <dgm:constr type="ctrX" for="ch" forName="accent_1" refType="h" fact="0.0943"/>
+                <dgm:constr type="l" for="ch" forName="text_1" refType="ctrX" refFor="ch" refForName="accent_1"/>
+                <dgm:constr type="r" for="ch" forName="text_1" refType="w"/>
+                <dgm:constr type="w" for="ch" forName="text_1" refType="h" refFor="ch" refForName="text_1" op="gte"/>
+                <dgm:constr type="h" for="ch" forName="text_1" refType="h" refFor="ch" refForName="accent_1" fact="0.8"/>
+                <dgm:constr type="ctrY" for="ch" forName="text_1" refType="ctrY" refFor="ch" refForName="accent_1"/>
+                <dgm:constr type="lMarg" for="ch" forName="text_1" refType="w" refFor="ch" refForName="accent_1" fact="1.8"/>
+                <dgm:constr type="h" for="ch" forName="accent_2" refType="h" fact="0.1316"/>
+                <dgm:constr type="w" for="ch" forName="accent_2" refType="h" refFor="ch" refForName="accent_2" op="equ"/>
+                <dgm:constr type="ctrY" for="ch" forName="accent_2" refType="h" fact="0.2632"/>
+                <dgm:constr type="ctrX" for="ch" forName="accent_2" refType="h" fact="0.1809"/>
+                <dgm:constr type="l" for="ch" forName="text_2" refType="ctrX" refFor="ch" refForName="accent_2"/>
+                <dgm:constr type="r" for="ch" forName="text_2" refType="w"/>
+                <dgm:constr type="w" for="ch" forName="text_2" refType="h" refFor="ch" refForName="text_2" op="gte"/>
+                <dgm:constr type="h" for="ch" forName="text_2" refType="h" refFor="ch" refForName="accent_2" fact="0.8"/>
+                <dgm:constr type="ctrY" for="ch" forName="text_2" refType="ctrY" refFor="ch" refForName="accent_2"/>
+                <dgm:constr type="lMarg" for="ch" forName="text_2" refType="w" refFor="ch" refForName="accent_2" fact="1.8"/>
+                <dgm:constr type="h" for="ch" forName="accent_3" refType="h" fact="0.1316"/>
+                <dgm:constr type="w" for="ch" forName="accent_3" refType="h" refFor="ch" refForName="accent_3" op="equ"/>
+                <dgm:constr type="ctrY" for="ch" forName="accent_3" refType="h" fact="0.4211"/>
+                <dgm:constr type="ctrX" for="ch" forName="accent_3" refType="h" fact="0.2205"/>
+                <dgm:constr type="l" for="ch" forName="text_3" refType="ctrX" refFor="ch" refForName="accent_3"/>
+                <dgm:constr type="r" for="ch" forName="text_3" refType="w"/>
+                <dgm:constr type="w" for="ch" forName="text_3" refType="h" refFor="ch" refForName="text_3" op="gte"/>
+                <dgm:constr type="h" for="ch" forName="text_3" refType="h" refFor="ch" refForName="accent_3" fact="0.8"/>
+                <dgm:constr type="ctrY" for="ch" forName="text_3" refType="ctrY" refFor="ch" refForName="accent_3"/>
+                <dgm:constr type="lMarg" for="ch" forName="text_3" refType="w" refFor="ch" refForName="accent_3" fact="1.8"/>
+                <dgm:constr type="h" for="ch" forName="accent_4" refType="h" fact="0.1316"/>
+                <dgm:constr type="w" for="ch" forName="accent_4" refType="h" refFor="ch" refForName="accent_4" op="equ"/>
+                <dgm:constr type="ctrY" for="ch" forName="accent_4" refType="h" fact="0.5789"/>
+                <dgm:constr type="ctrX" for="ch" forName="accent_4" refType="h" fact="0.2205"/>
+                <dgm:constr type="l" for="ch" forName="text_4" refType="ctrX" refFor="ch" refForName="accent_4"/>
+                <dgm:constr type="r" for="ch" forName="text_4" refType="w"/>
+                <dgm:constr type="w" for="ch" forName="text_4" refType="h" refFor="ch" refForName="text_4" op="gte"/>
+                <dgm:constr type="h" for="ch" forName="text_4" refType="h" refFor="ch" refForName="accent_4" fact="0.8"/>
+                <dgm:constr type="ctrY" for="ch" forName="text_4" refType="ctrY" refFor="ch" refForName="accent_4"/>
+                <dgm:constr type="lMarg" for="ch" forName="text_4" refType="w" refFor="ch" refForName="accent_4" fact="1.8"/>
+                <dgm:constr type="h" for="ch" forName="accent_5" refType="h" fact="0.1316"/>
+                <dgm:constr type="w" for="ch" forName="accent_5" refType="h" refFor="ch" refForName="accent_5" op="equ"/>
+                <dgm:constr type="ctrY" for="ch" forName="accent_5" refType="h" fact="0.7368"/>
+                <dgm:constr type="ctrX" for="ch" forName="accent_5" refType="h" fact="0.1809"/>
+                <dgm:constr type="l" for="ch" forName="text_5" refType="ctrX" refFor="ch" refForName="accent_5"/>
+                <dgm:constr type="r" for="ch" forName="text_5" refType="w"/>
+                <dgm:constr type="w" for="ch" forName="text_5" refType="h" refFor="ch" refForName="text_5" op="gte"/>
+                <dgm:constr type="h" for="ch" forName="text_5" refType="h" refFor="ch" refForName="accent_5" fact="0.8"/>
+                <dgm:constr type="ctrY" for="ch" forName="text_5" refType="ctrY" refFor="ch" refForName="accent_5"/>
+                <dgm:constr type="lMarg" for="ch" forName="text_5" refType="w" refFor="ch" refForName="accent_5" fact="1.8"/>
+                <dgm:constr type="h" for="ch" forName="accent_6" refType="h" fact="0.1316"/>
+                <dgm:constr type="w" for="ch" forName="accent_6" refType="h" refFor="ch" refForName="accent_6" op="equ"/>
+                <dgm:constr type="ctrY" for="ch" forName="accent_6" refType="h" fact="0.8947"/>
+                <dgm:constr type="ctrX" for="ch" forName="accent_6" refType="h" fact="0.0943"/>
+                <dgm:constr type="l" for="ch" forName="text_6" refType="ctrX" refFor="ch" refForName="accent_6"/>
+                <dgm:constr type="r" for="ch" forName="text_6" refType="w"/>
+                <dgm:constr type="w" for="ch" forName="text_6" refType="h" refFor="ch" refForName="text_6" op="gte"/>
+                <dgm:constr type="h" for="ch" forName="text_6" refType="h" refFor="ch" refForName="accent_6" fact="0.8"/>
+                <dgm:constr type="ctrY" for="ch" forName="text_6" refType="ctrY" refFor="ch" refForName="accent_6"/>
+                <dgm:constr type="lMarg" for="ch" forName="text_6" refType="w" refFor="ch" refForName="accent_6" fact="1.8"/>
+                <dgm:constr type="primFontSz" for="ch" ptType="node" op="equ" val="65"/>
+              </dgm:constrLst>
+            </dgm:if>
+            <dgm:else name="Name11">
+              <dgm:constrLst>
+                <dgm:constr type="h" for="ch" forName="cycle" refType="h"/>
+                <dgm:constr type="w" for="ch" forName="cycle" refType="h" refFor="ch" refForName="cycle" fact="0.26"/>
+                <dgm:constr type="l" for="ch" forName="cycle"/>
+                <dgm:constr type="ctrY" for="ch" forName="cycle" refType="h" fact="0.5"/>
+                <dgm:constr type="diam" for="ch" forName="cycle" refType="h" fact="1.344"/>
+                <dgm:constr type="h" for="ch" forName="accent_1" refType="h" fact="0.1136"/>
+                <dgm:constr type="w" for="ch" forName="accent_1" refType="h" refFor="ch" refForName="accent_1" op="equ"/>
+                <dgm:constr type="ctrY" for="ch" forName="accent_1" refType="h" fact="0.0909"/>
+                <dgm:constr type="ctrX" for="ch" forName="accent_1" refType="h" fact="0.0835"/>
+                <dgm:constr type="l" for="ch" forName="text_1" refType="ctrX" refFor="ch" refForName="accent_1"/>
+                <dgm:constr type="r" for="ch" forName="text_1" refType="w"/>
+                <dgm:constr type="w" for="ch" forName="text_1" refType="h" refFor="ch" refForName="text_1" op="gte"/>
+                <dgm:constr type="h" for="ch" forName="text_1" refType="h" refFor="ch" refForName="accent_1" fact="0.8"/>
+                <dgm:constr type="ctrY" for="ch" forName="text_1" refType="ctrY" refFor="ch" refForName="accent_1"/>
+                <dgm:constr type="lMarg" for="ch" forName="text_1" refType="w" refFor="ch" refForName="accent_1" fact="1.8"/>
+                <dgm:constr type="h" for="ch" forName="accent_2" refType="h" fact="0.1136"/>
+                <dgm:constr type="w" for="ch" forName="accent_2" refType="h" refFor="ch" refForName="accent_2" op="equ"/>
+                <dgm:constr type="ctrY" for="ch" forName="accent_2" refType="h" fact="0.2273"/>
+                <dgm:constr type="ctrX" for="ch" forName="accent_2" refType="h" fact="0.1658"/>
+                <dgm:constr type="l" for="ch" forName="text_2" refType="ctrX" refFor="ch" refForName="accent_2"/>
+                <dgm:constr type="r" for="ch" forName="text_2" refType="w"/>
+                <dgm:constr type="w" for="ch" forName="text_2" refType="h" refFor="ch" refForName="text_2" op="gte"/>
+                <dgm:constr type="h" for="ch" forName="text_2" refType="h" refFor="ch" refForName="accent_2" fact="0.8"/>
+                <dgm:constr type="ctrY" for="ch" forName="text_2" refType="ctrY" refFor="ch" refForName="accent_2"/>
+                <dgm:constr type="lMarg" for="ch" forName="text_2" refType="w" refFor="ch" refForName="accent_2" fact="1.8"/>
+                <dgm:constr type="h" for="ch" forName="accent_3" refType="h" fact="0.1136"/>
+                <dgm:constr type="w" for="ch" forName="accent_3" refType="h" refFor="ch" refForName="accent_3" op="equ"/>
+                <dgm:constr type="ctrY" for="ch" forName="accent_3" refType="h" fact="0.3636"/>
+                <dgm:constr type="ctrX" for="ch" forName="accent_3" refType="h" fact="0.2109"/>
+                <dgm:constr type="l" for="ch" forName="text_3" refType="ctrX" refFor="ch" refForName="accent_3"/>
+                <dgm:constr type="r" for="ch" forName="text_3" refType="w"/>
+                <dgm:constr type="w" for="ch" forName="text_3" refType="h" refFor="ch" refForName="text_3" op="gte"/>
+                <dgm:constr type="h" for="ch" forName="text_3" refType="h" refFor="ch" refForName="accent_3" fact="0.8"/>
+                <dgm:constr type="ctrY" for="ch" forName="text_3" refType="ctrY" refFor="ch" refForName="accent_3"/>
+                <dgm:constr type="lMarg" for="ch" forName="text_3" refType="w" refFor="ch" refForName="accent_3" fact="1.8"/>
+                <dgm:constr type="h" for="ch" forName="accent_4" refType="h" fact="0.1136"/>
+                <dgm:constr type="w" for="ch" forName="accent_4" refType="h" refFor="ch" refForName="accent_4" op="equ"/>
+                <dgm:constr type="ctrY" for="ch" forName="accent_4" refType="h" fact="0.5"/>
+                <dgm:constr type="ctrX" for="ch" forName="accent_4" refType="h" fact="0.2253"/>
+                <dgm:constr type="l" for="ch" forName="text_4" refType="ctrX" refFor="ch" refForName="accent_4"/>
+                <dgm:constr type="r" for="ch" forName="text_4" refType="w"/>
+                <dgm:constr type="w" for="ch" forName="text_4" refType="h" refFor="ch" refForName="text_4" op="gte"/>
+                <dgm:constr type="h" for="ch" forName="text_4" refType="h" refFor="ch" refForName="accent_4" fact="0.8"/>
+                <dgm:constr type="ctrY" for="ch" forName="text_4" refType="ctrY" refFor="ch" refForName="accent_4"/>
+                <dgm:constr type="lMarg" for="ch" forName="text_4" refType="w" refFor="ch" refForName="accent_4" fact="1.8"/>
+                <dgm:constr type="h" for="ch" forName="accent_5" refType="h" fact="0.1136"/>
+                <dgm:constr type="w" for="ch" forName="accent_5" refType="h" refFor="ch" refForName="accent_5" op="equ"/>
+                <dgm:constr type="ctrY" for="ch" forName="accent_5" refType="h" fact="0.6364"/>
+                <dgm:constr type="ctrX" for="ch" forName="accent_5" refType="h" fact="0.2109"/>
+                <dgm:constr type="l" for="ch" forName="text_5" refType="ctrX" refFor="ch" refForName="accent_5"/>
+                <dgm:constr type="r" for="ch" forName="text_5" refType="w"/>
+                <dgm:constr type="w" for="ch" forName="text_5" refType="h" refFor="ch" refForName="text_5" op="gte"/>
+                <dgm:constr type="h" for="ch" forName="text_5" refType="h" refFor="ch" refForName="accent_5" fact="0.8"/>
+                <dgm:constr type="ctrY" for="ch" forName="text_5" refType="ctrY" refFor="ch" refForName="accent_5"/>
+                <dgm:constr type="lMarg" for="ch" forName="text_5" refType="w" refFor="ch" refForName="accent_5" fact="1.8"/>
+                <dgm:constr type="h" for="ch" forName="accent_6" refType="h" fact="0.1136"/>
+                <dgm:constr type="w" for="ch" forName="accent_6" refType="h" refFor="ch" refForName="accent_6" op="equ"/>
+                <dgm:constr type="ctrY" for="ch" forName="accent_6" refType="h" fact="0.7727"/>
+                <dgm:constr type="ctrX" for="ch" forName="accent_6" refType="h" fact="0.1658"/>
+                <dgm:constr type="l" for="ch" forName="text_6" refType="ctrX" refFor="ch" refForName="accent_6"/>
+                <dgm:constr type="r" for="ch" forName="text_6" refType="w"/>
+                <dgm:constr type="w" for="ch" forName="text_6" refType="h" refFor="ch" refForName="text_6" op="gte"/>
+                <dgm:constr type="h" for="ch" forName="text_6" refType="h" refFor="ch" refForName="accent_6" fact="0.8"/>
+                <dgm:constr type="ctrY" for="ch" forName="text_6" refType="ctrY" refFor="ch" refForName="accent_6"/>
+                <dgm:constr type="lMarg" for="ch" forName="text_6" refType="w" refFor="ch" refForName="accent_6" fact="1.8"/>
+                <dgm:constr type="h" for="ch" forName="accent_7" refType="h" fact="0.1136"/>
+                <dgm:constr type="w" for="ch" forName="accent_7" refType="h" refFor="ch" refForName="accent_7" op="equ"/>
+                <dgm:constr type="ctrY" for="ch" forName="accent_7" refType="h" fact="0.9091"/>
+                <dgm:constr type="ctrX" for="ch" forName="accent_7" refType="h" fact="0.0835"/>
+                <dgm:constr type="l" for="ch" forName="text_7" refType="ctrX" refFor="ch" refForName="accent_7"/>
+                <dgm:constr type="r" for="ch" forName="text_7" refType="w"/>
+                <dgm:constr type="w" for="ch" forName="text_7" refType="h" refFor="ch" refForName="text_7" op="gte"/>
+                <dgm:constr type="h" for="ch" forName="text_7" refType="h" refFor="ch" refForName="accent_7" fact="0.8"/>
+                <dgm:constr type="ctrY" for="ch" forName="text_7" refType="ctrY" refFor="ch" refForName="accent_7"/>
+                <dgm:constr type="lMarg" for="ch" forName="text_7" refType="w" refFor="ch" refForName="accent_7" fact="1.8"/>
+                <dgm:constr type="primFontSz" for="ch" ptType="node" op="equ" val="65"/>
+              </dgm:constrLst>
+            </dgm:else>
+          </dgm:choose>
+        </dgm:if>
+        <dgm:else name="Name12">
+          <dgm:choose name="Name13">
+            <dgm:if name="Name14" axis="ch" ptType="node" func="cnt" op="equ" val="1">
+              <dgm:constrLst>
+                <dgm:constr type="h" for="ch" forName="cycle" refType="h"/>
+                <dgm:constr type="w" for="ch" forName="cycle" refType="h" refFor="ch" refForName="cycle" fact="0.26"/>
+                <dgm:constr type="r" for="ch" forName="cycle" refType="w"/>
+                <dgm:constr type="ctrY" for="ch" forName="cycle" refType="h" fact="0.5"/>
+                <dgm:constr type="diam" for="ch" forName="cycle" refType="h" fact="1.344"/>
+                <dgm:constr type="h" for="ch" forName="accent_1" refType="h" fact="0.625"/>
+                <dgm:constr type="w" for="ch" forName="accent_1" refType="h" refFor="ch" refForName="accent_1" op="equ"/>
+                <dgm:constr type="ctrY" for="ch" forName="accent_1" refType="h" fact="0.5"/>
+                <dgm:constr type="ctrX" for="ch" forName="accent_1" refType="w"/>
+                <dgm:constr type="ctrXOff" for="ch" forName="accent_1" refType="h" fact="-0.2253"/>
+                <dgm:constr type="r" for="ch" forName="text_1" refType="ctrX" refFor="ch" refForName="accent_1"/>
+                <dgm:constr type="rOff" for="ch" forName="text_1" refType="ctrXOff" refFor="ch" refForName="accent_1"/>
+                <dgm:constr type="l" for="ch" forName="text_1"/>
+                <dgm:constr type="w" for="ch" forName="text_1" refType="h" refFor="ch" refForName="text_1" op="gte"/>
+                <dgm:constr type="h" for="ch" forName="text_1" refType="h" refFor="ch" refForName="accent_1" fact="0.8"/>
+                <dgm:constr type="ctrY" for="ch" forName="text_1" refType="ctrY" refFor="ch" refForName="accent_1"/>
+                <dgm:constr type="rMarg" for="ch" forName="text_1" refType="w" refFor="ch" refForName="accent_1" fact="1.8"/>
+                <dgm:constr type="primFontSz" for="ch" ptType="node" op="equ" val="65"/>
+              </dgm:constrLst>
+            </dgm:if>
+            <dgm:if name="Name15" axis="ch" ptType="node" func="cnt" op="equ" val="2">
+              <dgm:constrLst>
+                <dgm:constr type="h" for="ch" forName="cycle" refType="h"/>
+                <dgm:constr type="w" for="ch" forName="cycle" refType="h" refFor="ch" refForName="cycle" fact="0.26"/>
+                <dgm:constr type="r" for="ch" forName="cycle" refType="w"/>
+                <dgm:constr type="ctrY" for="ch" forName="cycle" refType="h" fact="0.5"/>
+                <dgm:constr type="diam" for="ch" forName="cycle" refType="h" fact="1.344"/>
+                <dgm:constr type="h" for="ch" forName="accent_1" refType="h" fact="0.3571"/>
+                <dgm:constr type="w" for="ch" forName="accent_1" refType="h" refFor="ch" refForName="accent_1" op="equ"/>
+                <dgm:constr type="ctrY" for="ch" forName="accent_1" refType="h" fact="0.2857"/>
+                <dgm:constr type="ctrX" for="ch" forName="accent_1" refType="w"/>
+                <dgm:constr type="ctrXOff" for="ch" forName="accent_1" refType="h" fact="-0.1891"/>
+                <dgm:constr type="r" for="ch" forName="text_1" refType="ctrX" refFor="ch" refForName="accent_1"/>
+                <dgm:constr type="rOff" for="ch" forName="text_1" refType="ctrXOff" refFor="ch" refForName="accent_1"/>
+                <dgm:constr type="l" for="ch" forName="text_1"/>
+                <dgm:constr type="w" for="ch" forName="text_1" refType="h" refFor="ch" refForName="text_1" op="gte"/>
+                <dgm:constr type="h" for="ch" forName="text_1" refType="h" refFor="ch" refForName="accent_1" fact="0.8"/>
+                <dgm:constr type="ctrY" for="ch" forName="text_1" refType="ctrY" refFor="ch" refForName="accent_1"/>
+                <dgm:constr type="rMarg" for="ch" forName="text_1" refType="w" refFor="ch" refForName="accent_1" fact="1.8"/>
+                <dgm:constr type="h" for="ch" forName="accent_2" refType="h" fact="0.3571"/>
+                <dgm:constr type="w" for="ch" forName="accent_2" refType="h" refFor="ch" refForName="accent_2" op="equ"/>
+                <dgm:constr type="ctrY" for="ch" forName="accent_2" refType="h" fact="0.7143"/>
+                <dgm:constr type="ctrX" for="ch" forName="accent_2" refType="w"/>
+                <dgm:constr type="ctrXOff" for="ch" forName="accent_2" refType="h" fact="-0.1891"/>
+                <dgm:constr type="r" for="ch" forName="text_2" refType="ctrX" refFor="ch" refForName="accent_2"/>
+                <dgm:constr type="rOff" for="ch" forName="text_2" refType="ctrXOff" refFor="ch" refForName="accent_2"/>
+                <dgm:constr type="l" for="ch" forName="text_2"/>
+                <dgm:constr type="w" for="ch" forName="text_2" refType="h" refFor="ch" refForName="text_2" op="gte"/>
+                <dgm:constr type="h" for="ch" forName="text_2" refType="h" refFor="ch" refForName="accent_2" fact="0.8"/>
+                <dgm:constr type="ctrY" for="ch" forName="text_2" refType="ctrY" refFor="ch" refForName="accent_2"/>
+                <dgm:constr type="rMarg" for="ch" forName="text_2" refType="w" refFor="ch" refForName="accent_2" fact="1.8"/>
+                <dgm:constr type="primFontSz" for="ch" ptType="node" op="equ" val="65"/>
+              </dgm:constrLst>
+            </dgm:if>
+            <dgm:if name="Name16" axis="ch" ptType="node" func="cnt" op="equ" val="3">
+              <dgm:constrLst>
+                <dgm:constr type="h" for="ch" forName="cycle" refType="h"/>
+                <dgm:constr type="w" for="ch" forName="cycle" refType="h" refFor="ch" refForName="cycle" fact="0.26"/>
+                <dgm:constr type="r" for="ch" forName="cycle" refType="w"/>
+                <dgm:constr type="ctrY" for="ch" forName="cycle" refType="h" fact="0.5"/>
+                <dgm:constr type="diam" for="ch" forName="cycle" refType="h" fact="1.344"/>
+                <dgm:constr type="h" for="ch" forName="accent_1" refType="h" fact="0.25"/>
+                <dgm:constr type="w" for="ch" forName="accent_1" refType="h" refFor="ch" refForName="accent_1" op="equ"/>
+                <dgm:constr type="ctrY" for="ch" forName="accent_1" refType="h" fact="0.2"/>
+                <dgm:constr type="ctrX" for="ch" forName="accent_1" refType="w"/>
+                <dgm:constr type="ctrXOff" for="ch" forName="accent_1" refType="h" fact="-0.1526"/>
+                <dgm:constr type="r" for="ch" forName="text_1" refType="ctrX" refFor="ch" refForName="accent_1"/>
+                <dgm:constr type="rOff" for="ch" forName="text_1" refType="ctrXOff" refFor="ch" refForName="accent_1"/>
+                <dgm:constr type="l" for="ch" forName="text_1"/>
+                <dgm:constr type="w" for="ch" forName="text_1" refType="h" refFor="ch" refForName="text_1" op="gte"/>
+                <dgm:constr type="h" for="ch" forName="text_1" refType="h" refFor="ch" refForName="accent_1" fact="0.8"/>
+                <dgm:constr type="ctrY" for="ch" forName="text_1" refType="ctrY" refFor="ch" refForName="accent_1"/>
+                <dgm:constr type="rMarg" for="ch" forName="text_1" refType="w" refFor="ch" refForName="accent_1" fact="1.8"/>
+                <dgm:constr type="h" for="ch" forName="accent_2" refType="h" fact="0.25"/>
+                <dgm:constr type="w" for="ch" forName="accent_2" refType="h" refFor="ch" refForName="accent_2" op="equ"/>
+                <dgm:constr type="ctrY" for="ch" forName="accent_2" refType="h" fact="0.5"/>
+                <dgm:constr type="ctrX" for="ch" forName="accent_2" refType="w"/>
+                <dgm:constr type="ctrXOff" for="ch" forName="accent_2" refType="h" fact="-0.2253"/>
+                <dgm:constr type="r" for="ch" forName="text_2" refType="ctrX" refFor="ch" refForName="accent_2"/>
+                <dgm:constr type="rOff" for="ch" forName="text_2" refType="ctrXOff" refFor="ch" refForName="accent_2"/>
+                <dgm:constr type="l" for="ch" forName="text_2"/>
+                <dgm:constr type="w" for="ch" forName="text_2" refType="h" refFor="ch" refForName="text_2" op="gte"/>
+                <dgm:constr type="h" for="ch" forName="text_2" refType="h" refFor="ch" refForName="accent_2" fact="0.8"/>
+                <dgm:constr type="ctrY" for="ch" forName="text_2" refType="ctrY" refFor="ch" refForName="accent_2"/>
+                <dgm:constr type="rMarg" for="ch" forName="text_2" refType="w" refFor="ch" refForName="accent_2" fact="1.8"/>
+                <dgm:constr type="h" for="ch" forName="accent_3" refType="h" fact="0.25"/>
+                <dgm:constr type="w" for="ch" forName="accent_3" refType="h" refFor="ch" refForName="accent_3" op="equ"/>
+                <dgm:constr type="ctrY" for="ch" forName="accent_3" refType="h" fact="0.8"/>
+                <dgm:constr type="ctrX" for="ch" forName="accent_3" refType="w"/>
+                <dgm:constr type="ctrXOff" for="ch" forName="accent_3" refType="h" fact="-0.1526"/>
+                <dgm:constr type="r" for="ch" forName="text_3" refType="ctrX" refFor="ch" refForName="accent_3"/>
+                <dgm:constr type="rOff" for="ch" forName="text_3" refType="ctrXOff" refFor="ch" refForName="accent_3"/>
+                <dgm:constr type="l" for="ch" forName="text_3"/>
+                <dgm:constr type="w" for="ch" forName="text_3" refType="h" refFor="ch" refForName="text_3" op="gte"/>
+                <dgm:constr type="h" for="ch" forName="text_3" refType="h" refFor="ch" refForName="accent_3" fact="0.8"/>
+                <dgm:constr type="ctrY" for="ch" forName="text_3" refType="ctrY" refFor="ch" refForName="accent_3"/>
+                <dgm:constr type="rMarg" for="ch" forName="text_3" refType="w" refFor="ch" refForName="accent_3" fact="1.8"/>
+                <dgm:constr type="primFontSz" for="ch" ptType="node" op="equ" val="65"/>
+              </dgm:constrLst>
+            </dgm:if>
+            <dgm:if name="Name17" axis="ch" ptType="node" func="cnt" op="equ" val="4">
+              <dgm:constrLst>
+                <dgm:constr type="h" for="ch" forName="cycle" refType="h"/>
+                <dgm:constr type="w" for="ch" forName="cycle" refType="h" refFor="ch" refForName="cycle" fact="0.26"/>
+                <dgm:constr type="r" for="ch" forName="cycle" refType="w"/>
+                <dgm:constr type="ctrY" for="ch" forName="cycle" refType="h" fact="0.5"/>
+                <dgm:constr type="diam" for="ch" forName="cycle" refType="h" fact="1.344"/>
+                <dgm:constr type="h" for="ch" forName="accent_1" refType="h" fact="0.1923"/>
+                <dgm:constr type="w" for="ch" forName="accent_1" refType="h" refFor="ch" refForName="accent_1" op="equ"/>
+                <dgm:constr type="ctrY" for="ch" forName="accent_1" refType="h" fact="0.1538"/>
+                <dgm:constr type="ctrX" for="ch" forName="accent_1" refType="w"/>
+                <dgm:constr type="ctrXOff" for="ch" forName="accent_1" refType="h" fact="-0.1268"/>
+                <dgm:constr type="r" for="ch" forName="text_1" refType="ctrX" refFor="ch" refForName="accent_1"/>
+                <dgm:constr type="rOff" for="ch" forName="text_1" refType="ctrXOff" refFor="ch" refForName="accent_1"/>
+                <dgm:constr type="l" for="ch" forName="text_1"/>
+                <dgm:constr type="w" for="ch" forName="text_1" refType="h" refFor="ch" refForName="text_1" op="gte"/>
+                <dgm:constr type="h" for="ch" forName="text_1" refType="h" refFor="ch" refForName="accent_1" fact="0.8"/>
+                <dgm:constr type="ctrY" for="ch" forName="text_1" refType="ctrY" refFor="ch" refForName="accent_1"/>
+                <dgm:constr type="rMarg" for="ch" forName="text_1" refType="w" refFor="ch" refForName="accent_1" fact="1.8"/>
+                <dgm:constr type="h" for="ch" forName="accent_2" refType="h" fact="0.1923"/>
+                <dgm:constr type="w" for="ch" forName="accent_2" refType="h" refFor="ch" refForName="accent_2" op="equ"/>
+                <dgm:constr type="ctrY" for="ch" forName="accent_2" refType="h" fact="0.3846"/>
+                <dgm:constr type="ctrX" for="ch" forName="accent_2" refType="w"/>
+                <dgm:constr type="ctrXOff" for="ch" forName="accent_2" refType="h" fact="-0.215"/>
+                <dgm:constr type="r" for="ch" forName="text_2" refType="ctrX" refFor="ch" refForName="accent_2"/>
+                <dgm:constr type="rOff" for="ch" forName="text_2" refType="ctrXOff" refFor="ch" refForName="accent_2"/>
+                <dgm:constr type="l" for="ch" forName="text_2"/>
+                <dgm:constr type="w" for="ch" forName="text_2" refType="h" refFor="ch" refForName="text_2" op="gte"/>
+                <dgm:constr type="h" for="ch" forName="text_2" refType="h" refFor="ch" refForName="accent_2" fact="0.8"/>
+                <dgm:constr type="ctrY" for="ch" forName="text_2" refType="ctrY" refFor="ch" refForName="accent_2"/>
+                <dgm:constr type="rMarg" for="ch" forName="text_2" refType="w" refFor="ch" refForName="accent_2" fact="1.8"/>
+                <dgm:constr type="h" for="ch" forName="accent_3" refType="h" fact="0.1923"/>
+                <dgm:constr type="w" for="ch" forName="accent_3" refType="h" refFor="ch" refForName="accent_3" op="equ"/>
+                <dgm:constr type="ctrY" for="ch" forName="accent_3" refType="h" fact="0.6154"/>
+                <dgm:constr type="ctrX" for="ch" forName="accent_3" refType="w"/>
+                <dgm:constr type="ctrXOff" for="ch" forName="accent_3" refType="h" fact="-0.215"/>
+                <dgm:constr type="r" for="ch" forName="text_3" refType="ctrX" refFor="ch" refForName="accent_3"/>
+                <dgm:constr type="rOff" for="ch" forName="text_3" refType="ctrXOff" refFor="ch" refForName="accent_3"/>
+                <dgm:constr type="l" for="ch" forName="text_3"/>
+                <dgm:constr type="w" for="ch" forName="text_3" refType="h" refFor="ch" refForName="text_3" op="gte"/>
+                <dgm:constr type="h" for="ch" forName="text_3" refType="h" refFor="ch" refForName="accent_3" fact="0.8"/>
+                <dgm:constr type="ctrY" for="ch" forName="text_3" refType="ctrY" refFor="ch" refForName="accent_3"/>
+                <dgm:constr type="rMarg" for="ch" forName="text_3" refType="w" refFor="ch" refForName="accent_3" fact="1.8"/>
+                <dgm:constr type="h" for="ch" forName="accent_4" refType="h" fact="0.1923"/>
+                <dgm:constr type="w" for="ch" forName="accent_4" refType="h" refFor="ch" refForName="accent_4" op="equ"/>
+                <dgm:constr type="ctrY" for="ch" forName="accent_4" refType="h" fact="0.8462"/>
+                <dgm:constr type="ctrX" for="ch" forName="accent_4" refType="w"/>
+                <dgm:constr type="ctrXOff" for="ch" forName="accent_4" refType="h" fact="-0.1268"/>
+                <dgm:constr type="r" for="ch" forName="text_4" refType="ctrX" refFor="ch" refForName="accent_4"/>
+                <dgm:constr type="rOff" for="ch" forName="text_4" refType="ctrXOff" refFor="ch" refForName="accent_4"/>
+                <dgm:constr type="l" for="ch" forName="text_4"/>
+                <dgm:constr type="w" for="ch" forName="text_4" refType="h" refFor="ch" refForName="text_4" op="gte"/>
+                <dgm:constr type="h" for="ch" forName="text_4" refType="h" refFor="ch" refForName="accent_4" fact="0.8"/>
+                <dgm:constr type="ctrY" for="ch" forName="text_4" refType="ctrY" refFor="ch" refForName="accent_4"/>
+                <dgm:constr type="rMarg" for="ch" forName="text_4" refType="w" refFor="ch" refForName="accent_4" fact="1.8"/>
+                <dgm:constr type="primFontSz" for="ch" ptType="node" op="equ" val="65"/>
+              </dgm:constrLst>
+            </dgm:if>
+            <dgm:if name="Name18" axis="ch" ptType="node" func="cnt" op="equ" val="5">
+              <dgm:constrLst>
+                <dgm:constr type="h" for="ch" forName="cycle" refType="h"/>
+                <dgm:constr type="w" for="ch" forName="cycle" refType="h" refFor="ch" refForName="cycle" fact="0.26"/>
+                <dgm:constr type="r" for="ch" forName="cycle" refType="w"/>
+                <dgm:constr type="ctrY" for="ch" forName="cycle" refType="h" fact="0.5"/>
+                <dgm:constr type="diam" for="ch" forName="cycle" refType="h" fact="1.344"/>
+                <dgm:constr type="h" for="ch" forName="accent_1" refType="h" fact="0.1563"/>
+                <dgm:constr type="w" for="ch" forName="accent_1" refType="h" refFor="ch" refForName="accent_1" op="equ"/>
+                <dgm:constr type="ctrY" for="ch" forName="accent_1" refType="h" fact="0.125"/>
+                <dgm:constr type="ctrX" for="ch" forName="accent_1" refType="w"/>
+                <dgm:constr type="ctrXOff" for="ch" forName="accent_1" refType="h" fact="-0.1082"/>
+                <dgm:constr type="r" for="ch" forName="text_1" refType="ctrX" refFor="ch" refForName="accent_1"/>
+                <dgm:constr type="rOff" for="ch" forName="text_1" refType="ctrXOff" refFor="ch" refForName="accent_1"/>
+                <dgm:constr type="l" for="ch" forName="text_1"/>
+                <dgm:constr type="w" for="ch" forName="text_1" refType="h" refFor="ch" refForName="text_1" op="gte"/>
+                <dgm:constr type="h" for="ch" forName="text_1" refType="h" refFor="ch" refForName="accent_1" fact="0.8"/>
+                <dgm:constr type="ctrY" for="ch" forName="text_1" refType="ctrY" refFor="ch" refForName="accent_1"/>
+                <dgm:constr type="rMarg" for="ch" forName="text_1" refType="w" refFor="ch" refForName="accent_1" fact="1.8"/>
+                <dgm:constr type="h" for="ch" forName="accent_2" refType="h" fact="0.1563"/>
+                <dgm:constr type="w" for="ch" forName="accent_2" refType="h" refFor="ch" refForName="accent_2" op="equ"/>
+                <dgm:constr type="ctrY" for="ch" forName="accent_2" refType="h" fact="0.3125"/>
+                <dgm:constr type="ctrX" for="ch" forName="accent_2" refType="w"/>
+                <dgm:constr type="ctrXOff" for="ch" forName="accent_2" refType="h" fact="-0.1978"/>
+                <dgm:constr type="r" for="ch" forName="text_2" refType="ctrX" refFor="ch" refForName="accent_2"/>
+                <dgm:constr type="rOff" for="ch" forName="text_2" refType="ctrXOff" refFor="ch" refForName="accent_2"/>
+                <dgm:constr type="l" for="ch" forName="text_2"/>
+                <dgm:constr type="w" for="ch" forName="text_2" refType="h" refFor="ch" refForName="text_2" op="gte"/>
+                <dgm:constr type="h" for="ch" forName="text_2" refType="h" refFor="ch" refForName="accent_2" fact="0.8"/>
+                <dgm:constr type="ctrY" for="ch" forName="text_2" refType="ctrY" refFor="ch" refForName="accent_2"/>
+                <dgm:constr type="rMarg" for="ch" forName="text_2" refType="w" refFor="ch" refForName="accent_2" fact="1.8"/>
+                <dgm:constr type="h" for="ch" forName="accent_3" refType="h" fact="0.1563"/>
+                <dgm:constr type="w" for="ch" forName="accent_3" refType="h" refFor="ch" refForName="accent_3" op="equ"/>
+                <dgm:constr type="ctrY" for="ch" forName="accent_3" refType="h" fact="0.5"/>
+                <dgm:constr type="ctrX" for="ch" forName="accent_3" refType="w"/>
+                <dgm:constr type="ctrXOff" for="ch" forName="accent_3" refType="h" fact="-0.2253"/>
+                <dgm:constr type="r" for="ch" forName="text_3" refType="ctrX" refFor="ch" refForName="accent_3"/>
+                <dgm:constr type="rOff" for="ch" forName="text_3" refType="ctrXOff" refFor="ch" refForName="accent_3"/>
+                <dgm:constr type="l" for="ch" forName="text_3"/>
+                <dgm:constr type="w" for="ch" forName="text_3" refType="h" refFor="ch" refForName="text_3" op="gte"/>
+                <dgm:constr type="h" for="ch" forName="text_3" refType="h" refFor="ch" refForName="accent_3" fact="0.8"/>
+                <dgm:constr type="ctrY" for="ch" forName="text_3" refType="ctrY" refFor="ch" refForName="accent_3"/>
+                <dgm:constr type="rMarg" for="ch" forName="text_3" refType="w" refFor="ch" refForName="accent_3" fact="1.8"/>
+                <dgm:constr type="h" for="ch" forName="accent_4" refType="h" fact="0.1563"/>
+                <dgm:constr type="w" for="ch" forName="accent_4" refType="h" refFor="ch" refForName="accent_4" op="equ"/>
+                <dgm:constr type="ctrY" for="ch" forName="accent_4" refType="h" fact="0.6875"/>
+                <dgm:constr type="ctrX" for="ch" forName="accent_4" refType="w"/>
+                <dgm:constr type="ctrXOff" for="ch" forName="accent_4" refType="h" fact="-0.1978"/>
+                <dgm:constr type="r" for="ch" forName="text_4" refType="ctrX" refFor="ch" refForName="accent_4"/>
+                <dgm:constr type="rOff" for="ch" forName="text_4" refType="ctrXOff" refFor="ch" refForName="accent_4"/>
+                <dgm:constr type="l" for="ch" forName="text_4"/>
+                <dgm:constr type="w" for="ch" forName="text_4" refType="h" refFor="ch" refForName="text_4" op="gte"/>
+                <dgm:constr type="h" for="ch" forName="text_4" refType="h" refFor="ch" refForName="accent_4" fact="0.8"/>
+                <dgm:constr type="ctrY" for="ch" forName="text_4" refType="ctrY" refFor="ch" refForName="accent_4"/>
+                <dgm:constr type="rMarg" for="ch" forName="text_4" refType="w" refFor="ch" refForName="accent_4" fact="1.8"/>
+                <dgm:constr type="h" for="ch" forName="accent_5" refType="h" fact="0.1563"/>
+                <dgm:constr type="w" for="ch" forName="accent_5" refType="h" refFor="ch" refForName="accent_5" op="equ"/>
+                <dgm:constr type="ctrY" for="ch" forName="accent_5" refType="h" fact="0.875"/>
+                <dgm:constr type="ctrX" for="ch" forName="accent_5" refType="w"/>
+                <dgm:constr type="ctrXOff" for="ch" forName="accent_5" refType="h" fact="-0.1082"/>
+                <dgm:constr type="r" for="ch" forName="text_5" refType="ctrX" refFor="ch" refForName="accent_5"/>
+                <dgm:constr type="rOff" for="ch" forName="text_5" refType="ctrXOff" refFor="ch" refForName="accent_5"/>
+                <dgm:constr type="l" for="ch" forName="text_5"/>
+                <dgm:constr type="w" for="ch" forName="text_5" refType="h" refFor="ch" refForName="text_5" op="gte"/>
+                <dgm:constr type="h" for="ch" forName="text_5" refType="h" refFor="ch" refForName="accent_5" fact="0.8"/>
+                <dgm:constr type="ctrY" for="ch" forName="text_5" refType="ctrY" refFor="ch" refForName="accent_5"/>
+                <dgm:constr type="rMarg" for="ch" forName="text_5" refType="w" refFor="ch" refForName="accent_5" fact="1.8"/>
+                <dgm:constr type="primFontSz" for="ch" ptType="node" op="equ" val="65"/>
+              </dgm:constrLst>
+            </dgm:if>
+            <dgm:if name="Name19" axis="ch" ptType="node" func="cnt" op="equ" val="6">
+              <dgm:constrLst>
+                <dgm:constr type="h" for="ch" forName="cycle" refType="h"/>
+                <dgm:constr type="w" for="ch" forName="cycle" refType="h" refFor="ch" refForName="cycle" fact="0.26"/>
+                <dgm:constr type="r" for="ch" forName="cycle" refType="w"/>
+                <dgm:constr type="ctrY" for="ch" forName="cycle" refType="h" fact="0.5"/>
+                <dgm:constr type="diam" for="ch" forName="cycle" refType="h" fact="1.344"/>
+                <dgm:constr type="h" for="ch" forName="accent_1" refType="h" fact="0.1316"/>
+                <dgm:constr type="w" for="ch" forName="accent_1" refType="h" refFor="ch" refForName="accent_1" op="equ"/>
+                <dgm:constr type="ctrY" for="ch" forName="accent_1" refType="h" fact="0.1053"/>
+                <dgm:constr type="ctrX" for="ch" forName="accent_1" refType="w"/>
+                <dgm:constr type="ctrXOff" for="ch" forName="accent_1" refType="h" fact="-0.0943"/>
+                <dgm:constr type="r" for="ch" forName="text_1" refType="ctrX" refFor="ch" refForName="accent_1"/>
+                <dgm:constr type="rOff" for="ch" forName="text_1" refType="ctrXOff" refFor="ch" refForName="accent_1"/>
+                <dgm:constr type="l" for="ch" forName="text_1"/>
+                <dgm:constr type="w" for="ch" forName="text_1" refType="h" refFor="ch" refForName="text_1" op="gte"/>
+                <dgm:constr type="h" for="ch" forName="text_1" refType="h" refFor="ch" refForName="accent_1" fact="0.8"/>
+                <dgm:constr type="ctrY" for="ch" forName="text_1" refType="ctrY" refFor="ch" refForName="accent_1"/>
+                <dgm:constr type="rMarg" for="ch" forName="text_1" refType="w" refFor="ch" refForName="accent_1" fact="1.8"/>
+                <dgm:constr type="h" for="ch" forName="accent_2" refType="h" fact="0.1316"/>
+                <dgm:constr type="w" for="ch" forName="accent_2" refType="h" refFor="ch" refForName="accent_2" op="equ"/>
+                <dgm:constr type="ctrY" for="ch" forName="accent_2" refType="h" fact="0.2632"/>
+                <dgm:constr type="ctrX" for="ch" forName="accent_2" refType="w"/>
+                <dgm:constr type="ctrXOff" for="ch" forName="accent_2" refType="h" fact="-0.1809"/>
+                <dgm:constr type="r" for="ch" forName="text_2" refType="ctrX" refFor="ch" refForName="accent_2"/>
+                <dgm:constr type="rOff" for="ch" forName="text_2" refType="ctrXOff" refFor="ch" refForName="accent_2"/>
+                <dgm:constr type="l" for="ch" forName="text_2"/>
+                <dgm:constr type="w" for="ch" forName="text_2" refType="h" refFor="ch" refForName="text_2" op="gte"/>
+                <dgm:constr type="h" for="ch" forName="text_2" refType="h" refFor="ch" refForName="accent_2" fact="0.8"/>
+                <dgm:constr type="ctrY" for="ch" forName="text_2" refType="ctrY" refFor="ch" refForName="accent_2"/>
+                <dgm:constr type="rMarg" for="ch" forName="text_2" refType="w" refFor="ch" refForName="accent_2" fact="1.8"/>
+                <dgm:constr type="h" for="ch" forName="accent_3" refType="h" fact="0.1316"/>
+                <dgm:constr type="w" for="ch" forName="accent_3" refType="h" refFor="ch" refForName="accent_3" op="equ"/>
+                <dgm:constr type="ctrY" for="ch" forName="accent_3" refType="h" fact="0.4211"/>
+                <dgm:constr type="ctrX" for="ch" forName="accent_3" refType="w"/>
+                <dgm:constr type="ctrXOff" for="ch" forName="accent_3" refType="h" fact="-0.2205"/>
+                <dgm:constr type="r" for="ch" forName="text_3" refType="ctrX" refFor="ch" refForName="accent_3"/>
+                <dgm:constr type="rOff" for="ch" forName="text_3" refType="ctrXOff" refFor="ch" refForName="accent_3"/>
+                <dgm:constr type="l" for="ch" forName="text_3"/>
+                <dgm:constr type="w" for="ch" forName="text_3" refType="h" refFor="ch" refForName="text_3" op="gte"/>
+                <dgm:constr type="h" for="ch" forName="text_3" refType="h" refFor="ch" refForName="accent_3" fact="0.8"/>
+                <dgm:constr type="ctrY" for="ch" forName="text_3" refType="ctrY" refFor="ch" refForName="accent_3"/>
+                <dgm:constr type="rMarg" for="ch" forName="text_3" refType="w" refFor="ch" refForName="accent_3" fact="1.8"/>
+                <dgm:constr type="h" for="ch" forName="accent_4" refType="h" fact="0.1316"/>
+                <dgm:constr type="w" for="ch" forName="accent_4" refType="h" refFor="ch" refForName="accent_4" op="equ"/>
+                <dgm:constr type="ctrY" for="ch" forName="accent_4" refType="h" fact="0.5789"/>
+                <dgm:constr type="ctrX" for="ch" forName="accent_4" refType="w"/>
+                <dgm:constr type="ctrXOff" for="ch" forName="accent_4" refType="h" fact="-0.2205"/>
+                <dgm:constr type="r" for="ch" forName="text_4" refType="ctrX" refFor="ch" refForName="accent_4"/>
+                <dgm:constr type="rOff" for="ch" forName="text_4" refType="ctrXOff" refFor="ch" refForName="accent_4"/>
+                <dgm:constr type="l" for="ch" forName="text_4"/>
+                <dgm:constr type="w" for="ch" forName="text_4" refType="h" refFor="ch" refForName="text_4" op="gte"/>
+                <dgm:constr type="h" for="ch" forName="text_4" refType="h" refFor="ch" refForName="accent_4" fact="0.8"/>
+                <dgm:constr type="ctrY" for="ch" forName="text_4" refType="ctrY" refFor="ch" refForName="accent_4"/>
+                <dgm:constr type="rMarg" for="ch" forName="text_4" refType="w" refFor="ch" refForName="accent_4" fact="1.8"/>
+                <dgm:constr type="h" for="ch" forName="accent_5" refType="h" fact="0.1316"/>
+                <dgm:constr type="w" for="ch" forName="accent_5" refType="h" refFor="ch" refForName="accent_5" op="equ"/>
+                <dgm:constr type="ctrY" for="ch" forName="accent_5" refType="h" fact="0.7368"/>
+                <dgm:constr type="ctrX" for="ch" forName="accent_5" refType="w"/>
+                <dgm:constr type="ctrXOff" for="ch" forName="accent_5" refType="h" fact="-0.1809"/>
+                <dgm:constr type="r" for="ch" forName="text_5" refType="ctrX" refFor="ch" refForName="accent_5"/>
+                <dgm:constr type="rOff" for="ch" forName="text_5" refType="ctrXOff" refFor="ch" refForName="accent_5"/>
+                <dgm:constr type="l" for="ch" forName="text_5"/>
+                <dgm:constr type="w" for="ch" forName="text_5" refType="h" refFor="ch" refForName="text_5" op="gte"/>
+                <dgm:constr type="h" for="ch" forName="text_5" refType="h" refFor="ch" refForName="accent_5" fact="0.8"/>
+                <dgm:constr type="ctrY" for="ch" forName="text_5" refType="ctrY" refFor="ch" refForName="accent_5"/>
+                <dgm:constr type="rMarg" for="ch" forName="text_5" refType="w" refFor="ch" refForName="accent_5" fact="1.8"/>
+                <dgm:constr type="h" for="ch" forName="accent_6" refType="h" fact="0.1316"/>
+                <dgm:constr type="w" for="ch" forName="accent_6" refType="h" refFor="ch" refForName="accent_6" op="equ"/>
+                <dgm:constr type="ctrY" for="ch" forName="accent_6" refType="h" fact="0.8947"/>
+                <dgm:constr type="ctrX" for="ch" forName="accent_6" refType="w"/>
+                <dgm:constr type="ctrXOff" for="ch" forName="accent_6" refType="h" fact="-0.0943"/>
+                <dgm:constr type="r" for="ch" forName="text_6" refType="ctrX" refFor="ch" refForName="accent_6"/>
+                <dgm:constr type="rOff" for="ch" forName="text_6" refType="ctrXOff" refFor="ch" refForName="accent_6"/>
+                <dgm:constr type="l" for="ch" forName="text_6"/>
+                <dgm:constr type="w" for="ch" forName="text_6" refType="h" refFor="ch" refForName="text_6" op="gte"/>
+                <dgm:constr type="h" for="ch" forName="text_6" refType="h" refFor="ch" refForName="accent_6" fact="0.8"/>
+                <dgm:constr type="ctrY" for="ch" forName="text_6" refType="ctrY" refFor="ch" refForName="accent_6"/>
+                <dgm:constr type="rMarg" for="ch" forName="text_6" refType="w" refFor="ch" refForName="accent_6" fact="1.8"/>
+                <dgm:constr type="primFontSz" for="ch" ptType="node" op="equ" val="65"/>
+              </dgm:constrLst>
+            </dgm:if>
+            <dgm:else name="Name20">
+              <dgm:constrLst>
+                <dgm:constr type="h" for="ch" forName="cycle" refType="h"/>
+                <dgm:constr type="w" for="ch" forName="cycle" refType="h" refFor="ch" refForName="cycle" fact="0.26"/>
+                <dgm:constr type="r" for="ch" forName="cycle" refType="w"/>
+                <dgm:constr type="ctrY" for="ch" forName="cycle" refType="h" fact="0.5"/>
+                <dgm:constr type="diam" for="ch" forName="cycle" refType="h" fact="1.344"/>
+                <dgm:constr type="h" for="ch" forName="accent_1" refType="h" fact="0.1136"/>
+                <dgm:constr type="w" for="ch" forName="accent_1" refType="h" refFor="ch" refForName="accent_1" op="equ"/>
+                <dgm:constr type="ctrY" for="ch" forName="accent_1" refType="h" fact="0.0909"/>
+                <dgm:constr type="ctrX" for="ch" forName="accent_1" refType="w"/>
+                <dgm:constr type="ctrXOff" for="ch" forName="accent_1" refType="h" fact="-0.0835"/>
+                <dgm:constr type="r" for="ch" forName="text_1" refType="ctrX" refFor="ch" refForName="accent_1"/>
+                <dgm:constr type="rOff" for="ch" forName="text_1" refType="ctrXOff" refFor="ch" refForName="accent_1"/>
+                <dgm:constr type="l" for="ch" forName="text_1"/>
+                <dgm:constr type="w" for="ch" forName="text_1" refType="h" refFor="ch" refForName="text_1" op="gte"/>
+                <dgm:constr type="h" for="ch" forName="text_1" refType="h" refFor="ch" refForName="accent_1" fact="0.8"/>
+                <dgm:constr type="ctrY" for="ch" forName="text_1" refType="ctrY" refFor="ch" refForName="accent_1"/>
+                <dgm:constr type="rMarg" for="ch" forName="text_1" refType="w" refFor="ch" refForName="accent_1" fact="1.8"/>
+                <dgm:constr type="h" for="ch" forName="accent_2" refType="h" fact="0.1136"/>
+                <dgm:constr type="w" for="ch" forName="accent_2" refType="h" refFor="ch" refForName="accent_2" op="equ"/>
+                <dgm:constr type="ctrY" for="ch" forName="accent_2" refType="h" fact="0.2273"/>
+                <dgm:constr type="ctrX" for="ch" forName="accent_2" refType="w"/>
+                <dgm:constr type="ctrXOff" for="ch" forName="accent_2" refType="h" fact="-0.1658"/>
+                <dgm:constr type="r" for="ch" forName="text_2" refType="ctrX" refFor="ch" refForName="accent_2"/>
+                <dgm:constr type="rOff" for="ch" forName="text_2" refType="ctrXOff" refFor="ch" refForName="accent_2"/>
+                <dgm:constr type="l" for="ch" forName="text_2"/>
+                <dgm:constr type="w" for="ch" forName="text_2" refType="h" refFor="ch" refForName="text_2" op="gte"/>
+                <dgm:constr type="h" for="ch" forName="text_2" refType="h" refFor="ch" refForName="accent_2" fact="0.8"/>
+                <dgm:constr type="ctrY" for="ch" forName="text_2" refType="ctrY" refFor="ch" refForName="accent_2"/>
+                <dgm:constr type="rMarg" for="ch" forName="text_2" refType="w" refFor="ch" refForName="accent_2" fact="1.8"/>
+                <dgm:constr type="h" for="ch" forName="accent_3" refType="h" fact="0.1136"/>
+                <dgm:constr type="w" for="ch" forName="accent_3" refType="h" refFor="ch" refForName="accent_3" op="equ"/>
+                <dgm:constr type="ctrY" for="ch" forName="accent_3" refType="h" fact="0.3636"/>
+                <dgm:constr type="ctrX" for="ch" forName="accent_3" refType="w"/>
+                <dgm:constr type="ctrXOff" for="ch" forName="accent_3" refType="h" fact="-0.2109"/>
+                <dgm:constr type="r" for="ch" forName="text_3" refType="ctrX" refFor="ch" refForName="accent_3"/>
+                <dgm:constr type="rOff" for="ch" forName="text_3" refType="ctrXOff" refFor="ch" refForName="accent_3"/>
+                <dgm:constr type="l" for="ch" forName="text_3"/>
+                <dgm:constr type="w" for="ch" forName="text_3" refType="h" refFor="ch" refForName="text_3" op="gte"/>
+                <dgm:constr type="h" for="ch" forName="text_3" refType="h" refFor="ch" refForName="accent_3" fact="0.8"/>
+                <dgm:constr type="ctrY" for="ch" forName="text_3" refType="ctrY" refFor="ch" refForName="accent_3"/>
+                <dgm:constr type="rMarg" for="ch" forName="text_3" refType="w" refFor="ch" refForName="accent_3" fact="1.8"/>
+                <dgm:constr type="h" for="ch" forName="accent_4" refType="h" fact="0.1136"/>
+                <dgm:constr type="w" for="ch" forName="accent_4" refType="h" refFor="ch" refForName="accent_4" op="equ"/>
+                <dgm:constr type="ctrY" for="ch" forName="accent_4" refType="h" fact="0.5"/>
+                <dgm:constr type="ctrX" for="ch" forName="accent_4" refType="w"/>
+                <dgm:constr type="ctrXOff" for="ch" forName="accent_4" refType="h" fact="-0.2253"/>
+                <dgm:constr type="r" for="ch" forName="text_4" refType="ctrX" refFor="ch" refForName="accent_4"/>
+                <dgm:constr type="rOff" for="ch" forName="text_4" refType="ctrXOff" refFor="ch" refForName="accent_4"/>
+                <dgm:constr type="l" for="ch" forName="text_4"/>
+                <dgm:constr type="w" for="ch" forName="text_4" refType="h" refFor="ch" refForName="text_4" op="gte"/>
+                <dgm:constr type="h" for="ch" forName="text_4" refType="h" refFor="ch" refForName="accent_4" fact="0.8"/>
+                <dgm:constr type="ctrY" for="ch" forName="text_4" refType="ctrY" refFor="ch" refForName="accent_4"/>
+                <dgm:constr type="rMarg" for="ch" forName="text_4" refType="w" refFor="ch" refForName="accent_4" fact="1.8"/>
+                <dgm:constr type="h" for="ch" forName="accent_5" refType="h" fact="0.1136"/>
+                <dgm:constr type="w" for="ch" forName="accent_5" refType="h" refFor="ch" refForName="accent_5" op="equ"/>
+                <dgm:constr type="ctrY" for="ch" forName="accent_5" refType="h" fact="0.6364"/>
+                <dgm:constr type="ctrX" for="ch" forName="accent_5" refType="w"/>
+                <dgm:constr type="ctrXOff" for="ch" forName="accent_5" refType="h" fact="-0.2109"/>
+                <dgm:constr type="r" for="ch" forName="text_5" refType="ctrX" refFor="ch" refForName="accent_5"/>
+                <dgm:constr type="rOff" for="ch" forName="text_5" refType="ctrXOff" refFor="ch" refForName="accent_5"/>
+                <dgm:constr type="l" for="ch" forName="text_5"/>
+                <dgm:constr type="w" for="ch" forName="text_5" refType="h" refFor="ch" refForName="text_5" op="gte"/>
+                <dgm:constr type="h" for="ch" forName="text_5" refType="h" refFor="ch" refForName="accent_5" fact="0.8"/>
+                <dgm:constr type="ctrY" for="ch" forName="text_5" refType="ctrY" refFor="ch" refForName="accent_5"/>
+                <dgm:constr type="rMarg" for="ch" forName="text_5" refType="w" refFor="ch" refForName="accent_5" fact="1.8"/>
+                <dgm:constr type="h" for="ch" forName="accent_6" refType="h" fact="0.1136"/>
+                <dgm:constr type="w" for="ch" forName="accent_6" refType="h" refFor="ch" refForName="accent_6" op="equ"/>
+                <dgm:constr type="ctrY" for="ch" forName="accent_6" refType="h" fact="0.7727"/>
+                <dgm:constr type="ctrX" for="ch" forName="accent_6" refType="w"/>
+                <dgm:constr type="ctrXOff" for="ch" forName="accent_6" refType="h" fact="-0.1658"/>
+                <dgm:constr type="r" for="ch" forName="text_6" refType="ctrX" refFor="ch" refForName="accent_6"/>
+                <dgm:constr type="rOff" for="ch" forName="text_6" refType="ctrXOff" refFor="ch" refForName="accent_6"/>
+                <dgm:constr type="l" for="ch" forName="text_6"/>
+                <dgm:constr type="w" for="ch" forName="text_6" refType="h" refFor="ch" refForName="text_6" op="gte"/>
+                <dgm:constr type="h" for="ch" forName="text_6" refType="h" refFor="ch" refForName="accent_6" fact="0.8"/>
+                <dgm:constr type="ctrY" for="ch" forName="text_6" refType="ctrY" refFor="ch" refForName="accent_6"/>
+                <dgm:constr type="rMarg" for="ch" forName="text_6" refType="w" refFor="ch" refForName="accent_6" fact="1.8"/>
+                <dgm:constr type="h" for="ch" forName="accent_7" refType="h" fact="0.1136"/>
+                <dgm:constr type="w" for="ch" forName="accent_7" refType="h" refFor="ch" refForName="accent_7" op="equ"/>
+                <dgm:constr type="ctrY" for="ch" forName="accent_7" refType="h" fact="0.9091"/>
+                <dgm:constr type="ctrX" for="ch" forName="accent_7" refType="w"/>
+                <dgm:constr type="ctrXOff" for="ch" forName="accent_7" refType="h" fact="-0.0835"/>
+                <dgm:constr type="r" for="ch" forName="text_7" refType="ctrX" refFor="ch" refForName="accent_7"/>
+                <dgm:constr type="rOff" for="ch" forName="text_7" refType="ctrXOff" refFor="ch" refForName="accent_7"/>
+                <dgm:constr type="l" for="ch" forName="text_7"/>
+                <dgm:constr type="w" for="ch" forName="text_7" refType="h" refFor="ch" refForName="text_7" op="gte"/>
+                <dgm:constr type="h" for="ch" forName="text_7" refType="h" refFor="ch" refForName="accent_7" fact="0.8"/>
+                <dgm:constr type="ctrY" for="ch" forName="text_7" refType="ctrY" refFor="ch" refForName="accent_7"/>
+                <dgm:constr type="rMarg" for="ch" forName="text_7" refType="w" refFor="ch" refForName="accent_7" fact="1.8"/>
+                <dgm:constr type="primFontSz" for="ch" ptType="node" op="equ" val="65"/>
+              </dgm:constrLst>
+            </dgm:else>
+          </dgm:choose>
+        </dgm:else>
+      </dgm:choose>
+      <dgm:layoutNode name="cycle">
+        <dgm:choose name="Name21">
+          <dgm:if name="Name22" func="var" arg="dir" op="equ" val="norm">
+            <dgm:alg type="cycle">
+              <dgm:param type="stAng" val="45"/>
+              <dgm:param type="spanAng" val="90"/>
+            </dgm:alg>
+          </dgm:if>
+          <dgm:else name="Name23">
+            <dgm:alg type="cycle">
+              <dgm:param type="stAng" val="225"/>
+              <dgm:param type="spanAng" val="90"/>
+            </dgm:alg>
+          </dgm:else>
+        </dgm:choose>
+        <dgm:shape xmlns:r="http://schemas.openxmlformats.org/officeDocument/2006/relationships" r:blip="">
+          <dgm:adjLst/>
+        </dgm:shape>
+        <dgm:presOf/>
+        <dgm:constrLst>
+          <dgm:constr type="w" for="ch" val="1"/>
+          <dgm:constr type="h" for="ch" val="1"/>
+          <dgm:constr type="diam" for="ch" forName="conn" refType="diam"/>
+        </dgm:constrLst>
+        <dgm:layoutNode name="srcNode">
+          <dgm:alg type="sp"/>
+          <dgm:shape xmlns:r="http://schemas.openxmlformats.org/officeDocument/2006/relationships" type="rect" r:blip="" hideGeom="1">
+            <dgm:adjLst/>
+          </dgm:shape>
+          <dgm:presOf/>
+        </dgm:layoutNode>
+        <dgm:layoutNode name="conn" styleLbl="parChTrans1D2">
+          <dgm:alg type="conn">
+            <dgm:param type="connRout" val="curve"/>
+            <dgm:param type="srcNode" val="srcNode"/>
+            <dgm:param type="dstNode" val="dstNode"/>
+            <dgm:param type="begPts" val="ctr"/>
+            <dgm:param type="endPts" val="ctr"/>
+            <dgm:param type="endSty" val="noArr"/>
+          </dgm:alg>
+          <dgm:shape xmlns:r="http://schemas.openxmlformats.org/officeDocument/2006/relationships" type="conn" r:blip="">
+            <dgm:adjLst/>
+          </dgm:shape>
+          <dgm:presOf axis="desOrSelf" ptType="sibTrans" hideLastTrans="0" st="0" cnt="1"/>
+          <dgm:constrLst>
+            <dgm:constr type="begPad"/>
+            <dgm:constr type="endPad"/>
+          </dgm:constrLst>
+        </dgm:layoutNode>
+        <dgm:layoutNode name="extraNode">
+          <dgm:alg type="sp"/>
+          <dgm:shape xmlns:r="http://schemas.openxmlformats.org/officeDocument/2006/relationships" type="rect" r:blip="" hideGeom="1">
+            <dgm:adjLst/>
+          </dgm:shape>
+          <dgm:presOf/>
+        </dgm:layoutNode>
+        <dgm:layoutNode name="dstNode">
+          <dgm:alg type="sp"/>
+          <dgm:shape xmlns:r="http://schemas.openxmlformats.org/officeDocument/2006/relationships" type="rect" r:blip="" hideGeom="1">
+            <dgm:adjLst/>
+          </dgm:shape>
+          <dgm:presOf/>
+        </dgm:layoutNode>
+      </dgm:layoutNode>
+      <dgm:forEach name="wrapper" axis="self" ptType="parTrans">
+        <dgm:forEach name="wrapper2" axis="self" ptType="sibTrans" st="2">
+          <dgm:forEach name="accentRepeat" axis="self">
+            <dgm:layoutNode name="accentRepeatNode" styleLbl="solidFgAcc1">
+              <dgm:alg type="sp"/>
+              <dgm:shape xmlns:r="http://schemas.openxmlformats.org/officeDocument/2006/relationships" type="ellipse" r:blip="">
+                <dgm:adjLst/>
+              </dgm:shape>
+              <dgm:presOf/>
+            </dgm:layoutNode>
+          </dgm:forEach>
+        </dgm:forEach>
+      </dgm:forEach>
+      <dgm:forEach name="Name24" axis="ch" ptType="node" cnt="1">
+        <dgm:layoutNode name="text_1" styleLbl="node1">
+          <dgm:varLst>
+            <dgm:bulletEnabled val="1"/>
+          </dgm:varLst>
+          <dgm:choose name="Name25">
+            <dgm:if name="Name26" func="var" arg="dir" op="equ" val="norm">
+              <dgm:alg type="tx">
+                <dgm:param type="parTxLTRAlign" val="l"/>
+                <dgm:param type="shpTxLTRAlignCh" val="l"/>
+                <dgm:param type="parTxRTLAlign" val="l"/>
+                <dgm:param type="shpTxRTLAlignCh" val="l"/>
+              </dgm:alg>
+            </dgm:if>
+            <dgm:else name="Name27">
+              <dgm:alg type="tx">
+                <dgm:param type="parTxLTRAlign" val="r"/>
+                <dgm:param type="shpTxLTRAlignCh" val="r"/>
+                <dgm:param type="parTxRTLAlign" val="r"/>
+                <dgm:param type="shpTxRTLAlignCh" val="r"/>
+              </dgm:alg>
+            </dgm:else>
+          </dgm:choose>
+          <dgm:shape xmlns:r="http://schemas.openxmlformats.org/officeDocument/2006/relationships" type="rect" r:blip="">
+            <dgm:adjLst/>
+          </dgm:shape>
+          <dgm:presOf axis="desOrSelf" ptType="node"/>
+          <dgm:constrLst>
+            <dgm:constr type="primFontSz" val="65"/>
+            <dgm:constr type="lMarg" refType="primFontSz" fact="0.2"/>
+            <dgm:constr type="rMarg" refType="primFontSz" fact="0.2"/>
+            <dgm:constr type="tMarg" refType="primFontSz" fact="0.2"/>
+            <dgm:constr type="bMarg" refType="primFontSz" fact="0.2"/>
+          </dgm:constrLst>
+          <dgm:ruleLst>
+            <dgm:rule type="primFontSz" val="5" fact="NaN" max="NaN"/>
+          </dgm:ruleLst>
+        </dgm:layoutNode>
+        <dgm:layoutNode name="accent_1">
+          <dgm:alg type="sp"/>
+          <dgm:shape xmlns:r="http://schemas.openxmlformats.org/officeDocument/2006/relationships" r:blip="">
+            <dgm:adjLst/>
+          </dgm:shape>
+          <dgm:presOf/>
+          <dgm:constrLst/>
+          <dgm:forEach name="Name28" ref="accentRepeat"/>
+        </dgm:layoutNode>
+      </dgm:forEach>
+      <dgm:forEach name="Name29" axis="ch" ptType="node" st="2" cnt="1">
+        <dgm:layoutNode name="text_2" styleLbl="node1">
+          <dgm:varLst>
+            <dgm:bulletEnabled val="1"/>
+          </dgm:varLst>
+          <dgm:choose name="Name30">
+            <dgm:if name="Name31" func="var" arg="dir" op="equ" val="norm">
+              <dgm:alg type="tx">
+                <dgm:param type="parTxLTRAlign" val="l"/>
+                <dgm:param type="shpTxLTRAlignCh" val="l"/>
+                <dgm:param type="parTxRTLAlign" val="l"/>
+                <dgm:param type="shpTxRTLAlignCh" val="l"/>
+              </dgm:alg>
+            </dgm:if>
+            <dgm:else name="Name32">
+              <dgm:alg type="tx">
+                <dgm:param type="parTxLTRAlign" val="r"/>
+                <dgm:param type="shpTxLTRAlignCh" val="r"/>
+                <dgm:param type="parTxRTLAlign" val="r"/>
+                <dgm:param type="shpTxRTLAlignCh" val="r"/>
+              </dgm:alg>
+            </dgm:else>
+          </dgm:choose>
+          <dgm:shape xmlns:r="http://schemas.openxmlformats.org/officeDocument/2006/relationships" type="rect" r:blip="">
+            <dgm:adjLst/>
+          </dgm:shape>
+          <dgm:presOf axis="desOrSelf" ptType="node"/>
+          <dgm:constrLst>
+            <dgm:constr type="primFontSz" val="65"/>
+            <dgm:constr type="lMarg" refType="primFontSz" fact="0.2"/>
+            <dgm:constr type="rMarg" refType="primFontSz" fact="0.2"/>
+            <dgm:constr type="tMarg" refType="primFontSz" fact="0.2"/>
+            <dgm:constr type="bMarg" refType="primFontSz" fact="0.2"/>
+          </dgm:constrLst>
+          <dgm:ruleLst>
+            <dgm:rule type="primFontSz" val="5" fact="NaN" max="NaN"/>
+          </dgm:ruleLst>
+        </dgm:layoutNode>
+        <dgm:layoutNode name="accent_2">
+          <dgm:alg type="sp"/>
+          <dgm:shape xmlns:r="http://schemas.openxmlformats.org/officeDocument/2006/relationships" r:blip="">
+            <dgm:adjLst/>
+          </dgm:shape>
+          <dgm:presOf/>
+          <dgm:constrLst/>
+          <dgm:forEach name="Name33" ref="accentRepeat"/>
+        </dgm:layoutNode>
+      </dgm:forEach>
+      <dgm:forEach name="Name34" axis="ch" ptType="node" st="3" cnt="1">
+        <dgm:layoutNode name="text_3" styleLbl="node1">
+          <dgm:varLst>
+            <dgm:bulletEnabled val="1"/>
+          </dgm:varLst>
+          <dgm:choose name="Name35">
+            <dgm:if name="Name36" func="var" arg="dir" op="equ" val="norm">
+              <dgm:alg type="tx">
+                <dgm:param type="parTxLTRAlign" val="l"/>
+                <dgm:param type="shpTxLTRAlignCh" val="l"/>
+                <dgm:param type="parTxRTLAlign" val="l"/>
+                <dgm:param type="shpTxRTLAlignCh" val="l"/>
+              </dgm:alg>
+            </dgm:if>
+            <dgm:else name="Name37">
+              <dgm:alg type="tx">
+                <dgm:param type="parTxLTRAlign" val="r"/>
+                <dgm:param type="shpTxLTRAlignCh" val="r"/>
+                <dgm:param type="parTxRTLAlign" val="r"/>
+                <dgm:param type="shpTxRTLAlignCh" val="r"/>
+              </dgm:alg>
+            </dgm:else>
+          </dgm:choose>
+          <dgm:shape xmlns:r="http://schemas.openxmlformats.org/officeDocument/2006/relationships" type="rect" r:blip="">
+            <dgm:adjLst/>
+          </dgm:shape>
+          <dgm:presOf axis="desOrSelf" ptType="node"/>
+          <dgm:constrLst>
+            <dgm:constr type="primFontSz" val="65"/>
+            <dgm:constr type="lMarg" refType="primFontSz" fact="0.2"/>
+            <dgm:constr type="rMarg" refType="primFontSz" fact="0.2"/>
+            <dgm:constr type="tMarg" refType="primFontSz" fact="0.2"/>
+            <dgm:constr type="bMarg" refType="primFontSz" fact="0.2"/>
+          </dgm:constrLst>
+          <dgm:ruleLst>
+            <dgm:rule type="primFontSz" val="5" fact="NaN" max="NaN"/>
+          </dgm:ruleLst>
+        </dgm:layoutNode>
+        <dgm:layoutNode name="accent_3">
+          <dgm:alg type="sp"/>
+          <dgm:shape xmlns:r="http://schemas.openxmlformats.org/officeDocument/2006/relationships" r:blip="">
+            <dgm:adjLst/>
+          </dgm:shape>
+          <dgm:presOf/>
+          <dgm:constrLst/>
+          <dgm:forEach name="Name38" ref="accentRepeat"/>
+        </dgm:layoutNode>
+      </dgm:forEach>
+      <dgm:forEach name="Name39" axis="ch" ptType="node" st="4" cnt="1">
+        <dgm:layoutNode name="text_4" styleLbl="node1">
+          <dgm:varLst>
+            <dgm:bulletEnabled val="1"/>
+          </dgm:varLst>
+          <dgm:choose name="Name40">
+            <dgm:if name="Name41" func="var" arg="dir" op="equ" val="norm">
+              <dgm:alg type="tx">
+                <dgm:param type="parTxLTRAlign" val="l"/>
+                <dgm:param type="shpTxLTRAlignCh" val="l"/>
+                <dgm:param type="parTxRTLAlign" val="l"/>
+                <dgm:param type="shpTxRTLAlignCh" val="l"/>
+              </dgm:alg>
+            </dgm:if>
+            <dgm:else name="Name42">
+              <dgm:alg type="tx">
+                <dgm:param type="parTxLTRAlign" val="r"/>
+                <dgm:param type="shpTxLTRAlignCh" val="r"/>
+                <dgm:param type="parTxRTLAlign" val="r"/>
+                <dgm:param type="shpTxRTLAlignCh" val="r"/>
+              </dgm:alg>
+            </dgm:else>
+          </dgm:choose>
+          <dgm:shape xmlns:r="http://schemas.openxmlformats.org/officeDocument/2006/relationships" type="rect" r:blip="">
+            <dgm:adjLst/>
+          </dgm:shape>
+          <dgm:presOf axis="desOrSelf" ptType="node"/>
+          <dgm:constrLst>
+            <dgm:constr type="primFontSz" val="65"/>
+            <dgm:constr type="lMarg" refType="primFontSz" fact="0.2"/>
+            <dgm:constr type="rMarg" refType="primFontSz" fact="0.2"/>
+            <dgm:constr type="tMarg" refType="primFontSz" fact="0.2"/>
+            <dgm:constr type="bMarg" refType="primFontSz" fact="0.2"/>
+          </dgm:constrLst>
+          <dgm:ruleLst>
+            <dgm:rule type="primFontSz" val="5" fact="NaN" max="NaN"/>
+          </dgm:ruleLst>
+        </dgm:layoutNode>
+        <dgm:layoutNode name="accent_4">
+          <dgm:alg type="sp"/>
+          <dgm:shape xmlns:r="http://schemas.openxmlformats.org/officeDocument/2006/relationships" r:blip="">
+            <dgm:adjLst/>
+          </dgm:shape>
+          <dgm:presOf/>
+          <dgm:constrLst/>
+          <dgm:forEach name="Name43" ref="accentRepeat"/>
+        </dgm:layoutNode>
+      </dgm:forEach>
+      <dgm:forEach name="Name44" axis="ch" ptType="node" st="5" cnt="1">
+        <dgm:layoutNode name="text_5" styleLbl="node1">
+          <dgm:varLst>
+            <dgm:bulletEnabled val="1"/>
+          </dgm:varLst>
+          <dgm:choose name="Name45">
+            <dgm:if name="Name46" func="var" arg="dir" op="equ" val="norm">
+              <dgm:alg type="tx">
+                <dgm:param type="parTxLTRAlign" val="l"/>
+                <dgm:param type="shpTxLTRAlignCh" val="l"/>
+                <dgm:param type="parTxRTLAlign" val="l"/>
+                <dgm:param type="shpTxRTLAlignCh" val="l"/>
+              </dgm:alg>
+            </dgm:if>
+            <dgm:else name="Name47">
+              <dgm:alg type="tx">
+                <dgm:param type="parTxLTRAlign" val="r"/>
+                <dgm:param type="shpTxLTRAlignCh" val="r"/>
+                <dgm:param type="parTxRTLAlign" val="r"/>
+                <dgm:param type="shpTxRTLAlignCh" val="r"/>
+              </dgm:alg>
+            </dgm:else>
+          </dgm:choose>
+          <dgm:shape xmlns:r="http://schemas.openxmlformats.org/officeDocument/2006/relationships" type="rect" r:blip="">
+            <dgm:adjLst/>
+          </dgm:shape>
+          <dgm:presOf axis="desOrSelf" ptType="node"/>
+          <dgm:constrLst>
+            <dgm:constr type="primFontSz" val="65"/>
+            <dgm:constr type="lMarg" refType="primFontSz" fact="0.2"/>
+            <dgm:constr type="rMarg" refType="primFontSz" fact="0.2"/>
+            <dgm:constr type="tMarg" refType="primFontSz" fact="0.2"/>
+            <dgm:constr type="bMarg" refType="primFontSz" fact="0.2"/>
+          </dgm:constrLst>
+          <dgm:ruleLst>
+            <dgm:rule type="primFontSz" val="5" fact="NaN" max="NaN"/>
+          </dgm:ruleLst>
+        </dgm:layoutNode>
+        <dgm:layoutNode name="accent_5">
+          <dgm:alg type="sp"/>
+          <dgm:shape xmlns:r="http://schemas.openxmlformats.org/officeDocument/2006/relationships" r:blip="">
+            <dgm:adjLst/>
+          </dgm:shape>
+          <dgm:presOf/>
+          <dgm:constrLst/>
+          <dgm:forEach name="Name48" ref="accentRepeat"/>
+        </dgm:layoutNode>
+      </dgm:forEach>
+      <dgm:forEach name="Name49" axis="ch" ptType="node" st="6" cnt="1">
+        <dgm:layoutNode name="text_6" styleLbl="node1">
+          <dgm:varLst>
+            <dgm:bulletEnabled val="1"/>
+          </dgm:varLst>
+          <dgm:choose name="Name50">
+            <dgm:if name="Name51" func="var" arg="dir" op="equ" val="norm">
+              <dgm:alg type="tx">
+                <dgm:param type="parTxLTRAlign" val="l"/>
+                <dgm:param type="shpTxLTRAlignCh" val="l"/>
+                <dgm:param type="parTxRTLAlign" val="l"/>
+                <dgm:param type="shpTxRTLAlignCh" val="l"/>
+              </dgm:alg>
+            </dgm:if>
+            <dgm:else name="Name52">
+              <dgm:alg type="tx">
+                <dgm:param type="parTxLTRAlign" val="r"/>
+                <dgm:param type="shpTxLTRAlignCh" val="r"/>
+                <dgm:param type="parTxRTLAlign" val="r"/>
+                <dgm:param type="shpTxRTLAlignCh" val="r"/>
+              </dgm:alg>
+            </dgm:else>
+          </dgm:choose>
+          <dgm:shape xmlns:r="http://schemas.openxmlformats.org/officeDocument/2006/relationships" type="rect" r:blip="">
+            <dgm:adjLst/>
+          </dgm:shape>
+          <dgm:presOf axis="desOrSelf" ptType="node"/>
+          <dgm:constrLst>
+            <dgm:constr type="primFontSz" val="65"/>
+            <dgm:constr type="lMarg" refType="primFontSz" fact="0.2"/>
+            <dgm:constr type="rMarg" refType="primFontSz" fact="0.2"/>
+            <dgm:constr type="tMarg" refType="primFontSz" fact="0.2"/>
+            <dgm:constr type="bMarg" refType="primFontSz" fact="0.2"/>
+          </dgm:constrLst>
+          <dgm:ruleLst>
+            <dgm:rule type="primFontSz" val="5" fact="NaN" max="NaN"/>
+          </dgm:ruleLst>
+        </dgm:layoutNode>
+        <dgm:layoutNode name="accent_6">
+          <dgm:alg type="sp"/>
+          <dgm:shape xmlns:r="http://schemas.openxmlformats.org/officeDocument/2006/relationships" r:blip="">
+            <dgm:adjLst/>
+          </dgm:shape>
+          <dgm:presOf/>
+          <dgm:constrLst/>
+          <dgm:forEach name="Name53" ref="accentRepeat"/>
+        </dgm:layoutNode>
+      </dgm:forEach>
+      <dgm:forEach name="Name54" axis="ch" ptType="node" st="7" cnt="1">
+        <dgm:layoutNode name="text_7" styleLbl="node1">
+          <dgm:varLst>
+            <dgm:bulletEnabled val="1"/>
+          </dgm:varLst>
+          <dgm:choose name="Name55">
+            <dgm:if name="Name56" func="var" arg="dir" op="equ" val="norm">
+              <dgm:alg type="tx">
+                <dgm:param type="parTxLTRAlign" val="l"/>
+                <dgm:param type="shpTxLTRAlignCh" val="l"/>
+                <dgm:param type="parTxRTLAlign" val="l"/>
+                <dgm:param type="shpTxRTLAlignCh" val="l"/>
+              </dgm:alg>
+            </dgm:if>
+            <dgm:else name="Name57">
+              <dgm:alg type="tx">
+                <dgm:param type="parTxLTRAlign" val="r"/>
+                <dgm:param type="shpTxLTRAlignCh" val="r"/>
+                <dgm:param type="parTxRTLAlign" val="r"/>
+                <dgm:param type="shpTxRTLAlignCh" val="r"/>
+              </dgm:alg>
+            </dgm:else>
+          </dgm:choose>
+          <dgm:shape xmlns:r="http://schemas.openxmlformats.org/officeDocument/2006/relationships" type="rect" r:blip="">
+            <dgm:adjLst/>
+          </dgm:shape>
+          <dgm:presOf axis="desOrSelf" ptType="node"/>
+          <dgm:constrLst>
+            <dgm:constr type="primFontSz" val="65"/>
+            <dgm:constr type="lMarg" refType="primFontSz" fact="0.2"/>
+            <dgm:constr type="rMarg" refType="primFontSz" fact="0.2"/>
+            <dgm:constr type="tMarg" refType="primFontSz" fact="0.2"/>
+            <dgm:constr type="bMarg" refType="primFontSz" fact="0.2"/>
+          </dgm:constrLst>
+          <dgm:ruleLst>
+            <dgm:rule type="primFontSz" val="5" fact="NaN" max="NaN"/>
+          </dgm:ruleLst>
+        </dgm:layoutNode>
+        <dgm:layoutNode name="accent_7">
+          <dgm:alg type="sp"/>
+          <dgm:shape xmlns:r="http://schemas.openxmlformats.org/officeDocument/2006/relationships" r:blip="">
+            <dgm:adjLst/>
+          </dgm:shape>
+          <dgm:presOf/>
+          <dgm:constrLst/>
+          <dgm:forEach name="Name58" ref="accentRepeat"/>
+        </dgm:layoutNode>
+      </dgm:forEach>
+    </dgm:layoutNode>
+  </dgm:layoutNode>
+</dgm:layoutDef>
+</file>
+
+<file path=ppt/diagrams/layout2.xml><?xml version="1.0" encoding="utf-8"?>
+<dgm:layoutDef xmlns:dgm="http://schemas.openxmlformats.org/drawingml/2006/diagram" xmlns:a="http://schemas.openxmlformats.org/drawingml/2006/main" uniqueId="urn:microsoft.com/office/officeart/2005/8/layout/vProcess5">
+  <dgm:title val=""/>
+  <dgm:desc val=""/>
+  <dgm:catLst>
+    <dgm:cat type="process" pri="14000"/>
+  </dgm:catLst>
+  <dgm:sampData>
+    <dgm:dataModel>
+      <dgm:ptLst>
+        <dgm:pt modelId="0" type="doc"/>
+        <dgm:pt modelId="1">
+          <dgm:prSet phldr="1"/>
+        </dgm:pt>
+        <dgm:pt modelId="2">
+          <dgm:prSet phldr="1"/>
+        </dgm:pt>
+        <dgm:pt modelId="3">
+          <dgm:prSet phldr="1"/>
+        </dgm:pt>
+      </dgm:ptLst>
+      <dgm:cxnLst>
+        <dgm:cxn modelId="5" srcId="0" destId="1" srcOrd="0" destOrd="0"/>
+        <dgm:cxn modelId="6" srcId="0" destId="2" srcOrd="1" destOrd="0"/>
+        <dgm:cxn modelId="7" srcId="0" destId="3" srcOrd="2" destOrd="0"/>
+      </dgm:cxnLst>
+      <dgm:bg/>
+      <dgm:whole/>
+    </dgm:dataModel>
+  </dgm:sampData>
+  <dgm:styleData>
+    <dgm:dataModel>
+      <dgm:ptLst>
+        <dgm:pt modelId="0" type="doc"/>
+        <dgm:pt modelId="1"/>
+        <dgm:pt modelId="2"/>
+      </dgm:ptLst>
+      <dgm:cxnLst>
+        <dgm:cxn modelId="3" srcId="0" destId="1" srcOrd="0" destOrd="0"/>
+        <dgm:cxn modelId="4" srcId="0" destId="2" srcOrd="1" destOrd="0"/>
+      </dgm:cxnLst>
+      <dgm:bg/>
+      <dgm:whole/>
+    </dgm:dataModel>
+  </dgm:styleData>
+  <dgm:clrData>
+    <dgm:dataModel>
+      <dgm:ptLst>
+        <dgm:pt modelId="0" type="doc"/>
+        <dgm:pt modelId="1"/>
+        <dgm:pt modelId="2"/>
+        <dgm:pt modelId="3"/>
+        <dgm:pt modelId="4"/>
+      </dgm:ptLst>
+      <dgm:cxnLst>
+        <dgm:cxn modelId="6" srcId="0" destId="1" srcOrd="0" destOrd="0"/>
+        <dgm:cxn modelId="7" srcId="0" destId="2" srcOrd="1" destOrd="0"/>
+        <dgm:cxn modelId="8" srcId="0" destId="3" srcOrd="2" destOrd="0"/>
+        <dgm:cxn modelId="9" srcId="0" destId="4" srcOrd="3" destOrd="0"/>
+      </dgm:cxnLst>
+      <dgm:bg/>
+      <dgm:whole/>
+    </dgm:dataModel>
+  </dgm:clrData>
+  <dgm:layoutNode name="outerComposite">
+    <dgm:varLst>
+      <dgm:chMax val="5"/>
+      <dgm:dir/>
+      <dgm:resizeHandles val="exact"/>
+    </dgm:varLst>
+    <dgm:alg type="composite"/>
+    <dgm:shape xmlns:r="http://schemas.openxmlformats.org/officeDocument/2006/relationships" r:blip="">
+      <dgm:adjLst/>
+    </dgm:shape>
+    <dgm:presOf/>
+    <dgm:choose name="Name0">
+      <dgm:if name="Name1" func="var" arg="dir" op="equ" val="norm">
+        <dgm:constrLst>
+          <dgm:constr type="primFontSz" for="ch" ptType="node" op="equ" val="65"/>
+          <dgm:constr type="w" for="ch" forName="dummyMaxCanvas" refType="w"/>
+          <dgm:constr type="h" for="ch" forName="dummyMaxCanvas" refType="h"/>
+          <dgm:constr type="w" for="ch" forName="OneNode_1" refType="w"/>
+          <dgm:constr type="h" for="ch" forName="OneNode_1" refType="h" fact="0.5"/>
+          <dgm:constr type="ctrY" for="ch" forName="OneNode_1" refType="h" fact="0.5"/>
+          <dgm:constr type="w" for="ch" forName="TwoNodes_1" refType="w" fact="0.85"/>
+          <dgm:constr type="h" for="ch" forName="TwoNodes_1" refType="h" fact="0.45"/>
+          <dgm:constr type="t" for="ch" forName="TwoNodes_1"/>
+          <dgm:constr type="l" for="ch" forName="TwoNodes_1"/>
+          <dgm:constr type="w" for="ch" forName="TwoNodes_2" refType="w" fact="0.85"/>
+          <dgm:constr type="h" for="ch" forName="TwoNodes_2" refType="h" fact="0.45"/>
+          <dgm:constr type="b" for="ch" forName="TwoNodes_2" refType="h"/>
+          <dgm:constr type="r" for="ch" forName="TwoNodes_2" refType="w"/>
+          <dgm:constr type="w" for="ch" forName="TwoConn_1-2" refType="h" refFor="ch" refForName="TwoNodes_1" fact="0.65"/>
+          <dgm:constr type="h" for="ch" forName="TwoConn_1-2" refType="h" refFor="ch" refForName="TwoNodes_1" fact="0.65"/>
+          <dgm:constr type="ctrY" for="ch" forName="TwoConn_1-2" refType="h" fact="0.5"/>
+          <dgm:constr type="r" for="ch" forName="TwoConn_1-2" refType="r" refFor="ch" refForName="TwoNodes_1"/>
+          <dgm:constr type="r" for="ch" forName="TwoNodes_1_text" refType="l" refFor="ch" refForName="TwoConn_1-2"/>
+          <dgm:constr type="rOff" for="ch" forName="TwoNodes_1_text" refType="w" refFor="ch" refForName="TwoConn_1-2" fact="-0.5"/>
+          <dgm:constr type="t" for="ch" forName="TwoNodes_1_text" refType="t" refFor="ch" refForName="TwoNodes_1"/>
+          <dgm:constr type="b" for="ch" forName="TwoNodes_1_text" refType="b" refFor="ch" refForName="TwoNodes_1"/>
+          <dgm:constr type="l" for="ch" forName="TwoNodes_1_text" refType="l" refFor="ch" refForName="TwoNodes_1"/>
+          <dgm:constr type="r" for="ch" forName="TwoNodes_2_text" refType="l" refFor="ch" refForName="TwoConn_1-2"/>
+          <dgm:constr type="t" for="ch" forName="TwoNodes_2_text" refType="t" refFor="ch" refForName="TwoNodes_2"/>
+          <dgm:constr type="b" for="ch" forName="TwoNodes_2_text" refType="b" refFor="ch" refForName="TwoNodes_2"/>
+          <dgm:constr type="l" for="ch" forName="TwoNodes_2_text" refType="l" refFor="ch" refForName="TwoNodes_2"/>
+          <dgm:constr type="w" for="ch" forName="ThreeNodes_1" refType="w" fact="0.85"/>
+          <dgm:constr type="h" for="ch" forName="ThreeNodes_1" refType="h" fact="0.3"/>
+          <dgm:constr type="t" for="ch" forName="ThreeNodes_1"/>
+          <dgm:constr type="l" for="ch" forName="ThreeNodes_1"/>
+          <dgm:constr type="w" for="ch" forName="ThreeNodes_2" refType="w" fact="0.85"/>
+          <dgm:constr type="h" for="ch" forName="ThreeNodes_2" refType="h" fact="0.3"/>
+          <dgm:constr type="ctrY" for="ch" forName="ThreeNodes_2" refType="h" fact="0.5"/>
+          <dgm:constr type="ctrX" for="ch" forName="ThreeNodes_2" refType="w" fact="0.5"/>
+          <dgm:constr type="w" for="ch" forName="ThreeNodes_3" refType="w" fact="0.85"/>
+          <dgm:constr type="h" for="ch" forName="ThreeNodes_3" refType="h" fact="0.3"/>
+          <dgm:constr type="b" for="ch" forName="ThreeNodes_3" refType="h"/>
+          <dgm:constr type="r" for="ch" forName="ThreeNodes_3" refType="w"/>
+          <dgm:constr type="w" for="ch" forName="ThreeConn_1-2" refType="h" refFor="ch" refForName="ThreeNodes_1" fact="0.65"/>
+          <dgm:constr type="h" for="ch" forName="ThreeConn_1-2" refType="h" refFor="ch" refForName="ThreeNodes_1" fact="0.65"/>
+          <dgm:constr type="ctrY" for="ch" forName="ThreeConn_1-2" refType="h" fact="0.325"/>
+          <dgm:constr type="r" for="ch" forName="ThreeConn_1-2" refType="r" refFor="ch" refForName="ThreeNodes_1"/>
+          <dgm:constr type="w" for="ch" forName="ThreeConn_2-3" refType="h" refFor="ch" refForName="ThreeNodes_2" fact="0.65"/>
+          <dgm:constr type="h" for="ch" forName="ThreeConn_2-3" refType="h" refFor="ch" refForName="ThreeNodes_2" fact="0.65"/>
+          <dgm:constr type="ctrY" for="ch" forName="ThreeConn_2-3" refType="h" fact="0.673"/>
+          <dgm:constr type="r" for="ch" forName="ThreeConn_2-3" refType="r" refFor="ch" refForName="ThreeNodes_2"/>
+          <dgm:constr type="r" for="ch" forName="ThreeNodes_1_text" refType="l" refFor="ch" refForName="ThreeConn_1-2"/>
+          <dgm:constr type="rOff" for="ch" forName="ThreeNodes_1_text" refType="w" refFor="ch" refForName="ThreeConn_1-2" fact="-0.57"/>
+          <dgm:constr type="t" for="ch" forName="ThreeNodes_1_text" refType="t" refFor="ch" refForName="ThreeNodes_1"/>
+          <dgm:constr type="b" for="ch" forName="ThreeNodes_1_text" refType="b" refFor="ch" refForName="ThreeNodes_1"/>
+          <dgm:constr type="l" for="ch" forName="ThreeNodes_1_text" refType="l" refFor="ch" refForName="ThreeNodes_1"/>
+          <dgm:constr type="r" for="ch" forName="ThreeNodes_2_text" refType="l" refFor="ch" refForName="ThreeConn_1-2"/>
+          <dgm:constr type="t" for="ch" forName="ThreeNodes_2_text" refType="t" refFor="ch" refForName="ThreeNodes_2"/>
+          <dgm:constr type="b" for="ch" forName="ThreeNodes_2_text" refType="b" refFor="ch" refForName="ThreeNodes_2"/>
+          <dgm:constr type="l" for="ch" forName="ThreeNodes_2_text" refType="l" refFor="ch" refForName="ThreeNodes_2"/>
+          <dgm:constr type="r" for="ch" forName="ThreeNodes_3_text" refType="l" refFor="ch" refForName="ThreeConn_2-3"/>
+          <dgm:constr type="t" for="ch" forName="ThreeNodes_3_text" refType="t" refFor="ch" refForName="ThreeNodes_3"/>
+          <dgm:constr type="b" for="ch" forName="ThreeNodes_3_text" refType="b" refFor="ch" refForName="ThreeNodes_3"/>
+          <dgm:constr type="l" for="ch" forName="ThreeNodes_3_text" refType="l" refFor="ch" refForName="ThreeNodes_3"/>
+          <dgm:constr type="w" for="ch" forName="FourNodes_1" refType="w" fact="0.8"/>
+          <dgm:constr type="h" for="ch" forName="FourNodes_1" refType="h" fact="0.22"/>
+          <dgm:constr type="t" for="ch" forName="FourNodes_1"/>
+          <dgm:constr type="l" for="ch" forName="FourNodes_1"/>
+          <dgm:constr type="w" for="ch" forName="FourNodes_2" refType="w" fact="0.8"/>
+          <dgm:constr type="h" for="ch" forName="FourNodes_2" refType="h" fact="0.22"/>
+          <dgm:constr type="ctrY" for="ch" forName="FourNodes_2" refType="h" fact="0.37"/>
+          <dgm:constr type="ctrX" for="ch" forName="FourNodes_2" refType="w" fact="0.467"/>
+          <dgm:constr type="w" for="ch" forName="FourNodes_3" refType="w" fact="0.8"/>
+          <dgm:constr type="h" for="ch" forName="FourNodes_3" refType="h" fact="0.22"/>
+          <dgm:constr type="ctrY" for="ch" forName="FourNodes_3" refType="h" fact="0.63"/>
+          <dgm:constr type="ctrX" for="ch" forName="FourNodes_3" refType="w" fact="0.533"/>
+          <dgm:constr type="w" for="ch" forName="FourNodes_4" refType="w" fact="0.8"/>
+          <dgm:constr type="h" for="ch" forName="FourNodes_4" refType="h" fact="0.22"/>
+          <dgm:constr type="b" for="ch" forName="FourNodes_4" refType="h"/>
+          <dgm:constr type="r" for="ch" forName="FourNodes_4" refType="w"/>
+          <dgm:constr type="w" for="ch" forName="FourConn_1-2" refType="h" refFor="ch" refForName="FourNodes_1" fact="0.65"/>
+          <dgm:constr type="h" for="ch" forName="FourConn_1-2" refType="h" refFor="ch" refForName="FourNodes_1" fact="0.65"/>
+          <dgm:constr type="ctrY" for="ch" forName="FourConn_1-2" refType="h" fact="0.24"/>
+          <dgm:constr type="r" for="ch" forName="FourConn_1-2" refType="r" refFor="ch" refForName="FourNodes_1"/>
+          <dgm:constr type="w" for="ch" forName="FourConn_2-3" refType="h" refFor="ch" refForName="FourNodes_2" fact="0.65"/>
+          <dgm:constr type="h" for="ch" forName="FourConn_2-3" refType="h" refFor="ch" refForName="FourNodes_2" fact="0.65"/>
+          <dgm:constr type="ctrY" for="ch" forName="FourConn_2-3" refType="h" fact="0.5"/>
+          <dgm:constr type="r" for="ch" forName="FourConn_2-3" refType="r" refFor="ch" refForName="FourNodes_2"/>
+          <dgm:constr type="w" for="ch" forName="FourConn_3-4" refType="h" refFor="ch" refForName="FourNodes_3" fact="0.65"/>
+          <dgm:constr type="h" for="ch" forName="FourConn_3-4" refType="h" refFor="ch" refForName="FourNodes_3" fact="0.65"/>
+          <dgm:constr type="ctrY" for="ch" forName="FourConn_3-4" refType="h" fact="0.76"/>
+          <dgm:constr type="r" for="ch" forName="FourConn_3-4" refType="r" refFor="ch" refForName="FourNodes_3"/>
+          <dgm:constr type="r" for="ch" forName="FourNodes_1_text" refType="l" refFor="ch" refForName="FourConn_1-2"/>
+          <dgm:constr type="rOff" for="ch" forName="FourNodes_1_text" refType="w" refFor="ch" refForName="FourConn_1-2" fact="-0.7"/>
+          <dgm:constr type="t" for="ch" forName="FourNodes_1_text" refType="t" refFor="ch" refForName="FourNodes_1"/>
+          <dgm:constr type="b" for="ch" forName="FourNodes_1_text" refType="b" refFor="ch" refForName="FourNodes_1"/>
+          <dgm:constr type="l" for="ch" forName="FourNodes_1_text" refType="l" refFor="ch" refForName="FourNodes_1"/>
+          <dgm:constr type="r" for="ch" forName="FourNodes_2_text" refType="l" refFor="ch" refForName="FourConn_1-2"/>
+          <dgm:constr type="t" for="ch" forName="FourNodes_2_text" refType="t" refFor="ch" refForName="FourNodes_2"/>
+          <dgm:constr type="b" for="ch" forName="FourNodes_2_text" refType="b" refFor="ch" refForName="FourNodes_2"/>
+          <dgm:constr type="l" for="ch" forName="FourNodes_2_text" refType="l" refFor="ch" refForName="FourNodes_2"/>
+          <dgm:constr type="r" for="ch" forName="FourNodes_3_text" refType="l" refFor="ch" refForName="FourConn_2-3"/>
+          <dgm:constr type="t" for="ch" forName="FourNodes_3_text" refType="t" refFor="ch" refForName="FourNodes_3"/>
+          <dgm:constr type="b" for="ch" forName="FourNodes_3_text" refType="b" refFor="ch" refForName="FourNodes_3"/>
+          <dgm:constr type="l" for="ch" forName="FourNodes_3_text" refType="l" refFor="ch" refForName="FourNodes_3"/>
+          <dgm:constr type="r" for="ch" forName="FourNodes_4_text" refType="l" refFor="ch" refForName="FourConn_3-4"/>
+          <dgm:constr type="t" for="ch" forName="FourNodes_4_text" refType="t" refFor="ch" refForName="FourNodes_4"/>
+          <dgm:constr type="b" for="ch" forName="FourNodes_4_text" refType="b" refFor="ch" refForName="FourNodes_4"/>
+          <dgm:constr type="l" for="ch" forName="FourNodes_4_text" refType="l" refFor="ch" refForName="FourNodes_4"/>
+          <dgm:constr type="w" for="ch" forName="FiveNodes_1" refType="w" fact="0.77"/>
+          <dgm:constr type="h" for="ch" forName="FiveNodes_1" refType="h" fact="0.18"/>
+          <dgm:constr type="t" for="ch" forName="FiveNodes_1"/>
+          <dgm:constr type="l" for="ch" forName="FiveNodes_1"/>
+          <dgm:constr type="w" for="ch" forName="FiveNodes_2" refType="w" fact="0.77"/>
+          <dgm:constr type="h" for="ch" forName="FiveNodes_2" refType="h" fact="0.18"/>
+          <dgm:constr type="ctrY" for="ch" forName="FiveNodes_2" refType="h" fact="0.295"/>
+          <dgm:constr type="ctrX" for="ch" forName="FiveNodes_2" refType="w" fact="0.4425"/>
+          <dgm:constr type="w" for="ch" forName="FiveNodes_3" refType="w" fact="0.77"/>
+          <dgm:constr type="h" for="ch" forName="FiveNodes_3" refType="h" fact="0.18"/>
+          <dgm:constr type="ctrY" for="ch" forName="FiveNodes_3" refType="h" fact="0.5"/>
+          <dgm:constr type="ctrX" for="ch" forName="FiveNodes_3" refType="w" fact="0.5"/>
+          <dgm:constr type="w" for="ch" forName="FiveNodes_4" refType="w" fact="0.77"/>
+          <dgm:constr type="h" for="ch" forName="FiveNodes_4" refType="h" fact="0.18"/>
+          <dgm:constr type="ctrY" for="ch" forName="FiveNodes_4" refType="h" fact="0.705"/>
+          <dgm:constr type="ctrX" for="ch" forName="FiveNodes_4" refType="w" fact="0.5575"/>
+          <dgm:constr type="w" for="ch" forName="FiveNodes_5" refType="w" fact="0.77"/>
+          <dgm:constr type="h" for="ch" forName="FiveNodes_5" refType="h" fact="0.18"/>
+          <dgm:constr type="b" for="ch" forName="FiveNodes_5" refType="h"/>
+          <dgm:constr type="r" for="ch" forName="FiveNodes_5" refType="w"/>
+          <dgm:constr type="w" for="ch" forName="FiveConn_1-2" refType="h" refFor="ch" refForName="FiveNodes_1" fact="0.65"/>
+          <dgm:constr type="h" for="ch" forName="FiveConn_1-2" refType="h" refFor="ch" refForName="FiveNodes_1" fact="0.65"/>
+          <dgm:constr type="ctrY" for="ch" forName="FiveConn_1-2" refType="h" fact="0.19"/>
+          <dgm:constr type="r" for="ch" forName="FiveConn_1-2" refType="r" refFor="ch" refForName="FiveNodes_1"/>
+          <dgm:constr type="w" for="ch" forName="FiveConn_2-3" refType="h" refFor="ch" refForName="FiveNodes_2" fact="0.65"/>
+          <dgm:constr type="h" for="ch" forName="FiveConn_2-3" refType="h" refFor="ch" refForName="FiveNodes_2" fact="0.65"/>
+          <dgm:constr type="ctrY" for="ch" forName="FiveConn_2-3" refType="h" fact="0.395"/>
+          <dgm:constr type="r" for="ch" forName="FiveConn_2-3" refType="r" refFor="ch" refForName="FiveNodes_2"/>
+          <dgm:constr type="w" for="ch" forName="FiveConn_3-4" refType="h" refFor="ch" refForName="FiveNodes_3" fact="0.65"/>
+          <dgm:constr type="h" for="ch" forName="FiveConn_3-4" refType="h" refFor="ch" refForName="FiveNodes_3" fact="0.65"/>
+          <dgm:constr type="ctrY" for="ch" forName="FiveConn_3-4" refType="h" fact="0.597"/>
+          <dgm:constr type="r" for="ch" forName="FiveConn_3-4" refType="r" refFor="ch" refForName="FiveNodes_3"/>
+          <dgm:constr type="w" for="ch" forName="FiveConn_4-5" refType="h" refFor="ch" refForName="FiveNodes_4" fact="0.65"/>
+          <dgm:constr type="h" for="ch" forName="FiveConn_4-5" refType="h" refFor="ch" refForName="FiveNodes_4" fact="0.65"/>
+          <dgm:constr type="ctrY" for="ch" forName="FiveConn_4-5" refType="h" fact="0.804"/>
+          <dgm:constr type="r" for="ch" forName="FiveConn_4-5" refType="r" refFor="ch" refForName="FiveNodes_4"/>
+          <dgm:constr type="r" for="ch" forName="FiveNodes_1_text" refType="l" refFor="ch" refForName="FiveConn_1-2"/>
+          <dgm:constr type="rOff" for="ch" forName="FiveNodes_1_text" refType="w" refFor="ch" refForName="FiveConn_1-2" fact="-0.75"/>
+          <dgm:constr type="t" for="ch" forName="FiveNodes_1_text" refType="t" refFor="ch" refForName="FiveNodes_1"/>
+          <dgm:constr type="b" for="ch" forName="FiveNodes_1_text" refType="b" refFor="ch" refForName="FiveNodes_1"/>
+          <dgm:constr type="l" for="ch" forName="FiveNodes_1_text" refType="l" refFor="ch" refForName="FiveNodes_1"/>
+          <dgm:constr type="r" for="ch" forName="FiveNodes_2_text" refType="l" refFor="ch" refForName="FiveConn_1-2"/>
+          <dgm:constr type="t" for="ch" forName="FiveNodes_2_text" refType="t" refFor="ch" refForName="FiveNodes_2"/>
+          <dgm:constr type="b" for="ch" forName="FiveNodes_2_text" refType="b" refFor="ch" refForName="FiveNodes_2"/>
+          <dgm:constr type="l" for="ch" forName="FiveNodes_2_text" refType="l" refFor="ch" refForName="FiveNodes_2"/>
+          <dgm:constr type="r" for="ch" forName="FiveNodes_3_text" refType="l" refFor="ch" refForName="FiveConn_2-3"/>
+          <dgm:constr type="t" for="ch" forName="FiveNodes_3_text" refType="t" refFor="ch" refForName="FiveNodes_3"/>
+          <dgm:constr type="b" for="ch" forName="FiveNodes_3_text" refType="b" refFor="ch" refForName="FiveNodes_3"/>
+          <dgm:constr type="l" for="ch" forName="FiveNodes_3_text" refType="l" refFor="ch" refForName="FiveNodes_3"/>
+          <dgm:constr type="r" for="ch" forName="FiveNodes_4_text" refType="l" refFor="ch" refForName="FiveConn_3-4"/>
+          <dgm:constr type="t" for="ch" forName="FiveNodes_4_text" refType="t" refFor="ch" refForName="FiveNodes_4"/>
+          <dgm:constr type="b" for="ch" forName="FiveNodes_4_text" refType="b" refFor="ch" refForName="FiveNodes_4"/>
+          <dgm:constr type="l" for="ch" forName="FiveNodes_4_text" refType="l" refFor="ch" refForName="FiveNodes_4"/>
+          <dgm:constr type="r" for="ch" forName="FiveNodes_5_text" refType="l" refFor="ch" refForName="FiveConn_4-5"/>
+          <dgm:constr type="t" for="ch" forName="FiveNodes_5_text" refType="t" refFor="ch" refForName="FiveNodes_5"/>
+          <dgm:constr type="b" for="ch" forName="FiveNodes_5_text" refType="b" refFor="ch" refForName="FiveNodes_5"/>
+          <dgm:constr type="l" for="ch" forName="FiveNodes_5_text" refType="l" refFor="ch" refForName="FiveNodes_5"/>
+        </dgm:constrLst>
+      </dgm:if>
+      <dgm:else name="Name2">
+        <dgm:constrLst>
+          <dgm:constr type="primFontSz" for="ch" ptType="node" op="equ" val="65"/>
+          <dgm:constr type="w" for="ch" forName="dummyMaxCanvas" refType="w"/>
+          <dgm:constr type="h" for="ch" forName="dummyMaxCanvas" refType="h"/>
+          <dgm:constr type="w" for="ch" forName="OneNode_1" refType="w"/>
+          <dgm:constr type="h" for="ch" forName="OneNode_1" refType="h" fact="0.5"/>
+          <dgm:constr type="ctrY" for="ch" forName="OneNode_1" refType="h" fact="0.5"/>
+          <dgm:constr type="w" for="ch" forName="TwoNodes_1" refType="w" fact="0.85"/>
+          <dgm:constr type="h" for="ch" forName="TwoNodes_1" refType="h" fact="0.45"/>
+          <dgm:constr type="t" for="ch" forName="TwoNodes_1"/>
+          <dgm:constr type="r" for="ch" forName="TwoNodes_1" refType="w"/>
+          <dgm:constr type="w" for="ch" forName="TwoNodes_2" refType="w" fact="0.85"/>
+          <dgm:constr type="h" for="ch" forName="TwoNodes_2" refType="h" fact="0.45"/>
+          <dgm:constr type="b" for="ch" forName="TwoNodes_2" refType="h"/>
+          <dgm:constr type="l" for="ch" forName="TwoNodes_2"/>
+          <dgm:constr type="w" for="ch" forName="TwoConn_1-2" refType="h" refFor="ch" refForName="TwoNodes_1" fact="0.65"/>
+          <dgm:constr type="h" for="ch" forName="TwoConn_1-2" refType="h" refFor="ch" refForName="TwoNodes_1" fact="0.65"/>
+          <dgm:constr type="ctrY" for="ch" forName="TwoConn_1-2" refType="h" fact="0.5"/>
+          <dgm:constr type="l" for="ch" forName="TwoConn_1-2" refType="l" refFor="ch" refForName="TwoNodes_1"/>
+          <dgm:constr type="l" for="ch" forName="TwoNodes_1_text" refType="r" refFor="ch" refForName="TwoConn_1-2"/>
+          <dgm:constr type="lOff" for="ch" forName="TwoNodes_1_text" refType="w" refFor="ch" refForName="TwoConn_1-2" fact="0.5"/>
+          <dgm:constr type="t" for="ch" forName="TwoNodes_1_text" refType="t" refFor="ch" refForName="TwoNodes_1"/>
+          <dgm:constr type="b" for="ch" forName="TwoNodes_1_text" refType="b" refFor="ch" refForName="TwoNodes_1"/>
+          <dgm:constr type="r" for="ch" forName="TwoNodes_1_text" refType="r" refFor="ch" refForName="TwoNodes_1"/>
+          <dgm:constr type="l" for="ch" forName="TwoNodes_2_text" refType="r" refFor="ch" refForName="TwoConn_1-2"/>
+          <dgm:constr type="t" for="ch" forName="TwoNodes_2_text" refType="t" refFor="ch" refForName="TwoNodes_2"/>
+          <dgm:constr type="b" for="ch" forName="TwoNodes_2_text" refType="b" refFor="ch" refForName="TwoNodes_2"/>
+          <dgm:constr type="r" for="ch" forName="TwoNodes_2_text" refType="r" refFor="ch" refForName="TwoNodes_2"/>
+          <dgm:constr type="w" for="ch" forName="ThreeNodes_1" refType="w" fact="0.85"/>
+          <dgm:constr type="h" for="ch" forName="ThreeNodes_1" refType="h" fact="0.3"/>
+          <dgm:constr type="t" for="ch" forName="ThreeNodes_1"/>
+          <dgm:constr type="r" for="ch" forName="ThreeNodes_1" refType="w"/>
+          <dgm:constr type="w" for="ch" forName="ThreeNodes_2" refType="w" fact="0.85"/>
+          <dgm:constr type="h" for="ch" forName="ThreeNodes_2" refType="h" fact="0.3"/>
+          <dgm:constr type="ctrY" for="ch" forName="ThreeNodes_2" refType="h" fact="0.5"/>
+          <dgm:constr type="ctrX" for="ch" forName="ThreeNodes_2" refType="w" fact="0.5"/>
+          <dgm:constr type="w" for="ch" forName="ThreeNodes_3" refType="w" fact="0.85"/>
+          <dgm:constr type="h" for="ch" forName="ThreeNodes_3" refType="h" fact="0.3"/>
+          <dgm:constr type="b" for="ch" forName="ThreeNodes_3" refType="h"/>
+          <dgm:constr type="l" for="ch" forName="ThreeNodes_3"/>
+          <dgm:constr type="w" for="ch" forName="ThreeConn_1-2" refType="h" refFor="ch" refForName="ThreeNodes_1" fact="0.65"/>
+          <dgm:constr type="h" for="ch" forName="ThreeConn_1-2" refType="h" refFor="ch" refForName="ThreeNodes_1" fact="0.65"/>
+          <dgm:constr type="ctrY" for="ch" forName="ThreeConn_1-2" refType="h" fact="0.325"/>
+          <dgm:constr type="l" for="ch" forName="ThreeConn_1-2" refType="l" refFor="ch" refForName="ThreeNodes_1"/>
+          <dgm:constr type="w" for="ch" forName="ThreeConn_2-3" refType="h" refFor="ch" refForName="ThreeNodes_2" fact="0.65"/>
+          <dgm:constr type="h" for="ch" forName="ThreeConn_2-3" refType="h" refFor="ch" refForName="ThreeNodes_2" fact="0.65"/>
+          <dgm:constr type="ctrY" for="ch" forName="ThreeConn_2-3" refType="h" fact="0.673"/>
+          <dgm:constr type="l" for="ch" forName="ThreeConn_2-3" refType="l" refFor="ch" refForName="ThreeNodes_2"/>
+          <dgm:constr type="l" for="ch" forName="ThreeNodes_1_text" refType="r" refFor="ch" refForName="ThreeConn_1-2"/>
+          <dgm:constr type="lOff" for="ch" forName="ThreeNodes_1_text" refType="w" refFor="ch" refForName="ThreeConn_1-2" fact="0.55"/>
+          <dgm:constr type="t" for="ch" forName="ThreeNodes_1_text" refType="t" refFor="ch" refForName="ThreeNodes_1"/>
+          <dgm:constr type="b" for="ch" forName="ThreeNodes_1_text" refType="b" refFor="ch" refForName="ThreeNodes_1"/>
+          <dgm:constr type="r" for="ch" forName="ThreeNodes_1_text" refType="r" refFor="ch" refForName="ThreeNodes_1"/>
+          <dgm:constr type="l" for="ch" forName="ThreeNodes_2_text" refType="r" refFor="ch" refForName="ThreeConn_1-2"/>
+          <dgm:constr type="t" for="ch" forName="ThreeNodes_2_text" refType="t" refFor="ch" refForName="ThreeNodes_2"/>
+          <dgm:constr type="b" for="ch" forName="ThreeNodes_2_text" refType="b" refFor="ch" refForName="ThreeNodes_2"/>
+          <dgm:constr type="r" for="ch" forName="ThreeNodes_2_text" refType="r" refFor="ch" refForName="ThreeNodes_2"/>
+          <dgm:constr type="l" for="ch" forName="ThreeNodes_3_text" refType="r" refFor="ch" refForName="ThreeConn_2-3"/>
+          <dgm:constr type="t" for="ch" forName="ThreeNodes_3_text" refType="t" refFor="ch" refForName="ThreeNodes_3"/>
+          <dgm:constr type="b" for="ch" forName="ThreeNodes_3_text" refType="b" refFor="ch" refForName="ThreeNodes_3"/>
+          <dgm:constr type="r" for="ch" forName="ThreeNodes_3_text" refType="r" refFor="ch" refForName="ThreeNodes_3"/>
+          <dgm:constr type="w" for="ch" forName="FourNodes_1" refType="w" fact="0.8"/>
+          <dgm:constr type="h" for="ch" forName="FourNodes_1" refType="h" fact="0.22"/>
+          <dgm:constr type="t" for="ch" forName="FourNodes_1"/>
+          <dgm:constr type="r" for="ch" forName="FourNodes_1" refType="w"/>
+          <dgm:constr type="w" for="ch" forName="FourNodes_2" refType="w" fact="0.8"/>
+          <dgm:constr type="h" for="ch" forName="FourNodes_2" refType="h" fact="0.22"/>
+          <dgm:constr type="ctrY" for="ch" forName="FourNodes_2" refType="h" fact="0.37"/>
+          <dgm:constr type="ctrX" for="ch" forName="FourNodes_2" refType="w" fact="0.533"/>
+          <dgm:constr type="w" for="ch" forName="FourNodes_3" refType="w" fact="0.8"/>
+          <dgm:constr type="h" for="ch" forName="FourNodes_3" refType="h" fact="0.22"/>
+          <dgm:constr type="ctrY" for="ch" forName="FourNodes_3" refType="h" fact="0.63"/>
+          <dgm:constr type="ctrX" for="ch" forName="FourNodes_3" refType="w" fact="0.467"/>
+          <dgm:constr type="w" for="ch" forName="FourNodes_4" refType="w" fact="0.8"/>
+          <dgm:constr type="h" for="ch" forName="FourNodes_4" refType="h" fact="0.22"/>
+          <dgm:constr type="b" for="ch" forName="FourNodes_4" refType="h"/>
+          <dgm:constr type="l" for="ch" forName="FourNodes_4"/>
+          <dgm:constr type="w" for="ch" forName="FourConn_1-2" refType="h" refFor="ch" refForName="FourNodes_1" fact="0.65"/>
+          <dgm:constr type="h" for="ch" forName="FourConn_1-2" refType="h" refFor="ch" refForName="FourNodes_1" fact="0.65"/>
+          <dgm:constr type="ctrY" for="ch" forName="FourConn_1-2" refType="h" fact="0.24"/>
+          <dgm:constr type="l" for="ch" forName="FourConn_1-2" refType="l" refFor="ch" refForName="FourNodes_1"/>
+          <dgm:constr type="w" for="ch" forName="FourConn_2-3" refType="h" refFor="ch" refForName="FourNodes_2" fact="0.65"/>
+          <dgm:constr type="h" for="ch" forName="FourConn_2-3" refType="h" refFor="ch" refForName="FourNodes_2" fact="0.65"/>
+          <dgm:constr type="ctrY" for="ch" forName="FourConn_2-3" refType="h" fact="0.5"/>
+          <dgm:constr type="l" for="ch" forName="FourConn_2-3" refType="l" refFor="ch" refForName="FourNodes_2"/>
+          <dgm:constr type="w" for="ch" forName="FourConn_3-4" refType="h" refFor="ch" refForName="FourNodes_3" fact="0.65"/>
+          <dgm:constr type="h" for="ch" forName="FourConn_3-4" refType="h" refFor="ch" refForName="FourNodes_3" fact="0.65"/>
+          <dgm:constr type="ctrY" for="ch" forName="FourConn_3-4" refType="h" fact="0.76"/>
+          <dgm:constr type="l" for="ch" forName="FourConn_3-4" refType="l" refFor="ch" refForName="FourNodes_3"/>
+          <dgm:constr type="l" for="ch" forName="FourNodes_1_text" refType="r" refFor="ch" refForName="FourConn_1-2"/>
+          <dgm:constr type="lOff" for="ch" forName="FourNodes_1_text" refType="w" refFor="ch" refForName="FourConn_1-2" fact="0.69"/>
+          <dgm:constr type="t" for="ch" forName="FourNodes_1_text" refType="t" refFor="ch" refForName="FourNodes_1"/>
+          <dgm:constr type="b" for="ch" forName="FourNodes_1_text" refType="b" refFor="ch" refForName="FourNodes_1"/>
+          <dgm:constr type="r" for="ch" forName="FourNodes_1_text" refType="r" refFor="ch" refForName="FourNodes_1"/>
+          <dgm:constr type="l" for="ch" forName="FourNodes_2_text" refType="r" refFor="ch" refForName="FourConn_1-2"/>
+          <dgm:constr type="t" for="ch" forName="FourNodes_2_text" refType="t" refFor="ch" refForName="FourNodes_2"/>
+          <dgm:constr type="b" for="ch" forName="FourNodes_2_text" refType="b" refFor="ch" refForName="FourNodes_2"/>
+          <dgm:constr type="r" for="ch" forName="FourNodes_2_text" refType="r" refFor="ch" refForName="FourNodes_2"/>
+          <dgm:constr type="l" for="ch" forName="FourNodes_3_text" refType="r" refFor="ch" refForName="FourConn_2-3"/>
+          <dgm:constr type="t" for="ch" forName="FourNodes_3_text" refType="t" refFor="ch" refForName="FourNodes_3"/>
+          <dgm:constr type="b" for="ch" forName="FourNodes_3_text" refType="b" refFor="ch" refForName="FourNodes_3"/>
+          <dgm:constr type="r" for="ch" forName="FourNodes_3_text" refType="r" refFor="ch" refForName="FourNodes_3"/>
+          <dgm:constr type="l" for="ch" forName="FourNodes_4_text" refType="r" refFor="ch" refForName="FourConn_3-4"/>
+          <dgm:constr type="t" for="ch" forName="FourNodes_4_text" refType="t" refFor="ch" refForName="FourNodes_4"/>
+          <dgm:constr type="b" for="ch" forName="FourNodes_4_text" refType="b" refFor="ch" refForName="FourNodes_4"/>
+          <dgm:constr type="r" for="ch" forName="FourNodes_4_text" refType="r" refFor="ch" refForName="FourNodes_4"/>
+          <dgm:constr type="w" for="ch" forName="FiveNodes_1" refType="w" fact="0.77"/>
+          <dgm:constr type="h" for="ch" forName="FiveNodes_1" refType="h" fact="0.18"/>
+          <dgm:constr type="t" for="ch" forName="FiveNodes_1"/>
+          <dgm:constr type="r" for="ch" forName="FiveNodes_1" refType="w"/>
+          <dgm:constr type="w" for="ch" forName="FiveNodes_2" refType="w" fact="0.77"/>
+          <dgm:constr type="h" for="ch" forName="FiveNodes_2" refType="h" fact="0.18"/>
+          <dgm:constr type="ctrY" for="ch" forName="FiveNodes_2" refType="h" fact="0.295"/>
+          <dgm:constr type="ctrX" for="ch" forName="FiveNodes_2" refType="w" fact="0.5575"/>
+          <dgm:constr type="w" for="ch" forName="FiveNodes_3" refType="w" fact="0.77"/>
+          <dgm:constr type="h" for="ch" forName="FiveNodes_3" refType="h" fact="0.18"/>
+          <dgm:constr type="ctrY" for="ch" forName="FiveNodes_3" refType="h" fact="0.5"/>
+          <dgm:constr type="ctrX" for="ch" forName="FiveNodes_3" refType="w" fact="0.5"/>
+          <dgm:constr type="w" for="ch" forName="FiveNodes_4" refType="w" fact="0.77"/>
+          <dgm:constr type="h" for="ch" forName="FiveNodes_4" refType="h" fact="0.18"/>
+          <dgm:constr type="ctrY" for="ch" forName="FiveNodes_4" refType="h" fact="0.705"/>
+          <dgm:constr type="ctrX" for="ch" forName="FiveNodes_4" refType="w" fact="0.4425"/>
+          <dgm:constr type="w" for="ch" forName="FiveNodes_5" refType="w" fact="0.77"/>
+          <dgm:constr type="h" for="ch" forName="FiveNodes_5" refType="h" fact="0.18"/>
+          <dgm:constr type="b" for="ch" forName="FiveNodes_5" refType="h"/>
+          <dgm:constr type="l" for="ch" forName="FiveNodes_5"/>
+          <dgm:constr type="w" for="ch" forName="FiveConn_1-2" refType="h" refFor="ch" refForName="FiveNodes_1" fact="0.65"/>
+          <dgm:constr type="h" for="ch" forName="FiveConn_1-2" refType="h" refFor="ch" refForName="FiveNodes_1" fact="0.65"/>
+          <dgm:constr type="ctrY" for="ch" forName="FiveConn_1-2" refType="h" fact="0.19"/>
+          <dgm:constr type="l" for="ch" forName="FiveConn_1-2" refType="l" refFor="ch" refForName="FiveNodes_1"/>
+          <dgm:constr type="w" for="ch" forName="FiveConn_2-3" refType="h" refFor="ch" refForName="FiveNodes_2" fact="0.65"/>
+          <dgm:constr type="h" for="ch" forName="FiveConn_2-3" refType="h" refFor="ch" refForName="FiveNodes_2" fact="0.65"/>
+          <dgm:constr type="ctrY" for="ch" forName="FiveConn_2-3" refType="h" fact="0.395"/>
+          <dgm:constr type="l" for="ch" forName="FiveConn_2-3" refType="l" refFor="ch" refForName="FiveNodes_2"/>
+          <dgm:constr type="w" for="ch" forName="FiveConn_3-4" refType="h" refFor="ch" refForName="FiveNodes_3" fact="0.65"/>
+          <dgm:constr type="h" for="ch" forName="FiveConn_3-4" refType="h" refFor="ch" refForName="FiveNodes_3" fact="0.65"/>
+          <dgm:constr type="ctrY" for="ch" forName="FiveConn_3-4" refType="h" fact="0.597"/>
+          <dgm:constr type="l" for="ch" forName="FiveConn_3-4" refType="l" refFor="ch" refForName="FiveNodes_3"/>
+          <dgm:constr type="w" for="ch" forName="FiveConn_4-5" refType="h" refFor="ch" refForName="FiveNodes_4" fact="0.65"/>
+          <dgm:constr type="h" for="ch" forName="FiveConn_4-5" refType="h" refFor="ch" refForName="FiveNodes_4" fact="0.65"/>
+          <dgm:constr type="ctrY" for="ch" forName="FiveConn_4-5" refType="h" fact="0.804"/>
+          <dgm:constr type="l" for="ch" forName="FiveConn_4-5" refType="l" refFor="ch" refForName="FiveNodes_4"/>
+          <dgm:constr type="l" for="ch" forName="FiveNodes_1_text" refType="r" refFor="ch" refForName="FiveConn_1-2"/>
+          <dgm:constr type="lOff" for="ch" forName="FiveNodes_1_text" refType="w" refFor="ch" refForName="FiveConn_1-2" fact="0.73"/>
+          <dgm:constr type="t" for="ch" forName="FiveNodes_1_text" refType="t" refFor="ch" refForName="FiveNodes_1"/>
+          <dgm:constr type="b" for="ch" forName="FiveNodes_1_text" refType="b" refFor="ch" refForName="FiveNodes_1"/>
+          <dgm:constr type="r" for="ch" forName="FiveNodes_1_text" refType="r" refFor="ch" refForName="FiveNodes_1"/>
+          <dgm:constr type="l" for="ch" forName="FiveNodes_2_text" refType="r" refFor="ch" refForName="FiveConn_1-2"/>
+          <dgm:constr type="t" for="ch" forName="FiveNodes_2_text" refType="t" refFor="ch" refForName="FiveNodes_2"/>
+          <dgm:constr type="b" for="ch" forName="FiveNodes_2_text" refType="b" refFor="ch" refForName="FiveNodes_2"/>
+          <dgm:constr type="r" for="ch" forName="FiveNodes_2_text" refType="r" refFor="ch" refForName="FiveNodes_2"/>
+          <dgm:constr type="l" for="ch" forName="FiveNodes_3_text" refType="r" refFor="ch" refForName="FiveConn_2-3"/>
+          <dgm:constr type="t" for="ch" forName="FiveNodes_3_text" refType="t" refFor="ch" refForName="FiveNodes_3"/>
+          <dgm:constr type="b" for="ch" forName="FiveNodes_3_text" refType="b" refFor="ch" refForName="FiveNodes_3"/>
+          <dgm:constr type="r" for="ch" forName="FiveNodes_3_text" refType="r" refFor="ch" refForName="FiveNodes_3"/>
+          <dgm:constr type="l" for="ch" forName="FiveNodes_4_text" refType="r" refFor="ch" refForName="FiveConn_3-4"/>
+          <dgm:constr type="t" for="ch" forName="FiveNodes_4_text" refType="t" refFor="ch" refForName="FiveNodes_4"/>
+          <dgm:constr type="b" for="ch" forName="FiveNodes_4_text" refType="b" refFor="ch" refForName="FiveNodes_4"/>
+          <dgm:constr type="r" for="ch" forName="FiveNodes_4_text" refType="r" refFor="ch" refForName="FiveNodes_4"/>
+          <dgm:constr type="l" for="ch" forName="FiveNodes_5_text" refType="r" refFor="ch" refForName="FiveConn_4-5"/>
+          <dgm:constr type="t" for="ch" forName="FiveNodes_5_text" refType="t" refFor="ch" refForName="FiveNodes_5"/>
+          <dgm:constr type="b" for="ch" forName="FiveNodes_5_text" refType="b" refFor="ch" refForName="FiveNodes_5"/>
+          <dgm:constr type="r" for="ch" forName="FiveNodes_5_text" refType="r" refFor="ch" refForName="FiveNodes_5"/>
+        </dgm:constrLst>
+      </dgm:else>
+    </dgm:choose>
+    <dgm:ruleLst/>
+    <dgm:layoutNode name="dummyMaxCanvas">
+      <dgm:varLst/>
+      <dgm:alg type="sp"/>
+      <dgm:shape xmlns:r="http://schemas.openxmlformats.org/officeDocument/2006/relationships" r:blip="">
+        <dgm:adjLst/>
+      </dgm:shape>
+      <dgm:presOf/>
+      <dgm:constrLst/>
+      <dgm:ruleLst/>
+    </dgm:layoutNode>
+    <dgm:choose name="Name3">
+      <dgm:if name="Name4" axis="ch" ptType="node" func="cnt" op="equ" val="1">
+        <dgm:layoutNode name="OneNode_1">
+          <dgm:varLst>
+            <dgm:bulletEnabled val="1"/>
+          </dgm:varLst>
+          <dgm:alg type="tx"/>
+          <dgm:shape xmlns:r="http://schemas.openxmlformats.org/officeDocument/2006/relationships" type="roundRect" r:blip="">
+            <dgm:adjLst>
+              <dgm:adj idx="1" val="0.1"/>
+            </dgm:adjLst>
+          </dgm:shape>
+          <dgm:presOf axis="ch desOrSelf" ptType="node node" st="1 1" cnt="1 0"/>
+          <dgm:constrLst>
+            <dgm:constr type="lMarg" refType="primFontSz" fact="0.3"/>
+            <dgm:constr type="rMarg" refType="primFontSz" fact="0.3"/>
+            <dgm:constr type="tMarg" refType="primFontSz" fact="0.3"/>
+            <dgm:constr type="bMarg" refType="primFontSz" fact="0.3"/>
+          </dgm:constrLst>
+          <dgm:ruleLst>
+            <dgm:rule type="primFontSz" val="5" fact="NaN" max="NaN"/>
+          </dgm:ruleLst>
+        </dgm:layoutNode>
+      </dgm:if>
+      <dgm:else name="Name5">
+        <dgm:choose name="Name6">
+          <dgm:if name="Name7" axis="ch" ptType="node" func="cnt" op="equ" val="2">
+            <dgm:layoutNode name="TwoNodes_1">
+              <dgm:varLst>
+                <dgm:bulletEnabled val="1"/>
+              </dgm:varLst>
+              <dgm:alg type="sp"/>
+              <dgm:shape xmlns:r="http://schemas.openxmlformats.org/officeDocument/2006/relationships" type="roundRect" r:blip="">
+                <dgm:adjLst>
+                  <dgm:adj idx="1" val="0.1"/>
+                </dgm:adjLst>
+              </dgm:shape>
+              <dgm:presOf axis="ch desOrSelf" ptType="node node" st="1 1" cnt="1 0"/>
+              <dgm:constrLst/>
+              <dgm:ruleLst/>
+            </dgm:layoutNode>
+            <dgm:layoutNode name="TwoNodes_2">
+              <dgm:varLst>
+                <dgm:bulletEnabled val="1"/>
+              </dgm:varLst>
+              <dgm:alg type="sp"/>
+              <dgm:shape xmlns:r="http://schemas.openxmlformats.org/officeDocument/2006/relationships" type="roundRect" r:blip="">
+                <dgm:adjLst>
+                  <dgm:adj idx="1" val="0.1"/>
+                </dgm:adjLst>
+              </dgm:shape>
+              <dgm:presOf axis="ch desOrSelf" ptType="node node" st="2 1" cnt="1 0"/>
+              <dgm:constrLst/>
+              <dgm:ruleLst/>
+            </dgm:layoutNode>
+            <dgm:layoutNode name="TwoConn_1-2" styleLbl="fgAccFollowNode1">
+              <dgm:varLst>
+                <dgm:bulletEnabled val="1"/>
+              </dgm:varLst>
+              <dgm:alg type="tx"/>
+              <dgm:shape xmlns:r="http://schemas.openxmlformats.org/officeDocument/2006/relationships" type="downArrow" r:blip="">
+                <dgm:adjLst>
+                  <dgm:adj idx="1" val="0.55"/>
+                  <dgm:adj idx="2" val="0.45"/>
+                </dgm:adjLst>
+              </dgm:shape>
+              <dgm:presOf axis="ch" ptType="sibTrans" cnt="1"/>
+              <dgm:constrLst>
+                <dgm:constr type="lMarg" refType="primFontSz" fact="0.1"/>
+                <dgm:constr type="rMarg" refType="primFontSz" fact="0.1"/>
+                <dgm:constr type="tMarg" refType="primFontSz" fact="0.1"/>
+                <dgm:constr type="bMarg" refType="primFontSz" fact="0.1"/>
+              </dgm:constrLst>
+              <dgm:ruleLst>
+                <dgm:rule type="primFontSz" val="5" fact="NaN" max="NaN"/>
+              </dgm:ruleLst>
+            </dgm:layoutNode>
+            <dgm:layoutNode name="TwoNodes_1_text">
+              <dgm:varLst>
+                <dgm:bulletEnabled val="1"/>
+              </dgm:varLst>
+              <dgm:alg type="tx">
+                <dgm:param type="parTxLTRAlign" val="l"/>
+                <dgm:param type="txAnchorVertCh" val="mid"/>
+              </dgm:alg>
+              <dgm:shape xmlns:r="http://schemas.openxmlformats.org/officeDocument/2006/relationships" type="roundRect" r:blip="" hideGeom="1">
+                <dgm:adjLst>
+                  <dgm:adj idx="1" val="0.1"/>
+                </dgm:adjLst>
+              </dgm:shape>
+              <dgm:presOf axis="ch desOrSelf" ptType="node node" st="1 1" cnt="1 0"/>
+              <dgm:constrLst>
+                <dgm:constr type="lMarg" refType="primFontSz" fact="0.3"/>
+                <dgm:constr type="rMarg" refType="primFontSz" fact="0.3"/>
+                <dgm:constr type="tMarg" refType="primFontSz" fact="0.3"/>
+                <dgm:constr type="bMarg" refType="primFontSz" fact="0.3"/>
+              </dgm:constrLst>
+              <dgm:ruleLst>
+                <dgm:rule type="primFontSz" val="5" fact="NaN" max="NaN"/>
+              </dgm:ruleLst>
+            </dgm:layoutNode>
+            <dgm:layoutNode name="TwoNodes_2_text">
+              <dgm:varLst>
+                <dgm:bulletEnabled val="1"/>
+              </dgm:varLst>
+              <dgm:alg type="tx">
+                <dgm:param type="parTxLTRAlign" val="l"/>
+                <dgm:param type="txAnchorVertCh" val="mid"/>
+              </dgm:alg>
+              <dgm:shape xmlns:r="http://schemas.openxmlformats.org/officeDocument/2006/relationships" type="roundRect" r:blip="" hideGeom="1">
+                <dgm:adjLst>
+                  <dgm:adj idx="1" val="0.1"/>
+                </dgm:adjLst>
+              </dgm:shape>
+              <dgm:presOf axis="ch desOrSelf" ptType="node node" st="2 1" cnt="1 0"/>
+              <dgm:constrLst>
+                <dgm:constr type="lMarg" refType="primFontSz" fact="0.3"/>
+                <dgm:constr type="rMarg" refType="primFontSz" fact="0.3"/>
+                <dgm:constr type="tMarg" refType="primFontSz" fact="0.3"/>
+                <dgm:constr type="bMarg" refType="primFontSz" fact="0.3"/>
+              </dgm:constrLst>
+              <dgm:ruleLst>
+                <dgm:rule type="primFontSz" val="5" fact="NaN" max="NaN"/>
+              </dgm:ruleLst>
+            </dgm:layoutNode>
+          </dgm:if>
+          <dgm:else name="Name8">
+            <dgm:choose name="Name9">
+              <dgm:if name="Name10" axis="ch" ptType="node" func="cnt" op="equ" val="3">
+                <dgm:layoutNode name="ThreeNodes_1">
+                  <dgm:varLst>
+                    <dgm:bulletEnabled val="1"/>
+                  </dgm:varLst>
+                  <dgm:alg type="sp"/>
+                  <dgm:shape xmlns:r="http://schemas.openxmlformats.org/officeDocument/2006/relationships" type="roundRect" r:blip="">
+                    <dgm:adjLst>
+                      <dgm:adj idx="1" val="0.1"/>
+                    </dgm:adjLst>
+                  </dgm:shape>
+                  <dgm:presOf axis="ch desOrSelf" ptType="node node" st="1 1" cnt="1 0"/>
+                  <dgm:constrLst/>
+                  <dgm:ruleLst/>
+                </dgm:layoutNode>
+                <dgm:layoutNode name="ThreeNodes_2">
+                  <dgm:varLst>
+                    <dgm:bulletEnabled val="1"/>
+                  </dgm:varLst>
+                  <dgm:alg type="sp"/>
+                  <dgm:shape xmlns:r="http://schemas.openxmlformats.org/officeDocument/2006/relationships" type="roundRect" r:blip="">
+                    <dgm:adjLst>
+                      <dgm:adj idx="1" val="0.1"/>
+                    </dgm:adjLst>
+                  </dgm:shape>
+                  <dgm:presOf axis="ch desOrSelf" ptType="node node" st="2 1" cnt="1 0"/>
+                  <dgm:constrLst/>
+                  <dgm:ruleLst/>
+                </dgm:layoutNode>
+                <dgm:layoutNode name="ThreeNodes_3">
+                  <dgm:varLst>
+                    <dgm:bulletEnabled val="1"/>
+                  </dgm:varLst>
+                  <dgm:alg type="sp"/>
+                  <dgm:shape xmlns:r="http://schemas.openxmlformats.org/officeDocument/2006/relationships" type="roundRect" r:blip="">
+                    <dgm:adjLst>
+                      <dgm:adj idx="1" val="0.1"/>
+                    </dgm:adjLst>
+                  </dgm:shape>
+                  <dgm:presOf axis="ch desOrSelf" ptType="node node" st="3 1" cnt="1 0"/>
+                  <dgm:constrLst/>
+                  <dgm:ruleLst/>
+                </dgm:layoutNode>
+                <dgm:layoutNode name="ThreeConn_1-2" styleLbl="fgAccFollowNode1">
+                  <dgm:varLst>
+                    <dgm:bulletEnabled val="1"/>
+                  </dgm:varLst>
+                  <dgm:alg type="tx"/>
+                  <dgm:shape xmlns:r="http://schemas.openxmlformats.org/officeDocument/2006/relationships" type="downArrow" r:blip="">
+                    <dgm:adjLst>
+                      <dgm:adj idx="1" val="0.55"/>
+                      <dgm:adj idx="2" val="0.45"/>
+                    </dgm:adjLst>
+                  </dgm:shape>
+                  <dgm:presOf axis="ch" ptType="sibTrans" cnt="1"/>
+                  <dgm:constrLst>
+                    <dgm:constr type="lMarg" refType="primFontSz" fact="0.1"/>
+                    <dgm:constr type="rMarg" refType="primFontSz" fact="0.1"/>
+                    <dgm:constr type="tMarg" refType="primFontSz" fact="0.1"/>
+                    <dgm:constr type="bMarg" refType="primFontSz" fact="0.1"/>
+                  </dgm:constrLst>
+                  <dgm:ruleLst>
+                    <dgm:rule type="primFontSz" val="5" fact="NaN" max="NaN"/>
+                  </dgm:ruleLst>
+                </dgm:layoutNode>
+                <dgm:layoutNode name="ThreeConn_2-3" styleLbl="fgAccFollowNode1">
+                  <dgm:varLst>
+                    <dgm:bulletEnabled val="1"/>
+                  </dgm:varLst>
+                  <dgm:alg type="tx"/>
+                  <dgm:shape xmlns:r="http://schemas.openxmlformats.org/officeDocument/2006/relationships" type="downArrow" r:blip="">
+                    <dgm:adjLst>
+                      <dgm:adj idx="1" val="0.55"/>
+                      <dgm:adj idx="2" val="0.45"/>
+                    </dgm:adjLst>
+                  </dgm:shape>
+                  <dgm:presOf axis="ch" ptType="sibTrans" st="2" cnt="1"/>
+                  <dgm:constrLst>
+                    <dgm:constr type="lMarg" refType="primFontSz" fact="0.1"/>
+                    <dgm:constr type="rMarg" refType="primFontSz" fact="0.1"/>
+                    <dgm:constr type="tMarg" refType="primFontSz" fact="0.1"/>
+                    <dgm:constr type="bMarg" refType="primFontSz" fact="0.1"/>
+                  </dgm:constrLst>
+                  <dgm:ruleLst>
+                    <dgm:rule type="primFontSz" val="5" fact="NaN" max="NaN"/>
+                  </dgm:ruleLst>
+                </dgm:layoutNode>
+                <dgm:layoutNode name="ThreeNodes_1_text">
+                  <dgm:varLst>
+                    <dgm:bulletEnabled val="1"/>
+                  </dgm:varLst>
+                  <dgm:alg type="tx">
+                    <dgm:param type="parTxLTRAlign" val="l"/>
+                    <dgm:param type="txAnchorVertCh" val="mid"/>
+                  </dgm:alg>
+                  <dgm:shape xmlns:r="http://schemas.openxmlformats.org/officeDocument/2006/relationships" type="roundRect" r:blip="" hideGeom="1">
+                    <dgm:adjLst>
+                      <dgm:adj idx="1" val="0.1"/>
+                    </dgm:adjLst>
+                  </dgm:shape>
+                  <dgm:presOf axis="ch desOrSelf" ptType="node node" st="1 1" cnt="1 0"/>
+                  <dgm:constrLst>
+                    <dgm:constr type="lMarg" refType="primFontSz" fact="0.3"/>
+                    <dgm:constr type="rMarg" refType="primFontSz" fact="0.3"/>
+                    <dgm:constr type="tMarg" refType="primFontSz" fact="0.3"/>
+                    <dgm:constr type="bMarg" refType="primFontSz" fact="0.3"/>
+                  </dgm:constrLst>
+                  <dgm:ruleLst>
+                    <dgm:rule type="primFontSz" val="5" fact="NaN" max="NaN"/>
+                  </dgm:ruleLst>
+                </dgm:layoutNode>
+                <dgm:layoutNode name="ThreeNodes_2_text">
+                  <dgm:varLst>
+                    <dgm:bulletEnabled val="1"/>
+                  </dgm:varLst>
+                  <dgm:alg type="tx">
+                    <dgm:param type="parTxLTRAlign" val="l"/>
+                    <dgm:param type="txAnchorVertCh" val="mid"/>
+                  </dgm:alg>
+                  <dgm:shape xmlns:r="http://schemas.openxmlformats.org/officeDocument/2006/relationships" type="roundRect" r:blip="" hideGeom="1">
+                    <dgm:adjLst>
+                      <dgm:adj idx="1" val="0.1"/>
+                    </dgm:adjLst>
+                  </dgm:shape>
+                  <dgm:presOf axis="ch desOrSelf" ptType="node node" st="2 1" cnt="1 0"/>
+                  <dgm:constrLst>
+                    <dgm:constr type="lMarg" refType="primFontSz" fact="0.3"/>
+                    <dgm:constr type="rMarg" refType="primFontSz" fact="0.3"/>
+                    <dgm:constr type="tMarg" refType="primFontSz" fact="0.3"/>
+                    <dgm:constr type="bMarg" refType="primFontSz" fact="0.3"/>
+                  </dgm:constrLst>
+                  <dgm:ruleLst>
+                    <dgm:rule type="primFontSz" val="5" fact="NaN" max="NaN"/>
+                  </dgm:ruleLst>
+                </dgm:layoutNode>
+                <dgm:layoutNode name="ThreeNodes_3_text">
+                  <dgm:varLst>
+                    <dgm:bulletEnabled val="1"/>
+                  </dgm:varLst>
+                  <dgm:alg type="tx">
+                    <dgm:param type="parTxLTRAlign" val="l"/>
+                    <dgm:param type="txAnchorVertCh" val="mid"/>
+                  </dgm:alg>
+                  <dgm:shape xmlns:r="http://schemas.openxmlformats.org/officeDocument/2006/relationships" type="roundRect" r:blip="" hideGeom="1">
+                    <dgm:adjLst>
+                      <dgm:adj idx="1" val="0.1"/>
+                    </dgm:adjLst>
+                  </dgm:shape>
+                  <dgm:presOf axis="ch desOrSelf" ptType="node node" st="3 1" cnt="1 0"/>
+                  <dgm:constrLst>
+                    <dgm:constr type="lMarg" refType="primFontSz" fact="0.3"/>
+                    <dgm:constr type="rMarg" refType="primFontSz" fact="0.3"/>
+                    <dgm:constr type="tMarg" refType="primFontSz" fact="0.3"/>
+                    <dgm:constr type="bMarg" refType="primFontSz" fact="0.3"/>
+                  </dgm:constrLst>
+                  <dgm:ruleLst>
+                    <dgm:rule type="primFontSz" val="5" fact="NaN" max="NaN"/>
+                  </dgm:ruleLst>
+                </dgm:layoutNode>
+              </dgm:if>
+              <dgm:else name="Name11">
+                <dgm:choose name="Name12">
+                  <dgm:if name="Name13" axis="ch" ptType="node" func="cnt" op="equ" val="4">
+                    <dgm:layoutNode name="FourNodes_1">
+                      <dgm:varLst>
+                        <dgm:bulletEnabled val="1"/>
+                      </dgm:varLst>
+                      <dgm:alg type="sp"/>
+                      <dgm:shape xmlns:r="http://schemas.openxmlformats.org/officeDocument/2006/relationships" type="roundRect" r:blip="">
+                        <dgm:adjLst>
+                          <dgm:adj idx="1" val="0.1"/>
+                        </dgm:adjLst>
+                      </dgm:shape>
+                      <dgm:presOf axis="ch desOrSelf" ptType="node node" st="1 1" cnt="1 0"/>
+                      <dgm:constrLst/>
+                      <dgm:ruleLst/>
+                    </dgm:layoutNode>
+                    <dgm:layoutNode name="FourNodes_2">
+                      <dgm:varLst>
+                        <dgm:bulletEnabled val="1"/>
+                      </dgm:varLst>
+                      <dgm:alg type="sp"/>
+                      <dgm:shape xmlns:r="http://schemas.openxmlformats.org/officeDocument/2006/relationships" type="roundRect" r:blip="">
+                        <dgm:adjLst>
+                          <dgm:adj idx="1" val="0.1"/>
+                        </dgm:adjLst>
+                      </dgm:shape>
+                      <dgm:presOf axis="ch desOrSelf" ptType="node node" st="2 1" cnt="1 0"/>
+                      <dgm:constrLst/>
+                      <dgm:ruleLst/>
+                    </dgm:layoutNode>
+                    <dgm:layoutNode name="FourNodes_3">
+                      <dgm:varLst>
+                        <dgm:bulletEnabled val="1"/>
+                      </dgm:varLst>
+                      <dgm:alg type="sp"/>
+                      <dgm:shape xmlns:r="http://schemas.openxmlformats.org/officeDocument/2006/relationships" type="roundRect" r:blip="">
+                        <dgm:adjLst>
+                          <dgm:adj idx="1" val="0.1"/>
+                        </dgm:adjLst>
+                      </dgm:shape>
+                      <dgm:presOf axis="ch desOrSelf" ptType="node node" st="3 1" cnt="1 0"/>
+                      <dgm:constrLst/>
+                      <dgm:ruleLst/>
+                    </dgm:layoutNode>
+                    <dgm:layoutNode name="FourNodes_4">
+                      <dgm:varLst>
+                        <dgm:bulletEnabled val="1"/>
+                      </dgm:varLst>
+                      <dgm:alg type="sp"/>
+                      <dgm:shape xmlns:r="http://schemas.openxmlformats.org/officeDocument/2006/relationships" type="roundRect" r:blip="">
+                        <dgm:adjLst>
+                          <dgm:adj idx="1" val="0.1"/>
+                        </dgm:adjLst>
+                      </dgm:shape>
+                      <dgm:presOf axis="ch desOrSelf" ptType="node node" st="4 1" cnt="1 0"/>
+                      <dgm:constrLst/>
+                      <dgm:ruleLst/>
+                    </dgm:layoutNode>
+                    <dgm:layoutNode name="FourConn_1-2" styleLbl="fgAccFollowNode1">
+                      <dgm:varLst>
+                        <dgm:bulletEnabled val="1"/>
+                      </dgm:varLst>
+                      <dgm:alg type="tx"/>
+                      <dgm:shape xmlns:r="http://schemas.openxmlformats.org/officeDocument/2006/relationships" type="downArrow" r:blip="">
+                        <dgm:adjLst>
+                          <dgm:adj idx="1" val="0.55"/>
+                          <dgm:adj idx="2" val="0.45"/>
+                        </dgm:adjLst>
+                      </dgm:shape>
+                      <dgm:presOf axis="ch" ptType="sibTrans" cnt="1"/>
+                      <dgm:constrLst>
+                        <dgm:constr type="lMarg" refType="primFontSz" fact="0.1"/>
+                        <dgm:constr type="rMarg" refType="primFontSz" fact="0.1"/>
+                        <dgm:constr type="tMarg" refType="primFontSz" fact="0.1"/>
+                        <dgm:constr type="bMarg" refType="primFontSz" fact="0.1"/>
+                      </dgm:constrLst>
+                      <dgm:ruleLst>
+                        <dgm:rule type="primFontSz" val="5" fact="NaN" max="NaN"/>
+                      </dgm:ruleLst>
+                    </dgm:layoutNode>
+                    <dgm:layoutNode name="FourConn_2-3" styleLbl="fgAccFollowNode1">
+                      <dgm:varLst>
+                        <dgm:bulletEnabled val="1"/>
+                      </dgm:varLst>
+                      <dgm:alg type="tx"/>
+                      <dgm:shape xmlns:r="http://schemas.openxmlformats.org/officeDocument/2006/relationships" type="downArrow" r:blip="">
+                        <dgm:adjLst>
+                          <dgm:adj idx="1" val="0.55"/>
+                          <dgm:adj idx="2" val="0.45"/>
+                        </dgm:adjLst>
+                      </dgm:shape>
+                      <dgm:presOf axis="ch" ptType="sibTrans" st="2" cnt="1"/>
+                      <dgm:constrLst>
+                        <dgm:constr type="lMarg" refType="primFontSz" fact="0.1"/>
+                        <dgm:constr type="rMarg" refType="primFontSz" fact="0.1"/>
+                        <dgm:constr type="tMarg" refType="primFontSz" fact="0.1"/>
+                        <dgm:constr type="bMarg" refType="primFontSz" fact="0.1"/>
+                      </dgm:constrLst>
+                      <dgm:ruleLst>
+                        <dgm:rule type="primFontSz" val="5" fact="NaN" max="NaN"/>
+                      </dgm:ruleLst>
+                    </dgm:layoutNode>
+                    <dgm:layoutNode name="FourConn_3-4" styleLbl="fgAccFollowNode1">
+                      <dgm:varLst>
+                        <dgm:bulletEnabled val="1"/>
+                      </dgm:varLst>
+                      <dgm:alg type="tx"/>
+                      <dgm:shape xmlns:r="http://schemas.openxmlformats.org/officeDocument/2006/relationships" type="downArrow" r:blip="">
+                        <dgm:adjLst>
+                          <dgm:adj idx="1" val="0.55"/>
+                          <dgm:adj idx="2" val="0.45"/>
+                        </dgm:adjLst>
+                      </dgm:shape>
+                      <dgm:presOf axis="ch" ptType="sibTrans" st="3" cnt="1"/>
+                      <dgm:constrLst>
+                        <dgm:constr type="lMarg" refType="primFontSz" fact="0.1"/>
+                        <dgm:constr type="rMarg" refType="primFontSz" fact="0.1"/>
+                        <dgm:constr type="tMarg" refType="primFontSz" fact="0.1"/>
+                        <dgm:constr type="bMarg" refType="primFontSz" fact="0.1"/>
+                      </dgm:constrLst>
+                      <dgm:ruleLst>
+                        <dgm:rule type="primFontSz" val="5" fact="NaN" max="NaN"/>
+                      </dgm:ruleLst>
+                    </dgm:layoutNode>
+                    <dgm:layoutNode name="FourNodes_1_text">
+                      <dgm:varLst>
+                        <dgm:bulletEnabled val="1"/>
+                      </dgm:varLst>
+                      <dgm:alg type="tx">
+                        <dgm:param type="parTxLTRAlign" val="l"/>
+                        <dgm:param type="txAnchorVertCh" val="mid"/>
+                      </dgm:alg>
+                      <dgm:shape xmlns:r="http://schemas.openxmlformats.org/officeDocument/2006/relationships" type="roundRect" r:blip="" hideGeom="1">
+                        <dgm:adjLst>
+                          <dgm:adj idx="1" val="0.1"/>
+                        </dgm:adjLst>
+                      </dgm:shape>
+                      <dgm:presOf axis="ch desOrSelf" ptType="node node" st="1 1" cnt="1 0"/>
+                      <dgm:constrLst>
+                        <dgm:constr type="lMarg" refType="primFontSz" fact="0.3"/>
+                        <dgm:constr type="rMarg" refType="primFontSz" fact="0.3"/>
+                        <dgm:constr type="tMarg" refType="primFontSz" fact="0.3"/>
+                        <dgm:constr type="bMarg" refType="primFontSz" fact="0.3"/>
+                      </dgm:constrLst>
+                      <dgm:ruleLst>
+                        <dgm:rule type="primFontSz" val="5" fact="NaN" max="NaN"/>
+                      </dgm:ruleLst>
+                    </dgm:layoutNode>
+                    <dgm:layoutNode name="FourNodes_2_text">
+                      <dgm:varLst>
+                        <dgm:bulletEnabled val="1"/>
+                      </dgm:varLst>
+                      <dgm:alg type="tx">
+                        <dgm:param type="parTxLTRAlign" val="l"/>
+                        <dgm:param type="txAnchorVertCh" val="mid"/>
+                      </dgm:alg>
+                      <dgm:shape xmlns:r="http://schemas.openxmlformats.org/officeDocument/2006/relationships" type="roundRect" r:blip="" hideGeom="1">
+                        <dgm:adjLst>
+                          <dgm:adj idx="1" val="0.1"/>
+                        </dgm:adjLst>
+                      </dgm:shape>
+                      <dgm:presOf axis="ch desOrSelf" ptType="node node" st="2 1" cnt="1 0"/>
+                      <dgm:constrLst>
+                        <dgm:constr type="lMarg" refType="primFontSz" fact="0.3"/>
+                        <dgm:constr type="rMarg" refType="primFontSz" fact="0.3"/>
+                        <dgm:constr type="tMarg" refType="primFontSz" fact="0.3"/>
+                        <dgm:constr type="bMarg" refType="primFontSz" fact="0.3"/>
+                      </dgm:constrLst>
+                      <dgm:ruleLst>
+                        <dgm:rule type="primFontSz" val="5" fact="NaN" max="NaN"/>
+                      </dgm:ruleLst>
+                    </dgm:layoutNode>
+                    <dgm:layoutNode name="FourNodes_3_text">
+                      <dgm:varLst>
+                        <dgm:bulletEnabled val="1"/>
+                      </dgm:varLst>
+                      <dgm:alg type="tx">
+                        <dgm:param type="parTxLTRAlign" val="l"/>
+                        <dgm:param type="txAnchorVertCh" val="mid"/>
+                      </dgm:alg>
+                      <dgm:shape xmlns:r="http://schemas.openxmlformats.org/officeDocument/2006/relationships" type="roundRect" r:blip="" hideGeom="1">
+                        <dgm:adjLst>
+                          <dgm:adj idx="1" val="0.1"/>
+                        </dgm:adjLst>
+                      </dgm:shape>
+                      <dgm:presOf axis="ch desOrSelf" ptType="node node" st="3 1" cnt="1 0"/>
+                      <dgm:constrLst>
+                        <dgm:constr type="lMarg" refType="primFontSz" fact="0.3"/>
+                        <dgm:constr type="rMarg" refType="primFontSz" fact="0.3"/>
+                        <dgm:constr type="tMarg" refType="primFontSz" fact="0.3"/>
+                        <dgm:constr type="bMarg" refType="primFontSz" fact="0.3"/>
+                      </dgm:constrLst>
+                      <dgm:ruleLst>
+                        <dgm:rule type="primFontSz" val="5" fact="NaN" max="NaN"/>
+                      </dgm:ruleLst>
+                    </dgm:layoutNode>
+                    <dgm:layoutNode name="FourNodes_4_text">
+                      <dgm:varLst>
+                        <dgm:bulletEnabled val="1"/>
+                      </dgm:varLst>
+                      <dgm:alg type="tx">
+                        <dgm:param type="parTxLTRAlign" val="l"/>
+                        <dgm:param type="txAnchorVertCh" val="mid"/>
+                      </dgm:alg>
+                      <dgm:shape xmlns:r="http://schemas.openxmlformats.org/officeDocument/2006/relationships" type="roundRect" r:blip="" hideGeom="1">
+                        <dgm:adjLst>
+                          <dgm:adj idx="1" val="0.1"/>
+                        </dgm:adjLst>
+                      </dgm:shape>
+                      <dgm:presOf axis="ch desOrSelf" ptType="node node" st="4 1" cnt="1 0"/>
+                      <dgm:constrLst>
+                        <dgm:constr type="lMarg" refType="primFontSz" fact="0.3"/>
+                        <dgm:constr type="rMarg" refType="primFontSz" fact="0.3"/>
+                        <dgm:constr type="tMarg" refType="primFontSz" fact="0.3"/>
+                        <dgm:constr type="bMarg" refType="primFontSz" fact="0.3"/>
+                      </dgm:constrLst>
+                      <dgm:ruleLst>
+                        <dgm:rule type="primFontSz" val="5" fact="NaN" max="NaN"/>
+                      </dgm:ruleLst>
+                    </dgm:layoutNode>
+                  </dgm:if>
+                  <dgm:else name="Name14">
+                    <dgm:choose name="Name15">
+                      <dgm:if name="Name16" axis="ch" ptType="node" func="cnt" op="gte" val="5">
+                        <dgm:layoutNode name="FiveNodes_1">
+                          <dgm:varLst>
+                            <dgm:bulletEnabled val="1"/>
+                          </dgm:varLst>
+                          <dgm:alg type="sp"/>
+                          <dgm:shape xmlns:r="http://schemas.openxmlformats.org/officeDocument/2006/relationships" type="roundRect" r:blip="">
+                            <dgm:adjLst>
+                              <dgm:adj idx="1" val="0.1"/>
+                            </dgm:adjLst>
+                          </dgm:shape>
+                          <dgm:presOf axis="ch desOrSelf" ptType="node node" st="1 1" cnt="1 0"/>
+                          <dgm:constrLst/>
+                          <dgm:ruleLst/>
+                        </dgm:layoutNode>
+                        <dgm:layoutNode name="FiveNodes_2">
+                          <dgm:varLst>
+                            <dgm:bulletEnabled val="1"/>
+                          </dgm:varLst>
+                          <dgm:alg type="sp"/>
+                          <dgm:shape xmlns:r="http://schemas.openxmlformats.org/officeDocument/2006/relationships" type="roundRect" r:blip="">
+                            <dgm:adjLst>
+                              <dgm:adj idx="1" val="0.1"/>
+                            </dgm:adjLst>
+                          </dgm:shape>
+                          <dgm:presOf axis="ch desOrSelf" ptType="node node" st="2 1" cnt="1 0"/>
+                          <dgm:constrLst/>
+                          <dgm:ruleLst/>
+                        </dgm:layoutNode>
+                        <dgm:layoutNode name="FiveNodes_3">
+                          <dgm:varLst>
+                            <dgm:bulletEnabled val="1"/>
+                          </dgm:varLst>
+                          <dgm:alg type="sp"/>
+                          <dgm:shape xmlns:r="http://schemas.openxmlformats.org/officeDocument/2006/relationships" type="roundRect" r:blip="">
+                            <dgm:adjLst>
+                              <dgm:adj idx="1" val="0.1"/>
+                            </dgm:adjLst>
+                          </dgm:shape>
+                          <dgm:presOf axis="ch desOrSelf" ptType="node node" st="3 1" cnt="1 0"/>
+                          <dgm:constrLst/>
+                          <dgm:ruleLst/>
+                        </dgm:layoutNode>
+                        <dgm:layoutNode name="FiveNodes_4">
+                          <dgm:varLst>
+                            <dgm:bulletEnabled val="1"/>
+                          </dgm:varLst>
+                          <dgm:alg type="sp"/>
+                          <dgm:shape xmlns:r="http://schemas.openxmlformats.org/officeDocument/2006/relationships" type="roundRect" r:blip="">
+                            <dgm:adjLst>
+                              <dgm:adj idx="1" val="0.1"/>
+                            </dgm:adjLst>
+                          </dgm:shape>
+                          <dgm:presOf axis="ch desOrSelf" ptType="node node" st="4 1" cnt="1 0"/>
+                          <dgm:constrLst/>
+                          <dgm:ruleLst/>
+                        </dgm:layoutNode>
+                        <dgm:layoutNode name="FiveNodes_5">
+                          <dgm:varLst>
+                            <dgm:bulletEnabled val="1"/>
+                          </dgm:varLst>
+                          <dgm:alg type="sp"/>
+                          <dgm:shape xmlns:r="http://schemas.openxmlformats.org/officeDocument/2006/relationships" type="roundRect" r:blip="">
+                            <dgm:adjLst>
+                              <dgm:adj idx="1" val="0.1"/>
+                            </dgm:adjLst>
+                          </dgm:shape>
+                          <dgm:presOf axis="ch desOrSelf" ptType="node node" st="5 1" cnt="1 0"/>
+                          <dgm:constrLst/>
+                          <dgm:ruleLst/>
+                        </dgm:layoutNode>
+                        <dgm:layoutNode name="FiveConn_1-2" styleLbl="fgAccFollowNode1">
+                          <dgm:varLst>
+                            <dgm:bulletEnabled val="1"/>
+                          </dgm:varLst>
+                          <dgm:alg type="tx"/>
+                          <dgm:shape xmlns:r="http://schemas.openxmlformats.org/officeDocument/2006/relationships" type="downArrow" r:blip="">
+                            <dgm:adjLst>
+                              <dgm:adj idx="1" val="0.55"/>
+                              <dgm:adj idx="2" val="0.45"/>
+                            </dgm:adjLst>
+                          </dgm:shape>
+                          <dgm:presOf axis="ch" ptType="sibTrans" cnt="1"/>
+                          <dgm:constrLst>
+                            <dgm:constr type="lMarg" refType="primFontSz" fact="0.1"/>
+                            <dgm:constr type="rMarg" refType="primFontSz" fact="0.1"/>
+                            <dgm:constr type="tMarg" refType="primFontSz" fact="0.1"/>
+                            <dgm:constr type="bMarg" refType="primFontSz" fact="0.1"/>
+                          </dgm:constrLst>
+                          <dgm:ruleLst>
+                            <dgm:rule type="primFontSz" val="5" fact="NaN" max="NaN"/>
+                          </dgm:ruleLst>
+                        </dgm:layoutNode>
+                        <dgm:layoutNode name="FiveConn_2-3" styleLbl="fgAccFollowNode1">
+                          <dgm:varLst>
+                            <dgm:bulletEnabled val="1"/>
+                          </dgm:varLst>
+                          <dgm:alg type="tx"/>
+                          <dgm:shape xmlns:r="http://schemas.openxmlformats.org/officeDocument/2006/relationships" type="downArrow" r:blip="">
+                            <dgm:adjLst>
+                              <dgm:adj idx="1" val="0.55"/>
+                              <dgm:adj idx="2" val="0.45"/>
+                            </dgm:adjLst>
+                          </dgm:shape>
+                          <dgm:presOf axis="ch" ptType="sibTrans" st="2" cnt="1"/>
+                          <dgm:constrLst>
+                            <dgm:constr type="lMarg" refType="primFontSz" fact="0.1"/>
+                            <dgm:constr type="rMarg" refType="primFontSz" fact="0.1"/>
+                            <dgm:constr type="tMarg" refType="primFontSz" fact="0.1"/>
+                            <dgm:constr type="bMarg" refType="primFontSz" fact="0.1"/>
+                          </dgm:constrLst>
+                          <dgm:ruleLst>
+                            <dgm:rule type="primFontSz" val="5" fact="NaN" max="NaN"/>
+                          </dgm:ruleLst>
+                        </dgm:layoutNode>
+                        <dgm:layoutNode name="FiveConn_3-4" styleLbl="fgAccFollowNode1">
+                          <dgm:varLst>
+                            <dgm:bulletEnabled val="1"/>
+                          </dgm:varLst>
+                          <dgm:alg type="tx"/>
+                          <dgm:shape xmlns:r="http://schemas.openxmlformats.org/officeDocument/2006/relationships" type="downArrow" r:blip="">
+                            <dgm:adjLst>
+                              <dgm:adj idx="1" val="0.55"/>
+                              <dgm:adj idx="2" val="0.45"/>
+                            </dgm:adjLst>
+                          </dgm:shape>
+                          <dgm:presOf axis="ch" ptType="sibTrans" st="3" cnt="1"/>
+                          <dgm:constrLst>
+                            <dgm:constr type="lMarg" refType="primFontSz" fact="0.1"/>
+                            <dgm:constr type="rMarg" refType="primFontSz" fact="0.1"/>
+                            <dgm:constr type="tMarg" refType="primFontSz" fact="0.1"/>
+                            <dgm:constr type="bMarg" refType="primFontSz" fact="0.1"/>
+                          </dgm:constrLst>
+                          <dgm:ruleLst>
+                            <dgm:rule type="primFontSz" val="5" fact="NaN" max="NaN"/>
+                          </dgm:ruleLst>
+                        </dgm:layoutNode>
+                        <dgm:layoutNode name="FiveConn_4-5" styleLbl="fgAccFollowNode1">
+                          <dgm:varLst>
+                            <dgm:bulletEnabled val="1"/>
+                          </dgm:varLst>
+                          <dgm:alg type="tx"/>
+                          <dgm:shape xmlns:r="http://schemas.openxmlformats.org/officeDocument/2006/relationships" type="downArrow" r:blip="">
+                            <dgm:adjLst>
+                              <dgm:adj idx="1" val="0.55"/>
+                              <dgm:adj idx="2" val="0.45"/>
+                            </dgm:adjLst>
+                          </dgm:shape>
+                          <dgm:presOf axis="ch" ptType="sibTrans" st="4" cnt="1"/>
+                          <dgm:constrLst>
+                            <dgm:constr type="lMarg" refType="primFontSz" fact="0.1"/>
+                            <dgm:constr type="rMarg" refType="primFontSz" fact="0.1"/>
+                            <dgm:constr type="tMarg" refType="primFontSz" fact="0.1"/>
+                            <dgm:constr type="bMarg" refType="primFontSz" fact="0.1"/>
+                          </dgm:constrLst>
+                          <dgm:ruleLst>
+                            <dgm:rule type="primFontSz" val="5" fact="NaN" max="NaN"/>
+                          </dgm:ruleLst>
+                        </dgm:layoutNode>
+                        <dgm:layoutNode name="FiveNodes_1_text">
+                          <dgm:varLst>
+                            <dgm:bulletEnabled val="1"/>
+                          </dgm:varLst>
+                          <dgm:alg type="tx">
+                            <dgm:param type="parTxLTRAlign" val="l"/>
+                            <dgm:param type="txAnchorVertCh" val="mid"/>
+                          </dgm:alg>
+                          <dgm:shape xmlns:r="http://schemas.openxmlformats.org/officeDocument/2006/relationships" type="roundRect" r:blip="" hideGeom="1">
+                            <dgm:adjLst>
+                              <dgm:adj idx="1" val="0.1"/>
+                            </dgm:adjLst>
+                          </dgm:shape>
+                          <dgm:presOf axis="ch desOrSelf" ptType="node node" st="1 1" cnt="1 0"/>
+                          <dgm:constrLst>
+                            <dgm:constr type="lMarg" refType="primFontSz" fact="0.3"/>
+                            <dgm:constr type="rMarg" refType="primFontSz" fact="0.3"/>
+                            <dgm:constr type="tMarg" refType="primFontSz" fact="0.3"/>
+                            <dgm:constr type="bMarg" refType="primFontSz" fact="0.3"/>
+                          </dgm:constrLst>
+                          <dgm:ruleLst>
+                            <dgm:rule type="primFontSz" val="5" fact="NaN" max="NaN"/>
+                          </dgm:ruleLst>
+                        </dgm:layoutNode>
+                        <dgm:layoutNode name="FiveNodes_2_text">
+                          <dgm:varLst>
+                            <dgm:bulletEnabled val="1"/>
+                          </dgm:varLst>
+                          <dgm:alg type="tx">
+                            <dgm:param type="parTxLTRAlign" val="l"/>
+                            <dgm:param type="txAnchorVertCh" val="mid"/>
+                          </dgm:alg>
+                          <dgm:shape xmlns:r="http://schemas.openxmlformats.org/officeDocument/2006/relationships" type="roundRect" r:blip="" hideGeom="1">
+                            <dgm:adjLst>
+                              <dgm:adj idx="1" val="0.1"/>
+                            </dgm:adjLst>
+                          </dgm:shape>
+                          <dgm:presOf axis="ch desOrSelf" ptType="node node" st="2 1" cnt="1 0"/>
+                          <dgm:constrLst>
+                            <dgm:constr type="lMarg" refType="primFontSz" fact="0.3"/>
+                            <dgm:constr type="rMarg" refType="primFontSz" fact="0.3"/>
+                            <dgm:constr type="tMarg" refType="primFontSz" fact="0.3"/>
+                            <dgm:constr type="bMarg" refType="primFontSz" fact="0.3"/>
+                          </dgm:constrLst>
+                          <dgm:ruleLst>
+                            <dgm:rule type="primFontSz" val="5" fact="NaN" max="NaN"/>
+                          </dgm:ruleLst>
+                        </dgm:layoutNode>
+                        <dgm:layoutNode name="FiveNodes_3_text">
+                          <dgm:varLst>
+                            <dgm:bulletEnabled val="1"/>
+                          </dgm:varLst>
+                          <dgm:alg type="tx">
+                            <dgm:param type="parTxLTRAlign" val="l"/>
+                            <dgm:param type="txAnchorVertCh" val="mid"/>
+                          </dgm:alg>
+                          <dgm:shape xmlns:r="http://schemas.openxmlformats.org/officeDocument/2006/relationships" type="roundRect" r:blip="" hideGeom="1">
+                            <dgm:adjLst>
+                              <dgm:adj idx="1" val="0.1"/>
+                            </dgm:adjLst>
+                          </dgm:shape>
+                          <dgm:presOf axis="ch desOrSelf" ptType="node node" st="3 1" cnt="1 0"/>
+                          <dgm:constrLst>
+                            <dgm:constr type="lMarg" refType="primFontSz" fact="0.3"/>
+                            <dgm:constr type="rMarg" refType="primFontSz" fact="0.3"/>
+                            <dgm:constr type="tMarg" refType="primFontSz" fact="0.3"/>
+                            <dgm:constr type="bMarg" refType="primFontSz" fact="0.3"/>
+                          </dgm:constrLst>
+                          <dgm:ruleLst>
+                            <dgm:rule type="primFontSz" val="5" fact="NaN" max="NaN"/>
+                          </dgm:ruleLst>
+                        </dgm:layoutNode>
+                        <dgm:layoutNode name="FiveNodes_4_text">
+                          <dgm:varLst>
+                            <dgm:bulletEnabled val="1"/>
+                          </dgm:varLst>
+                          <dgm:alg type="tx">
+                            <dgm:param type="parTxLTRAlign" val="l"/>
+                            <dgm:param type="txAnchorVertCh" val="mid"/>
+                          </dgm:alg>
+                          <dgm:shape xmlns:r="http://schemas.openxmlformats.org/officeDocument/2006/relationships" type="roundRect" r:blip="" hideGeom="1">
+                            <dgm:adjLst>
+                              <dgm:adj idx="1" val="0.1"/>
+                            </dgm:adjLst>
+                          </dgm:shape>
+                          <dgm:presOf axis="ch desOrSelf" ptType="node node" st="4 1" cnt="1 0"/>
+                          <dgm:constrLst>
+                            <dgm:constr type="lMarg" refType="primFontSz" fact="0.3"/>
+                            <dgm:constr type="rMarg" refType="primFontSz" fact="0.3"/>
+                            <dgm:constr type="tMarg" refType="primFontSz" fact="0.3"/>
+                            <dgm:constr type="bMarg" refType="primFontSz" fact="0.3"/>
+                          </dgm:constrLst>
+                          <dgm:ruleLst>
+                            <dgm:rule type="primFontSz" val="5" fact="NaN" max="NaN"/>
+                          </dgm:ruleLst>
+                        </dgm:layoutNode>
+                        <dgm:layoutNode name="FiveNodes_5_text">
+                          <dgm:varLst>
+                            <dgm:bulletEnabled val="1"/>
+                          </dgm:varLst>
+                          <dgm:alg type="tx">
+                            <dgm:param type="parTxLTRAlign" val="l"/>
+                            <dgm:param type="txAnchorVertCh" val="mid"/>
+                          </dgm:alg>
+                          <dgm:shape xmlns:r="http://schemas.openxmlformats.org/officeDocument/2006/relationships" type="roundRect" r:blip="" hideGeom="1">
+                            <dgm:adjLst>
+                              <dgm:adj idx="1" val="0.1"/>
+                            </dgm:adjLst>
+                          </dgm:shape>
+                          <dgm:presOf axis="ch desOrSelf" ptType="node node" st="5 1" cnt="1 0"/>
+                          <dgm:constrLst>
+                            <dgm:constr type="lMarg" refType="primFontSz" fact="0.3"/>
+                            <dgm:constr type="rMarg" refType="primFontSz" fact="0.3"/>
+                            <dgm:constr type="tMarg" refType="primFontSz" fact="0.3"/>
+                            <dgm:constr type="bMarg" refType="primFontSz" fact="0.3"/>
+                          </dgm:constrLst>
+                          <dgm:ruleLst>
+                            <dgm:rule type="primFontSz" val="5" fact="NaN" max="NaN"/>
+                          </dgm:ruleLst>
+                        </dgm:layoutNode>
+                      </dgm:if>
+                      <dgm:else name="Name17"/>
+                    </dgm:choose>
+                  </dgm:else>
+                </dgm:choose>
+              </dgm:else>
+            </dgm:choose>
+          </dgm:else>
+        </dgm:choose>
+      </dgm:else>
+    </dgm:choose>
+  </dgm:layoutNode>
+</dgm:layoutDef>
+</file>
+
+<file path=ppt/diagrams/quickStyle1.xml><?xml version="1.0" encoding="utf-8"?>
+<dgm:styleDef xmlns:dgm="http://schemas.openxmlformats.org/drawingml/2006/diagram" xmlns:a="http://schemas.openxmlformats.org/drawingml/2006/main" uniqueId="urn:microsoft.com/office/officeart/2005/8/quickstyle/simple2">
+  <dgm:title val=""/>
+  <dgm:desc val=""/>
+  <dgm:catLst>
+    <dgm:cat type="simple" pri="10200"/>
+  </dgm:catLst>
+  <dgm:scene3d>
+    <a:camera prst="orthographicFront"/>
+    <a:lightRig rig="threePt" dir="t"/>
+  </dgm:scene3d>
+  <dgm:styleLbl name="node0">
+    <dgm:scene3d>
+      <a:camera prst="orthographicFront"/>
+      <a:lightRig rig="threePt" dir="t"/>
+    </dgm:scene3d>
+    <dgm:sp3d/>
+    <dgm:txPr/>
+    <dgm:style>
+      <a:lnRef idx="3">
+        <a:scrgbClr r="0" g="0" b="0"/>
+      </a:lnRef>
+      <a:fillRef idx="1">
+        <a:scrgbClr r="0" g="0" b="0"/>
+      </a:fillRef>
+      <a:effectRef idx="1">
+        <a:scrgbClr r="0" g="0" b="0"/>
+      </a:effectRef>
+      <a:fontRef idx="minor">
+        <a:schemeClr val="lt1"/>
+      </a:fontRef>
+    </dgm:style>
+  </dgm:styleLbl>
+  <dgm:styleLbl name="lnNode1">
+    <dgm:scene3d>
+      <a:camera prst="orthographicFront"/>
+      <a:lightRig rig="threePt" dir="t"/>
+    </dgm:scene3d>
+    <dgm:sp3d/>
+    <dgm:txPr/>
+    <dgm:style>
+      <a:lnRef idx="3">
+        <a:scrgbClr r="0" g="0" b="0"/>
+      </a:lnRef>
+      <a:fillRef idx="1">
+        <a:scrgbClr r="0" g="0" b="0"/>
+      </a:fillRef>
+      <a:effectRef idx="1">
+        <a:scrgbClr r="0" g="0" b="0"/>
+      </a:effectRef>
+      <a:fontRef idx="minor">
+        <a:schemeClr val="lt1"/>
+      </a:fontRef>
+    </dgm:style>
+  </dgm:styleLbl>
+  <dgm:styleLbl name="vennNode1">
+    <dgm:scene3d>
+      <a:camera prst="orthographicFront"/>
+      <a:lightRig rig="threePt" dir="t"/>
+    </dgm:scene3d>
+    <dgm:sp3d/>
+    <dgm:txPr/>
+    <dgm:style>
+      <a:lnRef idx="3">
+        <a:scrgbClr r="0" g="0" b="0"/>
+      </a:lnRef>
+      <a:fillRef idx="1">
+        <a:scrgbClr r="0" g="0" b="0"/>
+      </a:fillRef>
+      <a:effectRef idx="0">
+        <a:scrgbClr r="0" g="0" b="0"/>
+      </a:effectRef>
+      <a:fontRef idx="minor">
+        <a:schemeClr val="tx1"/>
+      </a:fontRef>
+    </dgm:style>
+  </dgm:styleLbl>
+  <dgm:styleLbl name="alignNode1">
+    <dgm:scene3d>
+      <a:camera prst="orthographicFront"/>
+      <a:lightRig rig="threePt" dir="t"/>
+    </dgm:scene3d>
+    <dgm:sp3d/>
+    <dgm:txPr/>
+    <dgm:style>
+      <a:lnRef idx="2">
+        <a:scrgbClr r="0" g="0" b="0"/>
+      </a:lnRef>
+      <a:fillRef idx="1">
+        <a:scrgbClr r="0" g="0" b="0"/>
+      </a:fillRef>
+      <a:effectRef idx="1">
+        <a:scrgbClr r="0" g="0" b="0"/>
+      </a:effectRef>
+      <a:fontRef idx="minor">
+        <a:schemeClr val="lt1"/>
+      </a:fontRef>
+    </dgm:style>
+  </dgm:styleLbl>
+  <dgm:styleLbl name="node1">
+    <dgm:scene3d>
+      <a:camera prst="orthographicFront"/>
+      <a:lightRig rig="threePt" dir="t"/>
+    </dgm:scene3d>
+    <dgm:sp3d/>
+    <dgm:txPr/>
+    <dgm:style>
+      <a:lnRef idx="3">
+        <a:scrgbClr r="0" g="0" b="0"/>
+      </a:lnRef>
+      <a:fillRef idx="1">
+        <a:scrgbClr r="0" g="0" b="0"/>
+      </a:fillRef>
+      <a:effectRef idx="1">
+        <a:scrgbClr r="0" g="0" b="0"/>
+      </a:effectRef>
+      <a:fontRef idx="minor">
+        <a:schemeClr val="lt1"/>
+      </a:fontRef>
+    </dgm:style>
+  </dgm:styleLbl>
+  <dgm:styleLbl name="node2">
+    <dgm:scene3d>
+      <a:camera prst="orthographicFront"/>
+      <a:lightRig rig="threePt" dir="t"/>
+    </dgm:scene3d>
+    <dgm:sp3d/>
+    <dgm:txPr/>
+    <dgm:style>
+      <a:lnRef idx="3">
+        <a:scrgbClr r="0" g="0" b="0"/>
+      </a:lnRef>
+      <a:fillRef idx="1">
+        <a:scrgbClr r="0" g="0" b="0"/>
+      </a:fillRef>
+      <a:effectRef idx="1">
+        <a:scrgbClr r="0" g="0" b="0"/>
+      </a:effectRef>
+      <a:fontRef idx="minor">
+        <a:schemeClr val="lt1"/>
+      </a:fontRef>
+    </dgm:style>
+  </dgm:styleLbl>
+  <dgm:styleLbl name="node3">
+    <dgm:scene3d>
+      <a:camera prst="orthographicFront"/>
+      <a:lightRig rig="threePt" dir="t"/>
+    </dgm:scene3d>
+    <dgm:sp3d/>
+    <dgm:txPr/>
+    <dgm:style>
+      <a:lnRef idx="3">
+        <a:scrgbClr r="0" g="0" b="0"/>
+      </a:lnRef>
+      <a:fillRef idx="1">
+        <a:scrgbClr r="0" g="0" b="0"/>
+      </a:fillRef>
+      <a:effectRef idx="1">
+        <a:scrgbClr r="0" g="0" b="0"/>
+      </a:effectRef>
+      <a:fontRef idx="minor">
+        <a:schemeClr val="lt1"/>
+      </a:fontRef>
+    </dgm:style>
+  </dgm:styleLbl>
+  <dgm:styleLbl name="node4">
+    <dgm:scene3d>
+      <a:camera prst="orthographicFront"/>
+      <a:lightRig rig="threePt" dir="t"/>
+    </dgm:scene3d>
+    <dgm:sp3d/>
+    <dgm:txPr/>
+    <dgm:style>
+      <a:lnRef idx="3">
+        <a:scrgbClr r="0" g="0" b="0"/>
+      </a:lnRef>
+      <a:fillRef idx="1">
+        <a:scrgbClr r="0" g="0" b="0"/>
+      </a:fillRef>
+      <a:effectRef idx="1">
+        <a:scrgbClr r="0" g="0" b="0"/>
+      </a:effectRef>
+      <a:fontRef idx="minor">
+        <a:schemeClr val="lt1"/>
+      </a:fontRef>
+    </dgm:style>
+  </dgm:styleLbl>
+  <dgm:styleLbl name="fgImgPlace1">
+    <dgm:scene3d>
+      <a:camera prst="orthographicFront"/>
+      <a:lightRig rig="threePt" dir="t"/>
+    </dgm:scene3d>
+    <dgm:sp3d/>
+    <dgm:txPr/>
+    <dgm:style>
+      <a:lnRef idx="3">
+        <a:scrgbClr r="0" g="0" b="0"/>
+      </a:lnRef>
+      <a:fillRef idx="1">
+        <a:scrgbClr r="0" g="0" b="0"/>
+      </a:fillRef>
+      <a:effectRef idx="1">
+        <a:scrgbClr r="0" g="0" b="0"/>
+      </a:effectRef>
+      <a:fontRef idx="minor"/>
+    </dgm:style>
+  </dgm:styleLbl>
+  <dgm:styleLbl name="alignImgPlace1">
+    <dgm:scene3d>
+      <a:camera prst="orthographicFront"/>
+      <a:lightRig rig="threePt" dir="t"/>
+    </dgm:scene3d>
+    <dgm:sp3d/>
+    <dgm:txPr/>
+    <dgm:style>
+      <a:lnRef idx="3">
+        <a:scrgbClr r="0" g="0" b="0"/>
+      </a:lnRef>
+      <a:fillRef idx="1">
+        <a:scrgbClr r="0" g="0" b="0"/>
+      </a:fillRef>
+      <a:effectRef idx="1">
+        <a:scrgbClr r="0" g="0" b="0"/>
+      </a:effectRef>
+      <a:fontRef idx="minor"/>
+    </dgm:style>
+  </dgm:styleLbl>
+  <dgm:styleLbl name="bgImgPlace1">
+    <dgm:scene3d>
+      <a:camera prst="orthographicFront"/>
+      <a:lightRig rig="threePt" dir="t"/>
+    </dgm:scene3d>
+    <dgm:sp3d/>
+    <dgm:txPr/>
+    <dgm:style>
+      <a:lnRef idx="3">
+        <a:scrgbClr r="0" g="0" b="0"/>
+      </a:lnRef>
+      <a:fillRef idx="1">
+        <a:scrgbClr r="0" g="0" b="0"/>
+      </a:fillRef>
+      <a:effectRef idx="1">
+        <a:scrgbClr r="0" g="0" b="0"/>
+      </a:effectRef>
+      <a:fontRef idx="minor"/>
+    </dgm:style>
+  </dgm:styleLbl>
+  <dgm:styleLbl name="sibTrans2D1">
+    <dgm:scene3d>
+      <a:camera prst="orthographicFront"/>
+      <a:lightRig rig="threePt" dir="t"/>
+    </dgm:scene3d>
+    <dgm:sp3d/>
+    <dgm:txPr/>
+    <dgm:style>
+      <a:lnRef idx="0">
+        <a:scrgbClr r="0" g="0" b="0"/>
+      </a:lnRef>
+      <a:fillRef idx="1">
+        <a:scrgbClr r="0" g="0" b="0"/>
+      </a:fillRef>
+      <a:effectRef idx="1">
+        <a:scrgbClr r="0" g="0" b="0"/>
+      </a:effectRef>
+      <a:fontRef idx="minor">
+        <a:schemeClr val="lt1"/>
+      </a:fontRef>
+    </dgm:style>
+  </dgm:styleLbl>
+  <dgm:styleLbl name="fgSibTrans2D1">
+    <dgm:scene3d>
+      <a:camera prst="orthographicFront"/>
+      <a:lightRig rig="threePt" dir="t"/>
+    </dgm:scene3d>
+    <dgm:sp3d/>
+    <dgm:txPr/>
+    <dgm:style>
+      <a:lnRef idx="0">
+        <a:scrgbClr r="0" g="0" b="0"/>
+      </a:lnRef>
+      <a:fillRef idx="1">
+        <a:scrgbClr r="0" g="0" b="0"/>
+      </a:fillRef>
+      <a:effectRef idx="1">
+        <a:scrgbClr r="0" g="0" b="0"/>
+      </a:effectRef>
+      <a:fontRef idx="minor">
+        <a:schemeClr val="lt1"/>
+      </a:fontRef>
+    </dgm:style>
+  </dgm:styleLbl>
+  <dgm:styleLbl name="bgSibTrans2D1">
+    <dgm:scene3d>
+      <a:camera prst="orthographicFront"/>
+      <a:lightRig rig="threePt" dir="t"/>
+    </dgm:scene3d>
+    <dgm:sp3d/>
+    <dgm:txPr/>
+    <dgm:style>
+      <a:lnRef idx="0">
+        <a:scrgbClr r="0" g="0" b="0"/>
+      </a:lnRef>
+      <a:fillRef idx="1">
+        <a:scrgbClr r="0" g="0" b="0"/>
+      </a:fillRef>
+      <a:effectRef idx="1">
+        <a:scrgbClr r="0" g="0" b="0"/>
+      </a:effectRef>
+      <a:fontRef idx="minor">
+        <a:schemeClr val="lt1"/>
+      </a:fontRef>
+    </dgm:style>
+  </dgm:styleLbl>
+  <dgm:styleLbl name="sibTrans1D1">
+    <dgm:scene3d>
+      <a:camera prst="orthographicFront"/>
+      <a:lightRig rig="threePt" dir="t"/>
+    </dgm:scene3d>
+    <dgm:sp3d/>
+    <dgm:txPr/>
+    <dgm:style>
+      <a:lnRef idx="1">
+        <a:scrgbClr r="0" g="0" b="0"/>
+      </a:lnRef>
+      <a:fillRef idx="0">
+        <a:scrgbClr r="0" g="0" b="0"/>
+      </a:fillRef>
+      <a:effectRef idx="0">
+        <a:scrgbClr r="0" g="0" b="0"/>
+      </a:effectRef>
+      <a:fontRef idx="minor"/>
+    </dgm:style>
+  </dgm:styleLbl>
+  <dgm:styleLbl name="callout">
+    <dgm:scene3d>
+      <a:camera prst="orthographicFront"/>
+      <a:lightRig rig="threePt" dir="t"/>
+    </dgm:scene3d>
+    <dgm:sp3d/>
+    <dgm:txPr/>
+    <dgm:style>
+      <a:lnRef idx="2">
+        <a:scrgbClr r="0" g="0" b="0"/>
+      </a:lnRef>
+      <a:fillRef idx="1">
+        <a:scrgbClr r="0" g="0" b="0"/>
+      </a:fillRef>
+      <a:effectRef idx="1">
+        <a:scrgbClr r="0" g="0" b="0"/>
+      </a:effectRef>
+      <a:fontRef idx="minor"/>
+    </dgm:style>
+  </dgm:styleLbl>
+  <dgm:styleLbl name="asst0">
+    <dgm:scene3d>
+      <a:camera prst="orthographicFront"/>
+      <a:lightRig rig="threePt" dir="t"/>
+    </dgm:scene3d>
+    <dgm:sp3d/>
+    <dgm:txPr/>
+    <dgm:style>
+      <a:lnRef idx="3">
+        <a:scrgbClr r="0" g="0" b="0"/>
+      </a:lnRef>
+      <a:fillRef idx="1">
+        <a:scrgbClr r="0" g="0" b="0"/>
+      </a:fillRef>
+      <a:effectRef idx="1">
+        <a:scrgbClr r="0" g="0" b="0"/>
+      </a:effectRef>
+      <a:fontRef idx="minor">
+        <a:schemeClr val="lt1"/>
+      </a:fontRef>
+    </dgm:style>
+  </dgm:styleLbl>
+  <dgm:styleLbl name="asst1">
+    <dgm:scene3d>
+      <a:camera prst="orthographicFront"/>
+      <a:lightRig rig="threePt" dir="t"/>
+    </dgm:scene3d>
+    <dgm:sp3d/>
+    <dgm:txPr/>
+    <dgm:style>
+      <a:lnRef idx="3">
+        <a:scrgbClr r="0" g="0" b="0"/>
+      </a:lnRef>
+      <a:fillRef idx="1">
+        <a:scrgbClr r="0" g="0" b="0"/>
+      </a:fillRef>
+      <a:effectRef idx="1">
+        <a:scrgbClr r="0" g="0" b="0"/>
+      </a:effectRef>
+      <a:fontRef idx="minor">
+        <a:schemeClr val="lt1"/>
+      </a:fontRef>
+    </dgm:style>
+  </dgm:styleLbl>
+  <dgm:styleLbl name="asst2">
+    <dgm:scene3d>
+      <a:camera prst="orthographicFront"/>
+      <a:lightRig rig="threePt" dir="t"/>
+    </dgm:scene3d>
+    <dgm:sp3d/>
+    <dgm:txPr/>
+    <dgm:style>
+      <a:lnRef idx="3">
+        <a:scrgbClr r="0" g="0" b="0"/>
+      </a:lnRef>
+      <a:fillRef idx="1">
+        <a:scrgbClr r="0" g="0" b="0"/>
+      </a:fillRef>
+      <a:effectRef idx="1">
+        <a:scrgbClr r="0" g="0" b="0"/>
+      </a:effectRef>
+      <a:fontRef idx="minor">
+        <a:schemeClr val="lt1"/>
+      </a:fontRef>
+    </dgm:style>
+  </dgm:styleLbl>
+  <dgm:styleLbl name="asst3">
+    <dgm:scene3d>
+      <a:camera prst="orthographicFront"/>
+      <a:lightRig rig="threePt" dir="t"/>
+    </dgm:scene3d>
+    <dgm:sp3d/>
+    <dgm:txPr/>
+    <dgm:style>
+      <a:lnRef idx="3">
+        <a:scrgbClr r="0" g="0" b="0"/>
+      </a:lnRef>
+      <a:fillRef idx="1">
+        <a:scrgbClr r="0" g="0" b="0"/>
+      </a:fillRef>
+      <a:effectRef idx="1">
+        <a:scrgbClr r="0" g="0" b="0"/>
+      </a:effectRef>
+      <a:fontRef idx="minor">
+        <a:schemeClr val="lt1"/>
+      </a:fontRef>
+    </dgm:style>
+  </dgm:styleLbl>
+  <dgm:styleLbl name="asst4">
+    <dgm:scene3d>
+      <a:camera prst="orthographicFront"/>
+      <a:lightRig rig="threePt" dir="t"/>
+    </dgm:scene3d>
+    <dgm:sp3d/>
+    <dgm:txPr/>
+    <dgm:style>
+      <a:lnRef idx="3">
+        <a:scrgbClr r="0" g="0" b="0"/>
+      </a:lnRef>
+      <a:fillRef idx="1">
+        <a:scrgbClr r="0" g="0" b="0"/>
+      </a:fillRef>
+      <a:effectRef idx="1">
+        <a:scrgbClr r="0" g="0" b="0"/>
+      </a:effectRef>
+      <a:fontRef idx="minor">
+        <a:schemeClr val="lt1"/>
+      </a:fontRef>
+    </dgm:style>
+  </dgm:styleLbl>
+  <dgm:styleLbl name="parChTrans2D1">
+    <dgm:scene3d>
+      <a:camera prst="orthographicFront"/>
+      <a:lightRig rig="threePt" dir="t"/>
+    </dgm:scene3d>
+    <dgm:sp3d/>
+    <dgm:txPr/>
+    <dgm:style>
+      <a:lnRef idx="3">
+        <a:scrgbClr r="0" g="0" b="0"/>
+      </a:lnRef>
+      <a:fillRef idx="1">
+        <a:scrgbClr r="0" g="0" b="0"/>
+      </a:fillRef>
+      <a:effectRef idx="1">
+        <a:scrgbClr r="0" g="0" b="0"/>
+      </a:effectRef>
+      <a:fontRef idx="minor">
+        <a:schemeClr val="lt1"/>
+      </a:fontRef>
+    </dgm:style>
+  </dgm:styleLbl>
+  <dgm:styleLbl name="parChTrans2D2">
+    <dgm:scene3d>
+      <a:camera prst="orthographicFront"/>
+      <a:lightRig rig="threePt" dir="t"/>
+    </dgm:scene3d>
+    <dgm:sp3d/>
+    <dgm:txPr/>
+    <dgm:style>
+      <a:lnRef idx="3">
+        <a:scrgbClr r="0" g="0" b="0"/>
+      </a:lnRef>
+      <a:fillRef idx="1">
+        <a:scrgbClr r="0" g="0" b="0"/>
+      </a:fillRef>
+      <a:effectRef idx="1">
+        <a:scrgbClr r="0" g="0" b="0"/>
+      </a:effectRef>
+      <a:fontRef idx="minor">
+        <a:schemeClr val="lt1"/>
+      </a:fontRef>
+    </dgm:style>
+  </dgm:styleLbl>
+  <dgm:styleLbl name="parChTrans2D3">
+    <dgm:scene3d>
+      <a:camera prst="orthographicFront"/>
+      <a:lightRig rig="threePt" dir="t"/>
+    </dgm:scene3d>
+    <dgm:sp3d/>
+    <dgm:txPr/>
+    <dgm:style>
+      <a:lnRef idx="3">
+        <a:scrgbClr r="0" g="0" b="0"/>
+      </a:lnRef>
+      <a:fillRef idx="1">
+        <a:scrgbClr r="0" g="0" b="0"/>
+      </a:fillRef>
+      <a:effectRef idx="1">
+        <a:scrgbClr r="0" g="0" b="0"/>
+      </a:effectRef>
+      <a:fontRef idx="minor">
+        <a:schemeClr val="lt1"/>
+      </a:fontRef>
+    </dgm:style>
+  </dgm:styleLbl>
+  <dgm:styleLbl name="parChTrans2D4">
+    <dgm:scene3d>
+      <a:camera prst="orthographicFront"/>
+      <a:lightRig rig="threePt" dir="t"/>
+    </dgm:scene3d>
+    <dgm:sp3d/>
+    <dgm:txPr/>
+    <dgm:style>
+      <a:lnRef idx="3">
+        <a:scrgbClr r="0" g="0" b="0"/>
+      </a:lnRef>
+      <a:fillRef idx="1">
+        <a:scrgbClr r="0" g="0" b="0"/>
+      </a:fillRef>
+      <a:effectRef idx="1">
+        <a:scrgbClr r="0" g="0" b="0"/>
+      </a:effectRef>
+      <a:fontRef idx="minor">
+        <a:schemeClr val="lt1"/>
+      </a:fontRef>
+    </dgm:style>
+  </dgm:styleLbl>
+  <dgm:styleLbl name="parChTrans1D1">
+    <dgm:scene3d>
+      <a:camera prst="orthographicFront"/>
+      <a:lightRig rig="threePt" dir="t"/>
+    </dgm:scene3d>
+    <dgm:sp3d/>
+    <dgm:txPr/>
+    <dgm:style>
+      <a:lnRef idx="2">
+        <a:scrgbClr r="0" g="0" b="0"/>
+      </a:lnRef>
+      <a:fillRef idx="0">
+        <a:scrgbClr r="0" g="0" b="0"/>
+      </a:fillRef>
+      <a:effectRef idx="0">
+        <a:scrgbClr r="0" g="0" b="0"/>
+      </a:effectRef>
+      <a:fontRef idx="minor"/>
+    </dgm:style>
+  </dgm:styleLbl>
+  <dgm:styleLbl name="parChTrans1D2">
+    <dgm:scene3d>
+      <a:camera prst="orthographicFront"/>
+      <a:lightRig rig="threePt" dir="t"/>
+    </dgm:scene3d>
+    <dgm:sp3d/>
+    <dgm:txPr/>
+    <dgm:style>
+      <a:lnRef idx="2">
+        <a:scrgbClr r="0" g="0" b="0"/>
+      </a:lnRef>
+      <a:fillRef idx="0">
+        <a:scrgbClr r="0" g="0" b="0"/>
+      </a:fillRef>
+      <a:effectRef idx="0">
+        <a:scrgbClr r="0" g="0" b="0"/>
+      </a:effectRef>
+      <a:fontRef idx="minor"/>
+    </dgm:style>
+  </dgm:styleLbl>
+  <dgm:styleLbl name="parChTrans1D3">
+    <dgm:scene3d>
+      <a:camera prst="orthographicFront"/>
+      <a:lightRig rig="threePt" dir="t"/>
+    </dgm:scene3d>
+    <dgm:sp3d/>
+    <dgm:txPr/>
+    <dgm:style>
+      <a:lnRef idx="2">
+        <a:scrgbClr r="0" g="0" b="0"/>
+      </a:lnRef>
+      <a:fillRef idx="0">
+        <a:scrgbClr r="0" g="0" b="0"/>
+      </a:fillRef>
+      <a:effectRef idx="0">
+        <a:scrgbClr r="0" g="0" b="0"/>
+      </a:effectRef>
+      <a:fontRef idx="minor"/>
+    </dgm:style>
+  </dgm:styleLbl>
+  <dgm:styleLbl name="parChTrans1D4">
+    <dgm:scene3d>
+      <a:camera prst="orthographicFront"/>
+      <a:lightRig rig="threePt" dir="t"/>
+    </dgm:scene3d>
+    <dgm:sp3d/>
+    <dgm:txPr/>
+    <dgm:style>
+      <a:lnRef idx="2">
+        <a:scrgbClr r="0" g="0" b="0"/>
+      </a:lnRef>
+      <a:fillRef idx="0">
+        <a:scrgbClr r="0" g="0" b="0"/>
+      </a:fillRef>
+      <a:effectRef idx="0">
+        <a:scrgbClr r="0" g="0" b="0"/>
+      </a:effectRef>
+      <a:fontRef idx="minor"/>
+    </dgm:style>
+  </dgm:styleLbl>
+  <dgm:styleLbl name="fgAcc1">
+    <dgm:scene3d>
+      <a:camera prst="orthographicFront"/>
+      <a:lightRig rig="threePt" dir="t"/>
+    </dgm:scene3d>
+    <dgm:sp3d/>
+    <dgm:txPr/>
+    <dgm:style>
+      <a:lnRef idx="2">
+        <a:scrgbClr r="0" g="0" b="0"/>
+      </a:lnRef>
+      <a:fillRef idx="1">
+        <a:scrgbClr r="0" g="0" b="0"/>
+      </a:fillRef>
+      <a:effectRef idx="0">
+        <a:scrgbClr r="0" g="0" b="0"/>
+      </a:effectRef>
+      <a:fontRef idx="minor"/>
+    </dgm:style>
+  </dgm:styleLbl>
+  <dgm:styleLbl name="conFgAcc1">
+    <dgm:scene3d>
+      <a:camera prst="orthographicFront"/>
+      <a:lightRig rig="threePt" dir="t"/>
+    </dgm:scene3d>
+    <dgm:sp3d/>
+    <dgm:txPr/>
+    <dgm:style>
+      <a:lnRef idx="2">
+        <a:scrgbClr r="0" g="0" b="0"/>
+      </a:lnRef>
+      <a:fillRef idx="1">
+        <a:scrgbClr r="0" g="0" b="0"/>
+      </a:fillRef>
+      <a:effectRef idx="0">
+        <a:scrgbClr r="0" g="0" b="0"/>
+      </a:effectRef>
+      <a:fontRef idx="minor"/>
+    </dgm:style>
+  </dgm:styleLbl>
+  <dgm:styleLbl name="alignAcc1">
+    <dgm:scene3d>
+      <a:camera prst="orthographicFront"/>
+      <a:lightRig rig="threePt" dir="t"/>
+    </dgm:scene3d>
+    <dgm:sp3d/>
+    <dgm:txPr/>
+    <dgm:style>
+      <a:lnRef idx="2">
+        <a:scrgbClr r="0" g="0" b="0"/>
+      </a:lnRef>
+      <a:fillRef idx="1">
+        <a:scrgbClr r="0" g="0" b="0"/>
+      </a:fillRef>
+      <a:effectRef idx="0">
+        <a:scrgbClr r="0" g="0" b="0"/>
+      </a:effectRef>
+      <a:fontRef idx="minor"/>
+    </dgm:style>
+  </dgm:styleLbl>
+  <dgm:styleLbl name="trAlignAcc1">
+    <dgm:scene3d>
+      <a:camera prst="orthographicFront"/>
+      <a:lightRig rig="threePt" dir="t"/>
+    </dgm:scene3d>
+    <dgm:sp3d/>
+    <dgm:txPr/>
+    <dgm:style>
+      <a:lnRef idx="1">
+        <a:scrgbClr r="0" g="0" b="0"/>
+      </a:lnRef>
+      <a:fillRef idx="1">
+        <a:scrgbClr r="0" g="0" b="0"/>
+      </a:fillRef>
+      <a:effectRef idx="0">
+        <a:scrgbClr r="0" g="0" b="0"/>
+      </a:effectRef>
+      <a:fontRef idx="minor"/>
+    </dgm:style>
+  </dgm:styleLbl>
+  <dgm:styleLbl name="bgAcc1">
+    <dgm:scene3d>
+      <a:camera prst="orthographicFront"/>
+      <a:lightRig rig="threePt" dir="t"/>
+    </dgm:scene3d>
+    <dgm:sp3d/>
+    <dgm:txPr/>
+    <dgm:style>
+      <a:lnRef idx="2">
+        <a:scrgbClr r="0" g="0" b="0"/>
+      </a:lnRef>
+      <a:fillRef idx="1">
+        <a:scrgbClr r="0" g="0" b="0"/>
+      </a:fillRef>
+      <a:effectRef idx="0">
+        <a:scrgbClr r="0" g="0" b="0"/>
+      </a:effectRef>
+      <a:fontRef idx="minor"/>
+    </dgm:style>
+  </dgm:styleLbl>
+  <dgm:styleLbl name="solidFgAcc1">
+    <dgm:scene3d>
+      <a:camera prst="orthographicFront"/>
+      <a:lightRig rig="threePt" dir="t"/>
+    </dgm:scene3d>
+    <dgm:sp3d/>
+    <dgm:txPr/>
+    <dgm:style>
+      <a:lnRef idx="2">
+        <a:scrgbClr r="0" g="0" b="0"/>
+      </a:lnRef>
+      <a:fillRef idx="1">
+        <a:scrgbClr r="0" g="0" b="0"/>
+      </a:fillRef>
+      <a:effectRef idx="0">
+        <a:scrgbClr r="0" g="0" b="0"/>
+      </a:effectRef>
+      <a:fontRef idx="minor"/>
+    </dgm:style>
+  </dgm:styleLbl>
+  <dgm:styleLbl name="solidAlignAcc1">
+    <dgm:scene3d>
+      <a:camera prst="orthographicFront"/>
+      <a:lightRig rig="threePt" dir="t"/>
+    </dgm:scene3d>
+    <dgm:sp3d/>
+    <dgm:txPr/>
+    <dgm:style>
+      <a:lnRef idx="2">
+        <a:scrgbClr r="0" g="0" b="0"/>
+      </a:lnRef>
+      <a:fillRef idx="1">
+        <a:scrgbClr r="0" g="0" b="0"/>
+      </a:fillRef>
+      <a:effectRef idx="0">
+        <a:scrgbClr r="0" g="0" b="0"/>
+      </a:effectRef>
+      <a:fontRef idx="minor"/>
+    </dgm:style>
+  </dgm:styleLbl>
+  <dgm:styleLbl name="solidBgAcc1">
+    <dgm:scene3d>
+      <a:camera prst="orthographicFront"/>
+      <a:lightRig rig="threePt" dir="t"/>
+    </dgm:scene3d>
+    <dgm:sp3d/>
+    <dgm:txPr/>
+    <dgm:style>
+      <a:lnRef idx="2">
+        <a:scrgbClr r="0" g="0" b="0"/>
+      </a:lnRef>
+      <a:fillRef idx="1">
+        <a:scrgbClr r="0" g="0" b="0"/>
+      </a:fillRef>
+      <a:effectRef idx="0">
+        <a:scrgbClr r="0" g="0" b="0"/>
+      </a:effectRef>
+      <a:fontRef idx="minor"/>
+    </dgm:style>
+  </dgm:styleLbl>
+  <dgm:styleLbl name="fgAccFollowNode1">
+    <dgm:scene3d>
+      <a:camera prst="orthographicFront"/>
+      <a:lightRig rig="threePt" dir="t"/>
+    </dgm:scene3d>
+    <dgm:sp3d/>
+    <dgm:txPr/>
+    <dgm:style>
+      <a:lnRef idx="2">
+        <a:scrgbClr r="0" g="0" b="0"/>
+      </a:lnRef>
+      <a:fillRef idx="1">
+        <a:scrgbClr r="0" g="0" b="0"/>
+      </a:fillRef>
+      <a:effectRef idx="0">
+        <a:scrgbClr r="0" g="0" b="0"/>
+      </a:effectRef>
+      <a:fontRef idx="minor"/>
+    </dgm:style>
+  </dgm:styleLbl>
+  <dgm:styleLbl name="alignAccFollowNode1">
+    <dgm:scene3d>
+      <a:camera prst="orthographicFront"/>
+      <a:lightRig rig="threePt" dir="t"/>
+    </dgm:scene3d>
+    <dgm:sp3d/>
+    <dgm:txPr/>
+    <dgm:style>
+      <a:lnRef idx="2">
+        <a:scrgbClr r="0" g="0" b="0"/>
+      </a:lnRef>
+      <a:fillRef idx="1">
+        <a:scrgbClr r="0" g="0" b="0"/>
+      </a:fillRef>
+      <a:effectRef idx="0">
+        <a:scrgbClr r="0" g="0" b="0"/>
+      </a:effectRef>
+      <a:fontRef idx="minor"/>
+    </dgm:style>
+  </dgm:styleLbl>
+  <dgm:styleLbl name="bgAccFollowNode1">
+    <dgm:scene3d>
+      <a:camera prst="orthographicFront"/>
+      <a:lightRig rig="threePt" dir="t"/>
+    </dgm:scene3d>
+    <dgm:sp3d/>
+    <dgm:txPr/>
+    <dgm:style>
+      <a:lnRef idx="2">
+        <a:scrgbClr r="0" g="0" b="0"/>
+      </a:lnRef>
+      <a:fillRef idx="1">
+        <a:scrgbClr r="0" g="0" b="0"/>
+      </a:fillRef>
+      <a:effectRef idx="0">
+        <a:scrgbClr r="0" g="0" b="0"/>
+      </a:effectRef>
+      <a:fontRef idx="minor"/>
+    </dgm:style>
+  </dgm:styleLbl>
+  <dgm:styleLbl name="fgAcc0">
+    <dgm:scene3d>
+      <a:camera prst="orthographicFront"/>
+      <a:lightRig rig="threePt" dir="t"/>
+    </dgm:scene3d>
+    <dgm:sp3d/>
+    <dgm:txPr/>
+    <dgm:style>
+      <a:lnRef idx="2">
+        <a:scrgbClr r="0" g="0" b="0"/>
+      </a:lnRef>
+      <a:fillRef idx="1">
+        <a:scrgbClr r="0" g="0" b="0"/>
+      </a:fillRef>
+      <a:effectRef idx="0">
+        <a:scrgbClr r="0" g="0" b="0"/>
+      </a:effectRef>
+      <a:fontRef idx="minor"/>
+    </dgm:style>
+  </dgm:styleLbl>
+  <dgm:styleLbl name="fgAcc2">
+    <dgm:scene3d>
+      <a:camera prst="orthographicFront"/>
+      <a:lightRig rig="threePt" dir="t"/>
+    </dgm:scene3d>
+    <dgm:sp3d/>
+    <dgm:txPr/>
+    <dgm:style>
+      <a:lnRef idx="2">
+        <a:scrgbClr r="0" g="0" b="0"/>
+      </a:lnRef>
+      <a:fillRef idx="1">
+        <a:scrgbClr r="0" g="0" b="0"/>
+      </a:fillRef>
+      <a:effectRef idx="0">
+        <a:scrgbClr r="0" g="0" b="0"/>
+      </a:effectRef>
+      <a:fontRef idx="minor"/>
+    </dgm:style>
+  </dgm:styleLbl>
+  <dgm:styleLbl name="fgAcc3">
+    <dgm:scene3d>
+      <a:camera prst="orthographicFront"/>
+      <a:lightRig rig="threePt" dir="t"/>
+    </dgm:scene3d>
+    <dgm:sp3d/>
+    <dgm:txPr/>
+    <dgm:style>
+      <a:lnRef idx="2">
+        <a:scrgbClr r="0" g="0" b="0"/>
+      </a:lnRef>
+      <a:fillRef idx="1">
+        <a:scrgbClr r="0" g="0" b="0"/>
+      </a:fillRef>
+      <a:effectRef idx="0">
+        <a:scrgbClr r="0" g="0" b="0"/>
+      </a:effectRef>
+      <a:fontRef idx="minor"/>
+    </dgm:style>
+  </dgm:styleLbl>
+  <dgm:styleLbl name="fgAcc4">
+    <dgm:scene3d>
+      <a:camera prst="orthographicFront"/>
+      <a:lightRig rig="threePt" dir="t"/>
+    </dgm:scene3d>
+    <dgm:sp3d/>
+    <dgm:txPr/>
+    <dgm:style>
+      <a:lnRef idx="2">
+        <a:scrgbClr r="0" g="0" b="0"/>
+      </a:lnRef>
+      <a:fillRef idx="1">
+        <a:scrgbClr r="0" g="0" b="0"/>
+      </a:fillRef>
+      <a:effectRef idx="0">
+        <a:scrgbClr r="0" g="0" b="0"/>
+      </a:effectRef>
+      <a:fontRef idx="minor"/>
+    </dgm:style>
+  </dgm:styleLbl>
+  <dgm:styleLbl name="bgShp">
+    <dgm:scene3d>
+      <a:camera prst="orthographicFront"/>
+      <a:lightRig rig="threePt" dir="t"/>
+    </dgm:scene3d>
+    <dgm:sp3d/>
+    <dgm:txPr/>
+    <dgm:style>
+      <a:lnRef idx="0">
+        <a:scrgbClr r="0" g="0" b="0"/>
+      </a:lnRef>
+      <a:fillRef idx="1">
+        <a:scrgbClr r="0" g="0" b="0"/>
+      </a:fillRef>
+      <a:effectRef idx="0">
+        <a:scrgbClr r="0" g="0" b="0"/>
+      </a:effectRef>
+      <a:fontRef idx="minor"/>
+    </dgm:style>
+  </dgm:styleLbl>
+  <dgm:styleLbl name="dkBgShp">
+    <dgm:scene3d>
+      <a:camera prst="orthographicFront"/>
+      <a:lightRig rig="threePt" dir="t"/>
+    </dgm:scene3d>
+    <dgm:sp3d/>
+    <dgm:txPr/>
+    <dgm:style>
+      <a:lnRef idx="0">
+        <a:scrgbClr r="0" g="0" b="0"/>
+      </a:lnRef>
+      <a:fillRef idx="1">
+        <a:scrgbClr r="0" g="0" b="0"/>
+      </a:fillRef>
+      <a:effectRef idx="0">
+        <a:scrgbClr r="0" g="0" b="0"/>
+      </a:effectRef>
+      <a:fontRef idx="minor"/>
+    </dgm:style>
+  </dgm:styleLbl>
+  <dgm:styleLbl name="trBgShp">
+    <dgm:scene3d>
+      <a:camera prst="orthographicFront"/>
+      <a:lightRig rig="threePt" dir="t"/>
+    </dgm:scene3d>
+    <dgm:sp3d/>
+    <dgm:txPr/>
+    <dgm:style>
+      <a:lnRef idx="0">
+        <a:scrgbClr r="0" g="0" b="0"/>
+      </a:lnRef>
+      <a:fillRef idx="1">
+        <a:scrgbClr r="0" g="0" b="0"/>
+      </a:fillRef>
+      <a:effectRef idx="0">
+        <a:scrgbClr r="0" g="0" b="0"/>
+      </a:effectRef>
+      <a:fontRef idx="minor"/>
+    </dgm:style>
+  </dgm:styleLbl>
+  <dgm:styleLbl name="fgShp">
+    <dgm:scene3d>
+      <a:camera prst="orthographicFront"/>
+      <a:lightRig rig="threePt" dir="t"/>
+    </dgm:scene3d>
+    <dgm:sp3d/>
+    <dgm:txPr/>
+    <dgm:style>
+      <a:lnRef idx="3">
+        <a:scrgbClr r="0" g="0" b="0"/>
+      </a:lnRef>
+      <a:fillRef idx="1">
+        <a:scrgbClr r="0" g="0" b="0"/>
+      </a:fillRef>
+      <a:effectRef idx="1">
+        <a:scrgbClr r="0" g="0" b="0"/>
+      </a:effectRef>
+      <a:fontRef idx="minor"/>
+    </dgm:style>
+  </dgm:styleLbl>
+  <dgm:styleLbl name="revTx">
+    <dgm:scene3d>
+      <a:camera prst="orthographicFront"/>
+      <a:lightRig rig="threePt" dir="t"/>
+    </dgm:scene3d>
+    <dgm:sp3d/>
+    <dgm:txPr/>
+    <dgm:style>
+      <a:lnRef idx="0">
+        <a:scrgbClr r="0" g="0" b="0"/>
+      </a:lnRef>
+      <a:fillRef idx="0">
+        <a:scrgbClr r="0" g="0" b="0"/>
+      </a:fillRef>
+      <a:effectRef idx="0">
+        <a:scrgbClr r="0" g="0" b="0"/>
+      </a:effectRef>
+      <a:fontRef idx="minor"/>
+    </dgm:style>
+  </dgm:styleLbl>
+</dgm:styleDef>
+</file>
+
+<file path=ppt/diagrams/quickStyle2.xml><?xml version="1.0" encoding="utf-8"?>
+<dgm:styleDef xmlns:dgm="http://schemas.openxmlformats.org/drawingml/2006/diagram" xmlns:a="http://schemas.openxmlformats.org/drawingml/2006/main" uniqueId="urn:microsoft.com/office/officeart/2005/8/quickstyle/simple1">
+  <dgm:title val=""/>
+  <dgm:desc val=""/>
+  <dgm:catLst>
+    <dgm:cat type="simple" pri="10100"/>
+  </dgm:catLst>
+  <dgm:scene3d>
+    <a:camera prst="orthographicFront"/>
+    <a:lightRig rig="threePt" dir="t"/>
+  </dgm:scene3d>
+  <dgm:styleLbl name="node0">
+    <dgm:scene3d>
+      <a:camera prst="orthographicFront"/>
+      <a:lightRig rig="threePt" dir="t"/>
+    </dgm:scene3d>
+    <dgm:sp3d/>
+    <dgm:txPr/>
+    <dgm:style>
+      <a:lnRef idx="2">
+        <a:scrgbClr r="0" g="0" b="0"/>
+      </a:lnRef>
+      <a:fillRef idx="1">
+        <a:scrgbClr r="0" g="0" b="0"/>
+      </a:fillRef>
+      <a:effectRef idx="0">
+        <a:scrgbClr r="0" g="0" b="0"/>
+      </a:effectRef>
+      <a:fontRef idx="minor">
+        <a:schemeClr val="lt1"/>
+      </a:fontRef>
+    </dgm:style>
+  </dgm:styleLbl>
+  <dgm:styleLbl name="lnNode1">
+    <dgm:scene3d>
+      <a:camera prst="orthographicFront"/>
+      <a:lightRig rig="threePt" dir="t"/>
+    </dgm:scene3d>
+    <dgm:sp3d/>
+    <dgm:txPr/>
+    <dgm:style>
+      <a:lnRef idx="2">
+        <a:scrgbClr r="0" g="0" b="0"/>
+      </a:lnRef>
+      <a:fillRef idx="1">
+        <a:scrgbClr r="0" g="0" b="0"/>
+      </a:fillRef>
+      <a:effectRef idx="0">
+        <a:scrgbClr r="0" g="0" b="0"/>
+      </a:effectRef>
+      <a:fontRef idx="minor">
+        <a:schemeClr val="lt1"/>
+      </a:fontRef>
+    </dgm:style>
+  </dgm:styleLbl>
+  <dgm:styleLbl name="vennNode1">
+    <dgm:scene3d>
+      <a:camera prst="orthographicFront"/>
+      <a:lightRig rig="threePt" dir="t"/>
+    </dgm:scene3d>
+    <dgm:sp3d/>
+    <dgm:txPr/>
+    <dgm:style>
+      <a:lnRef idx="2">
+        <a:scrgbClr r="0" g="0" b="0"/>
+      </a:lnRef>
+      <a:fillRef idx="1">
+        <a:scrgbClr r="0" g="0" b="0"/>
+      </a:fillRef>
+      <a:effectRef idx="0">
+        <a:scrgbClr r="0" g="0" b="0"/>
+      </a:effectRef>
+      <a:fontRef idx="minor">
+        <a:schemeClr val="tx1"/>
+      </a:fontRef>
+    </dgm:style>
+  </dgm:styleLbl>
+  <dgm:styleLbl name="alignNode1">
+    <dgm:scene3d>
+      <a:camera prst="orthographicFront"/>
+      <a:lightRig rig="threePt" dir="t"/>
+    </dgm:scene3d>
+    <dgm:sp3d/>
+    <dgm:txPr/>
+    <dgm:style>
+      <a:lnRef idx="2">
+        <a:scrgbClr r="0" g="0" b="0"/>
+      </a:lnRef>
+      <a:fillRef idx="1">
+        <a:scrgbClr r="0" g="0" b="0"/>
+      </a:fillRef>
+      <a:effectRef idx="0">
+        <a:scrgbClr r="0" g="0" b="0"/>
+      </a:effectRef>
+      <a:fontRef idx="minor">
+        <a:schemeClr val="lt1"/>
+      </a:fontRef>
+    </dgm:style>
+  </dgm:styleLbl>
+  <dgm:styleLbl name="node1">
+    <dgm:scene3d>
+      <a:camera prst="orthographicFront"/>
+      <a:lightRig rig="threePt" dir="t"/>
+    </dgm:scene3d>
+    <dgm:sp3d/>
+    <dgm:txPr/>
+    <dgm:style>
+      <a:lnRef idx="2">
+        <a:scrgbClr r="0" g="0" b="0"/>
+      </a:lnRef>
+      <a:fillRef idx="1">
+        <a:scrgbClr r="0" g="0" b="0"/>
+      </a:fillRef>
+      <a:effectRef idx="0">
+        <a:scrgbClr r="0" g="0" b="0"/>
+      </a:effectRef>
+      <a:fontRef idx="minor">
+        <a:schemeClr val="lt1"/>
+      </a:fontRef>
+    </dgm:style>
+  </dgm:styleLbl>
+  <dgm:styleLbl name="node2">
+    <dgm:scene3d>
+      <a:camera prst="orthographicFront"/>
+      <a:lightRig rig="threePt" dir="t"/>
+    </dgm:scene3d>
+    <dgm:sp3d/>
+    <dgm:txPr/>
+    <dgm:style>
+      <a:lnRef idx="2">
+        <a:scrgbClr r="0" g="0" b="0"/>
+      </a:lnRef>
+      <a:fillRef idx="1">
+        <a:scrgbClr r="0" g="0" b="0"/>
+      </a:fillRef>
+      <a:effectRef idx="0">
+        <a:scrgbClr r="0" g="0" b="0"/>
+      </a:effectRef>
+      <a:fontRef idx="minor">
+        <a:schemeClr val="lt1"/>
+      </a:fontRef>
+    </dgm:style>
+  </dgm:styleLbl>
+  <dgm:styleLbl name="node3">
+    <dgm:scene3d>
+      <a:camera prst="orthographicFront"/>
+      <a:lightRig rig="threePt" dir="t"/>
+    </dgm:scene3d>
+    <dgm:sp3d/>
+    <dgm:txPr/>
+    <dgm:style>
+      <a:lnRef idx="2">
+        <a:scrgbClr r="0" g="0" b="0"/>
+      </a:lnRef>
+      <a:fillRef idx="1">
+        <a:scrgbClr r="0" g="0" b="0"/>
+      </a:fillRef>
+      <a:effectRef idx="0">
+        <a:scrgbClr r="0" g="0" b="0"/>
+      </a:effectRef>
+      <a:fontRef idx="minor">
+        <a:schemeClr val="lt1"/>
+      </a:fontRef>
+    </dgm:style>
+  </dgm:styleLbl>
+  <dgm:styleLbl name="node4">
+    <dgm:scene3d>
+      <a:camera prst="orthographicFront"/>
+      <a:lightRig rig="threePt" dir="t"/>
+    </dgm:scene3d>
+    <dgm:sp3d/>
+    <dgm:txPr/>
+    <dgm:style>
+      <a:lnRef idx="2">
+        <a:scrgbClr r="0" g="0" b="0"/>
+      </a:lnRef>
+      <a:fillRef idx="1">
+        <a:scrgbClr r="0" g="0" b="0"/>
+      </a:fillRef>
+      <a:effectRef idx="0">
+        <a:scrgbClr r="0" g="0" b="0"/>
+      </a:effectRef>
+      <a:fontRef idx="minor">
+        <a:schemeClr val="lt1"/>
+      </a:fontRef>
+    </dgm:style>
+  </dgm:styleLbl>
+  <dgm:styleLbl name="fgImgPlace1">
+    <dgm:scene3d>
+      <a:camera prst="orthographicFront"/>
+      <a:lightRig rig="threePt" dir="t"/>
+    </dgm:scene3d>
+    <dgm:sp3d/>
+    <dgm:txPr/>
+    <dgm:style>
+      <a:lnRef idx="2">
+        <a:scrgbClr r="0" g="0" b="0"/>
+      </a:lnRef>
+      <a:fillRef idx="1">
+        <a:scrgbClr r="0" g="0" b="0"/>
+      </a:fillRef>
+      <a:effectRef idx="0">
+        <a:scrgbClr r="0" g="0" b="0"/>
+      </a:effectRef>
+      <a:fontRef idx="minor"/>
+    </dgm:style>
+  </dgm:styleLbl>
+  <dgm:styleLbl name="alignImgPlace1">
+    <dgm:scene3d>
+      <a:camera prst="orthographicFront"/>
+      <a:lightRig rig="threePt" dir="t"/>
+    </dgm:scene3d>
+    <dgm:sp3d/>
+    <dgm:txPr/>
+    <dgm:style>
+      <a:lnRef idx="2">
+        <a:scrgbClr r="0" g="0" b="0"/>
+      </a:lnRef>
+      <a:fillRef idx="1">
+        <a:scrgbClr r="0" g="0" b="0"/>
+      </a:fillRef>
+      <a:effectRef idx="0">
+        <a:scrgbClr r="0" g="0" b="0"/>
+      </a:effectRef>
+      <a:fontRef idx="minor"/>
+    </dgm:style>
+  </dgm:styleLbl>
+  <dgm:styleLbl name="bgImgPlace1">
+    <dgm:scene3d>
+      <a:camera prst="orthographicFront"/>
+      <a:lightRig rig="threePt" dir="t"/>
+    </dgm:scene3d>
+    <dgm:sp3d/>
+    <dgm:txPr/>
+    <dgm:style>
+      <a:lnRef idx="2">
+        <a:scrgbClr r="0" g="0" b="0"/>
+      </a:lnRef>
+      <a:fillRef idx="1">
+        <a:scrgbClr r="0" g="0" b="0"/>
+      </a:fillRef>
+      <a:effectRef idx="0">
+        <a:scrgbClr r="0" g="0" b="0"/>
+      </a:effectRef>
+      <a:fontRef idx="minor"/>
+    </dgm:style>
+  </dgm:styleLbl>
+  <dgm:styleLbl name="sibTrans2D1">
+    <dgm:scene3d>
+      <a:camera prst="orthographicFront"/>
+      <a:lightRig rig="threePt" dir="t"/>
+    </dgm:scene3d>
+    <dgm:sp3d/>
+    <dgm:txPr/>
+    <dgm:style>
+      <a:lnRef idx="0">
+        <a:scrgbClr r="0" g="0" b="0"/>
+      </a:lnRef>
+      <a:fillRef idx="1">
+        <a:scrgbClr r="0" g="0" b="0"/>
+      </a:fillRef>
+      <a:effectRef idx="0">
+        <a:scrgbClr r="0" g="0" b="0"/>
+      </a:effectRef>
+      <a:fontRef idx="minor">
+        <a:schemeClr val="lt1"/>
+      </a:fontRef>
+    </dgm:style>
+  </dgm:styleLbl>
+  <dgm:styleLbl name="fgSibTrans2D1">
+    <dgm:scene3d>
+      <a:camera prst="orthographicFront"/>
+      <a:lightRig rig="threePt" dir="t"/>
+    </dgm:scene3d>
+    <dgm:sp3d/>
+    <dgm:txPr/>
+    <dgm:style>
+      <a:lnRef idx="0">
+        <a:scrgbClr r="0" g="0" b="0"/>
+      </a:lnRef>
+      <a:fillRef idx="1">
+        <a:scrgbClr r="0" g="0" b="0"/>
+      </a:fillRef>
+      <a:effectRef idx="0">
+        <a:scrgbClr r="0" g="0" b="0"/>
+      </a:effectRef>
+      <a:fontRef idx="minor">
+        <a:schemeClr val="lt1"/>
+      </a:fontRef>
+    </dgm:style>
+  </dgm:styleLbl>
+  <dgm:styleLbl name="bgSibTrans2D1">
+    <dgm:scene3d>
+      <a:camera prst="orthographicFront"/>
+      <a:lightRig rig="threePt" dir="t"/>
+    </dgm:scene3d>
+    <dgm:sp3d/>
+    <dgm:txPr/>
+    <dgm:style>
+      <a:lnRef idx="0">
+        <a:scrgbClr r="0" g="0" b="0"/>
+      </a:lnRef>
+      <a:fillRef idx="1">
+        <a:scrgbClr r="0" g="0" b="0"/>
+      </a:fillRef>
+      <a:effectRef idx="0">
+        <a:scrgbClr r="0" g="0" b="0"/>
+      </a:effectRef>
+      <a:fontRef idx="minor">
+        <a:schemeClr val="lt1"/>
+      </a:fontRef>
+    </dgm:style>
+  </dgm:styleLbl>
+  <dgm:styleLbl name="sibTrans1D1">
+    <dgm:scene3d>
+      <a:camera prst="orthographicFront"/>
+      <a:lightRig rig="threePt" dir="t"/>
+    </dgm:scene3d>
+    <dgm:sp3d/>
+    <dgm:txPr/>
+    <dgm:style>
+      <a:lnRef idx="1">
+        <a:scrgbClr r="0" g="0" b="0"/>
+      </a:lnRef>
+      <a:fillRef idx="0">
+        <a:scrgbClr r="0" g="0" b="0"/>
+      </a:fillRef>
+      <a:effectRef idx="0">
+        <a:scrgbClr r="0" g="0" b="0"/>
+      </a:effectRef>
+      <a:fontRef idx="minor"/>
+    </dgm:style>
+  </dgm:styleLbl>
+  <dgm:styleLbl name="callout">
+    <dgm:scene3d>
+      <a:camera prst="orthographicFront"/>
+      <a:lightRig rig="threePt" dir="t"/>
+    </dgm:scene3d>
+    <dgm:sp3d/>
+    <dgm:txPr/>
+    <dgm:style>
+      <a:lnRef idx="2">
+        <a:scrgbClr r="0" g="0" b="0"/>
+      </a:lnRef>
+      <a:fillRef idx="1">
+        <a:scrgbClr r="0" g="0" b="0"/>
+      </a:fillRef>
+      <a:effectRef idx="0">
+        <a:scrgbClr r="0" g="0" b="0"/>
+      </a:effectRef>
+      <a:fontRef idx="minor"/>
+    </dgm:style>
+  </dgm:styleLbl>
+  <dgm:styleLbl name="asst0">
+    <dgm:scene3d>
+      <a:camera prst="orthographicFront"/>
+      <a:lightRig rig="threePt" dir="t"/>
+    </dgm:scene3d>
+    <dgm:sp3d/>
+    <dgm:txPr/>
+    <dgm:style>
+      <a:lnRef idx="2">
+        <a:scrgbClr r="0" g="0" b="0"/>
+      </a:lnRef>
+      <a:fillRef idx="1">
+        <a:scrgbClr r="0" g="0" b="0"/>
+      </a:fillRef>
+      <a:effectRef idx="0">
+        <a:scrgbClr r="0" g="0" b="0"/>
+      </a:effectRef>
+      <a:fontRef idx="minor">
+        <a:schemeClr val="lt1"/>
+      </a:fontRef>
+    </dgm:style>
+  </dgm:styleLbl>
+  <dgm:styleLbl name="asst1">
+    <dgm:scene3d>
+      <a:camera prst="orthographicFront"/>
+      <a:lightRig rig="threePt" dir="t"/>
+    </dgm:scene3d>
+    <dgm:sp3d/>
+    <dgm:txPr/>
+    <dgm:style>
+      <a:lnRef idx="2">
+        <a:scrgbClr r="0" g="0" b="0"/>
+      </a:lnRef>
+      <a:fillRef idx="1">
+        <a:scrgbClr r="0" g="0" b="0"/>
+      </a:fillRef>
+      <a:effectRef idx="0">
+        <a:scrgbClr r="0" g="0" b="0"/>
+      </a:effectRef>
+      <a:fontRef idx="minor">
+        <a:schemeClr val="lt1"/>
+      </a:fontRef>
+    </dgm:style>
+  </dgm:styleLbl>
+  <dgm:styleLbl name="asst2">
+    <dgm:scene3d>
+      <a:camera prst="orthographicFront"/>
+      <a:lightRig rig="threePt" dir="t"/>
+    </dgm:scene3d>
+    <dgm:sp3d/>
+    <dgm:txPr/>
+    <dgm:style>
+      <a:lnRef idx="2">
+        <a:scrgbClr r="0" g="0" b="0"/>
+      </a:lnRef>
+      <a:fillRef idx="1">
+        <a:scrgbClr r="0" g="0" b="0"/>
+      </a:fillRef>
+      <a:effectRef idx="0">
+        <a:scrgbClr r="0" g="0" b="0"/>
+      </a:effectRef>
+      <a:fontRef idx="minor">
+        <a:schemeClr val="lt1"/>
+      </a:fontRef>
+    </dgm:style>
+  </dgm:styleLbl>
+  <dgm:styleLbl name="asst3">
+    <dgm:scene3d>
+      <a:camera prst="orthographicFront"/>
+      <a:lightRig rig="threePt" dir="t"/>
+    </dgm:scene3d>
+    <dgm:sp3d/>
+    <dgm:txPr/>
+    <dgm:style>
+      <a:lnRef idx="2">
+        <a:scrgbClr r="0" g="0" b="0"/>
+      </a:lnRef>
+      <a:fillRef idx="1">
+        <a:scrgbClr r="0" g="0" b="0"/>
+      </a:fillRef>
+      <a:effectRef idx="0">
+        <a:scrgbClr r="0" g="0" b="0"/>
+      </a:effectRef>
+      <a:fontRef idx="minor">
+        <a:schemeClr val="lt1"/>
+      </a:fontRef>
+    </dgm:style>
+  </dgm:styleLbl>
+  <dgm:styleLbl name="asst4">
+    <dgm:scene3d>
+      <a:camera prst="orthographicFront"/>
+      <a:lightRig rig="threePt" dir="t"/>
+    </dgm:scene3d>
+    <dgm:sp3d/>
+    <dgm:txPr/>
+    <dgm:style>
+      <a:lnRef idx="2">
+        <a:scrgbClr r="0" g="0" b="0"/>
+      </a:lnRef>
+      <a:fillRef idx="1">
+        <a:scrgbClr r="0" g="0" b="0"/>
+      </a:fillRef>
+      <a:effectRef idx="0">
+        <a:scrgbClr r="0" g="0" b="0"/>
+      </a:effectRef>
+      <a:fontRef idx="minor">
+        <a:schemeClr val="lt1"/>
+      </a:fontRef>
+    </dgm:style>
+  </dgm:styleLbl>
+  <dgm:styleLbl name="parChTrans2D1">
+    <dgm:scene3d>
+      <a:camera prst="orthographicFront"/>
+      <a:lightRig rig="threePt" dir="t"/>
+    </dgm:scene3d>
+    <dgm:sp3d/>
+    <dgm:txPr/>
+    <dgm:style>
+      <a:lnRef idx="2">
+        <a:scrgbClr r="0" g="0" b="0"/>
+      </a:lnRef>
+      <a:fillRef idx="1">
+        <a:scrgbClr r="0" g="0" b="0"/>
+      </a:fillRef>
+      <a:effectRef idx="0">
+        <a:scrgbClr r="0" g="0" b="0"/>
+      </a:effectRef>
+      <a:fontRef idx="minor">
+        <a:schemeClr val="lt1"/>
+      </a:fontRef>
+    </dgm:style>
+  </dgm:styleLbl>
+  <dgm:styleLbl name="parChTrans2D2">
+    <dgm:scene3d>
+      <a:camera prst="orthographicFront"/>
+      <a:lightRig rig="threePt" dir="t"/>
+    </dgm:scene3d>
+    <dgm:sp3d/>
+    <dgm:txPr/>
+    <dgm:style>
+      <a:lnRef idx="2">
+        <a:scrgbClr r="0" g="0" b="0"/>
+      </a:lnRef>
+      <a:fillRef idx="1">
+        <a:scrgbClr r="0" g="0" b="0"/>
+      </a:fillRef>
+      <a:effectRef idx="0">
+        <a:scrgbClr r="0" g="0" b="0"/>
+      </a:effectRef>
+      <a:fontRef idx="minor">
+        <a:schemeClr val="lt1"/>
+      </a:fontRef>
+    </dgm:style>
+  </dgm:styleLbl>
+  <dgm:styleLbl name="parChTrans2D3">
+    <dgm:scene3d>
+      <a:camera prst="orthographicFront"/>
+      <a:lightRig rig="threePt" dir="t"/>
+    </dgm:scene3d>
+    <dgm:sp3d/>
+    <dgm:txPr/>
+    <dgm:style>
+      <a:lnRef idx="2">
+        <a:scrgbClr r="0" g="0" b="0"/>
+      </a:lnRef>
+      <a:fillRef idx="1">
+        <a:scrgbClr r="0" g="0" b="0"/>
+      </a:fillRef>
+      <a:effectRef idx="0">
+        <a:scrgbClr r="0" g="0" b="0"/>
+      </a:effectRef>
+      <a:fontRef idx="minor">
+        <a:schemeClr val="lt1"/>
+      </a:fontRef>
+    </dgm:style>
+  </dgm:styleLbl>
+  <dgm:styleLbl name="parChTrans2D4">
+    <dgm:scene3d>
+      <a:camera prst="orthographicFront"/>
+      <a:lightRig rig="threePt" dir="t"/>
+    </dgm:scene3d>
+    <dgm:sp3d/>
+    <dgm:txPr/>
+    <dgm:style>
+      <a:lnRef idx="2">
+        <a:scrgbClr r="0" g="0" b="0"/>
+      </a:lnRef>
+      <a:fillRef idx="1">
+        <a:scrgbClr r="0" g="0" b="0"/>
+      </a:fillRef>
+      <a:effectRef idx="0">
+        <a:scrgbClr r="0" g="0" b="0"/>
+      </a:effectRef>
+      <a:fontRef idx="minor">
+        <a:schemeClr val="lt1"/>
+      </a:fontRef>
+    </dgm:style>
+  </dgm:styleLbl>
+  <dgm:styleLbl name="parChTrans1D1">
+    <dgm:scene3d>
+      <a:camera prst="orthographicFront"/>
+      <a:lightRig rig="threePt" dir="t"/>
+    </dgm:scene3d>
+    <dgm:sp3d/>
+    <dgm:txPr/>
+    <dgm:style>
+      <a:lnRef idx="2">
+        <a:scrgbClr r="0" g="0" b="0"/>
+      </a:lnRef>
+      <a:fillRef idx="0">
+        <a:scrgbClr r="0" g="0" b="0"/>
+      </a:fillRef>
+      <a:effectRef idx="0">
+        <a:scrgbClr r="0" g="0" b="0"/>
+      </a:effectRef>
+      <a:fontRef idx="minor"/>
+    </dgm:style>
+  </dgm:styleLbl>
+  <dgm:styleLbl name="parChTrans1D2">
+    <dgm:scene3d>
+      <a:camera prst="orthographicFront"/>
+      <a:lightRig rig="threePt" dir="t"/>
+    </dgm:scene3d>
+    <dgm:sp3d/>
+    <dgm:txPr/>
+    <dgm:style>
+      <a:lnRef idx="2">
+        <a:scrgbClr r="0" g="0" b="0"/>
+      </a:lnRef>
+      <a:fillRef idx="0">
+        <a:scrgbClr r="0" g="0" b="0"/>
+      </a:fillRef>
+      <a:effectRef idx="0">
+        <a:scrgbClr r="0" g="0" b="0"/>
+      </a:effectRef>
+      <a:fontRef idx="minor"/>
+    </dgm:style>
+  </dgm:styleLbl>
+  <dgm:styleLbl name="parChTrans1D3">
+    <dgm:scene3d>
+      <a:camera prst="orthographicFront"/>
+      <a:lightRig rig="threePt" dir="t"/>
+    </dgm:scene3d>
+    <dgm:sp3d/>
+    <dgm:txPr/>
+    <dgm:style>
+      <a:lnRef idx="2">
+        <a:scrgbClr r="0" g="0" b="0"/>
+      </a:lnRef>
+      <a:fillRef idx="0">
+        <a:scrgbClr r="0" g="0" b="0"/>
+      </a:fillRef>
+      <a:effectRef idx="0">
+        <a:scrgbClr r="0" g="0" b="0"/>
+      </a:effectRef>
+      <a:fontRef idx="minor"/>
+    </dgm:style>
+  </dgm:styleLbl>
+  <dgm:styleLbl name="parChTrans1D4">
+    <dgm:scene3d>
+      <a:camera prst="orthographicFront"/>
+      <a:lightRig rig="threePt" dir="t"/>
+    </dgm:scene3d>
+    <dgm:sp3d/>
+    <dgm:txPr/>
+    <dgm:style>
+      <a:lnRef idx="2">
+        <a:scrgbClr r="0" g="0" b="0"/>
+      </a:lnRef>
+      <a:fillRef idx="0">
+        <a:scrgbClr r="0" g="0" b="0"/>
+      </a:fillRef>
+      <a:effectRef idx="0">
+        <a:scrgbClr r="0" g="0" b="0"/>
+      </a:effectRef>
+      <a:fontRef idx="minor"/>
+    </dgm:style>
+  </dgm:styleLbl>
+  <dgm:styleLbl name="fgAcc1">
+    <dgm:scene3d>
+      <a:camera prst="orthographicFront"/>
+      <a:lightRig rig="threePt" dir="t"/>
+    </dgm:scene3d>
+    <dgm:sp3d/>
+    <dgm:txPr/>
+    <dgm:style>
+      <a:lnRef idx="2">
+        <a:scrgbClr r="0" g="0" b="0"/>
+      </a:lnRef>
+      <a:fillRef idx="1">
+        <a:scrgbClr r="0" g="0" b="0"/>
+      </a:fillRef>
+      <a:effectRef idx="0">
+        <a:scrgbClr r="0" g="0" b="0"/>
+      </a:effectRef>
+      <a:fontRef idx="minor"/>
+    </dgm:style>
+  </dgm:styleLbl>
+  <dgm:styleLbl name="conFgAcc1">
+    <dgm:scene3d>
+      <a:camera prst="orthographicFront"/>
+      <a:lightRig rig="threePt" dir="t"/>
+    </dgm:scene3d>
+    <dgm:sp3d/>
+    <dgm:txPr/>
+    <dgm:style>
+      <a:lnRef idx="2">
+        <a:scrgbClr r="0" g="0" b="0"/>
+      </a:lnRef>
+      <a:fillRef idx="1">
+        <a:scrgbClr r="0" g="0" b="0"/>
+      </a:fillRef>
+      <a:effectRef idx="0">
+        <a:scrgbClr r="0" g="0" b="0"/>
+      </a:effectRef>
+      <a:fontRef idx="minor"/>
+    </dgm:style>
+  </dgm:styleLbl>
+  <dgm:styleLbl name="alignAcc1">
+    <dgm:scene3d>
+      <a:camera prst="orthographicFront"/>
+      <a:lightRig rig="threePt" dir="t"/>
+    </dgm:scene3d>
+    <dgm:sp3d/>
+    <dgm:txPr/>
+    <dgm:style>
+      <a:lnRef idx="2">
+        <a:scrgbClr r="0" g="0" b="0"/>
+      </a:lnRef>
+      <a:fillRef idx="1">
+        <a:scrgbClr r="0" g="0" b="0"/>
+      </a:fillRef>
+      <a:effectRef idx="0">
+        <a:scrgbClr r="0" g="0" b="0"/>
+      </a:effectRef>
+      <a:fontRef idx="minor"/>
+    </dgm:style>
+  </dgm:styleLbl>
+  <dgm:styleLbl name="trAlignAcc1">
+    <dgm:scene3d>
+      <a:camera prst="orthographicFront"/>
+      <a:lightRig rig="threePt" dir="t"/>
+    </dgm:scene3d>
+    <dgm:sp3d/>
+    <dgm:txPr/>
+    <dgm:style>
+      <a:lnRef idx="1">
+        <a:scrgbClr r="0" g="0" b="0"/>
+      </a:lnRef>
+      <a:fillRef idx="1">
+        <a:scrgbClr r="0" g="0" b="0"/>
+      </a:fillRef>
+      <a:effectRef idx="0">
+        <a:scrgbClr r="0" g="0" b="0"/>
+      </a:effectRef>
+      <a:fontRef idx="minor"/>
+    </dgm:style>
+  </dgm:styleLbl>
+  <dgm:styleLbl name="bgAcc1">
+    <dgm:scene3d>
+      <a:camera prst="orthographicFront"/>
+      <a:lightRig rig="threePt" dir="t"/>
+    </dgm:scene3d>
+    <dgm:sp3d/>
+    <dgm:txPr/>
+    <dgm:style>
+      <a:lnRef idx="2">
+        <a:scrgbClr r="0" g="0" b="0"/>
+      </a:lnRef>
+      <a:fillRef idx="1">
+        <a:scrgbClr r="0" g="0" b="0"/>
+      </a:fillRef>
+      <a:effectRef idx="0">
+        <a:scrgbClr r="0" g="0" b="0"/>
+      </a:effectRef>
+      <a:fontRef idx="minor"/>
+    </dgm:style>
+  </dgm:styleLbl>
+  <dgm:styleLbl name="solidFgAcc1">
+    <dgm:scene3d>
+      <a:camera prst="orthographicFront"/>
+      <a:lightRig rig="threePt" dir="t"/>
+    </dgm:scene3d>
+    <dgm:sp3d/>
+    <dgm:txPr/>
+    <dgm:style>
+      <a:lnRef idx="2">
+        <a:scrgbClr r="0" g="0" b="0"/>
+      </a:lnRef>
+      <a:fillRef idx="1">
+        <a:scrgbClr r="0" g="0" b="0"/>
+      </a:fillRef>
+      <a:effectRef idx="0">
+        <a:scrgbClr r="0" g="0" b="0"/>
+      </a:effectRef>
+      <a:fontRef idx="minor"/>
+    </dgm:style>
+  </dgm:styleLbl>
+  <dgm:styleLbl name="solidAlignAcc1">
+    <dgm:scene3d>
+      <a:camera prst="orthographicFront"/>
+      <a:lightRig rig="threePt" dir="t"/>
+    </dgm:scene3d>
+    <dgm:sp3d/>
+    <dgm:txPr/>
+    <dgm:style>
+      <a:lnRef idx="2">
+        <a:scrgbClr r="0" g="0" b="0"/>
+      </a:lnRef>
+      <a:fillRef idx="1">
+        <a:scrgbClr r="0" g="0" b="0"/>
+      </a:fillRef>
+      <a:effectRef idx="0">
+        <a:scrgbClr r="0" g="0" b="0"/>
+      </a:effectRef>
+      <a:fontRef idx="minor"/>
+    </dgm:style>
+  </dgm:styleLbl>
+  <dgm:styleLbl name="solidBgAcc1">
+    <dgm:scene3d>
+      <a:camera prst="orthographicFront"/>
+      <a:lightRig rig="threePt" dir="t"/>
+    </dgm:scene3d>
+    <dgm:sp3d/>
+    <dgm:txPr/>
+    <dgm:style>
+      <a:lnRef idx="2">
+        <a:scrgbClr r="0" g="0" b="0"/>
+      </a:lnRef>
+      <a:fillRef idx="1">
+        <a:scrgbClr r="0" g="0" b="0"/>
+      </a:fillRef>
+      <a:effectRef idx="0">
+        <a:scrgbClr r="0" g="0" b="0"/>
+      </a:effectRef>
+      <a:fontRef idx="minor"/>
+    </dgm:style>
+  </dgm:styleLbl>
+  <dgm:styleLbl name="fgAccFollowNode1">
+    <dgm:scene3d>
+      <a:camera prst="orthographicFront"/>
+      <a:lightRig rig="threePt" dir="t"/>
+    </dgm:scene3d>
+    <dgm:sp3d/>
+    <dgm:txPr/>
+    <dgm:style>
+      <a:lnRef idx="2">
+        <a:scrgbClr r="0" g="0" b="0"/>
+      </a:lnRef>
+      <a:fillRef idx="1">
+        <a:scrgbClr r="0" g="0" b="0"/>
+      </a:fillRef>
+      <a:effectRef idx="0">
+        <a:scrgbClr r="0" g="0" b="0"/>
+      </a:effectRef>
+      <a:fontRef idx="minor"/>
+    </dgm:style>
+  </dgm:styleLbl>
+  <dgm:styleLbl name="alignAccFollowNode1">
+    <dgm:scene3d>
+      <a:camera prst="orthographicFront"/>
+      <a:lightRig rig="threePt" dir="t"/>
+    </dgm:scene3d>
+    <dgm:sp3d/>
+    <dgm:txPr/>
+    <dgm:style>
+      <a:lnRef idx="2">
+        <a:scrgbClr r="0" g="0" b="0"/>
+      </a:lnRef>
+      <a:fillRef idx="1">
+        <a:scrgbClr r="0" g="0" b="0"/>
+      </a:fillRef>
+      <a:effectRef idx="0">
+        <a:scrgbClr r="0" g="0" b="0"/>
+      </a:effectRef>
+      <a:fontRef idx="minor"/>
+    </dgm:style>
+  </dgm:styleLbl>
+  <dgm:styleLbl name="bgAccFollowNode1">
+    <dgm:scene3d>
+      <a:camera prst="orthographicFront"/>
+      <a:lightRig rig="threePt" dir="t"/>
+    </dgm:scene3d>
+    <dgm:sp3d/>
+    <dgm:txPr/>
+    <dgm:style>
+      <a:lnRef idx="2">
+        <a:scrgbClr r="0" g="0" b="0"/>
+      </a:lnRef>
+      <a:fillRef idx="1">
+        <a:scrgbClr r="0" g="0" b="0"/>
+      </a:fillRef>
+      <a:effectRef idx="0">
+        <a:scrgbClr r="0" g="0" b="0"/>
+      </a:effectRef>
+      <a:fontRef idx="minor"/>
+    </dgm:style>
+  </dgm:styleLbl>
+  <dgm:styleLbl name="fgAcc0">
+    <dgm:scene3d>
+      <a:camera prst="orthographicFront"/>
+      <a:lightRig rig="threePt" dir="t"/>
+    </dgm:scene3d>
+    <dgm:sp3d/>
+    <dgm:txPr/>
+    <dgm:style>
+      <a:lnRef idx="2">
+        <a:scrgbClr r="0" g="0" b="0"/>
+      </a:lnRef>
+      <a:fillRef idx="1">
+        <a:scrgbClr r="0" g="0" b="0"/>
+      </a:fillRef>
+      <a:effectRef idx="0">
+        <a:scrgbClr r="0" g="0" b="0"/>
+      </a:effectRef>
+      <a:fontRef idx="minor"/>
+    </dgm:style>
+  </dgm:styleLbl>
+  <dgm:styleLbl name="fgAcc2">
+    <dgm:scene3d>
+      <a:camera prst="orthographicFront"/>
+      <a:lightRig rig="threePt" dir="t"/>
+    </dgm:scene3d>
+    <dgm:sp3d/>
+    <dgm:txPr/>
+    <dgm:style>
+      <a:lnRef idx="2">
+        <a:scrgbClr r="0" g="0" b="0"/>
+      </a:lnRef>
+      <a:fillRef idx="1">
+        <a:scrgbClr r="0" g="0" b="0"/>
+      </a:fillRef>
+      <a:effectRef idx="0">
+        <a:scrgbClr r="0" g="0" b="0"/>
+      </a:effectRef>
+      <a:fontRef idx="minor"/>
+    </dgm:style>
+  </dgm:styleLbl>
+  <dgm:styleLbl name="fgAcc3">
+    <dgm:scene3d>
+      <a:camera prst="orthographicFront"/>
+      <a:lightRig rig="threePt" dir="t"/>
+    </dgm:scene3d>
+    <dgm:sp3d/>
+    <dgm:txPr/>
+    <dgm:style>
+      <a:lnRef idx="2">
+        <a:scrgbClr r="0" g="0" b="0"/>
+      </a:lnRef>
+      <a:fillRef idx="1">
+        <a:scrgbClr r="0" g="0" b="0"/>
+      </a:fillRef>
+      <a:effectRef idx="0">
+        <a:scrgbClr r="0" g="0" b="0"/>
+      </a:effectRef>
+      <a:fontRef idx="minor"/>
+    </dgm:style>
+  </dgm:styleLbl>
+  <dgm:styleLbl name="fgAcc4">
+    <dgm:scene3d>
+      <a:camera prst="orthographicFront"/>
+      <a:lightRig rig="threePt" dir="t"/>
+    </dgm:scene3d>
+    <dgm:sp3d/>
+    <dgm:txPr/>
+    <dgm:style>
+      <a:lnRef idx="2">
+        <a:scrgbClr r="0" g="0" b="0"/>
+      </a:lnRef>
+      <a:fillRef idx="1">
+        <a:scrgbClr r="0" g="0" b="0"/>
+      </a:fillRef>
+      <a:effectRef idx="0">
+        <a:scrgbClr r="0" g="0" b="0"/>
+      </a:effectRef>
+      <a:fontRef idx="minor"/>
+    </dgm:style>
+  </dgm:styleLbl>
+  <dgm:styleLbl name="bgShp">
+    <dgm:scene3d>
+      <a:camera prst="orthographicFront"/>
+      <a:lightRig rig="threePt" dir="t"/>
+    </dgm:scene3d>
+    <dgm:sp3d/>
+    <dgm:txPr/>
+    <dgm:style>
+      <a:lnRef idx="0">
+        <a:scrgbClr r="0" g="0" b="0"/>
+      </a:lnRef>
+      <a:fillRef idx="1">
+        <a:scrgbClr r="0" g="0" b="0"/>
+      </a:fillRef>
+      <a:effectRef idx="0">
+        <a:scrgbClr r="0" g="0" b="0"/>
+      </a:effectRef>
+      <a:fontRef idx="minor"/>
+    </dgm:style>
+  </dgm:styleLbl>
+  <dgm:styleLbl name="dkBgShp">
+    <dgm:scene3d>
+      <a:camera prst="orthographicFront"/>
+      <a:lightRig rig="threePt" dir="t"/>
+    </dgm:scene3d>
+    <dgm:sp3d/>
+    <dgm:txPr/>
+    <dgm:style>
+      <a:lnRef idx="0">
+        <a:scrgbClr r="0" g="0" b="0"/>
+      </a:lnRef>
+      <a:fillRef idx="1">
+        <a:scrgbClr r="0" g="0" b="0"/>
+      </a:fillRef>
+      <a:effectRef idx="0">
+        <a:scrgbClr r="0" g="0" b="0"/>
+      </a:effectRef>
+      <a:fontRef idx="minor"/>
+    </dgm:style>
+  </dgm:styleLbl>
+  <dgm:styleLbl name="trBgShp">
+    <dgm:scene3d>
+      <a:camera prst="orthographicFront"/>
+      <a:lightRig rig="threePt" dir="t"/>
+    </dgm:scene3d>
+    <dgm:sp3d/>
+    <dgm:txPr/>
+    <dgm:style>
+      <a:lnRef idx="0">
+        <a:scrgbClr r="0" g="0" b="0"/>
+      </a:lnRef>
+      <a:fillRef idx="1">
+        <a:scrgbClr r="0" g="0" b="0"/>
+      </a:fillRef>
+      <a:effectRef idx="0">
+        <a:scrgbClr r="0" g="0" b="0"/>
+      </a:effectRef>
+      <a:fontRef idx="minor"/>
+    </dgm:style>
+  </dgm:styleLbl>
+  <dgm:styleLbl name="fgShp">
+    <dgm:scene3d>
+      <a:camera prst="orthographicFront"/>
+      <a:lightRig rig="threePt" dir="t"/>
+    </dgm:scene3d>
+    <dgm:sp3d/>
+    <dgm:txPr/>
+    <dgm:style>
+      <a:lnRef idx="2">
+        <a:scrgbClr r="0" g="0" b="0"/>
+      </a:lnRef>
+      <a:fillRef idx="1">
+        <a:scrgbClr r="0" g="0" b="0"/>
+      </a:fillRef>
+      <a:effectRef idx="0">
+        <a:scrgbClr r="0" g="0" b="0"/>
+      </a:effectRef>
+      <a:fontRef idx="minor"/>
+    </dgm:style>
+  </dgm:styleLbl>
+  <dgm:styleLbl name="revTx">
+    <dgm:scene3d>
+      <a:camera prst="orthographicFront"/>
+      <a:lightRig rig="threePt" dir="t"/>
+    </dgm:scene3d>
+    <dgm:sp3d/>
+    <dgm:txPr/>
+    <dgm:style>
+      <a:lnRef idx="0">
+        <a:scrgbClr r="0" g="0" b="0"/>
+      </a:lnRef>
+      <a:fillRef idx="0">
+        <a:scrgbClr r="0" g="0" b="0"/>
+      </a:fillRef>
+      <a:effectRef idx="0">
+        <a:scrgbClr r="0" g="0" b="0"/>
+      </a:effectRef>
+      <a:fontRef idx="minor"/>
+    </dgm:style>
+  </dgm:styleLbl>
+</dgm:styleDef>
+</file>
+
 <file path=ppt/slideLayouts/slideLayout1.xml><?xml version="1.0" encoding="utf-8"?>
 <p:sldLayout xmlns:a="http://schemas.openxmlformats.org/drawingml/2006/main" xmlns:r="http://schemas.openxmlformats.org/officeDocument/2006/relationships" xmlns:p="http://schemas.openxmlformats.org/presentationml/2006/main" showMasterSp="0" type="title" preserve="1">
   <p:cSld name="Title Slide">
@@ -1358,7 +9488,7 @@
           <a:p>
             <a:fld id="{12241623-A064-4BED-B073-BA4D61433402}" type="datetime1">
               <a:rPr lang="en-US" smtClean="0"/>
-              <a:t>12/10/2024</a:t>
+              <a:t>12/11/2024</a:t>
             </a:fld>
             <a:endParaRPr lang="en-US" dirty="0"/>
           </a:p>
@@ -2180,7 +10310,7 @@
           <a:p>
             <a:fld id="{6F86ED0C-1DA7-41F0-94CF-6218B1FEDFF1}" type="datetime1">
               <a:rPr lang="en-US" smtClean="0"/>
-              <a:t>12/10/2024</a:t>
+              <a:t>12/11/2024</a:t>
             </a:fld>
             <a:endParaRPr lang="en-US" dirty="0"/>
           </a:p>
@@ -2379,7 +10509,7 @@
           <a:p>
             <a:fld id="{EECF02AB-6034-4B88-BC5A-7C17CB0EF809}" type="datetime1">
               <a:rPr lang="en-US" smtClean="0"/>
-              <a:t>12/10/2024</a:t>
+              <a:t>12/11/2024</a:t>
             </a:fld>
             <a:endParaRPr lang="en-US" dirty="0"/>
           </a:p>
@@ -2614,7 +10744,7 @@
           <a:p>
             <a:fld id="{22F3E5F3-28EE-488F-BD53-B744C06C3DEC}" type="datetime1">
               <a:rPr lang="en-US" smtClean="0"/>
-              <a:t>12/10/2024</a:t>
+              <a:t>12/11/2024</a:t>
             </a:fld>
             <a:endParaRPr lang="en-US" dirty="0"/>
           </a:p>
@@ -5307,7 +13437,7 @@
           <a:p>
             <a:fld id="{E72EB70D-CD01-44DA-83B3-8FEB3383D307}" type="datetime1">
               <a:rPr lang="en-US" smtClean="0"/>
-              <a:t>12/10/2024</a:t>
+              <a:t>12/11/2024</a:t>
             </a:fld>
             <a:endParaRPr lang="en-US" dirty="0"/>
           </a:p>
@@ -5503,7 +13633,7 @@
           <a:p>
             <a:fld id="{D0158CFD-9357-46BE-A189-D637A67C8730}" type="datetime1">
               <a:rPr lang="en-US" smtClean="0"/>
-              <a:t>12/10/2024</a:t>
+              <a:t>12/11/2024</a:t>
             </a:fld>
             <a:endParaRPr lang="en-US" dirty="0"/>
           </a:p>
@@ -5892,7 +14022,7 @@
           <a:p>
             <a:fld id="{7B4742EE-B331-4632-BD10-A82FED6B6FC0}" type="datetime1">
               <a:rPr lang="en-US" smtClean="0"/>
-              <a:t>12/10/2024</a:t>
+              <a:t>12/11/2024</a:t>
             </a:fld>
             <a:endParaRPr lang="en-US" dirty="0"/>
           </a:p>
@@ -6058,7 +14188,7 @@
           <a:p>
             <a:fld id="{451BA835-D13F-49F4-8F11-5D576AC65FAD}" type="datetime1">
               <a:rPr lang="en-US" smtClean="0"/>
-              <a:t>12/10/2024</a:t>
+              <a:t>12/11/2024</a:t>
             </a:fld>
             <a:endParaRPr lang="en-US" dirty="0"/>
           </a:p>
@@ -6181,7 +14311,7 @@
           <a:p>
             <a:fld id="{ADBD1799-ACB5-4CB2-86A2-5C574F1C8706}" type="datetime1">
               <a:rPr lang="en-US" smtClean="0"/>
-              <a:t>12/10/2024</a:t>
+              <a:t>12/11/2024</a:t>
             </a:fld>
             <a:endParaRPr lang="en-US" dirty="0"/>
           </a:p>
@@ -6502,7 +14632,7 @@
           <a:p>
             <a:fld id="{ED5DD0D6-7A82-473E-879B-C6ECD6CCCFEC}" type="datetime1">
               <a:rPr lang="en-US" smtClean="0"/>
-              <a:t>12/10/2024</a:t>
+              <a:t>12/11/2024</a:t>
             </a:fld>
             <a:endParaRPr lang="en-US" dirty="0"/>
           </a:p>
@@ -6813,7 +14943,7 @@
           <a:p>
             <a:fld id="{D4605E03-BC17-41A7-854C-DFAB672737DC}" type="datetime1">
               <a:rPr lang="en-US" smtClean="0"/>
-              <a:t>12/10/2024</a:t>
+              <a:t>12/11/2024</a:t>
             </a:fld>
             <a:endParaRPr lang="en-US" dirty="0"/>
           </a:p>
@@ -7065,7 +15195,7 @@
           <a:p>
             <a:fld id="{C4408324-A84C-4A45-93B6-78D079CCE772}" type="datetime1">
               <a:rPr lang="en-US" smtClean="0"/>
-              <a:t>12/10/2024</a:t>
+              <a:t>12/11/2024</a:t>
             </a:fld>
             <a:endParaRPr lang="en-US" dirty="0"/>
           </a:p>
@@ -7678,6 +15808,1229 @@
 </p:sld>
 </file>
 
+<file path=ppt/slides/slide10.xml><?xml version="1.0" encoding="utf-8"?>
+<p:sld xmlns:a="http://schemas.openxmlformats.org/drawingml/2006/main" xmlns:r="http://schemas.openxmlformats.org/officeDocument/2006/relationships" xmlns:p="http://schemas.openxmlformats.org/presentationml/2006/main">
+  <p:cSld>
+    <p:spTree>
+      <p:nvGrpSpPr>
+        <p:cNvPr id="1" name=""/>
+        <p:cNvGrpSpPr/>
+        <p:nvPr/>
+      </p:nvGrpSpPr>
+      <p:grpSpPr>
+        <a:xfrm>
+          <a:off x="0" y="0"/>
+          <a:ext cx="0" cy="0"/>
+          <a:chOff x="0" y="0"/>
+          <a:chExt cx="0" cy="0"/>
+        </a:xfrm>
+      </p:grpSpPr>
+      <p:sp>
+        <p:nvSpPr>
+          <p:cNvPr id="2" name="Title 1">
+            <a:extLst>
+              <a:ext uri="{FF2B5EF4-FFF2-40B4-BE49-F238E27FC236}">
+                <a16:creationId xmlns:a16="http://schemas.microsoft.com/office/drawing/2014/main" id="{24A58F28-9708-7075-FCF4-7A5C864D289F}"/>
+              </a:ext>
+            </a:extLst>
+          </p:cNvPr>
+          <p:cNvSpPr>
+            <a:spLocks noGrp="1"/>
+          </p:cNvSpPr>
+          <p:nvPr>
+            <p:ph type="title"/>
+          </p:nvPr>
+        </p:nvSpPr>
+        <p:spPr/>
+        <p:txBody>
+          <a:bodyPr/>
+          <a:lstStyle/>
+          <a:p>
+            <a:r>
+              <a:rPr lang="en-IN" dirty="0"/>
+              <a:t>Model Definition</a:t>
+            </a:r>
+          </a:p>
+        </p:txBody>
+      </p:sp>
+      <p:graphicFrame>
+        <p:nvGraphicFramePr>
+          <p:cNvPr id="7" name="Diagram 6">
+            <a:extLst>
+              <a:ext uri="{FF2B5EF4-FFF2-40B4-BE49-F238E27FC236}">
+                <a16:creationId xmlns:a16="http://schemas.microsoft.com/office/drawing/2014/main" id="{602254CB-083C-5324-357A-AB1EA5940DA6}"/>
+              </a:ext>
+            </a:extLst>
+          </p:cNvPr>
+          <p:cNvGraphicFramePr/>
+          <p:nvPr>
+            <p:extLst>
+              <p:ext uri="{D42A27DB-BD31-4B8C-83A1-F6EECF244321}">
+                <p14:modId xmlns:p14="http://schemas.microsoft.com/office/powerpoint/2010/main" val="1532389940"/>
+              </p:ext>
+            </p:extLst>
+          </p:nvPr>
+        </p:nvGraphicFramePr>
+        <p:xfrm>
+          <a:off x="6133014" y="2187847"/>
+          <a:ext cx="4726665" cy="4227933"/>
+        </p:xfrm>
+        <a:graphic>
+          <a:graphicData uri="http://schemas.openxmlformats.org/drawingml/2006/diagram">
+            <dgm:relIds xmlns:dgm="http://schemas.openxmlformats.org/drawingml/2006/diagram" xmlns:r="http://schemas.openxmlformats.org/officeDocument/2006/relationships" r:dm="rId2" r:lo="rId3" r:qs="rId4" r:cs="rId5"/>
+          </a:graphicData>
+        </a:graphic>
+      </p:graphicFrame>
+      <p:graphicFrame>
+        <p:nvGraphicFramePr>
+          <p:cNvPr id="8" name="Diagram 7">
+            <a:extLst>
+              <a:ext uri="{FF2B5EF4-FFF2-40B4-BE49-F238E27FC236}">
+                <a16:creationId xmlns:a16="http://schemas.microsoft.com/office/drawing/2014/main" id="{6B1B8239-2AF9-8FA6-15BA-B59583B08E85}"/>
+              </a:ext>
+            </a:extLst>
+          </p:cNvPr>
+          <p:cNvGraphicFramePr/>
+          <p:nvPr>
+            <p:extLst>
+              <p:ext uri="{D42A27DB-BD31-4B8C-83A1-F6EECF244321}">
+                <p14:modId xmlns:p14="http://schemas.microsoft.com/office/powerpoint/2010/main" val="2258910471"/>
+              </p:ext>
+            </p:extLst>
+          </p:nvPr>
+        </p:nvGraphicFramePr>
+        <p:xfrm>
+          <a:off x="1605701" y="2461226"/>
+          <a:ext cx="4050381" cy="3722759"/>
+        </p:xfrm>
+        <a:graphic>
+          <a:graphicData uri="http://schemas.openxmlformats.org/drawingml/2006/diagram">
+            <dgm:relIds xmlns:dgm="http://schemas.openxmlformats.org/drawingml/2006/diagram" xmlns:r="http://schemas.openxmlformats.org/officeDocument/2006/relationships" r:dm="rId7" r:lo="rId8" r:qs="rId9" r:cs="rId10"/>
+          </a:graphicData>
+        </a:graphic>
+      </p:graphicFrame>
+    </p:spTree>
+    <p:extLst>
+      <p:ext uri="{BB962C8B-B14F-4D97-AF65-F5344CB8AC3E}">
+        <p14:creationId xmlns:p14="http://schemas.microsoft.com/office/powerpoint/2010/main" val="1599436748"/>
+      </p:ext>
+    </p:extLst>
+  </p:cSld>
+  <p:clrMapOvr>
+    <a:masterClrMapping/>
+  </p:clrMapOvr>
+</p:sld>
+</file>
+
+<file path=ppt/slides/slide11.xml><?xml version="1.0" encoding="utf-8"?>
+<p:sld xmlns:a="http://schemas.openxmlformats.org/drawingml/2006/main" xmlns:r="http://schemas.openxmlformats.org/officeDocument/2006/relationships" xmlns:p="http://schemas.openxmlformats.org/presentationml/2006/main">
+  <p:cSld>
+    <p:spTree>
+      <p:nvGrpSpPr>
+        <p:cNvPr id="1" name=""/>
+        <p:cNvGrpSpPr/>
+        <p:nvPr/>
+      </p:nvGrpSpPr>
+      <p:grpSpPr>
+        <a:xfrm>
+          <a:off x="0" y="0"/>
+          <a:ext cx="0" cy="0"/>
+          <a:chOff x="0" y="0"/>
+          <a:chExt cx="0" cy="0"/>
+        </a:xfrm>
+      </p:grpSpPr>
+      <p:graphicFrame>
+        <p:nvGraphicFramePr>
+          <p:cNvPr id="4" name="Table 3">
+            <a:extLst>
+              <a:ext uri="{FF2B5EF4-FFF2-40B4-BE49-F238E27FC236}">
+                <a16:creationId xmlns:a16="http://schemas.microsoft.com/office/drawing/2014/main" id="{A331E760-CD56-E5AE-81F1-B55C20C3309E}"/>
+              </a:ext>
+            </a:extLst>
+          </p:cNvPr>
+          <p:cNvGraphicFramePr>
+            <a:graphicFrameLocks noGrp="1"/>
+          </p:cNvGraphicFramePr>
+          <p:nvPr>
+            <p:extLst>
+              <p:ext uri="{D42A27DB-BD31-4B8C-83A1-F6EECF244321}">
+                <p14:modId xmlns:p14="http://schemas.microsoft.com/office/powerpoint/2010/main" val="849359912"/>
+              </p:ext>
+            </p:extLst>
+          </p:nvPr>
+        </p:nvGraphicFramePr>
+        <p:xfrm>
+          <a:off x="433634" y="282803"/>
+          <a:ext cx="11453566" cy="6422261"/>
+        </p:xfrm>
+        <a:graphic>
+          <a:graphicData uri="http://schemas.openxmlformats.org/drawingml/2006/table">
+            <a:tbl>
+              <a:tblPr firstRow="1" bandRow="1">
+                <a:tableStyleId>{21E4AEA4-8DFA-4A89-87EB-49C32662AFE0}</a:tableStyleId>
+              </a:tblPr>
+              <a:tblGrid>
+                <a:gridCol w="3194145">
+                  <a:extLst>
+                    <a:ext uri="{9D8B030D-6E8A-4147-A177-3AD203B41FA5}">
+                      <a16:colId xmlns:a16="http://schemas.microsoft.com/office/drawing/2014/main" val="3580785499"/>
+                    </a:ext>
+                  </a:extLst>
+                </a:gridCol>
+                <a:gridCol w="4205895">
+                  <a:extLst>
+                    <a:ext uri="{9D8B030D-6E8A-4147-A177-3AD203B41FA5}">
+                      <a16:colId xmlns:a16="http://schemas.microsoft.com/office/drawing/2014/main" val="2031584138"/>
+                    </a:ext>
+                  </a:extLst>
+                </a:gridCol>
+                <a:gridCol w="4053526">
+                  <a:extLst>
+                    <a:ext uri="{9D8B030D-6E8A-4147-A177-3AD203B41FA5}">
+                      <a16:colId xmlns:a16="http://schemas.microsoft.com/office/drawing/2014/main" val="2588963026"/>
+                    </a:ext>
+                  </a:extLst>
+                </a:gridCol>
+              </a:tblGrid>
+              <a:tr h="493701">
+                <a:tc>
+                  <a:txBody>
+                    <a:bodyPr/>
+                    <a:lstStyle/>
+                    <a:p>
+                      <a:pPr>
+                        <a:lnSpc>
+                          <a:spcPct val="150000"/>
+                        </a:lnSpc>
+                      </a:pPr>
+                      <a:r>
+                        <a:rPr lang="en-IN" dirty="0"/>
+                        <a:t>Layer</a:t>
+                      </a:r>
+                    </a:p>
+                  </a:txBody>
+                  <a:tcPr/>
+                </a:tc>
+                <a:tc>
+                  <a:txBody>
+                    <a:bodyPr/>
+                    <a:lstStyle/>
+                    <a:p>
+                      <a:pPr>
+                        <a:lnSpc>
+                          <a:spcPct val="150000"/>
+                        </a:lnSpc>
+                      </a:pPr>
+                      <a:r>
+                        <a:rPr lang="en-IN" dirty="0"/>
+                        <a:t>Configurations</a:t>
+                      </a:r>
+                    </a:p>
+                  </a:txBody>
+                  <a:tcPr/>
+                </a:tc>
+                <a:tc>
+                  <a:txBody>
+                    <a:bodyPr/>
+                    <a:lstStyle/>
+                    <a:p>
+                      <a:pPr>
+                        <a:lnSpc>
+                          <a:spcPct val="150000"/>
+                        </a:lnSpc>
+                      </a:pPr>
+                      <a:r>
+                        <a:rPr lang="en-IN" dirty="0"/>
+                        <a:t>Purpose</a:t>
+                      </a:r>
+                    </a:p>
+                  </a:txBody>
+                  <a:tcPr/>
+                </a:tc>
+                <a:extLst>
+                  <a:ext uri="{0D108BD9-81ED-4DB2-BD59-A6C34878D82A}">
+                    <a16:rowId xmlns:a16="http://schemas.microsoft.com/office/drawing/2014/main" val="3305788552"/>
+                  </a:ext>
+                </a:extLst>
+              </a:tr>
+              <a:tr h="493701">
+                <a:tc>
+                  <a:txBody>
+                    <a:bodyPr/>
+                    <a:lstStyle/>
+                    <a:p>
+                      <a:r>
+                        <a:rPr lang="en-IN" sz="1600" dirty="0"/>
+                        <a:t>Input Layer</a:t>
+                      </a:r>
+                    </a:p>
+                  </a:txBody>
+                  <a:tcPr/>
+                </a:tc>
+                <a:tc>
+                  <a:txBody>
+                    <a:bodyPr/>
+                    <a:lstStyle/>
+                    <a:p>
+                      <a:r>
+                        <a:rPr lang="en-IN" sz="1600" dirty="0"/>
+                        <a:t>Shape : (None,300,300,3)</a:t>
+                      </a:r>
+                    </a:p>
+                  </a:txBody>
+                  <a:tcPr/>
+                </a:tc>
+                <a:tc>
+                  <a:txBody>
+                    <a:bodyPr/>
+                    <a:lstStyle/>
+                    <a:p>
+                      <a:r>
+                        <a:rPr lang="en-IN" sz="1600" dirty="0"/>
+                        <a:t>3 </a:t>
+                      </a:r>
+                      <a:r>
+                        <a:rPr lang="en-IN" sz="1600" dirty="0" err="1"/>
+                        <a:t>color</a:t>
+                      </a:r>
+                      <a:r>
+                        <a:rPr lang="en-IN" sz="1600" dirty="0"/>
+                        <a:t> channel of 300x300 </a:t>
+                      </a:r>
+                      <a:r>
+                        <a:rPr lang="en-IN" sz="1600" dirty="0" err="1"/>
+                        <a:t>px</a:t>
+                      </a:r>
+                      <a:endParaRPr lang="en-IN" sz="1600" dirty="0"/>
+                    </a:p>
+                  </a:txBody>
+                  <a:tcPr/>
+                </a:tc>
+                <a:extLst>
+                  <a:ext uri="{0D108BD9-81ED-4DB2-BD59-A6C34878D82A}">
+                    <a16:rowId xmlns:a16="http://schemas.microsoft.com/office/drawing/2014/main" val="4195120618"/>
+                  </a:ext>
+                </a:extLst>
+              </a:tr>
+              <a:tr h="744940">
+                <a:tc>
+                  <a:txBody>
+                    <a:bodyPr/>
+                    <a:lstStyle/>
+                    <a:p>
+                      <a:r>
+                        <a:rPr lang="en-IN" sz="1600" dirty="0"/>
+                        <a:t>Rescaling Layer</a:t>
+                      </a:r>
+                    </a:p>
+                  </a:txBody>
+                  <a:tcPr/>
+                </a:tc>
+                <a:tc>
+                  <a:txBody>
+                    <a:bodyPr/>
+                    <a:lstStyle/>
+                    <a:p>
+                      <a:pPr marL="0" marR="0" lvl="0" indent="0" algn="l" defTabSz="914400" rtl="0" eaLnBrk="1" fontAlgn="auto" latinLnBrk="0" hangingPunct="1">
+                        <a:lnSpc>
+                          <a:spcPct val="100000"/>
+                        </a:lnSpc>
+                        <a:spcBef>
+                          <a:spcPts val="0"/>
+                        </a:spcBef>
+                        <a:spcAft>
+                          <a:spcPts val="0"/>
+                        </a:spcAft>
+                        <a:buClrTx/>
+                        <a:buSzTx/>
+                        <a:buFontTx/>
+                        <a:buNone/>
+                        <a:tabLst/>
+                        <a:defRPr/>
+                      </a:pPr>
+                      <a:r>
+                        <a:rPr lang="en-IN" sz="1600" dirty="0"/>
+                        <a:t>[0-255] Normalization of pixel values between [0-1]</a:t>
+                      </a:r>
+                    </a:p>
+                  </a:txBody>
+                  <a:tcPr/>
+                </a:tc>
+                <a:tc>
+                  <a:txBody>
+                    <a:bodyPr/>
+                    <a:lstStyle/>
+                    <a:p>
+                      <a:pPr marL="0" marR="0" lvl="0" indent="0" algn="l" defTabSz="914400" rtl="0" eaLnBrk="1" fontAlgn="auto" latinLnBrk="0" hangingPunct="1">
+                        <a:lnSpc>
+                          <a:spcPct val="100000"/>
+                        </a:lnSpc>
+                        <a:spcBef>
+                          <a:spcPts val="0"/>
+                        </a:spcBef>
+                        <a:spcAft>
+                          <a:spcPts val="0"/>
+                        </a:spcAft>
+                        <a:buClrTx/>
+                        <a:buSzTx/>
+                        <a:buFontTx/>
+                        <a:buNone/>
+                        <a:tabLst/>
+                        <a:defRPr/>
+                      </a:pPr>
+                      <a:r>
+                        <a:rPr lang="en-IN" sz="1600" dirty="0"/>
+                        <a:t>To make neural network efficient &amp; stable</a:t>
+                      </a:r>
+                    </a:p>
+                  </a:txBody>
+                  <a:tcPr/>
+                </a:tc>
+                <a:extLst>
+                  <a:ext uri="{0D108BD9-81ED-4DB2-BD59-A6C34878D82A}">
+                    <a16:rowId xmlns:a16="http://schemas.microsoft.com/office/drawing/2014/main" val="3102070738"/>
+                  </a:ext>
+                </a:extLst>
+              </a:tr>
+              <a:tr h="1383460">
+                <a:tc>
+                  <a:txBody>
+                    <a:bodyPr/>
+                    <a:lstStyle/>
+                    <a:p>
+                      <a:r>
+                        <a:rPr lang="en-IN" sz="1600" dirty="0"/>
+                        <a:t>1</a:t>
+                      </a:r>
+                      <a:r>
+                        <a:rPr lang="en-IN" sz="1600" baseline="30000" dirty="0"/>
+                        <a:t>st</a:t>
+                      </a:r>
+                      <a:r>
+                        <a:rPr lang="en-IN" sz="1600" dirty="0"/>
+                        <a:t> Convolution layer </a:t>
+                      </a:r>
+                    </a:p>
+                    <a:p>
+                      <a:pPr marL="0" marR="0" lvl="0" indent="0" algn="l" defTabSz="914400" rtl="0" eaLnBrk="1" fontAlgn="auto" latinLnBrk="0" hangingPunct="1">
+                        <a:lnSpc>
+                          <a:spcPct val="100000"/>
+                        </a:lnSpc>
+                        <a:spcBef>
+                          <a:spcPts val="0"/>
+                        </a:spcBef>
+                        <a:spcAft>
+                          <a:spcPts val="0"/>
+                        </a:spcAft>
+                        <a:buClrTx/>
+                        <a:buSzTx/>
+                        <a:buFontTx/>
+                        <a:buNone/>
+                        <a:tabLst/>
+                        <a:defRPr/>
+                      </a:pPr>
+                      <a:r>
+                        <a:rPr lang="en-IN" sz="1600" dirty="0"/>
+                        <a:t>2</a:t>
+                      </a:r>
+                      <a:r>
+                        <a:rPr lang="en-IN" sz="1600" baseline="30000" dirty="0"/>
+                        <a:t>nd</a:t>
+                      </a:r>
+                      <a:r>
+                        <a:rPr lang="en-IN" sz="1600" dirty="0"/>
+                        <a:t> Convolution layer </a:t>
+                      </a:r>
+                    </a:p>
+                    <a:p>
+                      <a:pPr marL="0" marR="0" lvl="0" indent="0" algn="l" defTabSz="914400" rtl="0" eaLnBrk="1" fontAlgn="auto" latinLnBrk="0" hangingPunct="1">
+                        <a:lnSpc>
+                          <a:spcPct val="100000"/>
+                        </a:lnSpc>
+                        <a:spcBef>
+                          <a:spcPts val="0"/>
+                        </a:spcBef>
+                        <a:spcAft>
+                          <a:spcPts val="0"/>
+                        </a:spcAft>
+                        <a:buClrTx/>
+                        <a:buSzTx/>
+                        <a:buFontTx/>
+                        <a:buNone/>
+                        <a:tabLst/>
+                        <a:defRPr/>
+                      </a:pPr>
+                      <a:r>
+                        <a:rPr lang="en-IN" sz="1600" dirty="0"/>
+                        <a:t>3</a:t>
+                      </a:r>
+                      <a:r>
+                        <a:rPr lang="en-IN" sz="1600" baseline="30000" dirty="0"/>
+                        <a:t>rd</a:t>
+                      </a:r>
+                      <a:r>
+                        <a:rPr lang="en-IN" sz="1600" dirty="0"/>
+                        <a:t> Convolution layer </a:t>
+                      </a:r>
+                    </a:p>
+                    <a:p>
+                      <a:pPr marL="0" marR="0" lvl="0" indent="0" algn="l" defTabSz="914400" rtl="0" eaLnBrk="1" fontAlgn="auto" latinLnBrk="0" hangingPunct="1">
+                        <a:lnSpc>
+                          <a:spcPct val="100000"/>
+                        </a:lnSpc>
+                        <a:spcBef>
+                          <a:spcPts val="0"/>
+                        </a:spcBef>
+                        <a:spcAft>
+                          <a:spcPts val="0"/>
+                        </a:spcAft>
+                        <a:buClrTx/>
+                        <a:buSzTx/>
+                        <a:buFontTx/>
+                        <a:buNone/>
+                        <a:tabLst/>
+                        <a:defRPr/>
+                      </a:pPr>
+                      <a:r>
+                        <a:rPr lang="en-IN" sz="1600" dirty="0"/>
+                        <a:t>4</a:t>
+                      </a:r>
+                      <a:r>
+                        <a:rPr lang="en-IN" sz="1600" baseline="30000" dirty="0"/>
+                        <a:t>th</a:t>
+                      </a:r>
+                      <a:r>
+                        <a:rPr lang="en-IN" sz="1600" dirty="0"/>
+                        <a:t> Convolution layer </a:t>
+                      </a:r>
+                    </a:p>
+                  </a:txBody>
+                  <a:tcPr/>
+                </a:tc>
+                <a:tc>
+                  <a:txBody>
+                    <a:bodyPr/>
+                    <a:lstStyle/>
+                    <a:p>
+                      <a:r>
+                        <a:rPr lang="en-IN" sz="1600" dirty="0"/>
+                        <a:t>32 Neurons</a:t>
+                      </a:r>
+                    </a:p>
+                    <a:p>
+                      <a:r>
+                        <a:rPr lang="en-IN" sz="1600" dirty="0"/>
+                        <a:t>64 Neurons</a:t>
+                      </a:r>
+                    </a:p>
+                    <a:p>
+                      <a:r>
+                        <a:rPr lang="en-IN" sz="1600" dirty="0"/>
+                        <a:t>128 Neurons</a:t>
+                      </a:r>
+                    </a:p>
+                    <a:p>
+                      <a:r>
+                        <a:rPr lang="en-IN" sz="1600" dirty="0"/>
+                        <a:t>256 Neurons</a:t>
+                      </a:r>
+                    </a:p>
+                  </a:txBody>
+                  <a:tcPr/>
+                </a:tc>
+                <a:tc>
+                  <a:txBody>
+                    <a:bodyPr/>
+                    <a:lstStyle/>
+                    <a:p>
+                      <a:r>
+                        <a:rPr lang="en-IN" sz="1600" dirty="0"/>
+                        <a:t>Kernal = 3</a:t>
+                      </a:r>
+                    </a:p>
+                    <a:p>
+                      <a:r>
+                        <a:rPr lang="en-IN" sz="1600" dirty="0"/>
+                        <a:t>Activation = </a:t>
+                      </a:r>
+                      <a:r>
+                        <a:rPr lang="en-IN" sz="1600" dirty="0" err="1"/>
+                        <a:t>relu</a:t>
+                      </a:r>
+                      <a:endParaRPr lang="en-IN" sz="1600" dirty="0"/>
+                    </a:p>
+                  </a:txBody>
+                  <a:tcPr/>
+                </a:tc>
+                <a:extLst>
+                  <a:ext uri="{0D108BD9-81ED-4DB2-BD59-A6C34878D82A}">
+                    <a16:rowId xmlns:a16="http://schemas.microsoft.com/office/drawing/2014/main" val="1355129403"/>
+                  </a:ext>
+                </a:extLst>
+              </a:tr>
+              <a:tr h="744940">
+                <a:tc>
+                  <a:txBody>
+                    <a:bodyPr/>
+                    <a:lstStyle/>
+                    <a:p>
+                      <a:r>
+                        <a:rPr lang="en-IN" sz="1600" dirty="0"/>
+                        <a:t>Max Pooling Layer (4)</a:t>
+                      </a:r>
+                    </a:p>
+                  </a:txBody>
+                  <a:tcPr/>
+                </a:tc>
+                <a:tc>
+                  <a:txBody>
+                    <a:bodyPr/>
+                    <a:lstStyle/>
+                    <a:p>
+                      <a:r>
+                        <a:rPr lang="en-IN" sz="1600" dirty="0">
+                          <a:sym typeface="Wingdings" panose="05000000000000000000" pitchFamily="2" charset="2"/>
+                        </a:rPr>
+                        <a:t>Pool size 2 </a:t>
+                      </a:r>
+                    </a:p>
+                    <a:p>
+                      <a:r>
+                        <a:rPr lang="en-IN" sz="1600" dirty="0">
+                          <a:sym typeface="Wingdings" panose="05000000000000000000" pitchFamily="2" charset="2"/>
+                        </a:rPr>
+                        <a:t>Following to 1</a:t>
+                      </a:r>
+                      <a:r>
+                        <a:rPr lang="en-IN" sz="1600" baseline="30000" dirty="0">
+                          <a:sym typeface="Wingdings" panose="05000000000000000000" pitchFamily="2" charset="2"/>
+                        </a:rPr>
+                        <a:t>st </a:t>
+                      </a:r>
+                      <a:r>
+                        <a:rPr lang="en-IN" sz="1600" dirty="0">
+                          <a:sym typeface="Wingdings" panose="05000000000000000000" pitchFamily="2" charset="2"/>
+                        </a:rPr>
+                        <a:t>4 convolution layers</a:t>
+                      </a:r>
+                      <a:endParaRPr lang="en-IN" sz="1600" dirty="0"/>
+                    </a:p>
+                  </a:txBody>
+                  <a:tcPr/>
+                </a:tc>
+                <a:tc>
+                  <a:txBody>
+                    <a:bodyPr/>
+                    <a:lstStyle/>
+                    <a:p>
+                      <a:pPr marL="0" marR="0" lvl="0" indent="0" algn="l" defTabSz="914400" rtl="0" eaLnBrk="1" fontAlgn="auto" latinLnBrk="0" hangingPunct="1">
+                        <a:lnSpc>
+                          <a:spcPct val="100000"/>
+                        </a:lnSpc>
+                        <a:spcBef>
+                          <a:spcPts val="0"/>
+                        </a:spcBef>
+                        <a:spcAft>
+                          <a:spcPts val="0"/>
+                        </a:spcAft>
+                        <a:buClrTx/>
+                        <a:buSzTx/>
+                        <a:buFontTx/>
+                        <a:buNone/>
+                        <a:tabLst/>
+                        <a:defRPr/>
+                      </a:pPr>
+                      <a:r>
+                        <a:rPr lang="en-IN" sz="1600" dirty="0"/>
+                        <a:t>To reduce Spatial dimension</a:t>
+                      </a:r>
+                    </a:p>
+                  </a:txBody>
+                  <a:tcPr/>
+                </a:tc>
+                <a:extLst>
+                  <a:ext uri="{0D108BD9-81ED-4DB2-BD59-A6C34878D82A}">
+                    <a16:rowId xmlns:a16="http://schemas.microsoft.com/office/drawing/2014/main" val="3749604366"/>
+                  </a:ext>
+                </a:extLst>
+              </a:tr>
+              <a:tr h="744940">
+                <a:tc>
+                  <a:txBody>
+                    <a:bodyPr/>
+                    <a:lstStyle/>
+                    <a:p>
+                      <a:r>
+                        <a:rPr lang="en-IN" sz="1600" dirty="0"/>
+                        <a:t>Batch Normalization (4)</a:t>
+                      </a:r>
+                    </a:p>
+                  </a:txBody>
+                  <a:tcPr/>
+                </a:tc>
+                <a:tc>
+                  <a:txBody>
+                    <a:bodyPr/>
+                    <a:lstStyle/>
+                    <a:p>
+                      <a:r>
+                        <a:rPr lang="en-IN" sz="1600" dirty="0">
+                          <a:sym typeface="Wingdings" panose="05000000000000000000" pitchFamily="2" charset="2"/>
+                        </a:rPr>
+                        <a:t>Normalize previous layer output</a:t>
+                      </a:r>
+                    </a:p>
+                    <a:p>
+                      <a:r>
+                        <a:rPr lang="en-IN" sz="1600" dirty="0">
+                          <a:sym typeface="Wingdings" panose="05000000000000000000" pitchFamily="2" charset="2"/>
+                        </a:rPr>
+                        <a:t>Following to Max pooling layers</a:t>
+                      </a:r>
+                      <a:endParaRPr lang="en-IN" sz="1600" dirty="0"/>
+                    </a:p>
+                  </a:txBody>
+                  <a:tcPr/>
+                </a:tc>
+                <a:tc>
+                  <a:txBody>
+                    <a:bodyPr/>
+                    <a:lstStyle/>
+                    <a:p>
+                      <a:r>
+                        <a:rPr lang="en-IN" sz="1600" dirty="0"/>
+                        <a:t>Normalize output from </a:t>
+                      </a:r>
+                      <a:r>
+                        <a:rPr lang="en-IN" sz="1600" dirty="0" err="1"/>
+                        <a:t>Maxpool</a:t>
+                      </a:r>
+                      <a:endParaRPr lang="en-IN" sz="1600" dirty="0"/>
+                    </a:p>
+                    <a:p>
+                      <a:r>
+                        <a:rPr lang="en-IN" sz="1600" dirty="0"/>
+                        <a:t>Accelerate convergence ( smoothen effect )</a:t>
+                      </a:r>
+                    </a:p>
+                  </a:txBody>
+                  <a:tcPr/>
+                </a:tc>
+                <a:extLst>
+                  <a:ext uri="{0D108BD9-81ED-4DB2-BD59-A6C34878D82A}">
+                    <a16:rowId xmlns:a16="http://schemas.microsoft.com/office/drawing/2014/main" val="1788913659"/>
+                  </a:ext>
+                </a:extLst>
+              </a:tr>
+              <a:tr h="622429">
+                <a:tc>
+                  <a:txBody>
+                    <a:bodyPr/>
+                    <a:lstStyle/>
+                    <a:p>
+                      <a:pPr marL="0" marR="0" lvl="0" indent="0" algn="l" defTabSz="914400" rtl="0" eaLnBrk="1" fontAlgn="auto" latinLnBrk="0" hangingPunct="1">
+                        <a:lnSpc>
+                          <a:spcPct val="100000"/>
+                        </a:lnSpc>
+                        <a:spcBef>
+                          <a:spcPts val="0"/>
+                        </a:spcBef>
+                        <a:spcAft>
+                          <a:spcPts val="0"/>
+                        </a:spcAft>
+                        <a:buClrTx/>
+                        <a:buSzTx/>
+                        <a:buFontTx/>
+                        <a:buNone/>
+                        <a:tabLst/>
+                        <a:defRPr/>
+                      </a:pPr>
+                      <a:r>
+                        <a:rPr lang="en-IN" sz="1600" dirty="0"/>
+                        <a:t>5</a:t>
+                      </a:r>
+                      <a:r>
+                        <a:rPr lang="en-IN" sz="1600" baseline="30000" dirty="0"/>
+                        <a:t>th</a:t>
+                      </a:r>
+                      <a:r>
+                        <a:rPr lang="en-IN" sz="1600" dirty="0"/>
+                        <a:t> Convolution layer </a:t>
+                      </a:r>
+                    </a:p>
+                  </a:txBody>
+                  <a:tcPr/>
+                </a:tc>
+                <a:tc>
+                  <a:txBody>
+                    <a:bodyPr/>
+                    <a:lstStyle/>
+                    <a:p>
+                      <a:pPr marL="0" marR="0" lvl="0" indent="0" algn="l" defTabSz="914400" rtl="0" eaLnBrk="1" fontAlgn="auto" latinLnBrk="0" hangingPunct="1">
+                        <a:lnSpc>
+                          <a:spcPct val="100000"/>
+                        </a:lnSpc>
+                        <a:spcBef>
+                          <a:spcPts val="0"/>
+                        </a:spcBef>
+                        <a:spcAft>
+                          <a:spcPts val="0"/>
+                        </a:spcAft>
+                        <a:buClrTx/>
+                        <a:buSzTx/>
+                        <a:buFontTx/>
+                        <a:buNone/>
+                        <a:tabLst/>
+                        <a:defRPr/>
+                      </a:pPr>
+                      <a:r>
+                        <a:rPr lang="en-IN" sz="1600" dirty="0"/>
+                        <a:t>256 Neurons</a:t>
+                      </a:r>
+                    </a:p>
+                  </a:txBody>
+                  <a:tcPr/>
+                </a:tc>
+                <a:tc>
+                  <a:txBody>
+                    <a:bodyPr/>
+                    <a:lstStyle/>
+                    <a:p>
+                      <a:r>
+                        <a:rPr lang="en-IN" sz="1600" dirty="0"/>
+                        <a:t>Kernal = 3</a:t>
+                      </a:r>
+                    </a:p>
+                    <a:p>
+                      <a:r>
+                        <a:rPr lang="en-IN" sz="1600" dirty="0"/>
+                        <a:t>Activation = </a:t>
+                      </a:r>
+                      <a:r>
+                        <a:rPr lang="en-IN" sz="1600" dirty="0" err="1"/>
+                        <a:t>relu</a:t>
+                      </a:r>
+                      <a:endParaRPr lang="en-IN" sz="1600" dirty="0"/>
+                    </a:p>
+                  </a:txBody>
+                  <a:tcPr/>
+                </a:tc>
+                <a:extLst>
+                  <a:ext uri="{0D108BD9-81ED-4DB2-BD59-A6C34878D82A}">
+                    <a16:rowId xmlns:a16="http://schemas.microsoft.com/office/drawing/2014/main" val="25908649"/>
+                  </a:ext>
+                </a:extLst>
+              </a:tr>
+              <a:tr h="622429">
+                <a:tc>
+                  <a:txBody>
+                    <a:bodyPr/>
+                    <a:lstStyle/>
+                    <a:p>
+                      <a:pPr marL="0" marR="0" lvl="0" indent="0" algn="l" defTabSz="914400" rtl="0" eaLnBrk="1" fontAlgn="auto" latinLnBrk="0" hangingPunct="1">
+                        <a:lnSpc>
+                          <a:spcPct val="100000"/>
+                        </a:lnSpc>
+                        <a:spcBef>
+                          <a:spcPts val="0"/>
+                        </a:spcBef>
+                        <a:spcAft>
+                          <a:spcPts val="0"/>
+                        </a:spcAft>
+                        <a:buClrTx/>
+                        <a:buSzTx/>
+                        <a:buFontTx/>
+                        <a:buNone/>
+                        <a:tabLst/>
+                        <a:defRPr/>
+                      </a:pPr>
+                      <a:r>
+                        <a:rPr lang="en-IN" sz="1600" b="0" kern="1200" dirty="0">
+                          <a:solidFill>
+                            <a:schemeClr val="dk1"/>
+                          </a:solidFill>
+                          <a:effectLst/>
+                          <a:latin typeface="+mn-lt"/>
+                          <a:ea typeface="+mn-ea"/>
+                          <a:cs typeface="+mn-cs"/>
+                        </a:rPr>
+                        <a:t>Flatten Layer</a:t>
+                      </a:r>
+                    </a:p>
+                  </a:txBody>
+                  <a:tcPr/>
+                </a:tc>
+                <a:tc>
+                  <a:txBody>
+                    <a:bodyPr/>
+                    <a:lstStyle/>
+                    <a:p>
+                      <a:endParaRPr lang="en-IN" sz="1600" dirty="0"/>
+                    </a:p>
+                  </a:txBody>
+                  <a:tcPr/>
+                </a:tc>
+                <a:tc>
+                  <a:txBody>
+                    <a:bodyPr/>
+                    <a:lstStyle/>
+                    <a:p>
+                      <a:r>
+                        <a:rPr lang="en-IN" sz="1600" dirty="0"/>
+                        <a:t>Convert multi-dimensional output into single vector</a:t>
+                      </a:r>
+                    </a:p>
+                  </a:txBody>
+                  <a:tcPr/>
+                </a:tc>
+                <a:extLst>
+                  <a:ext uri="{0D108BD9-81ED-4DB2-BD59-A6C34878D82A}">
+                    <a16:rowId xmlns:a16="http://schemas.microsoft.com/office/drawing/2014/main" val="1997157734"/>
+                  </a:ext>
+                </a:extLst>
+              </a:tr>
+              <a:tr h="493701">
+                <a:tc>
+                  <a:txBody>
+                    <a:bodyPr/>
+                    <a:lstStyle/>
+                    <a:p>
+                      <a:pPr marL="0" marR="0" lvl="0" indent="0" algn="l" defTabSz="914400" rtl="0" eaLnBrk="1" fontAlgn="auto" latinLnBrk="0" hangingPunct="1">
+                        <a:lnSpc>
+                          <a:spcPct val="100000"/>
+                        </a:lnSpc>
+                        <a:spcBef>
+                          <a:spcPts val="0"/>
+                        </a:spcBef>
+                        <a:spcAft>
+                          <a:spcPts val="0"/>
+                        </a:spcAft>
+                        <a:buClrTx/>
+                        <a:buSzTx/>
+                        <a:buFontTx/>
+                        <a:buNone/>
+                        <a:tabLst/>
+                        <a:defRPr/>
+                      </a:pPr>
+                      <a:r>
+                        <a:rPr lang="en-IN" sz="1600" b="0" kern="1200" dirty="0">
+                          <a:solidFill>
+                            <a:schemeClr val="dk1"/>
+                          </a:solidFill>
+                          <a:effectLst/>
+                          <a:latin typeface="+mn-lt"/>
+                          <a:ea typeface="+mn-ea"/>
+                          <a:cs typeface="+mn-cs"/>
+                        </a:rPr>
+                        <a:t>Dropout Layer</a:t>
+                      </a:r>
+                    </a:p>
+                  </a:txBody>
+                  <a:tcPr/>
+                </a:tc>
+                <a:tc>
+                  <a:txBody>
+                    <a:bodyPr/>
+                    <a:lstStyle/>
+                    <a:p>
+                      <a:endParaRPr lang="en-IN" sz="1600" dirty="0"/>
+                    </a:p>
+                  </a:txBody>
+                  <a:tcPr/>
+                </a:tc>
+                <a:tc>
+                  <a:txBody>
+                    <a:bodyPr/>
+                    <a:lstStyle/>
+                    <a:p>
+                      <a:r>
+                        <a:rPr lang="en-IN" sz="1600" dirty="0"/>
+                        <a:t>Prevent overfitting</a:t>
+                      </a:r>
+                    </a:p>
+                  </a:txBody>
+                  <a:tcPr/>
+                </a:tc>
+                <a:extLst>
+                  <a:ext uri="{0D108BD9-81ED-4DB2-BD59-A6C34878D82A}">
+                    <a16:rowId xmlns:a16="http://schemas.microsoft.com/office/drawing/2014/main" val="1939835853"/>
+                  </a:ext>
+                </a:extLst>
+              </a:tr>
+            </a:tbl>
+          </a:graphicData>
+        </a:graphic>
+      </p:graphicFrame>
+    </p:spTree>
+    <p:extLst>
+      <p:ext uri="{BB962C8B-B14F-4D97-AF65-F5344CB8AC3E}">
+        <p14:creationId xmlns:p14="http://schemas.microsoft.com/office/powerpoint/2010/main" val="725207577"/>
+      </p:ext>
+    </p:extLst>
+  </p:cSld>
+  <p:clrMapOvr>
+    <a:masterClrMapping/>
+  </p:clrMapOvr>
+</p:sld>
+</file>
+
+<file path=ppt/slides/slide12.xml><?xml version="1.0" encoding="utf-8"?>
+<p:sld xmlns:a="http://schemas.openxmlformats.org/drawingml/2006/main" xmlns:r="http://schemas.openxmlformats.org/officeDocument/2006/relationships" xmlns:p="http://schemas.openxmlformats.org/presentationml/2006/main">
+  <p:cSld>
+    <p:spTree>
+      <p:nvGrpSpPr>
+        <p:cNvPr id="1" name=""/>
+        <p:cNvGrpSpPr/>
+        <p:nvPr/>
+      </p:nvGrpSpPr>
+      <p:grpSpPr>
+        <a:xfrm>
+          <a:off x="0" y="0"/>
+          <a:ext cx="0" cy="0"/>
+          <a:chOff x="0" y="0"/>
+          <a:chExt cx="0" cy="0"/>
+        </a:xfrm>
+      </p:grpSpPr>
+      <p:sp>
+        <p:nvSpPr>
+          <p:cNvPr id="2" name="Title 1">
+            <a:extLst>
+              <a:ext uri="{FF2B5EF4-FFF2-40B4-BE49-F238E27FC236}">
+                <a16:creationId xmlns:a16="http://schemas.microsoft.com/office/drawing/2014/main" id="{BF3ACFA7-EF4D-EED6-077C-7DD93624517D}"/>
+              </a:ext>
+            </a:extLst>
+          </p:cNvPr>
+          <p:cNvSpPr>
+            <a:spLocks noGrp="1"/>
+          </p:cNvSpPr>
+          <p:nvPr>
+            <p:ph type="title"/>
+          </p:nvPr>
+        </p:nvSpPr>
+        <p:spPr/>
+        <p:txBody>
+          <a:bodyPr/>
+          <a:lstStyle/>
+          <a:p>
+            <a:r>
+              <a:rPr lang="en-IN" dirty="0"/>
+              <a:t>Accuracy</a:t>
+            </a:r>
+          </a:p>
+        </p:txBody>
+      </p:sp>
+      <p:pic>
+        <p:nvPicPr>
+          <p:cNvPr id="5" name="Content Placeholder 4">
+            <a:extLst>
+              <a:ext uri="{FF2B5EF4-FFF2-40B4-BE49-F238E27FC236}">
+                <a16:creationId xmlns:a16="http://schemas.microsoft.com/office/drawing/2014/main" id="{F92C8049-93FB-30DB-4CD9-5F7C9C28E8CE}"/>
+              </a:ext>
+            </a:extLst>
+          </p:cNvPr>
+          <p:cNvPicPr>
+            <a:picLocks noGrp="1" noChangeAspect="1"/>
+          </p:cNvPicPr>
+          <p:nvPr>
+            <p:ph idx="1"/>
+          </p:nvPr>
+        </p:nvPicPr>
+        <p:blipFill>
+          <a:blip r:embed="rId2"/>
+          <a:stretch>
+            <a:fillRect/>
+          </a:stretch>
+        </p:blipFill>
+        <p:spPr>
+          <a:xfrm>
+            <a:off x="1920875" y="2695705"/>
+            <a:ext cx="8769350" cy="2885816"/>
+          </a:xfrm>
+        </p:spPr>
+      </p:pic>
+    </p:spTree>
+    <p:extLst>
+      <p:ext uri="{BB962C8B-B14F-4D97-AF65-F5344CB8AC3E}">
+        <p14:creationId xmlns:p14="http://schemas.microsoft.com/office/powerpoint/2010/main" val="2401143608"/>
+      </p:ext>
+    </p:extLst>
+  </p:cSld>
+  <p:clrMapOvr>
+    <a:masterClrMapping/>
+  </p:clrMapOvr>
+</p:sld>
+</file>
+
+<file path=ppt/slides/slide13.xml><?xml version="1.0" encoding="utf-8"?>
+<p:sld xmlns:a="http://schemas.openxmlformats.org/drawingml/2006/main" xmlns:r="http://schemas.openxmlformats.org/officeDocument/2006/relationships" xmlns:p="http://schemas.openxmlformats.org/presentationml/2006/main">
+  <p:cSld>
+    <p:spTree>
+      <p:nvGrpSpPr>
+        <p:cNvPr id="1" name=""/>
+        <p:cNvGrpSpPr/>
+        <p:nvPr/>
+      </p:nvGrpSpPr>
+      <p:grpSpPr>
+        <a:xfrm>
+          <a:off x="0" y="0"/>
+          <a:ext cx="0" cy="0"/>
+          <a:chOff x="0" y="0"/>
+          <a:chExt cx="0" cy="0"/>
+        </a:xfrm>
+      </p:grpSpPr>
+      <p:sp>
+        <p:nvSpPr>
+          <p:cNvPr id="2" name="Title 1">
+            <a:extLst>
+              <a:ext uri="{FF2B5EF4-FFF2-40B4-BE49-F238E27FC236}">
+                <a16:creationId xmlns:a16="http://schemas.microsoft.com/office/drawing/2014/main" id="{55679300-CA39-90F1-36F5-08E1167A6BC9}"/>
+              </a:ext>
+            </a:extLst>
+          </p:cNvPr>
+          <p:cNvSpPr>
+            <a:spLocks noGrp="1"/>
+          </p:cNvSpPr>
+          <p:nvPr>
+            <p:ph type="title"/>
+          </p:nvPr>
+        </p:nvSpPr>
+        <p:spPr/>
+        <p:txBody>
+          <a:bodyPr/>
+          <a:lstStyle/>
+          <a:p>
+            <a:r>
+              <a:rPr lang="en-IN" dirty="0"/>
+              <a:t>Confusion Matrix</a:t>
+            </a:r>
+          </a:p>
+        </p:txBody>
+      </p:sp>
+      <p:pic>
+        <p:nvPicPr>
+          <p:cNvPr id="5" name="Content Placeholder 4">
+            <a:extLst>
+              <a:ext uri="{FF2B5EF4-FFF2-40B4-BE49-F238E27FC236}">
+                <a16:creationId xmlns:a16="http://schemas.microsoft.com/office/drawing/2014/main" id="{40BBB936-ED07-73E6-4EC6-D53090814081}"/>
+              </a:ext>
+            </a:extLst>
+          </p:cNvPr>
+          <p:cNvPicPr>
+            <a:picLocks noGrp="1" noChangeAspect="1"/>
+          </p:cNvPicPr>
+          <p:nvPr>
+            <p:ph idx="1"/>
+          </p:nvPr>
+        </p:nvPicPr>
+        <p:blipFill>
+          <a:blip r:embed="rId2"/>
+          <a:stretch>
+            <a:fillRect/>
+          </a:stretch>
+        </p:blipFill>
+        <p:spPr>
+          <a:xfrm>
+            <a:off x="4109460" y="2312988"/>
+            <a:ext cx="4392180" cy="3651250"/>
+          </a:xfrm>
+        </p:spPr>
+      </p:pic>
+    </p:spTree>
+    <p:extLst>
+      <p:ext uri="{BB962C8B-B14F-4D97-AF65-F5344CB8AC3E}">
+        <p14:creationId xmlns:p14="http://schemas.microsoft.com/office/powerpoint/2010/main" val="1400234980"/>
+      </p:ext>
+    </p:extLst>
+  </p:cSld>
+  <p:clrMapOvr>
+    <a:masterClrMapping/>
+  </p:clrMapOvr>
+</p:sld>
+</file>
+
+<file path=ppt/slides/slide14.xml><?xml version="1.0" encoding="utf-8"?>
+<p:sld xmlns:a="http://schemas.openxmlformats.org/drawingml/2006/main" xmlns:r="http://schemas.openxmlformats.org/officeDocument/2006/relationships" xmlns:p="http://schemas.openxmlformats.org/presentationml/2006/main">
+  <p:cSld>
+    <p:spTree>
+      <p:nvGrpSpPr>
+        <p:cNvPr id="1" name=""/>
+        <p:cNvGrpSpPr/>
+        <p:nvPr/>
+      </p:nvGrpSpPr>
+      <p:grpSpPr>
+        <a:xfrm>
+          <a:off x="0" y="0"/>
+          <a:ext cx="0" cy="0"/>
+          <a:chOff x="0" y="0"/>
+          <a:chExt cx="0" cy="0"/>
+        </a:xfrm>
+      </p:grpSpPr>
+      <p:sp>
+        <p:nvSpPr>
+          <p:cNvPr id="4" name="Title 3">
+            <a:extLst>
+              <a:ext uri="{FF2B5EF4-FFF2-40B4-BE49-F238E27FC236}">
+                <a16:creationId xmlns:a16="http://schemas.microsoft.com/office/drawing/2014/main" id="{D2ACEB7E-C748-E186-7EA9-A25C7673954D}"/>
+              </a:ext>
+            </a:extLst>
+          </p:cNvPr>
+          <p:cNvSpPr>
+            <a:spLocks noGrp="1"/>
+          </p:cNvSpPr>
+          <p:nvPr>
+            <p:ph type="ctrTitle"/>
+          </p:nvPr>
+        </p:nvSpPr>
+        <p:spPr/>
+        <p:txBody>
+          <a:bodyPr/>
+          <a:lstStyle/>
+          <a:p>
+            <a:r>
+              <a:rPr lang="en-IN" dirty="0"/>
+              <a:t>Thank You</a:t>
+            </a:r>
+          </a:p>
+        </p:txBody>
+      </p:sp>
+      <p:sp>
+        <p:nvSpPr>
+          <p:cNvPr id="5" name="Subtitle 4">
+            <a:extLst>
+              <a:ext uri="{FF2B5EF4-FFF2-40B4-BE49-F238E27FC236}">
+                <a16:creationId xmlns:a16="http://schemas.microsoft.com/office/drawing/2014/main" id="{7ED87904-4891-637E-4513-605338A33B99}"/>
+              </a:ext>
+            </a:extLst>
+          </p:cNvPr>
+          <p:cNvSpPr>
+            <a:spLocks noGrp="1"/>
+          </p:cNvSpPr>
+          <p:nvPr>
+            <p:ph type="subTitle" idx="1"/>
+          </p:nvPr>
+        </p:nvSpPr>
+        <p:spPr/>
+        <p:txBody>
+          <a:bodyPr/>
+          <a:lstStyle/>
+          <a:p>
+            <a:endParaRPr lang="en-IN" dirty="0"/>
+          </a:p>
+        </p:txBody>
+      </p:sp>
+    </p:spTree>
+    <p:extLst>
+      <p:ext uri="{BB962C8B-B14F-4D97-AF65-F5344CB8AC3E}">
+        <p14:creationId xmlns:p14="http://schemas.microsoft.com/office/powerpoint/2010/main" val="1576705382"/>
+      </p:ext>
+    </p:extLst>
+  </p:cSld>
+  <p:clrMapOvr>
+    <a:masterClrMapping/>
+  </p:clrMapOvr>
+</p:sld>
+</file>
+
 <file path=ppt/slides/slide2.xml><?xml version="1.0" encoding="utf-8"?>
 <p:sld xmlns:a="http://schemas.openxmlformats.org/drawingml/2006/main" xmlns:r="http://schemas.openxmlformats.org/officeDocument/2006/relationships" xmlns:p="http://schemas.openxmlformats.org/presentationml/2006/main">
   <p:cSld>
@@ -8098,7 +17451,9 @@
         </p:nvSpPr>
         <p:spPr/>
         <p:txBody>
-          <a:bodyPr/>
+          <a:bodyPr>
+            <a:normAutofit fontScale="85000" lnSpcReduction="10000"/>
+          </a:bodyPr>
           <a:lstStyle/>
           <a:p>
             <a:endParaRPr lang="en-IN"/>
@@ -8226,6 +17581,477 @@
     <p:extLst>
       <p:ext uri="{BB962C8B-B14F-4D97-AF65-F5344CB8AC3E}">
         <p14:creationId xmlns:p14="http://schemas.microsoft.com/office/powerpoint/2010/main" val="3529276383"/>
+      </p:ext>
+    </p:extLst>
+  </p:cSld>
+  <p:clrMapOvr>
+    <a:masterClrMapping/>
+  </p:clrMapOvr>
+</p:sld>
+</file>
+
+<file path=ppt/slides/slide6.xml><?xml version="1.0" encoding="utf-8"?>
+<p:sld xmlns:a="http://schemas.openxmlformats.org/drawingml/2006/main" xmlns:r="http://schemas.openxmlformats.org/officeDocument/2006/relationships" xmlns:p="http://schemas.openxmlformats.org/presentationml/2006/main">
+  <p:cSld>
+    <p:spTree>
+      <p:nvGrpSpPr>
+        <p:cNvPr id="1" name=""/>
+        <p:cNvGrpSpPr/>
+        <p:nvPr/>
+      </p:nvGrpSpPr>
+      <p:grpSpPr>
+        <a:xfrm>
+          <a:off x="0" y="0"/>
+          <a:ext cx="0" cy="0"/>
+          <a:chOff x="0" y="0"/>
+          <a:chExt cx="0" cy="0"/>
+        </a:xfrm>
+      </p:grpSpPr>
+      <p:sp>
+        <p:nvSpPr>
+          <p:cNvPr id="2" name="Title 1">
+            <a:extLst>
+              <a:ext uri="{FF2B5EF4-FFF2-40B4-BE49-F238E27FC236}">
+                <a16:creationId xmlns:a16="http://schemas.microsoft.com/office/drawing/2014/main" id="{6FB2F251-F017-CB84-8A0E-9A0E4ACFB549}"/>
+              </a:ext>
+            </a:extLst>
+          </p:cNvPr>
+          <p:cNvSpPr>
+            <a:spLocks noGrp="1"/>
+          </p:cNvSpPr>
+          <p:nvPr>
+            <p:ph type="title"/>
+          </p:nvPr>
+        </p:nvSpPr>
+        <p:spPr/>
+        <p:txBody>
+          <a:bodyPr/>
+          <a:lstStyle/>
+          <a:p>
+            <a:r>
+              <a:rPr lang="en-IN" dirty="0"/>
+              <a:t>Image Size</a:t>
+            </a:r>
+          </a:p>
+        </p:txBody>
+      </p:sp>
+      <p:sp>
+        <p:nvSpPr>
+          <p:cNvPr id="3" name="Content Placeholder 2">
+            <a:extLst>
+              <a:ext uri="{FF2B5EF4-FFF2-40B4-BE49-F238E27FC236}">
+                <a16:creationId xmlns:a16="http://schemas.microsoft.com/office/drawing/2014/main" id="{E866D7D6-0BA8-F73B-4B15-91F98D6FA26D}"/>
+              </a:ext>
+            </a:extLst>
+          </p:cNvPr>
+          <p:cNvSpPr>
+            <a:spLocks noGrp="1"/>
+          </p:cNvSpPr>
+          <p:nvPr>
+            <p:ph sz="half" idx="1"/>
+          </p:nvPr>
+        </p:nvSpPr>
+        <p:spPr>
+          <a:xfrm>
+            <a:off x="1920240" y="2438399"/>
+            <a:ext cx="2953418" cy="3657601"/>
+          </a:xfrm>
+        </p:spPr>
+        <p:txBody>
+          <a:bodyPr/>
+          <a:lstStyle/>
+          <a:p>
+            <a:r>
+              <a:rPr lang="en-IN" dirty="0" err="1"/>
+              <a:t>Mimimum</a:t>
+            </a:r>
+            <a:r>
+              <a:rPr lang="en-IN" dirty="0"/>
+              <a:t>, Maximum and Mean image dimensions are 300 x 300. </a:t>
+            </a:r>
+            <a:r>
+              <a:rPr lang="en-IN" dirty="0" err="1"/>
+              <a:t>i.e</a:t>
+            </a:r>
+            <a:r>
+              <a:rPr lang="en-IN" dirty="0"/>
+              <a:t> all images in dataset are already in same dimensions. </a:t>
+            </a:r>
+          </a:p>
+        </p:txBody>
+      </p:sp>
+      <p:pic>
+        <p:nvPicPr>
+          <p:cNvPr id="7" name="Content Placeholder 6">
+            <a:extLst>
+              <a:ext uri="{FF2B5EF4-FFF2-40B4-BE49-F238E27FC236}">
+                <a16:creationId xmlns:a16="http://schemas.microsoft.com/office/drawing/2014/main" id="{BA5F9190-C49C-D248-A82D-583C9D8BBDB5}"/>
+              </a:ext>
+            </a:extLst>
+          </p:cNvPr>
+          <p:cNvPicPr>
+            <a:picLocks noGrp="1" noChangeAspect="1"/>
+          </p:cNvPicPr>
+          <p:nvPr>
+            <p:ph sz="half" idx="2"/>
+          </p:nvPr>
+        </p:nvPicPr>
+        <p:blipFill>
+          <a:blip r:embed="rId2"/>
+          <a:stretch>
+            <a:fillRect/>
+          </a:stretch>
+        </p:blipFill>
+        <p:spPr>
+          <a:xfrm>
+            <a:off x="5335571" y="2438398"/>
+            <a:ext cx="5627802" cy="3738243"/>
+          </a:xfrm>
+          <a:prstGeom prst="rect">
+            <a:avLst/>
+          </a:prstGeom>
+        </p:spPr>
+      </p:pic>
+    </p:spTree>
+    <p:extLst>
+      <p:ext uri="{BB962C8B-B14F-4D97-AF65-F5344CB8AC3E}">
+        <p14:creationId xmlns:p14="http://schemas.microsoft.com/office/powerpoint/2010/main" val="137869266"/>
+      </p:ext>
+    </p:extLst>
+  </p:cSld>
+  <p:clrMapOvr>
+    <a:masterClrMapping/>
+  </p:clrMapOvr>
+</p:sld>
+</file>
+
+<file path=ppt/slides/slide7.xml><?xml version="1.0" encoding="utf-8"?>
+<p:sld xmlns:a="http://schemas.openxmlformats.org/drawingml/2006/main" xmlns:r="http://schemas.openxmlformats.org/officeDocument/2006/relationships" xmlns:p="http://schemas.openxmlformats.org/presentationml/2006/main">
+  <p:cSld>
+    <p:spTree>
+      <p:nvGrpSpPr>
+        <p:cNvPr id="1" name=""/>
+        <p:cNvGrpSpPr/>
+        <p:nvPr/>
+      </p:nvGrpSpPr>
+      <p:grpSpPr>
+        <a:xfrm>
+          <a:off x="0" y="0"/>
+          <a:ext cx="0" cy="0"/>
+          <a:chOff x="0" y="0"/>
+          <a:chExt cx="0" cy="0"/>
+        </a:xfrm>
+      </p:grpSpPr>
+      <p:sp>
+        <p:nvSpPr>
+          <p:cNvPr id="5" name="Title 4">
+            <a:extLst>
+              <a:ext uri="{FF2B5EF4-FFF2-40B4-BE49-F238E27FC236}">
+                <a16:creationId xmlns:a16="http://schemas.microsoft.com/office/drawing/2014/main" id="{D82EE05B-341D-D3DF-74F3-0C6E25887FED}"/>
+              </a:ext>
+            </a:extLst>
+          </p:cNvPr>
+          <p:cNvSpPr>
+            <a:spLocks noGrp="1"/>
+          </p:cNvSpPr>
+          <p:nvPr>
+            <p:ph type="ctrTitle"/>
+          </p:nvPr>
+        </p:nvSpPr>
+        <p:spPr/>
+        <p:txBody>
+          <a:bodyPr/>
+          <a:lstStyle/>
+          <a:p>
+            <a:r>
+              <a:rPr lang="en-IN" dirty="0"/>
+              <a:t>Convolutional Neural Network (CNN)</a:t>
+            </a:r>
+          </a:p>
+        </p:txBody>
+      </p:sp>
+      <p:sp>
+        <p:nvSpPr>
+          <p:cNvPr id="6" name="Subtitle 5">
+            <a:extLst>
+              <a:ext uri="{FF2B5EF4-FFF2-40B4-BE49-F238E27FC236}">
+                <a16:creationId xmlns:a16="http://schemas.microsoft.com/office/drawing/2014/main" id="{1F78ACBD-1688-BC71-70F8-97B835ADABF7}"/>
+              </a:ext>
+            </a:extLst>
+          </p:cNvPr>
+          <p:cNvSpPr>
+            <a:spLocks noGrp="1"/>
+          </p:cNvSpPr>
+          <p:nvPr>
+            <p:ph type="subTitle" idx="1"/>
+          </p:nvPr>
+        </p:nvSpPr>
+        <p:spPr/>
+        <p:txBody>
+          <a:bodyPr/>
+          <a:lstStyle/>
+          <a:p>
+            <a:endParaRPr lang="en-IN"/>
+          </a:p>
+        </p:txBody>
+      </p:sp>
+    </p:spTree>
+    <p:extLst>
+      <p:ext uri="{BB962C8B-B14F-4D97-AF65-F5344CB8AC3E}">
+        <p14:creationId xmlns:p14="http://schemas.microsoft.com/office/powerpoint/2010/main" val="4025283585"/>
+      </p:ext>
+    </p:extLst>
+  </p:cSld>
+  <p:clrMapOvr>
+    <a:masterClrMapping/>
+  </p:clrMapOvr>
+</p:sld>
+</file>
+
+<file path=ppt/slides/slide8.xml><?xml version="1.0" encoding="utf-8"?>
+<p:sld xmlns:a="http://schemas.openxmlformats.org/drawingml/2006/main" xmlns:r="http://schemas.openxmlformats.org/officeDocument/2006/relationships" xmlns:p="http://schemas.openxmlformats.org/presentationml/2006/main">
+  <p:cSld>
+    <p:spTree>
+      <p:nvGrpSpPr>
+        <p:cNvPr id="1" name=""/>
+        <p:cNvGrpSpPr/>
+        <p:nvPr/>
+      </p:nvGrpSpPr>
+      <p:grpSpPr>
+        <a:xfrm>
+          <a:off x="0" y="0"/>
+          <a:ext cx="0" cy="0"/>
+          <a:chOff x="0" y="0"/>
+          <a:chExt cx="0" cy="0"/>
+        </a:xfrm>
+      </p:grpSpPr>
+      <p:sp>
+        <p:nvSpPr>
+          <p:cNvPr id="2" name="Title 1">
+            <a:extLst>
+              <a:ext uri="{FF2B5EF4-FFF2-40B4-BE49-F238E27FC236}">
+                <a16:creationId xmlns:a16="http://schemas.microsoft.com/office/drawing/2014/main" id="{D1957026-3E82-DD58-57F4-8F8762954A6D}"/>
+              </a:ext>
+            </a:extLst>
+          </p:cNvPr>
+          <p:cNvSpPr>
+            <a:spLocks noGrp="1"/>
+          </p:cNvSpPr>
+          <p:nvPr>
+            <p:ph type="title"/>
+          </p:nvPr>
+        </p:nvSpPr>
+        <p:spPr/>
+        <p:txBody>
+          <a:bodyPr/>
+          <a:lstStyle/>
+          <a:p>
+            <a:r>
+              <a:rPr lang="en-IN" dirty="0"/>
+              <a:t>CNN with 2 configurations</a:t>
+            </a:r>
+          </a:p>
+        </p:txBody>
+      </p:sp>
+      <p:sp>
+        <p:nvSpPr>
+          <p:cNvPr id="3" name="Content Placeholder 2">
+            <a:extLst>
+              <a:ext uri="{FF2B5EF4-FFF2-40B4-BE49-F238E27FC236}">
+                <a16:creationId xmlns:a16="http://schemas.microsoft.com/office/drawing/2014/main" id="{A34A2697-4012-7421-A98B-68DB2516643F}"/>
+              </a:ext>
+            </a:extLst>
+          </p:cNvPr>
+          <p:cNvSpPr>
+            <a:spLocks noGrp="1"/>
+          </p:cNvSpPr>
+          <p:nvPr>
+            <p:ph idx="1"/>
+          </p:nvPr>
+        </p:nvSpPr>
+        <p:spPr/>
+        <p:txBody>
+          <a:bodyPr/>
+          <a:lstStyle/>
+          <a:p>
+            <a:pPr marL="285750" indent="-285750">
+              <a:buFontTx/>
+              <a:buChar char="-"/>
+            </a:pPr>
+            <a:r>
+              <a:rPr lang="en-IN" dirty="0"/>
+              <a:t>Defined CNN from scratch</a:t>
+            </a:r>
+          </a:p>
+          <a:p>
+            <a:r>
+              <a:rPr lang="en-IN" b="1" dirty="0"/>
+              <a:t>1</a:t>
+            </a:r>
+            <a:r>
+              <a:rPr lang="en-IN" b="1" baseline="30000" dirty="0"/>
+              <a:t>st</a:t>
+            </a:r>
+            <a:r>
+              <a:rPr lang="en-IN" b="1" dirty="0"/>
+              <a:t> Initial Approach</a:t>
+            </a:r>
+          </a:p>
+          <a:p>
+            <a:pPr marL="285750" indent="-285750">
+              <a:buFontTx/>
+              <a:buChar char="-"/>
+            </a:pPr>
+            <a:r>
+              <a:rPr lang="en-IN" dirty="0"/>
+              <a:t>Followed common guidelines for the CNN training</a:t>
+            </a:r>
+          </a:p>
+          <a:p>
+            <a:pPr marL="285750" indent="-285750">
+              <a:buFontTx/>
+              <a:buChar char="-"/>
+            </a:pPr>
+            <a:r>
+              <a:rPr lang="en-IN" dirty="0"/>
+              <a:t>Issue : training &amp; validation error = 0</a:t>
+            </a:r>
+          </a:p>
+          <a:p>
+            <a:r>
+              <a:rPr lang="en-IN" b="1" dirty="0"/>
+              <a:t>2</a:t>
+            </a:r>
+            <a:r>
+              <a:rPr lang="en-IN" b="1" baseline="30000" dirty="0"/>
+              <a:t>nd</a:t>
+            </a:r>
+            <a:r>
+              <a:rPr lang="en-IN" b="1" dirty="0"/>
+              <a:t> Improved Approach</a:t>
+            </a:r>
+          </a:p>
+          <a:p>
+            <a:pPr marL="285750" indent="-285750">
+              <a:buFontTx/>
+              <a:buChar char="-"/>
+            </a:pPr>
+            <a:r>
+              <a:rPr lang="en-IN" dirty="0"/>
+              <a:t>Enhanced previous model parameters</a:t>
+            </a:r>
+          </a:p>
+          <a:p>
+            <a:pPr marL="285750" indent="-285750">
+              <a:buFontTx/>
+              <a:buChar char="-"/>
+            </a:pPr>
+            <a:r>
+              <a:rPr lang="en-IN" dirty="0"/>
+              <a:t>Optimized for higher accuracy</a:t>
+            </a:r>
+          </a:p>
+        </p:txBody>
+      </p:sp>
+    </p:spTree>
+    <p:extLst>
+      <p:ext uri="{BB962C8B-B14F-4D97-AF65-F5344CB8AC3E}">
+        <p14:creationId xmlns:p14="http://schemas.microsoft.com/office/powerpoint/2010/main" val="2058569627"/>
+      </p:ext>
+    </p:extLst>
+  </p:cSld>
+  <p:clrMapOvr>
+    <a:masterClrMapping/>
+  </p:clrMapOvr>
+</p:sld>
+</file>
+
+<file path=ppt/slides/slide9.xml><?xml version="1.0" encoding="utf-8"?>
+<p:sld xmlns:a="http://schemas.openxmlformats.org/drawingml/2006/main" xmlns:r="http://schemas.openxmlformats.org/officeDocument/2006/relationships" xmlns:p="http://schemas.openxmlformats.org/presentationml/2006/main">
+  <p:cSld>
+    <p:spTree>
+      <p:nvGrpSpPr>
+        <p:cNvPr id="1" name=""/>
+        <p:cNvGrpSpPr/>
+        <p:nvPr/>
+      </p:nvGrpSpPr>
+      <p:grpSpPr>
+        <a:xfrm>
+          <a:off x="0" y="0"/>
+          <a:ext cx="0" cy="0"/>
+          <a:chOff x="0" y="0"/>
+          <a:chExt cx="0" cy="0"/>
+        </a:xfrm>
+      </p:grpSpPr>
+      <p:sp>
+        <p:nvSpPr>
+          <p:cNvPr id="2" name="Title 1">
+            <a:extLst>
+              <a:ext uri="{FF2B5EF4-FFF2-40B4-BE49-F238E27FC236}">
+                <a16:creationId xmlns:a16="http://schemas.microsoft.com/office/drawing/2014/main" id="{3C936A54-0E4A-E6ED-F0D6-0B026D792F20}"/>
+              </a:ext>
+            </a:extLst>
+          </p:cNvPr>
+          <p:cNvSpPr>
+            <a:spLocks noGrp="1"/>
+          </p:cNvSpPr>
+          <p:nvPr>
+            <p:ph type="title"/>
+          </p:nvPr>
+        </p:nvSpPr>
+        <p:spPr/>
+        <p:txBody>
+          <a:bodyPr/>
+          <a:lstStyle/>
+          <a:p>
+            <a:r>
+              <a:rPr lang="en-IN" dirty="0"/>
+              <a:t>Outputs for 1</a:t>
+            </a:r>
+            <a:r>
+              <a:rPr lang="en-IN" baseline="30000" dirty="0"/>
+              <a:t>st</a:t>
+            </a:r>
+            <a:r>
+              <a:rPr lang="en-IN" dirty="0"/>
+              <a:t> Approach</a:t>
+            </a:r>
+          </a:p>
+        </p:txBody>
+      </p:sp>
+      <p:pic>
+        <p:nvPicPr>
+          <p:cNvPr id="5" name="Content Placeholder 4">
+            <a:extLst>
+              <a:ext uri="{FF2B5EF4-FFF2-40B4-BE49-F238E27FC236}">
+                <a16:creationId xmlns:a16="http://schemas.microsoft.com/office/drawing/2014/main" id="{6DAE2EF4-7B76-A5ED-EE95-A21733826D0A}"/>
+              </a:ext>
+            </a:extLst>
+          </p:cNvPr>
+          <p:cNvPicPr>
+            <a:picLocks noGrp="1" noChangeAspect="1"/>
+          </p:cNvPicPr>
+          <p:nvPr>
+            <p:ph idx="1"/>
+          </p:nvPr>
+        </p:nvPicPr>
+        <p:blipFill>
+          <a:blip r:embed="rId2"/>
+          <a:stretch>
+            <a:fillRect/>
+          </a:stretch>
+        </p:blipFill>
+        <p:spPr>
+          <a:xfrm>
+            <a:off x="1920875" y="2695705"/>
+            <a:ext cx="8769350" cy="2885816"/>
+          </a:xfrm>
+        </p:spPr>
+      </p:pic>
+    </p:spTree>
+    <p:extLst>
+      <p:ext uri="{BB962C8B-B14F-4D97-AF65-F5344CB8AC3E}">
+        <p14:creationId xmlns:p14="http://schemas.microsoft.com/office/powerpoint/2010/main" val="1422975811"/>
       </p:ext>
     </p:extLst>
   </p:cSld>
